--- a/01 Classes/Aula7 - CLP - Redes Industriais PROFIBUS.pptx
+++ b/01 Classes/Aula7 - CLP - Redes Industriais PROFIBUS.pptx
@@ -4400,21 +4400,8 @@
                   <a:srgbClr val="0070C0"/>
                 </a:solidFill>
               </a:rPr>
-              <a:t>CLP – </a:t>
-            </a:r>
-            <a:r>
-              <a:rPr lang="en-US" b="1" dirty="0" err="1">
-                <a:solidFill>
-                  <a:srgbClr val="0070C0"/>
-                </a:solidFill>
-              </a:rPr>
-              <a:t>Arquitetura</a:t>
-            </a:r>
-            <a:endParaRPr lang="en-US" b="1" dirty="0">
-              <a:solidFill>
-                <a:srgbClr val="0070C0"/>
-              </a:solidFill>
-            </a:endParaRPr>
+              <a:t>CLP – Redes PROFIBUS</a:t>
+            </a:r>
           </a:p>
         </p:txBody>
       </p:sp>
@@ -4581,7 +4568,7 @@
                 <a:latin typeface="Times New Roman" panose="02020603050405020304" pitchFamily="18" charset="0"/>
                 <a:cs typeface="Times New Roman" panose="02020603050405020304" pitchFamily="18" charset="0"/>
               </a:rPr>
-              <a:t>CLP Arquitetura 1</a:t>
+              <a:t>CLP Redes Industriais PROFIBUS 1</a:t>
             </a:r>
             <a:r>
               <a:rPr lang="pt-BR" sz="2200" dirty="0">
@@ -4661,7 +4648,7 @@
                 <a:latin typeface="Times New Roman" panose="02020603050405020304" pitchFamily="18" charset="0"/>
                 <a:cs typeface="Times New Roman" panose="02020603050405020304" pitchFamily="18" charset="0"/>
               </a:rPr>
-              <a:t>CLP Arquitetura 2</a:t>
+              <a:t>CLP Redes Industriais PROFIBUS 2</a:t>
             </a:r>
             <a:r>
               <a:rPr lang="pt-BR" sz="2200" dirty="0">
@@ -4811,7 +4798,7 @@
                 <a:latin typeface="Times New Roman" panose="02020603050405020304" pitchFamily="18" charset="0"/>
                 <a:cs typeface="Times New Roman" panose="02020603050405020304" pitchFamily="18" charset="0"/>
               </a:rPr>
-              <a:t>CLP Arquitetura 1.</a:t>
+              <a:t>CLP Redes Industriais PROFIBUS 1.</a:t>
             </a:r>
           </a:p>
           <a:p>
@@ -4875,7 +4862,7 @@
                 <a:latin typeface="Times New Roman" panose="02020603050405020304" pitchFamily="18" charset="0"/>
                 <a:cs typeface="Times New Roman" panose="02020603050405020304" pitchFamily="18" charset="0"/>
               </a:rPr>
-              <a:t>CLP Arquitetura 2.</a:t>
+              <a:t>CLP Redes Industriais PROFIBUS 2.</a:t>
             </a:r>
           </a:p>
           <a:p>

--- a/01 Classes/Aula7 - CLP - Redes Industriais PROFIBUS.pptx
+++ b/01 Classes/Aula7 - CLP - Redes Industriais PROFIBUS.pptx
@@ -5,17 +5,38 @@
     <p:sldMasterId id="2147483648" r:id="rId1"/>
   </p:sldMasterIdLst>
   <p:notesMasterIdLst>
-    <p:notesMasterId r:id="rId10"/>
+    <p:notesMasterId r:id="rId31"/>
   </p:notesMasterIdLst>
   <p:sldIdLst>
     <p:sldId id="256" r:id="rId2"/>
     <p:sldId id="291" r:id="rId3"/>
     <p:sldId id="354" r:id="rId4"/>
-    <p:sldId id="333" r:id="rId5"/>
-    <p:sldId id="323" r:id="rId6"/>
-    <p:sldId id="360" r:id="rId7"/>
-    <p:sldId id="337" r:id="rId8"/>
-    <p:sldId id="309" r:id="rId9"/>
+    <p:sldId id="361" r:id="rId5"/>
+    <p:sldId id="362" r:id="rId6"/>
+    <p:sldId id="363" r:id="rId7"/>
+    <p:sldId id="364" r:id="rId8"/>
+    <p:sldId id="365" r:id="rId9"/>
+    <p:sldId id="366" r:id="rId10"/>
+    <p:sldId id="367" r:id="rId11"/>
+    <p:sldId id="368" r:id="rId12"/>
+    <p:sldId id="369" r:id="rId13"/>
+    <p:sldId id="370" r:id="rId14"/>
+    <p:sldId id="371" r:id="rId15"/>
+    <p:sldId id="372" r:id="rId16"/>
+    <p:sldId id="373" r:id="rId17"/>
+    <p:sldId id="374" r:id="rId18"/>
+    <p:sldId id="375" r:id="rId19"/>
+    <p:sldId id="376" r:id="rId20"/>
+    <p:sldId id="333" r:id="rId21"/>
+    <p:sldId id="323" r:id="rId22"/>
+    <p:sldId id="360" r:id="rId23"/>
+    <p:sldId id="377" r:id="rId24"/>
+    <p:sldId id="378" r:id="rId25"/>
+    <p:sldId id="379" r:id="rId26"/>
+    <p:sldId id="380" r:id="rId27"/>
+    <p:sldId id="381" r:id="rId28"/>
+    <p:sldId id="337" r:id="rId29"/>
+    <p:sldId id="309" r:id="rId30"/>
   </p:sldIdLst>
   <p:sldSz cx="9144000" cy="5143500" type="screen16x9"/>
   <p:notesSz cx="6858000" cy="9144000"/>
@@ -562,6 +583,828 @@
 </p:notes>
 </file>
 
+<file path=ppt/notesSlides/notesSlide10.xml><?xml version="1.0" encoding="utf-8"?>
+<p:notes xmlns:a="http://schemas.openxmlformats.org/drawingml/2006/main" xmlns:r="http://schemas.openxmlformats.org/officeDocument/2006/relationships" xmlns:p="http://schemas.openxmlformats.org/presentationml/2006/main">
+  <p:cSld>
+    <p:spTree>
+      <p:nvGrpSpPr>
+        <p:cNvPr id="1" name="">
+          <a:extLst>
+            <a:ext uri="{FF2B5EF4-FFF2-40B4-BE49-F238E27FC236}">
+              <a16:creationId xmlns:a16="http://schemas.microsoft.com/office/drawing/2014/main" id="{3F306528-15EB-106F-7006-2F0A5037A0CA}"/>
+            </a:ext>
+          </a:extLst>
+        </p:cNvPr>
+        <p:cNvGrpSpPr/>
+        <p:nvPr/>
+      </p:nvGrpSpPr>
+      <p:grpSpPr>
+        <a:xfrm>
+          <a:off x="0" y="0"/>
+          <a:ext cx="0" cy="0"/>
+          <a:chOff x="0" y="0"/>
+          <a:chExt cx="0" cy="0"/>
+        </a:xfrm>
+      </p:grpSpPr>
+      <p:sp>
+        <p:nvSpPr>
+          <p:cNvPr id="2" name="Espaço Reservado para Imagem de Slide 1">
+            <a:extLst>
+              <a:ext uri="{FF2B5EF4-FFF2-40B4-BE49-F238E27FC236}">
+                <a16:creationId xmlns:a16="http://schemas.microsoft.com/office/drawing/2014/main" id="{61C4965D-0CDD-A13D-B4E1-5B5BC1732430}"/>
+              </a:ext>
+            </a:extLst>
+          </p:cNvPr>
+          <p:cNvSpPr>
+            <a:spLocks noGrp="1" noRot="1" noChangeAspect="1"/>
+          </p:cNvSpPr>
+          <p:nvPr>
+            <p:ph type="sldImg"/>
+          </p:nvPr>
+        </p:nvSpPr>
+        <p:spPr>
+          <a:xfrm>
+            <a:off x="381000" y="685800"/>
+            <a:ext cx="6096000" cy="3429000"/>
+          </a:xfrm>
+        </p:spPr>
+      </p:sp>
+      <p:sp>
+        <p:nvSpPr>
+          <p:cNvPr id="3" name="Espaço Reservado para Anotações 2">
+            <a:extLst>
+              <a:ext uri="{FF2B5EF4-FFF2-40B4-BE49-F238E27FC236}">
+                <a16:creationId xmlns:a16="http://schemas.microsoft.com/office/drawing/2014/main" id="{B43D3F95-7D48-E7BB-BAE6-9F38F67CB51B}"/>
+              </a:ext>
+            </a:extLst>
+          </p:cNvPr>
+          <p:cNvSpPr>
+            <a:spLocks noGrp="1"/>
+          </p:cNvSpPr>
+          <p:nvPr>
+            <p:ph type="body" idx="1"/>
+          </p:nvPr>
+        </p:nvSpPr>
+        <p:spPr/>
+        <p:txBody>
+          <a:bodyPr/>
+          <a:lstStyle/>
+          <a:p>
+            <a:endParaRPr lang="pt-BR" dirty="0"/>
+          </a:p>
+        </p:txBody>
+      </p:sp>
+    </p:spTree>
+    <p:extLst>
+      <p:ext uri="{BB962C8B-B14F-4D97-AF65-F5344CB8AC3E}">
+        <p14:creationId xmlns:p14="http://schemas.microsoft.com/office/powerpoint/2010/main" val="1638096359"/>
+      </p:ext>
+    </p:extLst>
+  </p:cSld>
+  <p:clrMapOvr>
+    <a:masterClrMapping/>
+  </p:clrMapOvr>
+</p:notes>
+</file>
+
+<file path=ppt/notesSlides/notesSlide11.xml><?xml version="1.0" encoding="utf-8"?>
+<p:notes xmlns:a="http://schemas.openxmlformats.org/drawingml/2006/main" xmlns:r="http://schemas.openxmlformats.org/officeDocument/2006/relationships" xmlns:p="http://schemas.openxmlformats.org/presentationml/2006/main">
+  <p:cSld>
+    <p:spTree>
+      <p:nvGrpSpPr>
+        <p:cNvPr id="1" name="">
+          <a:extLst>
+            <a:ext uri="{FF2B5EF4-FFF2-40B4-BE49-F238E27FC236}">
+              <a16:creationId xmlns:a16="http://schemas.microsoft.com/office/drawing/2014/main" id="{D1C62F1B-E910-E06E-30C7-7CE0E1B41822}"/>
+            </a:ext>
+          </a:extLst>
+        </p:cNvPr>
+        <p:cNvGrpSpPr/>
+        <p:nvPr/>
+      </p:nvGrpSpPr>
+      <p:grpSpPr>
+        <a:xfrm>
+          <a:off x="0" y="0"/>
+          <a:ext cx="0" cy="0"/>
+          <a:chOff x="0" y="0"/>
+          <a:chExt cx="0" cy="0"/>
+        </a:xfrm>
+      </p:grpSpPr>
+      <p:sp>
+        <p:nvSpPr>
+          <p:cNvPr id="2" name="Espaço Reservado para Imagem de Slide 1">
+            <a:extLst>
+              <a:ext uri="{FF2B5EF4-FFF2-40B4-BE49-F238E27FC236}">
+                <a16:creationId xmlns:a16="http://schemas.microsoft.com/office/drawing/2014/main" id="{9F4C8BA9-6F5D-6C72-A726-12C79D3CBF76}"/>
+              </a:ext>
+            </a:extLst>
+          </p:cNvPr>
+          <p:cNvSpPr>
+            <a:spLocks noGrp="1" noRot="1" noChangeAspect="1"/>
+          </p:cNvSpPr>
+          <p:nvPr>
+            <p:ph type="sldImg"/>
+          </p:nvPr>
+        </p:nvSpPr>
+        <p:spPr>
+          <a:xfrm>
+            <a:off x="381000" y="685800"/>
+            <a:ext cx="6096000" cy="3429000"/>
+          </a:xfrm>
+        </p:spPr>
+      </p:sp>
+      <p:sp>
+        <p:nvSpPr>
+          <p:cNvPr id="3" name="Espaço Reservado para Anotações 2">
+            <a:extLst>
+              <a:ext uri="{FF2B5EF4-FFF2-40B4-BE49-F238E27FC236}">
+                <a16:creationId xmlns:a16="http://schemas.microsoft.com/office/drawing/2014/main" id="{D0A2231B-EA75-CE6E-336A-5852114EB7FB}"/>
+              </a:ext>
+            </a:extLst>
+          </p:cNvPr>
+          <p:cNvSpPr>
+            <a:spLocks noGrp="1"/>
+          </p:cNvSpPr>
+          <p:nvPr>
+            <p:ph type="body" idx="1"/>
+          </p:nvPr>
+        </p:nvSpPr>
+        <p:spPr/>
+        <p:txBody>
+          <a:bodyPr/>
+          <a:lstStyle/>
+          <a:p>
+            <a:endParaRPr lang="pt-BR" dirty="0"/>
+          </a:p>
+        </p:txBody>
+      </p:sp>
+    </p:spTree>
+    <p:extLst>
+      <p:ext uri="{BB962C8B-B14F-4D97-AF65-F5344CB8AC3E}">
+        <p14:creationId xmlns:p14="http://schemas.microsoft.com/office/powerpoint/2010/main" val="3538668370"/>
+      </p:ext>
+    </p:extLst>
+  </p:cSld>
+  <p:clrMapOvr>
+    <a:masterClrMapping/>
+  </p:clrMapOvr>
+</p:notes>
+</file>
+
+<file path=ppt/notesSlides/notesSlide12.xml><?xml version="1.0" encoding="utf-8"?>
+<p:notes xmlns:a="http://schemas.openxmlformats.org/drawingml/2006/main" xmlns:r="http://schemas.openxmlformats.org/officeDocument/2006/relationships" xmlns:p="http://schemas.openxmlformats.org/presentationml/2006/main">
+  <p:cSld>
+    <p:spTree>
+      <p:nvGrpSpPr>
+        <p:cNvPr id="1" name="">
+          <a:extLst>
+            <a:ext uri="{FF2B5EF4-FFF2-40B4-BE49-F238E27FC236}">
+              <a16:creationId xmlns:a16="http://schemas.microsoft.com/office/drawing/2014/main" id="{DD47D3A1-0CC1-7513-72F5-E072F182158F}"/>
+            </a:ext>
+          </a:extLst>
+        </p:cNvPr>
+        <p:cNvGrpSpPr/>
+        <p:nvPr/>
+      </p:nvGrpSpPr>
+      <p:grpSpPr>
+        <a:xfrm>
+          <a:off x="0" y="0"/>
+          <a:ext cx="0" cy="0"/>
+          <a:chOff x="0" y="0"/>
+          <a:chExt cx="0" cy="0"/>
+        </a:xfrm>
+      </p:grpSpPr>
+      <p:sp>
+        <p:nvSpPr>
+          <p:cNvPr id="2" name="Espaço Reservado para Imagem de Slide 1">
+            <a:extLst>
+              <a:ext uri="{FF2B5EF4-FFF2-40B4-BE49-F238E27FC236}">
+                <a16:creationId xmlns:a16="http://schemas.microsoft.com/office/drawing/2014/main" id="{B9DC160D-9C6D-156F-0216-1B3D9BB4BC44}"/>
+              </a:ext>
+            </a:extLst>
+          </p:cNvPr>
+          <p:cNvSpPr>
+            <a:spLocks noGrp="1" noRot="1" noChangeAspect="1"/>
+          </p:cNvSpPr>
+          <p:nvPr>
+            <p:ph type="sldImg"/>
+          </p:nvPr>
+        </p:nvSpPr>
+        <p:spPr>
+          <a:xfrm>
+            <a:off x="381000" y="685800"/>
+            <a:ext cx="6096000" cy="3429000"/>
+          </a:xfrm>
+        </p:spPr>
+      </p:sp>
+      <p:sp>
+        <p:nvSpPr>
+          <p:cNvPr id="3" name="Espaço Reservado para Anotações 2">
+            <a:extLst>
+              <a:ext uri="{FF2B5EF4-FFF2-40B4-BE49-F238E27FC236}">
+                <a16:creationId xmlns:a16="http://schemas.microsoft.com/office/drawing/2014/main" id="{938AB869-BCDD-B227-E064-3C99ACB330CA}"/>
+              </a:ext>
+            </a:extLst>
+          </p:cNvPr>
+          <p:cNvSpPr>
+            <a:spLocks noGrp="1"/>
+          </p:cNvSpPr>
+          <p:nvPr>
+            <p:ph type="body" idx="1"/>
+          </p:nvPr>
+        </p:nvSpPr>
+        <p:spPr/>
+        <p:txBody>
+          <a:bodyPr/>
+          <a:lstStyle/>
+          <a:p>
+            <a:endParaRPr lang="pt-BR" dirty="0"/>
+          </a:p>
+        </p:txBody>
+      </p:sp>
+    </p:spTree>
+    <p:extLst>
+      <p:ext uri="{BB962C8B-B14F-4D97-AF65-F5344CB8AC3E}">
+        <p14:creationId xmlns:p14="http://schemas.microsoft.com/office/powerpoint/2010/main" val="2270315333"/>
+      </p:ext>
+    </p:extLst>
+  </p:cSld>
+  <p:clrMapOvr>
+    <a:masterClrMapping/>
+  </p:clrMapOvr>
+</p:notes>
+</file>
+
+<file path=ppt/notesSlides/notesSlide13.xml><?xml version="1.0" encoding="utf-8"?>
+<p:notes xmlns:a="http://schemas.openxmlformats.org/drawingml/2006/main" xmlns:r="http://schemas.openxmlformats.org/officeDocument/2006/relationships" xmlns:p="http://schemas.openxmlformats.org/presentationml/2006/main">
+  <p:cSld>
+    <p:spTree>
+      <p:nvGrpSpPr>
+        <p:cNvPr id="1" name="">
+          <a:extLst>
+            <a:ext uri="{FF2B5EF4-FFF2-40B4-BE49-F238E27FC236}">
+              <a16:creationId xmlns:a16="http://schemas.microsoft.com/office/drawing/2014/main" id="{259581BF-9507-7FFF-AC01-74937FDF227A}"/>
+            </a:ext>
+          </a:extLst>
+        </p:cNvPr>
+        <p:cNvGrpSpPr/>
+        <p:nvPr/>
+      </p:nvGrpSpPr>
+      <p:grpSpPr>
+        <a:xfrm>
+          <a:off x="0" y="0"/>
+          <a:ext cx="0" cy="0"/>
+          <a:chOff x="0" y="0"/>
+          <a:chExt cx="0" cy="0"/>
+        </a:xfrm>
+      </p:grpSpPr>
+      <p:sp>
+        <p:nvSpPr>
+          <p:cNvPr id="2" name="Espaço Reservado para Imagem de Slide 1">
+            <a:extLst>
+              <a:ext uri="{FF2B5EF4-FFF2-40B4-BE49-F238E27FC236}">
+                <a16:creationId xmlns:a16="http://schemas.microsoft.com/office/drawing/2014/main" id="{BE96EF22-C33F-7F00-10E2-7DA05A1A76DA}"/>
+              </a:ext>
+            </a:extLst>
+          </p:cNvPr>
+          <p:cNvSpPr>
+            <a:spLocks noGrp="1" noRot="1" noChangeAspect="1"/>
+          </p:cNvSpPr>
+          <p:nvPr>
+            <p:ph type="sldImg"/>
+          </p:nvPr>
+        </p:nvSpPr>
+        <p:spPr>
+          <a:xfrm>
+            <a:off x="381000" y="685800"/>
+            <a:ext cx="6096000" cy="3429000"/>
+          </a:xfrm>
+        </p:spPr>
+      </p:sp>
+      <p:sp>
+        <p:nvSpPr>
+          <p:cNvPr id="3" name="Espaço Reservado para Anotações 2">
+            <a:extLst>
+              <a:ext uri="{FF2B5EF4-FFF2-40B4-BE49-F238E27FC236}">
+                <a16:creationId xmlns:a16="http://schemas.microsoft.com/office/drawing/2014/main" id="{0C79DA38-5C73-AB62-C669-15A9C3AE97FE}"/>
+              </a:ext>
+            </a:extLst>
+          </p:cNvPr>
+          <p:cNvSpPr>
+            <a:spLocks noGrp="1"/>
+          </p:cNvSpPr>
+          <p:nvPr>
+            <p:ph type="body" idx="1"/>
+          </p:nvPr>
+        </p:nvSpPr>
+        <p:spPr/>
+        <p:txBody>
+          <a:bodyPr/>
+          <a:lstStyle/>
+          <a:p>
+            <a:endParaRPr lang="pt-BR" dirty="0"/>
+          </a:p>
+        </p:txBody>
+      </p:sp>
+    </p:spTree>
+    <p:extLst>
+      <p:ext uri="{BB962C8B-B14F-4D97-AF65-F5344CB8AC3E}">
+        <p14:creationId xmlns:p14="http://schemas.microsoft.com/office/powerpoint/2010/main" val="464395139"/>
+      </p:ext>
+    </p:extLst>
+  </p:cSld>
+  <p:clrMapOvr>
+    <a:masterClrMapping/>
+  </p:clrMapOvr>
+</p:notes>
+</file>
+
+<file path=ppt/notesSlides/notesSlide14.xml><?xml version="1.0" encoding="utf-8"?>
+<p:notes xmlns:a="http://schemas.openxmlformats.org/drawingml/2006/main" xmlns:r="http://schemas.openxmlformats.org/officeDocument/2006/relationships" xmlns:p="http://schemas.openxmlformats.org/presentationml/2006/main">
+  <p:cSld>
+    <p:spTree>
+      <p:nvGrpSpPr>
+        <p:cNvPr id="1" name="">
+          <a:extLst>
+            <a:ext uri="{FF2B5EF4-FFF2-40B4-BE49-F238E27FC236}">
+              <a16:creationId xmlns:a16="http://schemas.microsoft.com/office/drawing/2014/main" id="{66DA0B21-EBC8-BC17-CFB2-BF87479813D5}"/>
+            </a:ext>
+          </a:extLst>
+        </p:cNvPr>
+        <p:cNvGrpSpPr/>
+        <p:nvPr/>
+      </p:nvGrpSpPr>
+      <p:grpSpPr>
+        <a:xfrm>
+          <a:off x="0" y="0"/>
+          <a:ext cx="0" cy="0"/>
+          <a:chOff x="0" y="0"/>
+          <a:chExt cx="0" cy="0"/>
+        </a:xfrm>
+      </p:grpSpPr>
+      <p:sp>
+        <p:nvSpPr>
+          <p:cNvPr id="2" name="Espaço Reservado para Imagem de Slide 1">
+            <a:extLst>
+              <a:ext uri="{FF2B5EF4-FFF2-40B4-BE49-F238E27FC236}">
+                <a16:creationId xmlns:a16="http://schemas.microsoft.com/office/drawing/2014/main" id="{B96B511B-3886-B86B-577E-B28CF9EDC742}"/>
+              </a:ext>
+            </a:extLst>
+          </p:cNvPr>
+          <p:cNvSpPr>
+            <a:spLocks noGrp="1" noRot="1" noChangeAspect="1"/>
+          </p:cNvSpPr>
+          <p:nvPr>
+            <p:ph type="sldImg"/>
+          </p:nvPr>
+        </p:nvSpPr>
+        <p:spPr>
+          <a:xfrm>
+            <a:off x="381000" y="685800"/>
+            <a:ext cx="6096000" cy="3429000"/>
+          </a:xfrm>
+        </p:spPr>
+      </p:sp>
+      <p:sp>
+        <p:nvSpPr>
+          <p:cNvPr id="3" name="Espaço Reservado para Anotações 2">
+            <a:extLst>
+              <a:ext uri="{FF2B5EF4-FFF2-40B4-BE49-F238E27FC236}">
+                <a16:creationId xmlns:a16="http://schemas.microsoft.com/office/drawing/2014/main" id="{40421010-6B47-83D1-14DA-BA9338741363}"/>
+              </a:ext>
+            </a:extLst>
+          </p:cNvPr>
+          <p:cNvSpPr>
+            <a:spLocks noGrp="1"/>
+          </p:cNvSpPr>
+          <p:nvPr>
+            <p:ph type="body" idx="1"/>
+          </p:nvPr>
+        </p:nvSpPr>
+        <p:spPr/>
+        <p:txBody>
+          <a:bodyPr/>
+          <a:lstStyle/>
+          <a:p>
+            <a:endParaRPr lang="pt-BR" dirty="0"/>
+          </a:p>
+        </p:txBody>
+      </p:sp>
+    </p:spTree>
+    <p:extLst>
+      <p:ext uri="{BB962C8B-B14F-4D97-AF65-F5344CB8AC3E}">
+        <p14:creationId xmlns:p14="http://schemas.microsoft.com/office/powerpoint/2010/main" val="1482886190"/>
+      </p:ext>
+    </p:extLst>
+  </p:cSld>
+  <p:clrMapOvr>
+    <a:masterClrMapping/>
+  </p:clrMapOvr>
+</p:notes>
+</file>
+
+<file path=ppt/notesSlides/notesSlide15.xml><?xml version="1.0" encoding="utf-8"?>
+<p:notes xmlns:a="http://schemas.openxmlformats.org/drawingml/2006/main" xmlns:r="http://schemas.openxmlformats.org/officeDocument/2006/relationships" xmlns:p="http://schemas.openxmlformats.org/presentationml/2006/main">
+  <p:cSld>
+    <p:spTree>
+      <p:nvGrpSpPr>
+        <p:cNvPr id="1" name="">
+          <a:extLst>
+            <a:ext uri="{FF2B5EF4-FFF2-40B4-BE49-F238E27FC236}">
+              <a16:creationId xmlns:a16="http://schemas.microsoft.com/office/drawing/2014/main" id="{C835E57E-445E-2657-BD5E-19157DB4E862}"/>
+            </a:ext>
+          </a:extLst>
+        </p:cNvPr>
+        <p:cNvGrpSpPr/>
+        <p:nvPr/>
+      </p:nvGrpSpPr>
+      <p:grpSpPr>
+        <a:xfrm>
+          <a:off x="0" y="0"/>
+          <a:ext cx="0" cy="0"/>
+          <a:chOff x="0" y="0"/>
+          <a:chExt cx="0" cy="0"/>
+        </a:xfrm>
+      </p:grpSpPr>
+      <p:sp>
+        <p:nvSpPr>
+          <p:cNvPr id="2" name="Espaço Reservado para Imagem de Slide 1">
+            <a:extLst>
+              <a:ext uri="{FF2B5EF4-FFF2-40B4-BE49-F238E27FC236}">
+                <a16:creationId xmlns:a16="http://schemas.microsoft.com/office/drawing/2014/main" id="{A34603E4-6C75-F3EF-7325-D24C0156751E}"/>
+              </a:ext>
+            </a:extLst>
+          </p:cNvPr>
+          <p:cNvSpPr>
+            <a:spLocks noGrp="1" noRot="1" noChangeAspect="1"/>
+          </p:cNvSpPr>
+          <p:nvPr>
+            <p:ph type="sldImg"/>
+          </p:nvPr>
+        </p:nvSpPr>
+        <p:spPr>
+          <a:xfrm>
+            <a:off x="381000" y="685800"/>
+            <a:ext cx="6096000" cy="3429000"/>
+          </a:xfrm>
+        </p:spPr>
+      </p:sp>
+      <p:sp>
+        <p:nvSpPr>
+          <p:cNvPr id="3" name="Espaço Reservado para Anotações 2">
+            <a:extLst>
+              <a:ext uri="{FF2B5EF4-FFF2-40B4-BE49-F238E27FC236}">
+                <a16:creationId xmlns:a16="http://schemas.microsoft.com/office/drawing/2014/main" id="{F8A249C2-FF15-13DE-F26E-D4B2909B379A}"/>
+              </a:ext>
+            </a:extLst>
+          </p:cNvPr>
+          <p:cNvSpPr>
+            <a:spLocks noGrp="1"/>
+          </p:cNvSpPr>
+          <p:nvPr>
+            <p:ph type="body" idx="1"/>
+          </p:nvPr>
+        </p:nvSpPr>
+        <p:spPr/>
+        <p:txBody>
+          <a:bodyPr/>
+          <a:lstStyle/>
+          <a:p>
+            <a:endParaRPr lang="pt-BR" dirty="0"/>
+          </a:p>
+        </p:txBody>
+      </p:sp>
+    </p:spTree>
+    <p:extLst>
+      <p:ext uri="{BB962C8B-B14F-4D97-AF65-F5344CB8AC3E}">
+        <p14:creationId xmlns:p14="http://schemas.microsoft.com/office/powerpoint/2010/main" val="3188648062"/>
+      </p:ext>
+    </p:extLst>
+  </p:cSld>
+  <p:clrMapOvr>
+    <a:masterClrMapping/>
+  </p:clrMapOvr>
+</p:notes>
+</file>
+
+<file path=ppt/notesSlides/notesSlide16.xml><?xml version="1.0" encoding="utf-8"?>
+<p:notes xmlns:a="http://schemas.openxmlformats.org/drawingml/2006/main" xmlns:r="http://schemas.openxmlformats.org/officeDocument/2006/relationships" xmlns:p="http://schemas.openxmlformats.org/presentationml/2006/main">
+  <p:cSld>
+    <p:spTree>
+      <p:nvGrpSpPr>
+        <p:cNvPr id="1" name="">
+          <a:extLst>
+            <a:ext uri="{FF2B5EF4-FFF2-40B4-BE49-F238E27FC236}">
+              <a16:creationId xmlns:a16="http://schemas.microsoft.com/office/drawing/2014/main" id="{8ED7368B-0BA5-80CD-1121-286DAD3C49D2}"/>
+            </a:ext>
+          </a:extLst>
+        </p:cNvPr>
+        <p:cNvGrpSpPr/>
+        <p:nvPr/>
+      </p:nvGrpSpPr>
+      <p:grpSpPr>
+        <a:xfrm>
+          <a:off x="0" y="0"/>
+          <a:ext cx="0" cy="0"/>
+          <a:chOff x="0" y="0"/>
+          <a:chExt cx="0" cy="0"/>
+        </a:xfrm>
+      </p:grpSpPr>
+      <p:sp>
+        <p:nvSpPr>
+          <p:cNvPr id="2" name="Espaço Reservado para Imagem de Slide 1">
+            <a:extLst>
+              <a:ext uri="{FF2B5EF4-FFF2-40B4-BE49-F238E27FC236}">
+                <a16:creationId xmlns:a16="http://schemas.microsoft.com/office/drawing/2014/main" id="{85DAAFD7-61D4-E697-1F9B-FF98E8A253D1}"/>
+              </a:ext>
+            </a:extLst>
+          </p:cNvPr>
+          <p:cNvSpPr>
+            <a:spLocks noGrp="1" noRot="1" noChangeAspect="1"/>
+          </p:cNvSpPr>
+          <p:nvPr>
+            <p:ph type="sldImg"/>
+          </p:nvPr>
+        </p:nvSpPr>
+        <p:spPr>
+          <a:xfrm>
+            <a:off x="381000" y="685800"/>
+            <a:ext cx="6096000" cy="3429000"/>
+          </a:xfrm>
+        </p:spPr>
+      </p:sp>
+      <p:sp>
+        <p:nvSpPr>
+          <p:cNvPr id="3" name="Espaço Reservado para Anotações 2">
+            <a:extLst>
+              <a:ext uri="{FF2B5EF4-FFF2-40B4-BE49-F238E27FC236}">
+                <a16:creationId xmlns:a16="http://schemas.microsoft.com/office/drawing/2014/main" id="{3B03D364-28CB-5721-393E-5DBC15C6D510}"/>
+              </a:ext>
+            </a:extLst>
+          </p:cNvPr>
+          <p:cNvSpPr>
+            <a:spLocks noGrp="1"/>
+          </p:cNvSpPr>
+          <p:nvPr>
+            <p:ph type="body" idx="1"/>
+          </p:nvPr>
+        </p:nvSpPr>
+        <p:spPr/>
+        <p:txBody>
+          <a:bodyPr/>
+          <a:lstStyle/>
+          <a:p>
+            <a:endParaRPr lang="pt-BR" dirty="0"/>
+          </a:p>
+        </p:txBody>
+      </p:sp>
+    </p:spTree>
+    <p:extLst>
+      <p:ext uri="{BB962C8B-B14F-4D97-AF65-F5344CB8AC3E}">
+        <p14:creationId xmlns:p14="http://schemas.microsoft.com/office/powerpoint/2010/main" val="2197421517"/>
+      </p:ext>
+    </p:extLst>
+  </p:cSld>
+  <p:clrMapOvr>
+    <a:masterClrMapping/>
+  </p:clrMapOvr>
+</p:notes>
+</file>
+
+<file path=ppt/notesSlides/notesSlide17.xml><?xml version="1.0" encoding="utf-8"?>
+<p:notes xmlns:a="http://schemas.openxmlformats.org/drawingml/2006/main" xmlns:r="http://schemas.openxmlformats.org/officeDocument/2006/relationships" xmlns:p="http://schemas.openxmlformats.org/presentationml/2006/main">
+  <p:cSld>
+    <p:spTree>
+      <p:nvGrpSpPr>
+        <p:cNvPr id="1" name="">
+          <a:extLst>
+            <a:ext uri="{FF2B5EF4-FFF2-40B4-BE49-F238E27FC236}">
+              <a16:creationId xmlns:a16="http://schemas.microsoft.com/office/drawing/2014/main" id="{671883BF-EAD6-3348-6F8F-E36F61E6DCFB}"/>
+            </a:ext>
+          </a:extLst>
+        </p:cNvPr>
+        <p:cNvGrpSpPr/>
+        <p:nvPr/>
+      </p:nvGrpSpPr>
+      <p:grpSpPr>
+        <a:xfrm>
+          <a:off x="0" y="0"/>
+          <a:ext cx="0" cy="0"/>
+          <a:chOff x="0" y="0"/>
+          <a:chExt cx="0" cy="0"/>
+        </a:xfrm>
+      </p:grpSpPr>
+      <p:sp>
+        <p:nvSpPr>
+          <p:cNvPr id="2" name="Espaço Reservado para Imagem de Slide 1">
+            <a:extLst>
+              <a:ext uri="{FF2B5EF4-FFF2-40B4-BE49-F238E27FC236}">
+                <a16:creationId xmlns:a16="http://schemas.microsoft.com/office/drawing/2014/main" id="{69C02ABA-98CA-CB98-7EF2-23772A600606}"/>
+              </a:ext>
+            </a:extLst>
+          </p:cNvPr>
+          <p:cNvSpPr>
+            <a:spLocks noGrp="1" noRot="1" noChangeAspect="1"/>
+          </p:cNvSpPr>
+          <p:nvPr>
+            <p:ph type="sldImg"/>
+          </p:nvPr>
+        </p:nvSpPr>
+        <p:spPr>
+          <a:xfrm>
+            <a:off x="381000" y="685800"/>
+            <a:ext cx="6096000" cy="3429000"/>
+          </a:xfrm>
+        </p:spPr>
+      </p:sp>
+      <p:sp>
+        <p:nvSpPr>
+          <p:cNvPr id="3" name="Espaço Reservado para Anotações 2">
+            <a:extLst>
+              <a:ext uri="{FF2B5EF4-FFF2-40B4-BE49-F238E27FC236}">
+                <a16:creationId xmlns:a16="http://schemas.microsoft.com/office/drawing/2014/main" id="{DBEB1246-1395-5884-19E8-E090CA2C49E3}"/>
+              </a:ext>
+            </a:extLst>
+          </p:cNvPr>
+          <p:cNvSpPr>
+            <a:spLocks noGrp="1"/>
+          </p:cNvSpPr>
+          <p:nvPr>
+            <p:ph type="body" idx="1"/>
+          </p:nvPr>
+        </p:nvSpPr>
+        <p:spPr/>
+        <p:txBody>
+          <a:bodyPr/>
+          <a:lstStyle/>
+          <a:p>
+            <a:endParaRPr lang="pt-BR" dirty="0"/>
+          </a:p>
+        </p:txBody>
+      </p:sp>
+    </p:spTree>
+    <p:extLst>
+      <p:ext uri="{BB962C8B-B14F-4D97-AF65-F5344CB8AC3E}">
+        <p14:creationId xmlns:p14="http://schemas.microsoft.com/office/powerpoint/2010/main" val="3316375311"/>
+      </p:ext>
+    </p:extLst>
+  </p:cSld>
+  <p:clrMapOvr>
+    <a:masterClrMapping/>
+  </p:clrMapOvr>
+</p:notes>
+</file>
+
+<file path=ppt/notesSlides/notesSlide18.xml><?xml version="1.0" encoding="utf-8"?>
+<p:notes xmlns:a="http://schemas.openxmlformats.org/drawingml/2006/main" xmlns:r="http://schemas.openxmlformats.org/officeDocument/2006/relationships" xmlns:p="http://schemas.openxmlformats.org/presentationml/2006/main">
+  <p:cSld>
+    <p:spTree>
+      <p:nvGrpSpPr>
+        <p:cNvPr id="1" name="">
+          <a:extLst>
+            <a:ext uri="{FF2B5EF4-FFF2-40B4-BE49-F238E27FC236}">
+              <a16:creationId xmlns:a16="http://schemas.microsoft.com/office/drawing/2014/main" id="{9C6C7E54-00FE-0CEE-B7EE-D3A41ECAE1E3}"/>
+            </a:ext>
+          </a:extLst>
+        </p:cNvPr>
+        <p:cNvGrpSpPr/>
+        <p:nvPr/>
+      </p:nvGrpSpPr>
+      <p:grpSpPr>
+        <a:xfrm>
+          <a:off x="0" y="0"/>
+          <a:ext cx="0" cy="0"/>
+          <a:chOff x="0" y="0"/>
+          <a:chExt cx="0" cy="0"/>
+        </a:xfrm>
+      </p:grpSpPr>
+      <p:sp>
+        <p:nvSpPr>
+          <p:cNvPr id="2" name="Espaço Reservado para Imagem de Slide 1">
+            <a:extLst>
+              <a:ext uri="{FF2B5EF4-FFF2-40B4-BE49-F238E27FC236}">
+                <a16:creationId xmlns:a16="http://schemas.microsoft.com/office/drawing/2014/main" id="{4B897E21-1B1D-A897-120F-E4CE38BBF99C}"/>
+              </a:ext>
+            </a:extLst>
+          </p:cNvPr>
+          <p:cNvSpPr>
+            <a:spLocks noGrp="1" noRot="1" noChangeAspect="1"/>
+          </p:cNvSpPr>
+          <p:nvPr>
+            <p:ph type="sldImg"/>
+          </p:nvPr>
+        </p:nvSpPr>
+        <p:spPr>
+          <a:xfrm>
+            <a:off x="381000" y="685800"/>
+            <a:ext cx="6096000" cy="3429000"/>
+          </a:xfrm>
+        </p:spPr>
+      </p:sp>
+      <p:sp>
+        <p:nvSpPr>
+          <p:cNvPr id="3" name="Espaço Reservado para Anotações 2">
+            <a:extLst>
+              <a:ext uri="{FF2B5EF4-FFF2-40B4-BE49-F238E27FC236}">
+                <a16:creationId xmlns:a16="http://schemas.microsoft.com/office/drawing/2014/main" id="{F11830AC-ABFC-285C-D324-3EC3CF5BC650}"/>
+              </a:ext>
+            </a:extLst>
+          </p:cNvPr>
+          <p:cNvSpPr>
+            <a:spLocks noGrp="1"/>
+          </p:cNvSpPr>
+          <p:nvPr>
+            <p:ph type="body" idx="1"/>
+          </p:nvPr>
+        </p:nvSpPr>
+        <p:spPr/>
+        <p:txBody>
+          <a:bodyPr/>
+          <a:lstStyle/>
+          <a:p>
+            <a:endParaRPr lang="pt-BR" dirty="0"/>
+          </a:p>
+        </p:txBody>
+      </p:sp>
+    </p:spTree>
+    <p:extLst>
+      <p:ext uri="{BB962C8B-B14F-4D97-AF65-F5344CB8AC3E}">
+        <p14:creationId xmlns:p14="http://schemas.microsoft.com/office/powerpoint/2010/main" val="2046985571"/>
+      </p:ext>
+    </p:extLst>
+  </p:cSld>
+  <p:clrMapOvr>
+    <a:masterClrMapping/>
+  </p:clrMapOvr>
+</p:notes>
+</file>
+
+<file path=ppt/notesSlides/notesSlide19.xml><?xml version="1.0" encoding="utf-8"?>
+<p:notes xmlns:a="http://schemas.openxmlformats.org/drawingml/2006/main" xmlns:r="http://schemas.openxmlformats.org/officeDocument/2006/relationships" xmlns:p="http://schemas.openxmlformats.org/presentationml/2006/main">
+  <p:cSld>
+    <p:spTree>
+      <p:nvGrpSpPr>
+        <p:cNvPr id="1" name=""/>
+        <p:cNvGrpSpPr/>
+        <p:nvPr/>
+      </p:nvGrpSpPr>
+      <p:grpSpPr>
+        <a:xfrm>
+          <a:off x="0" y="0"/>
+          <a:ext cx="0" cy="0"/>
+          <a:chOff x="0" y="0"/>
+          <a:chExt cx="0" cy="0"/>
+        </a:xfrm>
+      </p:grpSpPr>
+      <p:sp>
+        <p:nvSpPr>
+          <p:cNvPr id="2" name="Espaço Reservado para Imagem de Slide 1"/>
+          <p:cNvSpPr>
+            <a:spLocks noGrp="1" noRot="1" noChangeAspect="1"/>
+          </p:cNvSpPr>
+          <p:nvPr>
+            <p:ph type="sldImg"/>
+          </p:nvPr>
+        </p:nvSpPr>
+        <p:spPr>
+          <a:xfrm>
+            <a:off x="381000" y="685800"/>
+            <a:ext cx="6096000" cy="3429000"/>
+          </a:xfrm>
+        </p:spPr>
+      </p:sp>
+      <p:sp>
+        <p:nvSpPr>
+          <p:cNvPr id="3" name="Espaço Reservado para Anotações 2"/>
+          <p:cNvSpPr>
+            <a:spLocks noGrp="1"/>
+          </p:cNvSpPr>
+          <p:nvPr>
+            <p:ph type="body" idx="1"/>
+          </p:nvPr>
+        </p:nvSpPr>
+        <p:spPr/>
+        <p:txBody>
+          <a:bodyPr/>
+          <a:lstStyle/>
+          <a:p>
+            <a:endParaRPr lang="pt-BR" dirty="0"/>
+          </a:p>
+        </p:txBody>
+      </p:sp>
+    </p:spTree>
+    <p:extLst>
+      <p:ext uri="{BB962C8B-B14F-4D97-AF65-F5344CB8AC3E}">
+        <p14:creationId xmlns:p14="http://schemas.microsoft.com/office/powerpoint/2010/main" val="585304384"/>
+      </p:ext>
+    </p:extLst>
+  </p:cSld>
+  <p:clrMapOvr>
+    <a:masterClrMapping/>
+  </p:clrMapOvr>
+</p:notes>
+</file>
+
 <file path=ppt/notesSlides/notesSlide2.xml><?xml version="1.0" encoding="utf-8"?>
 <p:notes xmlns:a="http://schemas.openxmlformats.org/drawingml/2006/main" xmlns:r="http://schemas.openxmlformats.org/officeDocument/2006/relationships" xmlns:p="http://schemas.openxmlformats.org/presentationml/2006/main">
   <p:cSld>
@@ -646,7 +1489,7 @@
 </p:notes>
 </file>
 
-<file path=ppt/notesSlides/notesSlide3.xml><?xml version="1.0" encoding="utf-8"?>
+<file path=ppt/notesSlides/notesSlide20.xml><?xml version="1.0" encoding="utf-8"?>
 <p:notes xmlns:a="http://schemas.openxmlformats.org/drawingml/2006/main" xmlns:r="http://schemas.openxmlformats.org/officeDocument/2006/relationships" xmlns:p="http://schemas.openxmlformats.org/presentationml/2006/main">
   <p:cSld>
     <p:spTree>
@@ -702,72 +1545,6 @@
     </p:spTree>
     <p:extLst>
       <p:ext uri="{BB962C8B-B14F-4D97-AF65-F5344CB8AC3E}">
-        <p14:creationId xmlns:p14="http://schemas.microsoft.com/office/powerpoint/2010/main" val="585304384"/>
-      </p:ext>
-    </p:extLst>
-  </p:cSld>
-  <p:clrMapOvr>
-    <a:masterClrMapping/>
-  </p:clrMapOvr>
-</p:notes>
-</file>
-
-<file path=ppt/notesSlides/notesSlide4.xml><?xml version="1.0" encoding="utf-8"?>
-<p:notes xmlns:a="http://schemas.openxmlformats.org/drawingml/2006/main" xmlns:r="http://schemas.openxmlformats.org/officeDocument/2006/relationships" xmlns:p="http://schemas.openxmlformats.org/presentationml/2006/main">
-  <p:cSld>
-    <p:spTree>
-      <p:nvGrpSpPr>
-        <p:cNvPr id="1" name=""/>
-        <p:cNvGrpSpPr/>
-        <p:nvPr/>
-      </p:nvGrpSpPr>
-      <p:grpSpPr>
-        <a:xfrm>
-          <a:off x="0" y="0"/>
-          <a:ext cx="0" cy="0"/>
-          <a:chOff x="0" y="0"/>
-          <a:chExt cx="0" cy="0"/>
-        </a:xfrm>
-      </p:grpSpPr>
-      <p:sp>
-        <p:nvSpPr>
-          <p:cNvPr id="2" name="Espaço Reservado para Imagem de Slide 1"/>
-          <p:cNvSpPr>
-            <a:spLocks noGrp="1" noRot="1" noChangeAspect="1"/>
-          </p:cNvSpPr>
-          <p:nvPr>
-            <p:ph type="sldImg"/>
-          </p:nvPr>
-        </p:nvSpPr>
-        <p:spPr>
-          <a:xfrm>
-            <a:off x="381000" y="685800"/>
-            <a:ext cx="6096000" cy="3429000"/>
-          </a:xfrm>
-        </p:spPr>
-      </p:sp>
-      <p:sp>
-        <p:nvSpPr>
-          <p:cNvPr id="3" name="Espaço Reservado para Anotações 2"/>
-          <p:cNvSpPr>
-            <a:spLocks noGrp="1"/>
-          </p:cNvSpPr>
-          <p:nvPr>
-            <p:ph type="body" idx="1"/>
-          </p:nvPr>
-        </p:nvSpPr>
-        <p:spPr/>
-        <p:txBody>
-          <a:bodyPr/>
-          <a:lstStyle/>
-          <a:p>
-            <a:endParaRPr lang="pt-BR" dirty="0"/>
-          </a:p>
-        </p:txBody>
-      </p:sp>
-    </p:spTree>
-    <p:extLst>
-      <p:ext uri="{BB962C8B-B14F-4D97-AF65-F5344CB8AC3E}">
         <p14:creationId xmlns:p14="http://schemas.microsoft.com/office/powerpoint/2010/main" val="2709569597"/>
       </p:ext>
     </p:extLst>
@@ -778,7 +1555,7 @@
 </p:notes>
 </file>
 
-<file path=ppt/notesSlides/notesSlide5.xml><?xml version="1.0" encoding="utf-8"?>
+<file path=ppt/notesSlides/notesSlide21.xml><?xml version="1.0" encoding="utf-8"?>
 <p:notes xmlns:a="http://schemas.openxmlformats.org/drawingml/2006/main" xmlns:r="http://schemas.openxmlformats.org/officeDocument/2006/relationships" xmlns:p="http://schemas.openxmlformats.org/presentationml/2006/main">
   <p:cSld>
     <p:spTree>
@@ -862,7 +1639,427 @@
 </p:notes>
 </file>
 
-<file path=ppt/notesSlides/notesSlide6.xml><?xml version="1.0" encoding="utf-8"?>
+<file path=ppt/notesSlides/notesSlide22.xml><?xml version="1.0" encoding="utf-8"?>
+<p:notes xmlns:a="http://schemas.openxmlformats.org/drawingml/2006/main" xmlns:r="http://schemas.openxmlformats.org/officeDocument/2006/relationships" xmlns:p="http://schemas.openxmlformats.org/presentationml/2006/main">
+  <p:cSld>
+    <p:spTree>
+      <p:nvGrpSpPr>
+        <p:cNvPr id="1" name="">
+          <a:extLst>
+            <a:ext uri="{FF2B5EF4-FFF2-40B4-BE49-F238E27FC236}">
+              <a16:creationId xmlns:a16="http://schemas.microsoft.com/office/drawing/2014/main" id="{F23A90E9-5896-5BB4-82A8-C78BCFE4AD41}"/>
+            </a:ext>
+          </a:extLst>
+        </p:cNvPr>
+        <p:cNvGrpSpPr/>
+        <p:nvPr/>
+      </p:nvGrpSpPr>
+      <p:grpSpPr>
+        <a:xfrm>
+          <a:off x="0" y="0"/>
+          <a:ext cx="0" cy="0"/>
+          <a:chOff x="0" y="0"/>
+          <a:chExt cx="0" cy="0"/>
+        </a:xfrm>
+      </p:grpSpPr>
+      <p:sp>
+        <p:nvSpPr>
+          <p:cNvPr id="2" name="Espaço Reservado para Imagem de Slide 1">
+            <a:extLst>
+              <a:ext uri="{FF2B5EF4-FFF2-40B4-BE49-F238E27FC236}">
+                <a16:creationId xmlns:a16="http://schemas.microsoft.com/office/drawing/2014/main" id="{7C379093-AB56-59A4-B801-02C40567FAEA}"/>
+              </a:ext>
+            </a:extLst>
+          </p:cNvPr>
+          <p:cNvSpPr>
+            <a:spLocks noGrp="1" noRot="1" noChangeAspect="1"/>
+          </p:cNvSpPr>
+          <p:nvPr>
+            <p:ph type="sldImg"/>
+          </p:nvPr>
+        </p:nvSpPr>
+        <p:spPr>
+          <a:xfrm>
+            <a:off x="381000" y="685800"/>
+            <a:ext cx="6096000" cy="3429000"/>
+          </a:xfrm>
+        </p:spPr>
+      </p:sp>
+      <p:sp>
+        <p:nvSpPr>
+          <p:cNvPr id="3" name="Espaço Reservado para Anotações 2">
+            <a:extLst>
+              <a:ext uri="{FF2B5EF4-FFF2-40B4-BE49-F238E27FC236}">
+                <a16:creationId xmlns:a16="http://schemas.microsoft.com/office/drawing/2014/main" id="{ABA25907-AC35-C90C-FE50-8BDFFC403A67}"/>
+              </a:ext>
+            </a:extLst>
+          </p:cNvPr>
+          <p:cNvSpPr>
+            <a:spLocks noGrp="1"/>
+          </p:cNvSpPr>
+          <p:nvPr>
+            <p:ph type="body" idx="1"/>
+          </p:nvPr>
+        </p:nvSpPr>
+        <p:spPr/>
+        <p:txBody>
+          <a:bodyPr/>
+          <a:lstStyle/>
+          <a:p>
+            <a:endParaRPr lang="pt-BR" dirty="0"/>
+          </a:p>
+        </p:txBody>
+      </p:sp>
+    </p:spTree>
+    <p:extLst>
+      <p:ext uri="{BB962C8B-B14F-4D97-AF65-F5344CB8AC3E}">
+        <p14:creationId xmlns:p14="http://schemas.microsoft.com/office/powerpoint/2010/main" val="2001317872"/>
+      </p:ext>
+    </p:extLst>
+  </p:cSld>
+  <p:clrMapOvr>
+    <a:masterClrMapping/>
+  </p:clrMapOvr>
+</p:notes>
+</file>
+
+<file path=ppt/notesSlides/notesSlide23.xml><?xml version="1.0" encoding="utf-8"?>
+<p:notes xmlns:a="http://schemas.openxmlformats.org/drawingml/2006/main" xmlns:r="http://schemas.openxmlformats.org/officeDocument/2006/relationships" xmlns:p="http://schemas.openxmlformats.org/presentationml/2006/main">
+  <p:cSld>
+    <p:spTree>
+      <p:nvGrpSpPr>
+        <p:cNvPr id="1" name="">
+          <a:extLst>
+            <a:ext uri="{FF2B5EF4-FFF2-40B4-BE49-F238E27FC236}">
+              <a16:creationId xmlns:a16="http://schemas.microsoft.com/office/drawing/2014/main" id="{46CB757E-41A0-DF7A-97A2-A8FE81DE1100}"/>
+            </a:ext>
+          </a:extLst>
+        </p:cNvPr>
+        <p:cNvGrpSpPr/>
+        <p:nvPr/>
+      </p:nvGrpSpPr>
+      <p:grpSpPr>
+        <a:xfrm>
+          <a:off x="0" y="0"/>
+          <a:ext cx="0" cy="0"/>
+          <a:chOff x="0" y="0"/>
+          <a:chExt cx="0" cy="0"/>
+        </a:xfrm>
+      </p:grpSpPr>
+      <p:sp>
+        <p:nvSpPr>
+          <p:cNvPr id="2" name="Espaço Reservado para Imagem de Slide 1">
+            <a:extLst>
+              <a:ext uri="{FF2B5EF4-FFF2-40B4-BE49-F238E27FC236}">
+                <a16:creationId xmlns:a16="http://schemas.microsoft.com/office/drawing/2014/main" id="{82898A06-00A4-5E4D-0062-1A89C3A1D18B}"/>
+              </a:ext>
+            </a:extLst>
+          </p:cNvPr>
+          <p:cNvSpPr>
+            <a:spLocks noGrp="1" noRot="1" noChangeAspect="1"/>
+          </p:cNvSpPr>
+          <p:nvPr>
+            <p:ph type="sldImg"/>
+          </p:nvPr>
+        </p:nvSpPr>
+        <p:spPr>
+          <a:xfrm>
+            <a:off x="381000" y="685800"/>
+            <a:ext cx="6096000" cy="3429000"/>
+          </a:xfrm>
+        </p:spPr>
+      </p:sp>
+      <p:sp>
+        <p:nvSpPr>
+          <p:cNvPr id="3" name="Espaço Reservado para Anotações 2">
+            <a:extLst>
+              <a:ext uri="{FF2B5EF4-FFF2-40B4-BE49-F238E27FC236}">
+                <a16:creationId xmlns:a16="http://schemas.microsoft.com/office/drawing/2014/main" id="{5C4AE335-6D43-E7DC-519D-E7AF46A9593C}"/>
+              </a:ext>
+            </a:extLst>
+          </p:cNvPr>
+          <p:cNvSpPr>
+            <a:spLocks noGrp="1"/>
+          </p:cNvSpPr>
+          <p:nvPr>
+            <p:ph type="body" idx="1"/>
+          </p:nvPr>
+        </p:nvSpPr>
+        <p:spPr/>
+        <p:txBody>
+          <a:bodyPr/>
+          <a:lstStyle/>
+          <a:p>
+            <a:endParaRPr lang="pt-BR" dirty="0"/>
+          </a:p>
+        </p:txBody>
+      </p:sp>
+    </p:spTree>
+    <p:extLst>
+      <p:ext uri="{BB962C8B-B14F-4D97-AF65-F5344CB8AC3E}">
+        <p14:creationId xmlns:p14="http://schemas.microsoft.com/office/powerpoint/2010/main" val="2679066894"/>
+      </p:ext>
+    </p:extLst>
+  </p:cSld>
+  <p:clrMapOvr>
+    <a:masterClrMapping/>
+  </p:clrMapOvr>
+</p:notes>
+</file>
+
+<file path=ppt/notesSlides/notesSlide24.xml><?xml version="1.0" encoding="utf-8"?>
+<p:notes xmlns:a="http://schemas.openxmlformats.org/drawingml/2006/main" xmlns:r="http://schemas.openxmlformats.org/officeDocument/2006/relationships" xmlns:p="http://schemas.openxmlformats.org/presentationml/2006/main">
+  <p:cSld>
+    <p:spTree>
+      <p:nvGrpSpPr>
+        <p:cNvPr id="1" name="">
+          <a:extLst>
+            <a:ext uri="{FF2B5EF4-FFF2-40B4-BE49-F238E27FC236}">
+              <a16:creationId xmlns:a16="http://schemas.microsoft.com/office/drawing/2014/main" id="{1F80CDBA-6F00-CA3C-EE96-0019C9FA4BCB}"/>
+            </a:ext>
+          </a:extLst>
+        </p:cNvPr>
+        <p:cNvGrpSpPr/>
+        <p:nvPr/>
+      </p:nvGrpSpPr>
+      <p:grpSpPr>
+        <a:xfrm>
+          <a:off x="0" y="0"/>
+          <a:ext cx="0" cy="0"/>
+          <a:chOff x="0" y="0"/>
+          <a:chExt cx="0" cy="0"/>
+        </a:xfrm>
+      </p:grpSpPr>
+      <p:sp>
+        <p:nvSpPr>
+          <p:cNvPr id="2" name="Espaço Reservado para Imagem de Slide 1">
+            <a:extLst>
+              <a:ext uri="{FF2B5EF4-FFF2-40B4-BE49-F238E27FC236}">
+                <a16:creationId xmlns:a16="http://schemas.microsoft.com/office/drawing/2014/main" id="{CC428CC1-ADEF-34F5-AD54-28F7D295BB16}"/>
+              </a:ext>
+            </a:extLst>
+          </p:cNvPr>
+          <p:cNvSpPr>
+            <a:spLocks noGrp="1" noRot="1" noChangeAspect="1"/>
+          </p:cNvSpPr>
+          <p:nvPr>
+            <p:ph type="sldImg"/>
+          </p:nvPr>
+        </p:nvSpPr>
+        <p:spPr>
+          <a:xfrm>
+            <a:off x="381000" y="685800"/>
+            <a:ext cx="6096000" cy="3429000"/>
+          </a:xfrm>
+        </p:spPr>
+      </p:sp>
+      <p:sp>
+        <p:nvSpPr>
+          <p:cNvPr id="3" name="Espaço Reservado para Anotações 2">
+            <a:extLst>
+              <a:ext uri="{FF2B5EF4-FFF2-40B4-BE49-F238E27FC236}">
+                <a16:creationId xmlns:a16="http://schemas.microsoft.com/office/drawing/2014/main" id="{3916966C-C335-A39E-9B73-081BE3D765A5}"/>
+              </a:ext>
+            </a:extLst>
+          </p:cNvPr>
+          <p:cNvSpPr>
+            <a:spLocks noGrp="1"/>
+          </p:cNvSpPr>
+          <p:nvPr>
+            <p:ph type="body" idx="1"/>
+          </p:nvPr>
+        </p:nvSpPr>
+        <p:spPr/>
+        <p:txBody>
+          <a:bodyPr/>
+          <a:lstStyle/>
+          <a:p>
+            <a:endParaRPr lang="pt-BR" dirty="0"/>
+          </a:p>
+        </p:txBody>
+      </p:sp>
+    </p:spTree>
+    <p:extLst>
+      <p:ext uri="{BB962C8B-B14F-4D97-AF65-F5344CB8AC3E}">
+        <p14:creationId xmlns:p14="http://schemas.microsoft.com/office/powerpoint/2010/main" val="1366635907"/>
+      </p:ext>
+    </p:extLst>
+  </p:cSld>
+  <p:clrMapOvr>
+    <a:masterClrMapping/>
+  </p:clrMapOvr>
+</p:notes>
+</file>
+
+<file path=ppt/notesSlides/notesSlide25.xml><?xml version="1.0" encoding="utf-8"?>
+<p:notes xmlns:a="http://schemas.openxmlformats.org/drawingml/2006/main" xmlns:r="http://schemas.openxmlformats.org/officeDocument/2006/relationships" xmlns:p="http://schemas.openxmlformats.org/presentationml/2006/main">
+  <p:cSld>
+    <p:spTree>
+      <p:nvGrpSpPr>
+        <p:cNvPr id="1" name="">
+          <a:extLst>
+            <a:ext uri="{FF2B5EF4-FFF2-40B4-BE49-F238E27FC236}">
+              <a16:creationId xmlns:a16="http://schemas.microsoft.com/office/drawing/2014/main" id="{13480727-F1E8-F4EB-47CA-D2AAE8785FB1}"/>
+            </a:ext>
+          </a:extLst>
+        </p:cNvPr>
+        <p:cNvGrpSpPr/>
+        <p:nvPr/>
+      </p:nvGrpSpPr>
+      <p:grpSpPr>
+        <a:xfrm>
+          <a:off x="0" y="0"/>
+          <a:ext cx="0" cy="0"/>
+          <a:chOff x="0" y="0"/>
+          <a:chExt cx="0" cy="0"/>
+        </a:xfrm>
+      </p:grpSpPr>
+      <p:sp>
+        <p:nvSpPr>
+          <p:cNvPr id="2" name="Espaço Reservado para Imagem de Slide 1">
+            <a:extLst>
+              <a:ext uri="{FF2B5EF4-FFF2-40B4-BE49-F238E27FC236}">
+                <a16:creationId xmlns:a16="http://schemas.microsoft.com/office/drawing/2014/main" id="{8599440A-68B8-0A6F-CEBF-98F4F6CF3698}"/>
+              </a:ext>
+            </a:extLst>
+          </p:cNvPr>
+          <p:cNvSpPr>
+            <a:spLocks noGrp="1" noRot="1" noChangeAspect="1"/>
+          </p:cNvSpPr>
+          <p:nvPr>
+            <p:ph type="sldImg"/>
+          </p:nvPr>
+        </p:nvSpPr>
+        <p:spPr>
+          <a:xfrm>
+            <a:off x="381000" y="685800"/>
+            <a:ext cx="6096000" cy="3429000"/>
+          </a:xfrm>
+        </p:spPr>
+      </p:sp>
+      <p:sp>
+        <p:nvSpPr>
+          <p:cNvPr id="3" name="Espaço Reservado para Anotações 2">
+            <a:extLst>
+              <a:ext uri="{FF2B5EF4-FFF2-40B4-BE49-F238E27FC236}">
+                <a16:creationId xmlns:a16="http://schemas.microsoft.com/office/drawing/2014/main" id="{4178E2D4-44AC-CE34-3D84-E2C2BCE286D4}"/>
+              </a:ext>
+            </a:extLst>
+          </p:cNvPr>
+          <p:cNvSpPr>
+            <a:spLocks noGrp="1"/>
+          </p:cNvSpPr>
+          <p:nvPr>
+            <p:ph type="body" idx="1"/>
+          </p:nvPr>
+        </p:nvSpPr>
+        <p:spPr/>
+        <p:txBody>
+          <a:bodyPr/>
+          <a:lstStyle/>
+          <a:p>
+            <a:endParaRPr lang="pt-BR" dirty="0"/>
+          </a:p>
+        </p:txBody>
+      </p:sp>
+    </p:spTree>
+    <p:extLst>
+      <p:ext uri="{BB962C8B-B14F-4D97-AF65-F5344CB8AC3E}">
+        <p14:creationId xmlns:p14="http://schemas.microsoft.com/office/powerpoint/2010/main" val="2137225366"/>
+      </p:ext>
+    </p:extLst>
+  </p:cSld>
+  <p:clrMapOvr>
+    <a:masterClrMapping/>
+  </p:clrMapOvr>
+</p:notes>
+</file>
+
+<file path=ppt/notesSlides/notesSlide26.xml><?xml version="1.0" encoding="utf-8"?>
+<p:notes xmlns:a="http://schemas.openxmlformats.org/drawingml/2006/main" xmlns:r="http://schemas.openxmlformats.org/officeDocument/2006/relationships" xmlns:p="http://schemas.openxmlformats.org/presentationml/2006/main">
+  <p:cSld>
+    <p:spTree>
+      <p:nvGrpSpPr>
+        <p:cNvPr id="1" name="">
+          <a:extLst>
+            <a:ext uri="{FF2B5EF4-FFF2-40B4-BE49-F238E27FC236}">
+              <a16:creationId xmlns:a16="http://schemas.microsoft.com/office/drawing/2014/main" id="{1079FCEF-B132-E733-2E17-B0F68FB057C1}"/>
+            </a:ext>
+          </a:extLst>
+        </p:cNvPr>
+        <p:cNvGrpSpPr/>
+        <p:nvPr/>
+      </p:nvGrpSpPr>
+      <p:grpSpPr>
+        <a:xfrm>
+          <a:off x="0" y="0"/>
+          <a:ext cx="0" cy="0"/>
+          <a:chOff x="0" y="0"/>
+          <a:chExt cx="0" cy="0"/>
+        </a:xfrm>
+      </p:grpSpPr>
+      <p:sp>
+        <p:nvSpPr>
+          <p:cNvPr id="2" name="Espaço Reservado para Imagem de Slide 1">
+            <a:extLst>
+              <a:ext uri="{FF2B5EF4-FFF2-40B4-BE49-F238E27FC236}">
+                <a16:creationId xmlns:a16="http://schemas.microsoft.com/office/drawing/2014/main" id="{B0EEBA3D-5E30-BF67-7CA4-BFA8EB9C8F5C}"/>
+              </a:ext>
+            </a:extLst>
+          </p:cNvPr>
+          <p:cNvSpPr>
+            <a:spLocks noGrp="1" noRot="1" noChangeAspect="1"/>
+          </p:cNvSpPr>
+          <p:nvPr>
+            <p:ph type="sldImg"/>
+          </p:nvPr>
+        </p:nvSpPr>
+        <p:spPr>
+          <a:xfrm>
+            <a:off x="381000" y="685800"/>
+            <a:ext cx="6096000" cy="3429000"/>
+          </a:xfrm>
+        </p:spPr>
+      </p:sp>
+      <p:sp>
+        <p:nvSpPr>
+          <p:cNvPr id="3" name="Espaço Reservado para Anotações 2">
+            <a:extLst>
+              <a:ext uri="{FF2B5EF4-FFF2-40B4-BE49-F238E27FC236}">
+                <a16:creationId xmlns:a16="http://schemas.microsoft.com/office/drawing/2014/main" id="{B49EA4F6-AEDB-FE25-022F-29039E8ADDC8}"/>
+              </a:ext>
+            </a:extLst>
+          </p:cNvPr>
+          <p:cNvSpPr>
+            <a:spLocks noGrp="1"/>
+          </p:cNvSpPr>
+          <p:nvPr>
+            <p:ph type="body" idx="1"/>
+          </p:nvPr>
+        </p:nvSpPr>
+        <p:spPr/>
+        <p:txBody>
+          <a:bodyPr/>
+          <a:lstStyle/>
+          <a:p>
+            <a:endParaRPr lang="pt-BR" dirty="0"/>
+          </a:p>
+        </p:txBody>
+      </p:sp>
+    </p:spTree>
+    <p:extLst>
+      <p:ext uri="{BB962C8B-B14F-4D97-AF65-F5344CB8AC3E}">
+        <p14:creationId xmlns:p14="http://schemas.microsoft.com/office/powerpoint/2010/main" val="3134095299"/>
+      </p:ext>
+    </p:extLst>
+  </p:cSld>
+  <p:clrMapOvr>
+    <a:masterClrMapping/>
+  </p:clrMapOvr>
+</p:notes>
+</file>
+
+<file path=ppt/notesSlides/notesSlide27.xml><?xml version="1.0" encoding="utf-8"?>
 <p:notes xmlns:a="http://schemas.openxmlformats.org/drawingml/2006/main" xmlns:r="http://schemas.openxmlformats.org/officeDocument/2006/relationships" xmlns:p="http://schemas.openxmlformats.org/presentationml/2006/main">
   <p:cSld>
     <p:spTree>
@@ -919,6 +2116,594 @@
     <p:extLst>
       <p:ext uri="{BB962C8B-B14F-4D97-AF65-F5344CB8AC3E}">
         <p14:creationId xmlns:p14="http://schemas.microsoft.com/office/powerpoint/2010/main" val="4290351292"/>
+      </p:ext>
+    </p:extLst>
+  </p:cSld>
+  <p:clrMapOvr>
+    <a:masterClrMapping/>
+  </p:clrMapOvr>
+</p:notes>
+</file>
+
+<file path=ppt/notesSlides/notesSlide3.xml><?xml version="1.0" encoding="utf-8"?>
+<p:notes xmlns:a="http://schemas.openxmlformats.org/drawingml/2006/main" xmlns:r="http://schemas.openxmlformats.org/officeDocument/2006/relationships" xmlns:p="http://schemas.openxmlformats.org/presentationml/2006/main">
+  <p:cSld>
+    <p:spTree>
+      <p:nvGrpSpPr>
+        <p:cNvPr id="1" name="">
+          <a:extLst>
+            <a:ext uri="{FF2B5EF4-FFF2-40B4-BE49-F238E27FC236}">
+              <a16:creationId xmlns:a16="http://schemas.microsoft.com/office/drawing/2014/main" id="{3F9340B9-C3C2-A4D5-32CF-0D3D14A218CE}"/>
+            </a:ext>
+          </a:extLst>
+        </p:cNvPr>
+        <p:cNvGrpSpPr/>
+        <p:nvPr/>
+      </p:nvGrpSpPr>
+      <p:grpSpPr>
+        <a:xfrm>
+          <a:off x="0" y="0"/>
+          <a:ext cx="0" cy="0"/>
+          <a:chOff x="0" y="0"/>
+          <a:chExt cx="0" cy="0"/>
+        </a:xfrm>
+      </p:grpSpPr>
+      <p:sp>
+        <p:nvSpPr>
+          <p:cNvPr id="2" name="Espaço Reservado para Imagem de Slide 1">
+            <a:extLst>
+              <a:ext uri="{FF2B5EF4-FFF2-40B4-BE49-F238E27FC236}">
+                <a16:creationId xmlns:a16="http://schemas.microsoft.com/office/drawing/2014/main" id="{849A93E2-7E28-6242-5C6C-349E3F49A219}"/>
+              </a:ext>
+            </a:extLst>
+          </p:cNvPr>
+          <p:cNvSpPr>
+            <a:spLocks noGrp="1" noRot="1" noChangeAspect="1"/>
+          </p:cNvSpPr>
+          <p:nvPr>
+            <p:ph type="sldImg"/>
+          </p:nvPr>
+        </p:nvSpPr>
+        <p:spPr>
+          <a:xfrm>
+            <a:off x="381000" y="685800"/>
+            <a:ext cx="6096000" cy="3429000"/>
+          </a:xfrm>
+        </p:spPr>
+      </p:sp>
+      <p:sp>
+        <p:nvSpPr>
+          <p:cNvPr id="3" name="Espaço Reservado para Anotações 2">
+            <a:extLst>
+              <a:ext uri="{FF2B5EF4-FFF2-40B4-BE49-F238E27FC236}">
+                <a16:creationId xmlns:a16="http://schemas.microsoft.com/office/drawing/2014/main" id="{F48953BB-56F5-C132-3F6B-2021CA7F0063}"/>
+              </a:ext>
+            </a:extLst>
+          </p:cNvPr>
+          <p:cNvSpPr>
+            <a:spLocks noGrp="1"/>
+          </p:cNvSpPr>
+          <p:nvPr>
+            <p:ph type="body" idx="1"/>
+          </p:nvPr>
+        </p:nvSpPr>
+        <p:spPr/>
+        <p:txBody>
+          <a:bodyPr/>
+          <a:lstStyle/>
+          <a:p>
+            <a:endParaRPr lang="pt-BR" dirty="0"/>
+          </a:p>
+        </p:txBody>
+      </p:sp>
+    </p:spTree>
+    <p:extLst>
+      <p:ext uri="{BB962C8B-B14F-4D97-AF65-F5344CB8AC3E}">
+        <p14:creationId xmlns:p14="http://schemas.microsoft.com/office/powerpoint/2010/main" val="944813123"/>
+      </p:ext>
+    </p:extLst>
+  </p:cSld>
+  <p:clrMapOvr>
+    <a:masterClrMapping/>
+  </p:clrMapOvr>
+</p:notes>
+</file>
+
+<file path=ppt/notesSlides/notesSlide4.xml><?xml version="1.0" encoding="utf-8"?>
+<p:notes xmlns:a="http://schemas.openxmlformats.org/drawingml/2006/main" xmlns:r="http://schemas.openxmlformats.org/officeDocument/2006/relationships" xmlns:p="http://schemas.openxmlformats.org/presentationml/2006/main">
+  <p:cSld>
+    <p:spTree>
+      <p:nvGrpSpPr>
+        <p:cNvPr id="1" name="">
+          <a:extLst>
+            <a:ext uri="{FF2B5EF4-FFF2-40B4-BE49-F238E27FC236}">
+              <a16:creationId xmlns:a16="http://schemas.microsoft.com/office/drawing/2014/main" id="{B897F01C-B588-F57C-FC4D-CAD5623FDBC5}"/>
+            </a:ext>
+          </a:extLst>
+        </p:cNvPr>
+        <p:cNvGrpSpPr/>
+        <p:nvPr/>
+      </p:nvGrpSpPr>
+      <p:grpSpPr>
+        <a:xfrm>
+          <a:off x="0" y="0"/>
+          <a:ext cx="0" cy="0"/>
+          <a:chOff x="0" y="0"/>
+          <a:chExt cx="0" cy="0"/>
+        </a:xfrm>
+      </p:grpSpPr>
+      <p:sp>
+        <p:nvSpPr>
+          <p:cNvPr id="2" name="Espaço Reservado para Imagem de Slide 1">
+            <a:extLst>
+              <a:ext uri="{FF2B5EF4-FFF2-40B4-BE49-F238E27FC236}">
+                <a16:creationId xmlns:a16="http://schemas.microsoft.com/office/drawing/2014/main" id="{5B75CE77-06CB-87F7-6B3C-0EF957836D5B}"/>
+              </a:ext>
+            </a:extLst>
+          </p:cNvPr>
+          <p:cNvSpPr>
+            <a:spLocks noGrp="1" noRot="1" noChangeAspect="1"/>
+          </p:cNvSpPr>
+          <p:nvPr>
+            <p:ph type="sldImg"/>
+          </p:nvPr>
+        </p:nvSpPr>
+        <p:spPr>
+          <a:xfrm>
+            <a:off x="381000" y="685800"/>
+            <a:ext cx="6096000" cy="3429000"/>
+          </a:xfrm>
+        </p:spPr>
+      </p:sp>
+      <p:sp>
+        <p:nvSpPr>
+          <p:cNvPr id="3" name="Espaço Reservado para Anotações 2">
+            <a:extLst>
+              <a:ext uri="{FF2B5EF4-FFF2-40B4-BE49-F238E27FC236}">
+                <a16:creationId xmlns:a16="http://schemas.microsoft.com/office/drawing/2014/main" id="{3A0E851A-5356-3C40-D02F-D07A1B644296}"/>
+              </a:ext>
+            </a:extLst>
+          </p:cNvPr>
+          <p:cNvSpPr>
+            <a:spLocks noGrp="1"/>
+          </p:cNvSpPr>
+          <p:nvPr>
+            <p:ph type="body" idx="1"/>
+          </p:nvPr>
+        </p:nvSpPr>
+        <p:spPr/>
+        <p:txBody>
+          <a:bodyPr/>
+          <a:lstStyle/>
+          <a:p>
+            <a:endParaRPr lang="pt-BR" dirty="0"/>
+          </a:p>
+        </p:txBody>
+      </p:sp>
+    </p:spTree>
+    <p:extLst>
+      <p:ext uri="{BB962C8B-B14F-4D97-AF65-F5344CB8AC3E}">
+        <p14:creationId xmlns:p14="http://schemas.microsoft.com/office/powerpoint/2010/main" val="2041928324"/>
+      </p:ext>
+    </p:extLst>
+  </p:cSld>
+  <p:clrMapOvr>
+    <a:masterClrMapping/>
+  </p:clrMapOvr>
+</p:notes>
+</file>
+
+<file path=ppt/notesSlides/notesSlide5.xml><?xml version="1.0" encoding="utf-8"?>
+<p:notes xmlns:a="http://schemas.openxmlformats.org/drawingml/2006/main" xmlns:r="http://schemas.openxmlformats.org/officeDocument/2006/relationships" xmlns:p="http://schemas.openxmlformats.org/presentationml/2006/main">
+  <p:cSld>
+    <p:spTree>
+      <p:nvGrpSpPr>
+        <p:cNvPr id="1" name="">
+          <a:extLst>
+            <a:ext uri="{FF2B5EF4-FFF2-40B4-BE49-F238E27FC236}">
+              <a16:creationId xmlns:a16="http://schemas.microsoft.com/office/drawing/2014/main" id="{25BFD29C-5C8D-BEB9-6E9B-A56CFBCA98F0}"/>
+            </a:ext>
+          </a:extLst>
+        </p:cNvPr>
+        <p:cNvGrpSpPr/>
+        <p:nvPr/>
+      </p:nvGrpSpPr>
+      <p:grpSpPr>
+        <a:xfrm>
+          <a:off x="0" y="0"/>
+          <a:ext cx="0" cy="0"/>
+          <a:chOff x="0" y="0"/>
+          <a:chExt cx="0" cy="0"/>
+        </a:xfrm>
+      </p:grpSpPr>
+      <p:sp>
+        <p:nvSpPr>
+          <p:cNvPr id="2" name="Espaço Reservado para Imagem de Slide 1">
+            <a:extLst>
+              <a:ext uri="{FF2B5EF4-FFF2-40B4-BE49-F238E27FC236}">
+                <a16:creationId xmlns:a16="http://schemas.microsoft.com/office/drawing/2014/main" id="{0E6775B2-A156-E3E1-6D04-61317E8A9EA3}"/>
+              </a:ext>
+            </a:extLst>
+          </p:cNvPr>
+          <p:cNvSpPr>
+            <a:spLocks noGrp="1" noRot="1" noChangeAspect="1"/>
+          </p:cNvSpPr>
+          <p:nvPr>
+            <p:ph type="sldImg"/>
+          </p:nvPr>
+        </p:nvSpPr>
+        <p:spPr>
+          <a:xfrm>
+            <a:off x="381000" y="685800"/>
+            <a:ext cx="6096000" cy="3429000"/>
+          </a:xfrm>
+        </p:spPr>
+      </p:sp>
+      <p:sp>
+        <p:nvSpPr>
+          <p:cNvPr id="3" name="Espaço Reservado para Anotações 2">
+            <a:extLst>
+              <a:ext uri="{FF2B5EF4-FFF2-40B4-BE49-F238E27FC236}">
+                <a16:creationId xmlns:a16="http://schemas.microsoft.com/office/drawing/2014/main" id="{EB4DF79E-D3F5-587D-ACD8-76B60268B9ED}"/>
+              </a:ext>
+            </a:extLst>
+          </p:cNvPr>
+          <p:cNvSpPr>
+            <a:spLocks noGrp="1"/>
+          </p:cNvSpPr>
+          <p:nvPr>
+            <p:ph type="body" idx="1"/>
+          </p:nvPr>
+        </p:nvSpPr>
+        <p:spPr/>
+        <p:txBody>
+          <a:bodyPr/>
+          <a:lstStyle/>
+          <a:p>
+            <a:endParaRPr lang="pt-BR" dirty="0"/>
+          </a:p>
+        </p:txBody>
+      </p:sp>
+    </p:spTree>
+    <p:extLst>
+      <p:ext uri="{BB962C8B-B14F-4D97-AF65-F5344CB8AC3E}">
+        <p14:creationId xmlns:p14="http://schemas.microsoft.com/office/powerpoint/2010/main" val="109031721"/>
+      </p:ext>
+    </p:extLst>
+  </p:cSld>
+  <p:clrMapOvr>
+    <a:masterClrMapping/>
+  </p:clrMapOvr>
+</p:notes>
+</file>
+
+<file path=ppt/notesSlides/notesSlide6.xml><?xml version="1.0" encoding="utf-8"?>
+<p:notes xmlns:a="http://schemas.openxmlformats.org/drawingml/2006/main" xmlns:r="http://schemas.openxmlformats.org/officeDocument/2006/relationships" xmlns:p="http://schemas.openxmlformats.org/presentationml/2006/main">
+  <p:cSld>
+    <p:spTree>
+      <p:nvGrpSpPr>
+        <p:cNvPr id="1" name="">
+          <a:extLst>
+            <a:ext uri="{FF2B5EF4-FFF2-40B4-BE49-F238E27FC236}">
+              <a16:creationId xmlns:a16="http://schemas.microsoft.com/office/drawing/2014/main" id="{4A3FADAF-DD16-00EA-A9C0-E24AEC20910A}"/>
+            </a:ext>
+          </a:extLst>
+        </p:cNvPr>
+        <p:cNvGrpSpPr/>
+        <p:nvPr/>
+      </p:nvGrpSpPr>
+      <p:grpSpPr>
+        <a:xfrm>
+          <a:off x="0" y="0"/>
+          <a:ext cx="0" cy="0"/>
+          <a:chOff x="0" y="0"/>
+          <a:chExt cx="0" cy="0"/>
+        </a:xfrm>
+      </p:grpSpPr>
+      <p:sp>
+        <p:nvSpPr>
+          <p:cNvPr id="2" name="Espaço Reservado para Imagem de Slide 1">
+            <a:extLst>
+              <a:ext uri="{FF2B5EF4-FFF2-40B4-BE49-F238E27FC236}">
+                <a16:creationId xmlns:a16="http://schemas.microsoft.com/office/drawing/2014/main" id="{66D4BA02-25FC-95B7-39A3-886FA43B8FDE}"/>
+              </a:ext>
+            </a:extLst>
+          </p:cNvPr>
+          <p:cNvSpPr>
+            <a:spLocks noGrp="1" noRot="1" noChangeAspect="1"/>
+          </p:cNvSpPr>
+          <p:nvPr>
+            <p:ph type="sldImg"/>
+          </p:nvPr>
+        </p:nvSpPr>
+        <p:spPr>
+          <a:xfrm>
+            <a:off x="381000" y="685800"/>
+            <a:ext cx="6096000" cy="3429000"/>
+          </a:xfrm>
+        </p:spPr>
+      </p:sp>
+      <p:sp>
+        <p:nvSpPr>
+          <p:cNvPr id="3" name="Espaço Reservado para Anotações 2">
+            <a:extLst>
+              <a:ext uri="{FF2B5EF4-FFF2-40B4-BE49-F238E27FC236}">
+                <a16:creationId xmlns:a16="http://schemas.microsoft.com/office/drawing/2014/main" id="{0811052B-E769-AB9B-81A5-C2E2D3F34769}"/>
+              </a:ext>
+            </a:extLst>
+          </p:cNvPr>
+          <p:cNvSpPr>
+            <a:spLocks noGrp="1"/>
+          </p:cNvSpPr>
+          <p:nvPr>
+            <p:ph type="body" idx="1"/>
+          </p:nvPr>
+        </p:nvSpPr>
+        <p:spPr/>
+        <p:txBody>
+          <a:bodyPr/>
+          <a:lstStyle/>
+          <a:p>
+            <a:endParaRPr lang="pt-BR" dirty="0"/>
+          </a:p>
+        </p:txBody>
+      </p:sp>
+    </p:spTree>
+    <p:extLst>
+      <p:ext uri="{BB962C8B-B14F-4D97-AF65-F5344CB8AC3E}">
+        <p14:creationId xmlns:p14="http://schemas.microsoft.com/office/powerpoint/2010/main" val="1554712328"/>
+      </p:ext>
+    </p:extLst>
+  </p:cSld>
+  <p:clrMapOvr>
+    <a:masterClrMapping/>
+  </p:clrMapOvr>
+</p:notes>
+</file>
+
+<file path=ppt/notesSlides/notesSlide7.xml><?xml version="1.0" encoding="utf-8"?>
+<p:notes xmlns:a="http://schemas.openxmlformats.org/drawingml/2006/main" xmlns:r="http://schemas.openxmlformats.org/officeDocument/2006/relationships" xmlns:p="http://schemas.openxmlformats.org/presentationml/2006/main">
+  <p:cSld>
+    <p:spTree>
+      <p:nvGrpSpPr>
+        <p:cNvPr id="1" name="">
+          <a:extLst>
+            <a:ext uri="{FF2B5EF4-FFF2-40B4-BE49-F238E27FC236}">
+              <a16:creationId xmlns:a16="http://schemas.microsoft.com/office/drawing/2014/main" id="{64C42F1A-82DC-D013-498C-7FA040D1A4E5}"/>
+            </a:ext>
+          </a:extLst>
+        </p:cNvPr>
+        <p:cNvGrpSpPr/>
+        <p:nvPr/>
+      </p:nvGrpSpPr>
+      <p:grpSpPr>
+        <a:xfrm>
+          <a:off x="0" y="0"/>
+          <a:ext cx="0" cy="0"/>
+          <a:chOff x="0" y="0"/>
+          <a:chExt cx="0" cy="0"/>
+        </a:xfrm>
+      </p:grpSpPr>
+      <p:sp>
+        <p:nvSpPr>
+          <p:cNvPr id="2" name="Espaço Reservado para Imagem de Slide 1">
+            <a:extLst>
+              <a:ext uri="{FF2B5EF4-FFF2-40B4-BE49-F238E27FC236}">
+                <a16:creationId xmlns:a16="http://schemas.microsoft.com/office/drawing/2014/main" id="{AC72AF79-C3C7-B450-19D1-2159222F23C4}"/>
+              </a:ext>
+            </a:extLst>
+          </p:cNvPr>
+          <p:cNvSpPr>
+            <a:spLocks noGrp="1" noRot="1" noChangeAspect="1"/>
+          </p:cNvSpPr>
+          <p:nvPr>
+            <p:ph type="sldImg"/>
+          </p:nvPr>
+        </p:nvSpPr>
+        <p:spPr>
+          <a:xfrm>
+            <a:off x="381000" y="685800"/>
+            <a:ext cx="6096000" cy="3429000"/>
+          </a:xfrm>
+        </p:spPr>
+      </p:sp>
+      <p:sp>
+        <p:nvSpPr>
+          <p:cNvPr id="3" name="Espaço Reservado para Anotações 2">
+            <a:extLst>
+              <a:ext uri="{FF2B5EF4-FFF2-40B4-BE49-F238E27FC236}">
+                <a16:creationId xmlns:a16="http://schemas.microsoft.com/office/drawing/2014/main" id="{C4D86529-97D5-988C-5AE6-84808483958F}"/>
+              </a:ext>
+            </a:extLst>
+          </p:cNvPr>
+          <p:cNvSpPr>
+            <a:spLocks noGrp="1"/>
+          </p:cNvSpPr>
+          <p:nvPr>
+            <p:ph type="body" idx="1"/>
+          </p:nvPr>
+        </p:nvSpPr>
+        <p:spPr/>
+        <p:txBody>
+          <a:bodyPr/>
+          <a:lstStyle/>
+          <a:p>
+            <a:endParaRPr lang="pt-BR" dirty="0"/>
+          </a:p>
+        </p:txBody>
+      </p:sp>
+    </p:spTree>
+    <p:extLst>
+      <p:ext uri="{BB962C8B-B14F-4D97-AF65-F5344CB8AC3E}">
+        <p14:creationId xmlns:p14="http://schemas.microsoft.com/office/powerpoint/2010/main" val="2003024005"/>
+      </p:ext>
+    </p:extLst>
+  </p:cSld>
+  <p:clrMapOvr>
+    <a:masterClrMapping/>
+  </p:clrMapOvr>
+</p:notes>
+</file>
+
+<file path=ppt/notesSlides/notesSlide8.xml><?xml version="1.0" encoding="utf-8"?>
+<p:notes xmlns:a="http://schemas.openxmlformats.org/drawingml/2006/main" xmlns:r="http://schemas.openxmlformats.org/officeDocument/2006/relationships" xmlns:p="http://schemas.openxmlformats.org/presentationml/2006/main">
+  <p:cSld>
+    <p:spTree>
+      <p:nvGrpSpPr>
+        <p:cNvPr id="1" name="">
+          <a:extLst>
+            <a:ext uri="{FF2B5EF4-FFF2-40B4-BE49-F238E27FC236}">
+              <a16:creationId xmlns:a16="http://schemas.microsoft.com/office/drawing/2014/main" id="{C607FEF4-4BFF-E6ED-04E7-17B02B15BC65}"/>
+            </a:ext>
+          </a:extLst>
+        </p:cNvPr>
+        <p:cNvGrpSpPr/>
+        <p:nvPr/>
+      </p:nvGrpSpPr>
+      <p:grpSpPr>
+        <a:xfrm>
+          <a:off x="0" y="0"/>
+          <a:ext cx="0" cy="0"/>
+          <a:chOff x="0" y="0"/>
+          <a:chExt cx="0" cy="0"/>
+        </a:xfrm>
+      </p:grpSpPr>
+      <p:sp>
+        <p:nvSpPr>
+          <p:cNvPr id="2" name="Espaço Reservado para Imagem de Slide 1">
+            <a:extLst>
+              <a:ext uri="{FF2B5EF4-FFF2-40B4-BE49-F238E27FC236}">
+                <a16:creationId xmlns:a16="http://schemas.microsoft.com/office/drawing/2014/main" id="{B45B6A39-9601-7E89-B9D0-4E38AF8E23D7}"/>
+              </a:ext>
+            </a:extLst>
+          </p:cNvPr>
+          <p:cNvSpPr>
+            <a:spLocks noGrp="1" noRot="1" noChangeAspect="1"/>
+          </p:cNvSpPr>
+          <p:nvPr>
+            <p:ph type="sldImg"/>
+          </p:nvPr>
+        </p:nvSpPr>
+        <p:spPr>
+          <a:xfrm>
+            <a:off x="381000" y="685800"/>
+            <a:ext cx="6096000" cy="3429000"/>
+          </a:xfrm>
+        </p:spPr>
+      </p:sp>
+      <p:sp>
+        <p:nvSpPr>
+          <p:cNvPr id="3" name="Espaço Reservado para Anotações 2">
+            <a:extLst>
+              <a:ext uri="{FF2B5EF4-FFF2-40B4-BE49-F238E27FC236}">
+                <a16:creationId xmlns:a16="http://schemas.microsoft.com/office/drawing/2014/main" id="{432C7CDC-501D-46E9-0456-B1177F2D75ED}"/>
+              </a:ext>
+            </a:extLst>
+          </p:cNvPr>
+          <p:cNvSpPr>
+            <a:spLocks noGrp="1"/>
+          </p:cNvSpPr>
+          <p:nvPr>
+            <p:ph type="body" idx="1"/>
+          </p:nvPr>
+        </p:nvSpPr>
+        <p:spPr/>
+        <p:txBody>
+          <a:bodyPr/>
+          <a:lstStyle/>
+          <a:p>
+            <a:endParaRPr lang="pt-BR" dirty="0"/>
+          </a:p>
+        </p:txBody>
+      </p:sp>
+    </p:spTree>
+    <p:extLst>
+      <p:ext uri="{BB962C8B-B14F-4D97-AF65-F5344CB8AC3E}">
+        <p14:creationId xmlns:p14="http://schemas.microsoft.com/office/powerpoint/2010/main" val="3716701992"/>
+      </p:ext>
+    </p:extLst>
+  </p:cSld>
+  <p:clrMapOvr>
+    <a:masterClrMapping/>
+  </p:clrMapOvr>
+</p:notes>
+</file>
+
+<file path=ppt/notesSlides/notesSlide9.xml><?xml version="1.0" encoding="utf-8"?>
+<p:notes xmlns:a="http://schemas.openxmlformats.org/drawingml/2006/main" xmlns:r="http://schemas.openxmlformats.org/officeDocument/2006/relationships" xmlns:p="http://schemas.openxmlformats.org/presentationml/2006/main">
+  <p:cSld>
+    <p:spTree>
+      <p:nvGrpSpPr>
+        <p:cNvPr id="1" name="">
+          <a:extLst>
+            <a:ext uri="{FF2B5EF4-FFF2-40B4-BE49-F238E27FC236}">
+              <a16:creationId xmlns:a16="http://schemas.microsoft.com/office/drawing/2014/main" id="{E7950DA4-CB00-AA42-D467-A75A73E67C02}"/>
+            </a:ext>
+          </a:extLst>
+        </p:cNvPr>
+        <p:cNvGrpSpPr/>
+        <p:nvPr/>
+      </p:nvGrpSpPr>
+      <p:grpSpPr>
+        <a:xfrm>
+          <a:off x="0" y="0"/>
+          <a:ext cx="0" cy="0"/>
+          <a:chOff x="0" y="0"/>
+          <a:chExt cx="0" cy="0"/>
+        </a:xfrm>
+      </p:grpSpPr>
+      <p:sp>
+        <p:nvSpPr>
+          <p:cNvPr id="2" name="Espaço Reservado para Imagem de Slide 1">
+            <a:extLst>
+              <a:ext uri="{FF2B5EF4-FFF2-40B4-BE49-F238E27FC236}">
+                <a16:creationId xmlns:a16="http://schemas.microsoft.com/office/drawing/2014/main" id="{32E52E58-33D3-D39C-AED5-2342E8A793E2}"/>
+              </a:ext>
+            </a:extLst>
+          </p:cNvPr>
+          <p:cNvSpPr>
+            <a:spLocks noGrp="1" noRot="1" noChangeAspect="1"/>
+          </p:cNvSpPr>
+          <p:nvPr>
+            <p:ph type="sldImg"/>
+          </p:nvPr>
+        </p:nvSpPr>
+        <p:spPr>
+          <a:xfrm>
+            <a:off x="381000" y="685800"/>
+            <a:ext cx="6096000" cy="3429000"/>
+          </a:xfrm>
+        </p:spPr>
+      </p:sp>
+      <p:sp>
+        <p:nvSpPr>
+          <p:cNvPr id="3" name="Espaço Reservado para Anotações 2">
+            <a:extLst>
+              <a:ext uri="{FF2B5EF4-FFF2-40B4-BE49-F238E27FC236}">
+                <a16:creationId xmlns:a16="http://schemas.microsoft.com/office/drawing/2014/main" id="{EE1DD1CD-1ED9-253F-C072-FEFE4217769D}"/>
+              </a:ext>
+            </a:extLst>
+          </p:cNvPr>
+          <p:cNvSpPr>
+            <a:spLocks noGrp="1"/>
+          </p:cNvSpPr>
+          <p:nvPr>
+            <p:ph type="body" idx="1"/>
+          </p:nvPr>
+        </p:nvSpPr>
+        <p:spPr/>
+        <p:txBody>
+          <a:bodyPr/>
+          <a:lstStyle/>
+          <a:p>
+            <a:endParaRPr lang="pt-BR" dirty="0"/>
+          </a:p>
+        </p:txBody>
+      </p:sp>
+    </p:spTree>
+    <p:extLst>
+      <p:ext uri="{BB962C8B-B14F-4D97-AF65-F5344CB8AC3E}">
+        <p14:creationId xmlns:p14="http://schemas.microsoft.com/office/powerpoint/2010/main" val="202235228"/>
       </p:ext>
     </p:extLst>
   </p:cSld>
@@ -3865,6 +5650,2988 @@
 </p:sld>
 </file>
 
+<file path=ppt/slides/slide10.xml><?xml version="1.0" encoding="utf-8"?>
+<p:sld xmlns:a="http://schemas.openxmlformats.org/drawingml/2006/main" xmlns:r="http://schemas.openxmlformats.org/officeDocument/2006/relationships" xmlns:p="http://schemas.openxmlformats.org/presentationml/2006/main">
+  <p:cSld>
+    <p:spTree>
+      <p:nvGrpSpPr>
+        <p:cNvPr id="1" name="">
+          <a:extLst>
+            <a:ext uri="{FF2B5EF4-FFF2-40B4-BE49-F238E27FC236}">
+              <a16:creationId xmlns:a16="http://schemas.microsoft.com/office/drawing/2014/main" id="{2B9881FE-4C87-82B0-F8BD-CDEE6CFEEA25}"/>
+            </a:ext>
+          </a:extLst>
+        </p:cNvPr>
+        <p:cNvGrpSpPr/>
+        <p:nvPr/>
+      </p:nvGrpSpPr>
+      <p:grpSpPr>
+        <a:xfrm>
+          <a:off x="0" y="0"/>
+          <a:ext cx="0" cy="0"/>
+          <a:chOff x="0" y="0"/>
+          <a:chExt cx="0" cy="0"/>
+        </a:xfrm>
+      </p:grpSpPr>
+      <p:sp>
+        <p:nvSpPr>
+          <p:cNvPr id="6" name="Title 1">
+            <a:extLst>
+              <a:ext uri="{FF2B5EF4-FFF2-40B4-BE49-F238E27FC236}">
+                <a16:creationId xmlns:a16="http://schemas.microsoft.com/office/drawing/2014/main" id="{C4E7296B-484F-458E-7157-521D137A16E5}"/>
+              </a:ext>
+            </a:extLst>
+          </p:cNvPr>
+          <p:cNvSpPr>
+            <a:spLocks noGrp="1"/>
+          </p:cNvSpPr>
+          <p:nvPr>
+            <p:ph type="title"/>
+          </p:nvPr>
+        </p:nvSpPr>
+        <p:spPr>
+          <a:xfrm>
+            <a:off x="457200" y="205980"/>
+            <a:ext cx="8229600" cy="857251"/>
+          </a:xfrm>
+        </p:spPr>
+        <p:txBody>
+          <a:bodyPr>
+            <a:normAutofit/>
+          </a:bodyPr>
+          <a:lstStyle/>
+          <a:p>
+            <a:r>
+              <a:rPr lang="en-US" b="1" dirty="0">
+                <a:solidFill>
+                  <a:srgbClr val="0070C0"/>
+                </a:solidFill>
+              </a:rPr>
+              <a:t>CLP – 2. Uso do TIA Portal, Step 7</a:t>
+            </a:r>
+          </a:p>
+        </p:txBody>
+      </p:sp>
+      <p:sp>
+        <p:nvSpPr>
+          <p:cNvPr id="8" name="Text Placeholder 2">
+            <a:extLst>
+              <a:ext uri="{FF2B5EF4-FFF2-40B4-BE49-F238E27FC236}">
+                <a16:creationId xmlns:a16="http://schemas.microsoft.com/office/drawing/2014/main" id="{90E70C41-3EBC-8C47-B03A-FF06FDA13CBC}"/>
+              </a:ext>
+            </a:extLst>
+          </p:cNvPr>
+          <p:cNvSpPr>
+            <a:spLocks noGrp="1"/>
+          </p:cNvSpPr>
+          <p:nvPr>
+            <p:ph type="body" sz="half" idx="1"/>
+          </p:nvPr>
+        </p:nvSpPr>
+        <p:spPr>
+          <a:xfrm>
+            <a:off x="142865" y="1035050"/>
+            <a:ext cx="8865056" cy="3994150"/>
+          </a:xfrm>
+        </p:spPr>
+        <p:txBody>
+          <a:bodyPr>
+            <a:noAutofit/>
+          </a:bodyPr>
+          <a:lstStyle/>
+          <a:p>
+            <a:pPr marL="0" indent="0" algn="just">
+              <a:buNone/>
+            </a:pPr>
+            <a:r>
+              <a:rPr lang="pt-BR" sz="2200" b="1" dirty="0">
+                <a:solidFill>
+                  <a:srgbClr val="FF0000"/>
+                </a:solidFill>
+                <a:latin typeface="Times New Roman" panose="02020603050405020304" pitchFamily="18" charset="0"/>
+                <a:cs typeface="Times New Roman" panose="02020603050405020304" pitchFamily="18" charset="0"/>
+              </a:rPr>
+              <a:t>Step 7 (clássico)</a:t>
+            </a:r>
+          </a:p>
+          <a:p>
+            <a:pPr marL="0" indent="0" algn="just">
+              <a:buNone/>
+            </a:pPr>
+            <a:endParaRPr lang="pt-BR" sz="2200" dirty="0">
+              <a:latin typeface="Times New Roman" panose="02020603050405020304" pitchFamily="18" charset="0"/>
+              <a:cs typeface="Times New Roman" panose="02020603050405020304" pitchFamily="18" charset="0"/>
+            </a:endParaRPr>
+          </a:p>
+          <a:p>
+            <a:pPr algn="just"/>
+            <a:r>
+              <a:rPr lang="pt-BR" sz="2200" dirty="0">
+                <a:latin typeface="Times New Roman" panose="02020603050405020304" pitchFamily="18" charset="0"/>
+                <a:cs typeface="Times New Roman" panose="02020603050405020304" pitchFamily="18" charset="0"/>
+              </a:rPr>
+              <a:t>Usado com </a:t>
+            </a:r>
+            <a:r>
+              <a:rPr lang="pt-BR" sz="2200" dirty="0" err="1">
+                <a:latin typeface="Times New Roman" panose="02020603050405020304" pitchFamily="18" charset="0"/>
+                <a:cs typeface="Times New Roman" panose="02020603050405020304" pitchFamily="18" charset="0"/>
+              </a:rPr>
+              <a:t>CLPs</a:t>
+            </a:r>
+            <a:r>
+              <a:rPr lang="pt-BR" sz="2200" dirty="0">
+                <a:latin typeface="Times New Roman" panose="02020603050405020304" pitchFamily="18" charset="0"/>
+                <a:cs typeface="Times New Roman" panose="02020603050405020304" pitchFamily="18" charset="0"/>
+              </a:rPr>
+              <a:t> da família S7-300/S7-400.</a:t>
+            </a:r>
+          </a:p>
+          <a:p>
+            <a:pPr algn="just"/>
+            <a:endParaRPr lang="pt-BR" sz="2200" dirty="0">
+              <a:latin typeface="Times New Roman" panose="02020603050405020304" pitchFamily="18" charset="0"/>
+              <a:cs typeface="Times New Roman" panose="02020603050405020304" pitchFamily="18" charset="0"/>
+            </a:endParaRPr>
+          </a:p>
+          <a:p>
+            <a:pPr algn="just"/>
+            <a:r>
+              <a:rPr lang="pt-BR" sz="2200" dirty="0">
+                <a:latin typeface="Times New Roman" panose="02020603050405020304" pitchFamily="18" charset="0"/>
+                <a:cs typeface="Times New Roman" panose="02020603050405020304" pitchFamily="18" charset="0"/>
+              </a:rPr>
+              <a:t>Permite criar e configurar redes </a:t>
+            </a:r>
+            <a:r>
+              <a:rPr lang="pt-BR" sz="2200" dirty="0" err="1">
+                <a:latin typeface="Times New Roman" panose="02020603050405020304" pitchFamily="18" charset="0"/>
+                <a:cs typeface="Times New Roman" panose="02020603050405020304" pitchFamily="18" charset="0"/>
+              </a:rPr>
+              <a:t>Profibus</a:t>
+            </a:r>
+            <a:r>
+              <a:rPr lang="pt-BR" sz="2200" dirty="0">
+                <a:latin typeface="Times New Roman" panose="02020603050405020304" pitchFamily="18" charset="0"/>
+                <a:cs typeface="Times New Roman" panose="02020603050405020304" pitchFamily="18" charset="0"/>
+              </a:rPr>
+              <a:t> e integrar módulos de E/S descentralizados.</a:t>
+            </a:r>
+          </a:p>
+          <a:p>
+            <a:pPr algn="just"/>
+            <a:endParaRPr lang="pt-BR" sz="2200" dirty="0">
+              <a:latin typeface="Times New Roman" panose="02020603050405020304" pitchFamily="18" charset="0"/>
+              <a:cs typeface="Times New Roman" panose="02020603050405020304" pitchFamily="18" charset="0"/>
+            </a:endParaRPr>
+          </a:p>
+          <a:p>
+            <a:pPr algn="just"/>
+            <a:r>
+              <a:rPr lang="pt-BR" sz="2200" dirty="0">
+                <a:latin typeface="Times New Roman" panose="02020603050405020304" pitchFamily="18" charset="0"/>
+                <a:cs typeface="Times New Roman" panose="02020603050405020304" pitchFamily="18" charset="0"/>
+              </a:rPr>
+              <a:t>Trabalha junto com o </a:t>
+            </a:r>
+            <a:r>
+              <a:rPr lang="pt-BR" sz="2200" b="1" dirty="0">
+                <a:latin typeface="Times New Roman" panose="02020603050405020304" pitchFamily="18" charset="0"/>
+                <a:cs typeface="Times New Roman" panose="02020603050405020304" pitchFamily="18" charset="0"/>
+              </a:rPr>
+              <a:t>HW </a:t>
+            </a:r>
+            <a:r>
+              <a:rPr lang="pt-BR" sz="2200" b="1" dirty="0" err="1">
+                <a:latin typeface="Times New Roman" panose="02020603050405020304" pitchFamily="18" charset="0"/>
+                <a:cs typeface="Times New Roman" panose="02020603050405020304" pitchFamily="18" charset="0"/>
+              </a:rPr>
+              <a:t>Config</a:t>
+            </a:r>
+            <a:r>
+              <a:rPr lang="pt-BR" sz="2200" dirty="0">
+                <a:latin typeface="Times New Roman" panose="02020603050405020304" pitchFamily="18" charset="0"/>
+                <a:cs typeface="Times New Roman" panose="02020603050405020304" pitchFamily="18" charset="0"/>
+              </a:rPr>
+              <a:t>, que define os parâmetros de rede, tempos de resposta, endereços, etc.</a:t>
+            </a:r>
+          </a:p>
+        </p:txBody>
+      </p:sp>
+    </p:spTree>
+    <p:extLst>
+      <p:ext uri="{BB962C8B-B14F-4D97-AF65-F5344CB8AC3E}">
+        <p14:creationId xmlns:p14="http://schemas.microsoft.com/office/powerpoint/2010/main" val="1403009075"/>
+      </p:ext>
+    </p:extLst>
+  </p:cSld>
+  <p:clrMapOvr>
+    <a:masterClrMapping/>
+  </p:clrMapOvr>
+  <p:transition spd="med"/>
+</p:sld>
+</file>
+
+<file path=ppt/slides/slide11.xml><?xml version="1.0" encoding="utf-8"?>
+<p:sld xmlns:a="http://schemas.openxmlformats.org/drawingml/2006/main" xmlns:r="http://schemas.openxmlformats.org/officeDocument/2006/relationships" xmlns:p="http://schemas.openxmlformats.org/presentationml/2006/main">
+  <p:cSld>
+    <p:spTree>
+      <p:nvGrpSpPr>
+        <p:cNvPr id="1" name="">
+          <a:extLst>
+            <a:ext uri="{FF2B5EF4-FFF2-40B4-BE49-F238E27FC236}">
+              <a16:creationId xmlns:a16="http://schemas.microsoft.com/office/drawing/2014/main" id="{3B6B4576-9D69-40AB-6EA5-B348641F15A9}"/>
+            </a:ext>
+          </a:extLst>
+        </p:cNvPr>
+        <p:cNvGrpSpPr/>
+        <p:nvPr/>
+      </p:nvGrpSpPr>
+      <p:grpSpPr>
+        <a:xfrm>
+          <a:off x="0" y="0"/>
+          <a:ext cx="0" cy="0"/>
+          <a:chOff x="0" y="0"/>
+          <a:chExt cx="0" cy="0"/>
+        </a:xfrm>
+      </p:grpSpPr>
+      <p:sp>
+        <p:nvSpPr>
+          <p:cNvPr id="6" name="Title 1">
+            <a:extLst>
+              <a:ext uri="{FF2B5EF4-FFF2-40B4-BE49-F238E27FC236}">
+                <a16:creationId xmlns:a16="http://schemas.microsoft.com/office/drawing/2014/main" id="{3B5A7DEA-8A9A-362B-30F1-0347BA89D037}"/>
+              </a:ext>
+            </a:extLst>
+          </p:cNvPr>
+          <p:cNvSpPr>
+            <a:spLocks noGrp="1"/>
+          </p:cNvSpPr>
+          <p:nvPr>
+            <p:ph type="title"/>
+          </p:nvPr>
+        </p:nvSpPr>
+        <p:spPr>
+          <a:xfrm>
+            <a:off x="457200" y="205980"/>
+            <a:ext cx="8229600" cy="857251"/>
+          </a:xfrm>
+        </p:spPr>
+        <p:txBody>
+          <a:bodyPr>
+            <a:normAutofit fontScale="90000"/>
+          </a:bodyPr>
+          <a:lstStyle/>
+          <a:p>
+            <a:r>
+              <a:rPr lang="en-US" b="1" dirty="0">
+                <a:solidFill>
+                  <a:srgbClr val="0070C0"/>
+                </a:solidFill>
+              </a:rPr>
+              <a:t>CLP – 3. </a:t>
+            </a:r>
+            <a:r>
+              <a:rPr lang="en-US" b="1" dirty="0" err="1">
+                <a:solidFill>
+                  <a:srgbClr val="0070C0"/>
+                </a:solidFill>
+              </a:rPr>
+              <a:t>Configuração</a:t>
+            </a:r>
+            <a:r>
+              <a:rPr lang="en-US" b="1" dirty="0">
+                <a:solidFill>
+                  <a:srgbClr val="0070C0"/>
+                </a:solidFill>
+              </a:rPr>
+              <a:t> de </a:t>
+            </a:r>
+            <a:r>
+              <a:rPr lang="en-US" b="1" dirty="0" err="1">
+                <a:solidFill>
+                  <a:srgbClr val="0070C0"/>
+                </a:solidFill>
+              </a:rPr>
+              <a:t>Dispositivos</a:t>
+            </a:r>
+            <a:endParaRPr lang="en-US" b="1" dirty="0">
+              <a:solidFill>
+                <a:srgbClr val="0070C0"/>
+              </a:solidFill>
+            </a:endParaRPr>
+          </a:p>
+        </p:txBody>
+      </p:sp>
+      <p:sp>
+        <p:nvSpPr>
+          <p:cNvPr id="8" name="Text Placeholder 2">
+            <a:extLst>
+              <a:ext uri="{FF2B5EF4-FFF2-40B4-BE49-F238E27FC236}">
+                <a16:creationId xmlns:a16="http://schemas.microsoft.com/office/drawing/2014/main" id="{35280185-3E24-7606-CA61-49B7518EE96D}"/>
+              </a:ext>
+            </a:extLst>
+          </p:cNvPr>
+          <p:cNvSpPr>
+            <a:spLocks noGrp="1"/>
+          </p:cNvSpPr>
+          <p:nvPr>
+            <p:ph type="body" sz="half" idx="1"/>
+          </p:nvPr>
+        </p:nvSpPr>
+        <p:spPr>
+          <a:xfrm>
+            <a:off x="142865" y="1035050"/>
+            <a:ext cx="8865056" cy="3994150"/>
+          </a:xfrm>
+        </p:spPr>
+        <p:txBody>
+          <a:bodyPr>
+            <a:noAutofit/>
+          </a:bodyPr>
+          <a:lstStyle/>
+          <a:p>
+            <a:pPr algn="just"/>
+            <a:r>
+              <a:rPr lang="pt-BR" sz="2200" dirty="0">
+                <a:latin typeface="Times New Roman" panose="02020603050405020304" pitchFamily="18" charset="0"/>
+                <a:cs typeface="Times New Roman" panose="02020603050405020304" pitchFamily="18" charset="0"/>
+              </a:rPr>
+              <a:t>Requer instalação do arquivo </a:t>
+            </a:r>
+            <a:r>
+              <a:rPr lang="pt-BR" sz="2200" b="1" dirty="0">
+                <a:solidFill>
+                  <a:srgbClr val="FF0000"/>
+                </a:solidFill>
+                <a:latin typeface="Times New Roman" panose="02020603050405020304" pitchFamily="18" charset="0"/>
+                <a:cs typeface="Times New Roman" panose="02020603050405020304" pitchFamily="18" charset="0"/>
+              </a:rPr>
+              <a:t>GSD</a:t>
+            </a:r>
+            <a:r>
+              <a:rPr lang="pt-BR" sz="2200" dirty="0">
+                <a:latin typeface="Times New Roman" panose="02020603050405020304" pitchFamily="18" charset="0"/>
+                <a:cs typeface="Times New Roman" panose="02020603050405020304" pitchFamily="18" charset="0"/>
+              </a:rPr>
+              <a:t> (</a:t>
+            </a:r>
+            <a:r>
+              <a:rPr lang="pt-BR" sz="2200" b="1" dirty="0">
+                <a:latin typeface="Times New Roman" panose="02020603050405020304" pitchFamily="18" charset="0"/>
+                <a:cs typeface="Times New Roman" panose="02020603050405020304" pitchFamily="18" charset="0"/>
+              </a:rPr>
+              <a:t>General </a:t>
+            </a:r>
+            <a:r>
+              <a:rPr lang="pt-BR" sz="2200" b="1" dirty="0" err="1">
+                <a:latin typeface="Times New Roman" panose="02020603050405020304" pitchFamily="18" charset="0"/>
+                <a:cs typeface="Times New Roman" panose="02020603050405020304" pitchFamily="18" charset="0"/>
+              </a:rPr>
+              <a:t>Station</a:t>
+            </a:r>
+            <a:r>
+              <a:rPr lang="pt-BR" sz="2200" b="1" dirty="0">
+                <a:latin typeface="Times New Roman" panose="02020603050405020304" pitchFamily="18" charset="0"/>
+                <a:cs typeface="Times New Roman" panose="02020603050405020304" pitchFamily="18" charset="0"/>
+              </a:rPr>
+              <a:t> </a:t>
+            </a:r>
+            <a:r>
+              <a:rPr lang="pt-BR" sz="2200" b="1" dirty="0" err="1">
+                <a:latin typeface="Times New Roman" panose="02020603050405020304" pitchFamily="18" charset="0"/>
+                <a:cs typeface="Times New Roman" panose="02020603050405020304" pitchFamily="18" charset="0"/>
+              </a:rPr>
+              <a:t>Description</a:t>
+            </a:r>
+            <a:r>
+              <a:rPr lang="pt-BR" sz="2200" dirty="0">
+                <a:latin typeface="Times New Roman" panose="02020603050405020304" pitchFamily="18" charset="0"/>
+                <a:cs typeface="Times New Roman" panose="02020603050405020304" pitchFamily="18" charset="0"/>
+              </a:rPr>
+              <a:t>) do fabricante do dispositivo;</a:t>
+            </a:r>
+          </a:p>
+          <a:p>
+            <a:pPr marL="0" indent="0" algn="just">
+              <a:buNone/>
+            </a:pPr>
+            <a:endParaRPr lang="pt-BR" sz="2200" dirty="0">
+              <a:latin typeface="Times New Roman" panose="02020603050405020304" pitchFamily="18" charset="0"/>
+              <a:cs typeface="Times New Roman" panose="02020603050405020304" pitchFamily="18" charset="0"/>
+            </a:endParaRPr>
+          </a:p>
+          <a:p>
+            <a:pPr algn="just"/>
+            <a:r>
+              <a:rPr lang="pt-BR" sz="2200" dirty="0">
+                <a:latin typeface="Times New Roman" panose="02020603050405020304" pitchFamily="18" charset="0"/>
+                <a:cs typeface="Times New Roman" panose="02020603050405020304" pitchFamily="18" charset="0"/>
+              </a:rPr>
+              <a:t>O </a:t>
+            </a:r>
+            <a:r>
+              <a:rPr lang="pt-BR" sz="2200" b="1" dirty="0">
+                <a:solidFill>
+                  <a:srgbClr val="FF0000"/>
+                </a:solidFill>
+                <a:latin typeface="Times New Roman" panose="02020603050405020304" pitchFamily="18" charset="0"/>
+                <a:cs typeface="Times New Roman" panose="02020603050405020304" pitchFamily="18" charset="0"/>
+              </a:rPr>
+              <a:t>GSD</a:t>
+            </a:r>
+            <a:r>
+              <a:rPr lang="pt-BR" sz="2200" dirty="0">
+                <a:latin typeface="Times New Roman" panose="02020603050405020304" pitchFamily="18" charset="0"/>
+                <a:cs typeface="Times New Roman" panose="02020603050405020304" pitchFamily="18" charset="0"/>
+              </a:rPr>
+              <a:t> informa ao software quais parâmetros, </a:t>
+            </a:r>
+            <a:r>
+              <a:rPr lang="pt-BR" sz="2200" b="1" dirty="0">
+                <a:latin typeface="Times New Roman" panose="02020603050405020304" pitchFamily="18" charset="0"/>
+                <a:cs typeface="Times New Roman" panose="02020603050405020304" pitchFamily="18" charset="0"/>
+              </a:rPr>
+              <a:t>entradas/saídas </a:t>
+            </a:r>
+            <a:r>
+              <a:rPr lang="pt-BR" sz="2200" dirty="0">
+                <a:latin typeface="Times New Roman" panose="02020603050405020304" pitchFamily="18" charset="0"/>
+                <a:cs typeface="Times New Roman" panose="02020603050405020304" pitchFamily="18" charset="0"/>
+              </a:rPr>
+              <a:t>e </a:t>
+            </a:r>
+            <a:r>
+              <a:rPr lang="pt-BR" sz="2200" b="1" dirty="0">
+                <a:latin typeface="Times New Roman" panose="02020603050405020304" pitchFamily="18" charset="0"/>
+                <a:cs typeface="Times New Roman" panose="02020603050405020304" pitchFamily="18" charset="0"/>
+              </a:rPr>
+              <a:t>tempos</a:t>
+            </a:r>
+            <a:r>
+              <a:rPr lang="pt-BR" sz="2200" dirty="0">
+                <a:latin typeface="Times New Roman" panose="02020603050405020304" pitchFamily="18" charset="0"/>
+                <a:cs typeface="Times New Roman" panose="02020603050405020304" pitchFamily="18" charset="0"/>
+              </a:rPr>
+              <a:t> são esperados;</a:t>
+            </a:r>
+          </a:p>
+          <a:p>
+            <a:pPr marL="0" indent="0" algn="just">
+              <a:buNone/>
+            </a:pPr>
+            <a:endParaRPr lang="pt-BR" sz="2200" dirty="0">
+              <a:latin typeface="Times New Roman" panose="02020603050405020304" pitchFamily="18" charset="0"/>
+              <a:cs typeface="Times New Roman" panose="02020603050405020304" pitchFamily="18" charset="0"/>
+            </a:endParaRPr>
+          </a:p>
+          <a:p>
+            <a:pPr algn="just"/>
+            <a:r>
+              <a:rPr lang="pt-BR" sz="2200" dirty="0">
+                <a:latin typeface="Times New Roman" panose="02020603050405020304" pitchFamily="18" charset="0"/>
+                <a:cs typeface="Times New Roman" panose="02020603050405020304" pitchFamily="18" charset="0"/>
+              </a:rPr>
+              <a:t>Cada dispositivo é inserido na </a:t>
+            </a:r>
+            <a:r>
+              <a:rPr lang="pt-BR" sz="2200" b="1" dirty="0">
+                <a:latin typeface="Times New Roman" panose="02020603050405020304" pitchFamily="18" charset="0"/>
+                <a:cs typeface="Times New Roman" panose="02020603050405020304" pitchFamily="18" charset="0"/>
+              </a:rPr>
+              <a:t>topologia</a:t>
+            </a:r>
+            <a:r>
+              <a:rPr lang="pt-BR" sz="2200" dirty="0">
+                <a:latin typeface="Times New Roman" panose="02020603050405020304" pitchFamily="18" charset="0"/>
+                <a:cs typeface="Times New Roman" panose="02020603050405020304" pitchFamily="18" charset="0"/>
+              </a:rPr>
+              <a:t> e </a:t>
+            </a:r>
+            <a:r>
+              <a:rPr lang="pt-BR" sz="2200" b="1" dirty="0">
+                <a:latin typeface="Times New Roman" panose="02020603050405020304" pitchFamily="18" charset="0"/>
+                <a:cs typeface="Times New Roman" panose="02020603050405020304" pitchFamily="18" charset="0"/>
+              </a:rPr>
+              <a:t>configurado</a:t>
+            </a:r>
+            <a:r>
+              <a:rPr lang="pt-BR" sz="2200" dirty="0">
+                <a:latin typeface="Times New Roman" panose="02020603050405020304" pitchFamily="18" charset="0"/>
+                <a:cs typeface="Times New Roman" panose="02020603050405020304" pitchFamily="18" charset="0"/>
+              </a:rPr>
+              <a:t> com:</a:t>
+            </a:r>
+          </a:p>
+          <a:p>
+            <a:pPr lvl="1" algn="just"/>
+            <a:r>
+              <a:rPr lang="pt-BR" sz="2200" dirty="0">
+                <a:latin typeface="Times New Roman" panose="02020603050405020304" pitchFamily="18" charset="0"/>
+                <a:cs typeface="Times New Roman" panose="02020603050405020304" pitchFamily="18" charset="0"/>
+              </a:rPr>
+              <a:t>Endereço </a:t>
+            </a:r>
+            <a:r>
+              <a:rPr lang="pt-BR" sz="2200" dirty="0" err="1">
+                <a:latin typeface="Times New Roman" panose="02020603050405020304" pitchFamily="18" charset="0"/>
+                <a:cs typeface="Times New Roman" panose="02020603050405020304" pitchFamily="18" charset="0"/>
+              </a:rPr>
+              <a:t>Profibus</a:t>
+            </a:r>
+            <a:r>
+              <a:rPr lang="pt-BR" sz="2200" dirty="0">
+                <a:latin typeface="Times New Roman" panose="02020603050405020304" pitchFamily="18" charset="0"/>
+                <a:cs typeface="Times New Roman" panose="02020603050405020304" pitchFamily="18" charset="0"/>
+              </a:rPr>
+              <a:t>.</a:t>
+            </a:r>
+          </a:p>
+          <a:p>
+            <a:pPr lvl="1" algn="just"/>
+            <a:r>
+              <a:rPr lang="pt-BR" sz="2200" dirty="0">
+                <a:latin typeface="Times New Roman" panose="02020603050405020304" pitchFamily="18" charset="0"/>
+                <a:cs typeface="Times New Roman" panose="02020603050405020304" pitchFamily="18" charset="0"/>
+              </a:rPr>
+              <a:t>Slot/</a:t>
+            </a:r>
+            <a:r>
+              <a:rPr lang="pt-BR" sz="2200" dirty="0" err="1">
+                <a:latin typeface="Times New Roman" panose="02020603050405020304" pitchFamily="18" charset="0"/>
+                <a:cs typeface="Times New Roman" panose="02020603050405020304" pitchFamily="18" charset="0"/>
+              </a:rPr>
+              <a:t>Subslot</a:t>
+            </a:r>
+            <a:r>
+              <a:rPr lang="pt-BR" sz="2200" dirty="0">
+                <a:latin typeface="Times New Roman" panose="02020603050405020304" pitchFamily="18" charset="0"/>
+                <a:cs typeface="Times New Roman" panose="02020603050405020304" pitchFamily="18" charset="0"/>
+              </a:rPr>
+              <a:t> de módulos (para racks modulares).</a:t>
+            </a:r>
+          </a:p>
+          <a:p>
+            <a:pPr lvl="1" algn="just"/>
+            <a:r>
+              <a:rPr lang="pt-BR" sz="2200" dirty="0">
+                <a:latin typeface="Times New Roman" panose="02020603050405020304" pitchFamily="18" charset="0"/>
+                <a:cs typeface="Times New Roman" panose="02020603050405020304" pitchFamily="18" charset="0"/>
+              </a:rPr>
+              <a:t>Parâmetros específicos (tempo de </a:t>
+            </a:r>
+            <a:r>
+              <a:rPr lang="pt-BR" sz="2200" dirty="0" err="1">
+                <a:latin typeface="Times New Roman" panose="02020603050405020304" pitchFamily="18" charset="0"/>
+                <a:cs typeface="Times New Roman" panose="02020603050405020304" pitchFamily="18" charset="0"/>
+              </a:rPr>
+              <a:t>watchdog</a:t>
+            </a:r>
+            <a:r>
+              <a:rPr lang="pt-BR" sz="2200" dirty="0">
+                <a:latin typeface="Times New Roman" panose="02020603050405020304" pitchFamily="18" charset="0"/>
+                <a:cs typeface="Times New Roman" panose="02020603050405020304" pitchFamily="18" charset="0"/>
+              </a:rPr>
+              <a:t>, </a:t>
+            </a:r>
+            <a:r>
+              <a:rPr lang="pt-BR" sz="2200" dirty="0" err="1">
+                <a:latin typeface="Times New Roman" panose="02020603050405020304" pitchFamily="18" charset="0"/>
+                <a:cs typeface="Times New Roman" panose="02020603050405020304" pitchFamily="18" charset="0"/>
+              </a:rPr>
+              <a:t>baud</a:t>
+            </a:r>
+            <a:r>
+              <a:rPr lang="pt-BR" sz="2200" dirty="0">
+                <a:latin typeface="Times New Roman" panose="02020603050405020304" pitchFamily="18" charset="0"/>
+                <a:cs typeface="Times New Roman" panose="02020603050405020304" pitchFamily="18" charset="0"/>
+              </a:rPr>
+              <a:t> rate, </a:t>
+            </a:r>
+            <a:r>
+              <a:rPr lang="pt-BR" sz="2200" dirty="0" err="1">
+                <a:latin typeface="Times New Roman" panose="02020603050405020304" pitchFamily="18" charset="0"/>
+                <a:cs typeface="Times New Roman" panose="02020603050405020304" pitchFamily="18" charset="0"/>
+              </a:rPr>
+              <a:t>etc</a:t>
+            </a:r>
+            <a:r>
+              <a:rPr lang="pt-BR" sz="2200" dirty="0">
+                <a:latin typeface="Times New Roman" panose="02020603050405020304" pitchFamily="18" charset="0"/>
+                <a:cs typeface="Times New Roman" panose="02020603050405020304" pitchFamily="18" charset="0"/>
+              </a:rPr>
+              <a:t>).</a:t>
+            </a:r>
+          </a:p>
+        </p:txBody>
+      </p:sp>
+    </p:spTree>
+    <p:extLst>
+      <p:ext uri="{BB962C8B-B14F-4D97-AF65-F5344CB8AC3E}">
+        <p14:creationId xmlns:p14="http://schemas.microsoft.com/office/powerpoint/2010/main" val="2512958059"/>
+      </p:ext>
+    </p:extLst>
+  </p:cSld>
+  <p:clrMapOvr>
+    <a:masterClrMapping/>
+  </p:clrMapOvr>
+  <p:transition spd="med"/>
+</p:sld>
+</file>
+
+<file path=ppt/slides/slide12.xml><?xml version="1.0" encoding="utf-8"?>
+<p:sld xmlns:a="http://schemas.openxmlformats.org/drawingml/2006/main" xmlns:r="http://schemas.openxmlformats.org/officeDocument/2006/relationships" xmlns:p="http://schemas.openxmlformats.org/presentationml/2006/main">
+  <p:cSld>
+    <p:spTree>
+      <p:nvGrpSpPr>
+        <p:cNvPr id="1" name="">
+          <a:extLst>
+            <a:ext uri="{FF2B5EF4-FFF2-40B4-BE49-F238E27FC236}">
+              <a16:creationId xmlns:a16="http://schemas.microsoft.com/office/drawing/2014/main" id="{5E240A16-9DCE-89F8-DA18-3EA3AE954517}"/>
+            </a:ext>
+          </a:extLst>
+        </p:cNvPr>
+        <p:cNvGrpSpPr/>
+        <p:nvPr/>
+      </p:nvGrpSpPr>
+      <p:grpSpPr>
+        <a:xfrm>
+          <a:off x="0" y="0"/>
+          <a:ext cx="0" cy="0"/>
+          <a:chOff x="0" y="0"/>
+          <a:chExt cx="0" cy="0"/>
+        </a:xfrm>
+      </p:grpSpPr>
+      <p:sp>
+        <p:nvSpPr>
+          <p:cNvPr id="6" name="Title 1">
+            <a:extLst>
+              <a:ext uri="{FF2B5EF4-FFF2-40B4-BE49-F238E27FC236}">
+                <a16:creationId xmlns:a16="http://schemas.microsoft.com/office/drawing/2014/main" id="{8B21C313-361B-81BF-F429-E11FD24E0736}"/>
+              </a:ext>
+            </a:extLst>
+          </p:cNvPr>
+          <p:cNvSpPr>
+            <a:spLocks noGrp="1"/>
+          </p:cNvSpPr>
+          <p:nvPr>
+            <p:ph type="title"/>
+          </p:nvPr>
+        </p:nvSpPr>
+        <p:spPr>
+          <a:xfrm>
+            <a:off x="457200" y="205980"/>
+            <a:ext cx="8229600" cy="857251"/>
+          </a:xfrm>
+        </p:spPr>
+        <p:txBody>
+          <a:bodyPr>
+            <a:normAutofit/>
+          </a:bodyPr>
+          <a:lstStyle/>
+          <a:p>
+            <a:r>
+              <a:rPr lang="en-US" b="1" dirty="0">
+                <a:solidFill>
+                  <a:srgbClr val="0070C0"/>
+                </a:solidFill>
+              </a:rPr>
+              <a:t>CLP – 4. </a:t>
+            </a:r>
+            <a:r>
+              <a:rPr lang="en-US" b="1" dirty="0" err="1">
+                <a:solidFill>
+                  <a:srgbClr val="0070C0"/>
+                </a:solidFill>
+              </a:rPr>
+              <a:t>Diagnóstico</a:t>
+            </a:r>
+            <a:r>
+              <a:rPr lang="en-US" b="1" dirty="0">
+                <a:solidFill>
+                  <a:srgbClr val="0070C0"/>
+                </a:solidFill>
+              </a:rPr>
+              <a:t> de Rede</a:t>
+            </a:r>
+          </a:p>
+        </p:txBody>
+      </p:sp>
+      <p:sp>
+        <p:nvSpPr>
+          <p:cNvPr id="8" name="Text Placeholder 2">
+            <a:extLst>
+              <a:ext uri="{FF2B5EF4-FFF2-40B4-BE49-F238E27FC236}">
+                <a16:creationId xmlns:a16="http://schemas.microsoft.com/office/drawing/2014/main" id="{3ED1D350-3A61-C0EC-3546-0C2090B45A49}"/>
+              </a:ext>
+            </a:extLst>
+          </p:cNvPr>
+          <p:cNvSpPr>
+            <a:spLocks noGrp="1"/>
+          </p:cNvSpPr>
+          <p:nvPr>
+            <p:ph type="body" sz="half" idx="1"/>
+          </p:nvPr>
+        </p:nvSpPr>
+        <p:spPr>
+          <a:xfrm>
+            <a:off x="142865" y="1035050"/>
+            <a:ext cx="8865056" cy="3994150"/>
+          </a:xfrm>
+        </p:spPr>
+        <p:txBody>
+          <a:bodyPr>
+            <a:noAutofit/>
+          </a:bodyPr>
+          <a:lstStyle/>
+          <a:p>
+            <a:pPr marL="0" indent="0" algn="just">
+              <a:buNone/>
+            </a:pPr>
+            <a:r>
+              <a:rPr lang="pt-BR" sz="2200" b="1" dirty="0">
+                <a:solidFill>
+                  <a:srgbClr val="FF0000"/>
+                </a:solidFill>
+                <a:latin typeface="Times New Roman" panose="02020603050405020304" pitchFamily="18" charset="0"/>
+                <a:cs typeface="Times New Roman" panose="02020603050405020304" pitchFamily="18" charset="0"/>
+              </a:rPr>
+              <a:t>Pode ser feito via</a:t>
+            </a:r>
+          </a:p>
+          <a:p>
+            <a:pPr marL="0" indent="0" algn="just">
+              <a:buNone/>
+            </a:pPr>
+            <a:endParaRPr lang="pt-BR" sz="2200" dirty="0">
+              <a:latin typeface="Times New Roman" panose="02020603050405020304" pitchFamily="18" charset="0"/>
+              <a:cs typeface="Times New Roman" panose="02020603050405020304" pitchFamily="18" charset="0"/>
+            </a:endParaRPr>
+          </a:p>
+          <a:p>
+            <a:pPr algn="just"/>
+            <a:r>
+              <a:rPr lang="pt-BR" sz="2200" b="1" dirty="0">
+                <a:latin typeface="Times New Roman" panose="02020603050405020304" pitchFamily="18" charset="0"/>
+                <a:cs typeface="Times New Roman" panose="02020603050405020304" pitchFamily="18" charset="0"/>
+              </a:rPr>
+              <a:t>TIA Portal ou Step 7 </a:t>
+            </a:r>
+            <a:r>
+              <a:rPr lang="pt-BR" sz="2200" dirty="0">
+                <a:latin typeface="Times New Roman" panose="02020603050405020304" pitchFamily="18" charset="0"/>
+                <a:cs typeface="Times New Roman" panose="02020603050405020304" pitchFamily="18" charset="0"/>
+              </a:rPr>
+              <a:t>(monitoramento online da rede);</a:t>
+            </a:r>
+          </a:p>
+          <a:p>
+            <a:pPr algn="just"/>
+            <a:r>
+              <a:rPr lang="pt-BR" sz="2200" b="1" dirty="0">
+                <a:latin typeface="Times New Roman" panose="02020603050405020304" pitchFamily="18" charset="0"/>
+                <a:cs typeface="Times New Roman" panose="02020603050405020304" pitchFamily="18" charset="0"/>
+              </a:rPr>
+              <a:t>Ferramentas</a:t>
+            </a:r>
+            <a:r>
+              <a:rPr lang="pt-BR" sz="2200" dirty="0">
+                <a:latin typeface="Times New Roman" panose="02020603050405020304" pitchFamily="18" charset="0"/>
+                <a:cs typeface="Times New Roman" panose="02020603050405020304" pitchFamily="18" charset="0"/>
+              </a:rPr>
+              <a:t> dedicadas como </a:t>
+            </a:r>
+            <a:r>
+              <a:rPr lang="pt-BR" sz="2200" b="1" dirty="0" err="1">
+                <a:latin typeface="Times New Roman" panose="02020603050405020304" pitchFamily="18" charset="0"/>
+                <a:cs typeface="Times New Roman" panose="02020603050405020304" pitchFamily="18" charset="0"/>
+              </a:rPr>
+              <a:t>ProfiTrace</a:t>
+            </a:r>
+            <a:r>
+              <a:rPr lang="pt-BR" sz="2200" b="1" dirty="0">
+                <a:latin typeface="Times New Roman" panose="02020603050405020304" pitchFamily="18" charset="0"/>
+                <a:cs typeface="Times New Roman" panose="02020603050405020304" pitchFamily="18" charset="0"/>
+              </a:rPr>
+              <a:t> ou </a:t>
+            </a:r>
+            <a:r>
+              <a:rPr lang="pt-BR" sz="2200" b="1" dirty="0" err="1">
+                <a:latin typeface="Times New Roman" panose="02020603050405020304" pitchFamily="18" charset="0"/>
+                <a:cs typeface="Times New Roman" panose="02020603050405020304" pitchFamily="18" charset="0"/>
+              </a:rPr>
+              <a:t>Softing</a:t>
+            </a:r>
+            <a:r>
+              <a:rPr lang="pt-BR" sz="2200" b="1" dirty="0">
+                <a:latin typeface="Times New Roman" panose="02020603050405020304" pitchFamily="18" charset="0"/>
+                <a:cs typeface="Times New Roman" panose="02020603050405020304" pitchFamily="18" charset="0"/>
+              </a:rPr>
+              <a:t> </a:t>
+            </a:r>
+            <a:r>
+              <a:rPr lang="pt-BR" sz="2200" dirty="0">
+                <a:latin typeface="Times New Roman" panose="02020603050405020304" pitchFamily="18" charset="0"/>
+                <a:cs typeface="Times New Roman" panose="02020603050405020304" pitchFamily="18" charset="0"/>
+              </a:rPr>
+              <a:t>para análise física e lógica da rede;</a:t>
+            </a:r>
+          </a:p>
+          <a:p>
+            <a:pPr algn="just"/>
+            <a:r>
+              <a:rPr lang="pt-BR" sz="2200" b="1" dirty="0">
+                <a:latin typeface="Times New Roman" panose="02020603050405020304" pitchFamily="18" charset="0"/>
+                <a:cs typeface="Times New Roman" panose="02020603050405020304" pitchFamily="18" charset="0"/>
+              </a:rPr>
+              <a:t>Indicação de falhas </a:t>
+            </a:r>
+            <a:r>
+              <a:rPr lang="pt-BR" sz="2200" dirty="0">
+                <a:latin typeface="Times New Roman" panose="02020603050405020304" pitchFamily="18" charset="0"/>
+                <a:cs typeface="Times New Roman" panose="02020603050405020304" pitchFamily="18" charset="0"/>
+              </a:rPr>
+              <a:t>como: perda de comunicação, erros de configuração, dispositivos ausentes;</a:t>
+            </a:r>
+          </a:p>
+          <a:p>
+            <a:pPr algn="just"/>
+            <a:r>
+              <a:rPr lang="pt-BR" sz="2200" b="1" dirty="0">
+                <a:latin typeface="Times New Roman" panose="02020603050405020304" pitchFamily="18" charset="0"/>
+                <a:cs typeface="Times New Roman" panose="02020603050405020304" pitchFamily="18" charset="0"/>
+              </a:rPr>
+              <a:t>Recursos como LEDs </a:t>
+            </a:r>
+            <a:r>
+              <a:rPr lang="pt-BR" sz="2200" dirty="0">
+                <a:latin typeface="Times New Roman" panose="02020603050405020304" pitchFamily="18" charset="0"/>
+                <a:cs typeface="Times New Roman" panose="02020603050405020304" pitchFamily="18" charset="0"/>
+              </a:rPr>
+              <a:t>nos dispositivos, mensagens de erro nos </a:t>
+            </a:r>
+            <a:r>
+              <a:rPr lang="pt-BR" sz="2200" dirty="0" err="1">
+                <a:latin typeface="Times New Roman" panose="02020603050405020304" pitchFamily="18" charset="0"/>
+                <a:cs typeface="Times New Roman" panose="02020603050405020304" pitchFamily="18" charset="0"/>
+              </a:rPr>
+              <a:t>CLPs</a:t>
+            </a:r>
+            <a:r>
+              <a:rPr lang="pt-BR" sz="2200" dirty="0">
+                <a:latin typeface="Times New Roman" panose="02020603050405020304" pitchFamily="18" charset="0"/>
+                <a:cs typeface="Times New Roman" panose="02020603050405020304" pitchFamily="18" charset="0"/>
+              </a:rPr>
+              <a:t>, e </a:t>
+            </a:r>
+            <a:r>
+              <a:rPr lang="pt-BR" sz="2200" b="1" dirty="0">
+                <a:latin typeface="Times New Roman" panose="02020603050405020304" pitchFamily="18" charset="0"/>
+                <a:cs typeface="Times New Roman" panose="02020603050405020304" pitchFamily="18" charset="0"/>
+              </a:rPr>
+              <a:t>logs</a:t>
+            </a:r>
+            <a:r>
+              <a:rPr lang="pt-BR" sz="2200" dirty="0">
+                <a:latin typeface="Times New Roman" panose="02020603050405020304" pitchFamily="18" charset="0"/>
+                <a:cs typeface="Times New Roman" panose="02020603050405020304" pitchFamily="18" charset="0"/>
+              </a:rPr>
+              <a:t> ajudam a identificar e resolver problemas.</a:t>
+            </a:r>
+          </a:p>
+          <a:p>
+            <a:pPr algn="just"/>
+            <a:endParaRPr lang="pt-BR" sz="2200" dirty="0">
+              <a:latin typeface="Times New Roman" panose="02020603050405020304" pitchFamily="18" charset="0"/>
+              <a:cs typeface="Times New Roman" panose="02020603050405020304" pitchFamily="18" charset="0"/>
+            </a:endParaRPr>
+          </a:p>
+        </p:txBody>
+      </p:sp>
+    </p:spTree>
+    <p:extLst>
+      <p:ext uri="{BB962C8B-B14F-4D97-AF65-F5344CB8AC3E}">
+        <p14:creationId xmlns:p14="http://schemas.microsoft.com/office/powerpoint/2010/main" val="2360675333"/>
+      </p:ext>
+    </p:extLst>
+  </p:cSld>
+  <p:clrMapOvr>
+    <a:masterClrMapping/>
+  </p:clrMapOvr>
+  <p:transition spd="med"/>
+</p:sld>
+</file>
+
+<file path=ppt/slides/slide13.xml><?xml version="1.0" encoding="utf-8"?>
+<p:sld xmlns:a="http://schemas.openxmlformats.org/drawingml/2006/main" xmlns:r="http://schemas.openxmlformats.org/officeDocument/2006/relationships" xmlns:p="http://schemas.openxmlformats.org/presentationml/2006/main">
+  <p:cSld>
+    <p:spTree>
+      <p:nvGrpSpPr>
+        <p:cNvPr id="1" name="">
+          <a:extLst>
+            <a:ext uri="{FF2B5EF4-FFF2-40B4-BE49-F238E27FC236}">
+              <a16:creationId xmlns:a16="http://schemas.microsoft.com/office/drawing/2014/main" id="{89FA9DF3-9224-1AD9-A4D2-DE71D306F26C}"/>
+            </a:ext>
+          </a:extLst>
+        </p:cNvPr>
+        <p:cNvGrpSpPr/>
+        <p:nvPr/>
+      </p:nvGrpSpPr>
+      <p:grpSpPr>
+        <a:xfrm>
+          <a:off x="0" y="0"/>
+          <a:ext cx="0" cy="0"/>
+          <a:chOff x="0" y="0"/>
+          <a:chExt cx="0" cy="0"/>
+        </a:xfrm>
+      </p:grpSpPr>
+      <p:sp>
+        <p:nvSpPr>
+          <p:cNvPr id="6" name="Title 1">
+            <a:extLst>
+              <a:ext uri="{FF2B5EF4-FFF2-40B4-BE49-F238E27FC236}">
+                <a16:creationId xmlns:a16="http://schemas.microsoft.com/office/drawing/2014/main" id="{4BFE5B21-0F0C-8F4D-2849-3DEEA2CD6D37}"/>
+              </a:ext>
+            </a:extLst>
+          </p:cNvPr>
+          <p:cNvSpPr>
+            <a:spLocks noGrp="1"/>
+          </p:cNvSpPr>
+          <p:nvPr>
+            <p:ph type="title"/>
+          </p:nvPr>
+        </p:nvSpPr>
+        <p:spPr>
+          <a:xfrm>
+            <a:off x="457200" y="205980"/>
+            <a:ext cx="8229600" cy="857251"/>
+          </a:xfrm>
+        </p:spPr>
+        <p:txBody>
+          <a:bodyPr>
+            <a:normAutofit/>
+          </a:bodyPr>
+          <a:lstStyle/>
+          <a:p>
+            <a:r>
+              <a:rPr lang="en-US" b="1" dirty="0">
+                <a:solidFill>
+                  <a:srgbClr val="0070C0"/>
+                </a:solidFill>
+              </a:rPr>
+              <a:t>CLP – </a:t>
+            </a:r>
+            <a:r>
+              <a:rPr lang="en-US" b="1" dirty="0" err="1">
+                <a:solidFill>
+                  <a:srgbClr val="0070C0"/>
+                </a:solidFill>
+              </a:rPr>
+              <a:t>Exemplo</a:t>
+            </a:r>
+            <a:r>
+              <a:rPr lang="en-US" b="1" dirty="0">
+                <a:solidFill>
+                  <a:srgbClr val="0070C0"/>
+                </a:solidFill>
+              </a:rPr>
+              <a:t> Rede Profibus</a:t>
+            </a:r>
+          </a:p>
+        </p:txBody>
+      </p:sp>
+      <p:sp>
+        <p:nvSpPr>
+          <p:cNvPr id="8" name="Text Placeholder 2">
+            <a:extLst>
+              <a:ext uri="{FF2B5EF4-FFF2-40B4-BE49-F238E27FC236}">
+                <a16:creationId xmlns:a16="http://schemas.microsoft.com/office/drawing/2014/main" id="{0D19BB6D-0D14-4F62-D5CE-F574C37B749F}"/>
+              </a:ext>
+            </a:extLst>
+          </p:cNvPr>
+          <p:cNvSpPr>
+            <a:spLocks noGrp="1"/>
+          </p:cNvSpPr>
+          <p:nvPr>
+            <p:ph type="body" sz="half" idx="1"/>
+          </p:nvPr>
+        </p:nvSpPr>
+        <p:spPr>
+          <a:xfrm>
+            <a:off x="142865" y="1035050"/>
+            <a:ext cx="8865056" cy="3994150"/>
+          </a:xfrm>
+        </p:spPr>
+        <p:txBody>
+          <a:bodyPr>
+            <a:noAutofit/>
+          </a:bodyPr>
+          <a:lstStyle/>
+          <a:p>
+            <a:pPr marL="0" indent="0" algn="just">
+              <a:buNone/>
+            </a:pPr>
+            <a:r>
+              <a:rPr lang="pt-BR" sz="2200" b="1" dirty="0">
+                <a:solidFill>
+                  <a:srgbClr val="FF0000"/>
+                </a:solidFill>
+                <a:latin typeface="Times New Roman" panose="02020603050405020304" pitchFamily="18" charset="0"/>
+                <a:cs typeface="Times New Roman" panose="02020603050405020304" pitchFamily="18" charset="0"/>
+              </a:rPr>
+              <a:t>Configuração no TIA Portal com 1 CLP e 2 dispositivos de I/O</a:t>
+            </a:r>
+          </a:p>
+          <a:p>
+            <a:pPr marL="0" indent="0" algn="just">
+              <a:buNone/>
+            </a:pPr>
+            <a:endParaRPr lang="pt-BR" sz="2200" dirty="0">
+              <a:latin typeface="Times New Roman" panose="02020603050405020304" pitchFamily="18" charset="0"/>
+              <a:cs typeface="Times New Roman" panose="02020603050405020304" pitchFamily="18" charset="0"/>
+            </a:endParaRPr>
+          </a:p>
+          <a:p>
+            <a:pPr marL="0" indent="0" algn="just">
+              <a:buNone/>
+            </a:pPr>
+            <a:r>
+              <a:rPr lang="pt-BR" sz="2200" b="1" dirty="0">
+                <a:latin typeface="Times New Roman" panose="02020603050405020304" pitchFamily="18" charset="0"/>
+                <a:cs typeface="Times New Roman" panose="02020603050405020304" pitchFamily="18" charset="0"/>
+              </a:rPr>
+              <a:t>Rede </a:t>
+            </a:r>
+            <a:r>
+              <a:rPr lang="pt-BR" sz="2200" b="1" dirty="0" err="1">
+                <a:latin typeface="Times New Roman" panose="02020603050405020304" pitchFamily="18" charset="0"/>
+                <a:cs typeface="Times New Roman" panose="02020603050405020304" pitchFamily="18" charset="0"/>
+              </a:rPr>
+              <a:t>Profibus</a:t>
+            </a:r>
+            <a:r>
+              <a:rPr lang="pt-BR" sz="2200" b="1" dirty="0">
+                <a:latin typeface="Times New Roman" panose="02020603050405020304" pitchFamily="18" charset="0"/>
+                <a:cs typeface="Times New Roman" panose="02020603050405020304" pitchFamily="18" charset="0"/>
+              </a:rPr>
+              <a:t> no TIA Portal, com:</a:t>
+            </a:r>
+          </a:p>
+          <a:p>
+            <a:pPr marL="0" indent="0" algn="just">
+              <a:buNone/>
+            </a:pPr>
+            <a:endParaRPr lang="pt-BR" sz="2200" dirty="0">
+              <a:latin typeface="Times New Roman" panose="02020603050405020304" pitchFamily="18" charset="0"/>
+              <a:cs typeface="Times New Roman" panose="02020603050405020304" pitchFamily="18" charset="0"/>
+            </a:endParaRPr>
+          </a:p>
+          <a:p>
+            <a:pPr algn="just"/>
+            <a:r>
+              <a:rPr lang="pt-BR" sz="2200" dirty="0">
+                <a:latin typeface="Times New Roman" panose="02020603050405020304" pitchFamily="18" charset="0"/>
+                <a:cs typeface="Times New Roman" panose="02020603050405020304" pitchFamily="18" charset="0"/>
+              </a:rPr>
+              <a:t>1 CLP Siemens S7-300 como mestre </a:t>
+            </a:r>
+            <a:r>
+              <a:rPr lang="pt-BR" sz="2200" dirty="0" err="1">
+                <a:latin typeface="Times New Roman" panose="02020603050405020304" pitchFamily="18" charset="0"/>
+                <a:cs typeface="Times New Roman" panose="02020603050405020304" pitchFamily="18" charset="0"/>
+              </a:rPr>
+              <a:t>Profibus</a:t>
+            </a:r>
+            <a:r>
+              <a:rPr lang="pt-BR" sz="2200" dirty="0">
+                <a:latin typeface="Times New Roman" panose="02020603050405020304" pitchFamily="18" charset="0"/>
+                <a:cs typeface="Times New Roman" panose="02020603050405020304" pitchFamily="18" charset="0"/>
+              </a:rPr>
+              <a:t> DP;</a:t>
+            </a:r>
+          </a:p>
+          <a:p>
+            <a:pPr algn="just"/>
+            <a:r>
+              <a:rPr lang="pt-BR" sz="2200" dirty="0">
+                <a:latin typeface="Times New Roman" panose="02020603050405020304" pitchFamily="18" charset="0"/>
+                <a:cs typeface="Times New Roman" panose="02020603050405020304" pitchFamily="18" charset="0"/>
+              </a:rPr>
+              <a:t>2 módulos de I/O descentralizados (ET 200M ou similar) como escravos </a:t>
+            </a:r>
+            <a:r>
+              <a:rPr lang="pt-BR" sz="2200" dirty="0" err="1">
+                <a:latin typeface="Times New Roman" panose="02020603050405020304" pitchFamily="18" charset="0"/>
+                <a:cs typeface="Times New Roman" panose="02020603050405020304" pitchFamily="18" charset="0"/>
+              </a:rPr>
+              <a:t>Profibus</a:t>
+            </a:r>
+            <a:r>
+              <a:rPr lang="pt-BR" sz="2200" dirty="0">
+                <a:latin typeface="Times New Roman" panose="02020603050405020304" pitchFamily="18" charset="0"/>
+                <a:cs typeface="Times New Roman" panose="02020603050405020304" pitchFamily="18" charset="0"/>
+              </a:rPr>
+              <a:t>.</a:t>
+            </a:r>
+          </a:p>
+        </p:txBody>
+      </p:sp>
+    </p:spTree>
+    <p:extLst>
+      <p:ext uri="{BB962C8B-B14F-4D97-AF65-F5344CB8AC3E}">
+        <p14:creationId xmlns:p14="http://schemas.microsoft.com/office/powerpoint/2010/main" val="3118603137"/>
+      </p:ext>
+    </p:extLst>
+  </p:cSld>
+  <p:clrMapOvr>
+    <a:masterClrMapping/>
+  </p:clrMapOvr>
+  <p:transition spd="med"/>
+</p:sld>
+</file>
+
+<file path=ppt/slides/slide14.xml><?xml version="1.0" encoding="utf-8"?>
+<p:sld xmlns:a="http://schemas.openxmlformats.org/drawingml/2006/main" xmlns:r="http://schemas.openxmlformats.org/officeDocument/2006/relationships" xmlns:p="http://schemas.openxmlformats.org/presentationml/2006/main">
+  <p:cSld>
+    <p:spTree>
+      <p:nvGrpSpPr>
+        <p:cNvPr id="1" name="">
+          <a:extLst>
+            <a:ext uri="{FF2B5EF4-FFF2-40B4-BE49-F238E27FC236}">
+              <a16:creationId xmlns:a16="http://schemas.microsoft.com/office/drawing/2014/main" id="{E05D224D-0983-9400-4710-5A11B3AE4441}"/>
+            </a:ext>
+          </a:extLst>
+        </p:cNvPr>
+        <p:cNvGrpSpPr/>
+        <p:nvPr/>
+      </p:nvGrpSpPr>
+      <p:grpSpPr>
+        <a:xfrm>
+          <a:off x="0" y="0"/>
+          <a:ext cx="0" cy="0"/>
+          <a:chOff x="0" y="0"/>
+          <a:chExt cx="0" cy="0"/>
+        </a:xfrm>
+      </p:grpSpPr>
+      <p:sp>
+        <p:nvSpPr>
+          <p:cNvPr id="6" name="Title 1">
+            <a:extLst>
+              <a:ext uri="{FF2B5EF4-FFF2-40B4-BE49-F238E27FC236}">
+                <a16:creationId xmlns:a16="http://schemas.microsoft.com/office/drawing/2014/main" id="{D2908EDE-5C66-2365-41DB-264B1A9D2F4B}"/>
+              </a:ext>
+            </a:extLst>
+          </p:cNvPr>
+          <p:cNvSpPr>
+            <a:spLocks noGrp="1"/>
+          </p:cNvSpPr>
+          <p:nvPr>
+            <p:ph type="title"/>
+          </p:nvPr>
+        </p:nvSpPr>
+        <p:spPr>
+          <a:xfrm>
+            <a:off x="457200" y="205980"/>
+            <a:ext cx="8229600" cy="857251"/>
+          </a:xfrm>
+        </p:spPr>
+        <p:txBody>
+          <a:bodyPr>
+            <a:normAutofit/>
+          </a:bodyPr>
+          <a:lstStyle/>
+          <a:p>
+            <a:r>
+              <a:rPr lang="en-US" b="1" dirty="0">
+                <a:solidFill>
+                  <a:srgbClr val="0070C0"/>
+                </a:solidFill>
+              </a:rPr>
+              <a:t>CLP – </a:t>
+            </a:r>
+            <a:r>
+              <a:rPr lang="en-US" b="1" dirty="0" err="1">
+                <a:solidFill>
+                  <a:srgbClr val="0070C0"/>
+                </a:solidFill>
+              </a:rPr>
+              <a:t>Exemplo</a:t>
+            </a:r>
+            <a:r>
+              <a:rPr lang="en-US" b="1" dirty="0">
+                <a:solidFill>
+                  <a:srgbClr val="0070C0"/>
+                </a:solidFill>
+              </a:rPr>
+              <a:t> Rede Profibus</a:t>
+            </a:r>
+          </a:p>
+        </p:txBody>
+      </p:sp>
+      <p:sp>
+        <p:nvSpPr>
+          <p:cNvPr id="8" name="Text Placeholder 2">
+            <a:extLst>
+              <a:ext uri="{FF2B5EF4-FFF2-40B4-BE49-F238E27FC236}">
+                <a16:creationId xmlns:a16="http://schemas.microsoft.com/office/drawing/2014/main" id="{75D06D64-F8D4-DF8A-AC69-E12E2AEAB755}"/>
+              </a:ext>
+            </a:extLst>
+          </p:cNvPr>
+          <p:cNvSpPr>
+            <a:spLocks noGrp="1"/>
+          </p:cNvSpPr>
+          <p:nvPr>
+            <p:ph type="body" sz="half" idx="1"/>
+          </p:nvPr>
+        </p:nvSpPr>
+        <p:spPr>
+          <a:xfrm>
+            <a:off x="142865" y="1035050"/>
+            <a:ext cx="8865056" cy="3994150"/>
+          </a:xfrm>
+        </p:spPr>
+        <p:txBody>
+          <a:bodyPr>
+            <a:noAutofit/>
+          </a:bodyPr>
+          <a:lstStyle/>
+          <a:p>
+            <a:pPr marL="0" indent="0" algn="just">
+              <a:buNone/>
+            </a:pPr>
+            <a:r>
+              <a:rPr lang="pt-BR" sz="2200" b="1" dirty="0">
+                <a:latin typeface="Times New Roman" panose="02020603050405020304" pitchFamily="18" charset="0"/>
+                <a:cs typeface="Times New Roman" panose="02020603050405020304" pitchFamily="18" charset="0"/>
+              </a:rPr>
+              <a:t>1. Criando o projeto no TIA Portal</a:t>
+            </a:r>
+          </a:p>
+          <a:p>
+            <a:pPr marL="904875" lvl="1" indent="-457200" algn="just">
+              <a:buFont typeface="+mj-lt"/>
+              <a:buAutoNum type="arabicPeriod"/>
+            </a:pPr>
+            <a:r>
+              <a:rPr lang="pt-BR" sz="2200" dirty="0">
+                <a:latin typeface="Times New Roman" panose="02020603050405020304" pitchFamily="18" charset="0"/>
+                <a:cs typeface="Times New Roman" panose="02020603050405020304" pitchFamily="18" charset="0"/>
+              </a:rPr>
+              <a:t>Abra o TIA Portal e crie um novo projeto.</a:t>
+            </a:r>
+          </a:p>
+          <a:p>
+            <a:pPr marL="904875" lvl="1" indent="-457200" algn="just">
+              <a:buFont typeface="+mj-lt"/>
+              <a:buAutoNum type="arabicPeriod"/>
+            </a:pPr>
+            <a:r>
+              <a:rPr lang="pt-BR" sz="2200" dirty="0">
+                <a:latin typeface="Times New Roman" panose="02020603050405020304" pitchFamily="18" charset="0"/>
+                <a:cs typeface="Times New Roman" panose="02020603050405020304" pitchFamily="18" charset="0"/>
+              </a:rPr>
+              <a:t>Adicione um S7-300:</a:t>
+            </a:r>
+          </a:p>
+          <a:p>
+            <a:pPr lvl="2" indent="-342900" algn="just">
+              <a:buFont typeface="Wingdings" panose="05000000000000000000" pitchFamily="2" charset="2"/>
+              <a:buChar char="§"/>
+            </a:pPr>
+            <a:r>
+              <a:rPr lang="pt-BR" sz="2200" dirty="0">
+                <a:latin typeface="Times New Roman" panose="02020603050405020304" pitchFamily="18" charset="0"/>
+                <a:cs typeface="Times New Roman" panose="02020603050405020304" pitchFamily="18" charset="0"/>
+              </a:rPr>
+              <a:t>Clique em "</a:t>
+            </a:r>
+            <a:r>
+              <a:rPr lang="pt-BR" sz="2200" dirty="0" err="1">
+                <a:latin typeface="Times New Roman" panose="02020603050405020304" pitchFamily="18" charset="0"/>
+                <a:cs typeface="Times New Roman" panose="02020603050405020304" pitchFamily="18" charset="0"/>
+              </a:rPr>
+              <a:t>Add</a:t>
+            </a:r>
+            <a:r>
+              <a:rPr lang="pt-BR" sz="2200" dirty="0">
+                <a:latin typeface="Times New Roman" panose="02020603050405020304" pitchFamily="18" charset="0"/>
+                <a:cs typeface="Times New Roman" panose="02020603050405020304" pitchFamily="18" charset="0"/>
+              </a:rPr>
+              <a:t> new device“;</a:t>
+            </a:r>
+          </a:p>
+          <a:p>
+            <a:pPr lvl="2" indent="-342900" algn="just">
+              <a:buFont typeface="Wingdings" panose="05000000000000000000" pitchFamily="2" charset="2"/>
+              <a:buChar char="§"/>
+            </a:pPr>
+            <a:r>
+              <a:rPr lang="pt-BR" sz="2200" dirty="0">
+                <a:latin typeface="Times New Roman" panose="02020603050405020304" pitchFamily="18" charset="0"/>
+                <a:cs typeface="Times New Roman" panose="02020603050405020304" pitchFamily="18" charset="0"/>
+              </a:rPr>
+              <a:t>Escolha a CPU desejada (</a:t>
+            </a:r>
+            <a:r>
+              <a:rPr lang="pt-BR" sz="2200" dirty="0" err="1">
+                <a:latin typeface="Times New Roman" panose="02020603050405020304" pitchFamily="18" charset="0"/>
+                <a:cs typeface="Times New Roman" panose="02020603050405020304" pitchFamily="18" charset="0"/>
+              </a:rPr>
+              <a:t>ex</a:t>
+            </a:r>
+            <a:r>
+              <a:rPr lang="pt-BR" sz="2200" dirty="0">
+                <a:latin typeface="Times New Roman" panose="02020603050405020304" pitchFamily="18" charset="0"/>
+                <a:cs typeface="Times New Roman" panose="02020603050405020304" pitchFamily="18" charset="0"/>
+              </a:rPr>
+              <a:t>: CPU 315-2 DP);</a:t>
+            </a:r>
+          </a:p>
+          <a:p>
+            <a:pPr lvl="2" indent="-342900" algn="just">
+              <a:buFont typeface="Wingdings" panose="05000000000000000000" pitchFamily="2" charset="2"/>
+              <a:buChar char="§"/>
+            </a:pPr>
+            <a:r>
+              <a:rPr lang="pt-BR" sz="2200" dirty="0">
+                <a:latin typeface="Times New Roman" panose="02020603050405020304" pitchFamily="18" charset="0"/>
+                <a:cs typeface="Times New Roman" panose="02020603050405020304" pitchFamily="18" charset="0"/>
+              </a:rPr>
+              <a:t>Confirme.</a:t>
+            </a:r>
+          </a:p>
+          <a:p>
+            <a:pPr marL="0" lvl="2" indent="0" algn="just">
+              <a:buNone/>
+            </a:pPr>
+            <a:endParaRPr lang="pt-BR" sz="2200" dirty="0">
+              <a:latin typeface="Times New Roman" panose="02020603050405020304" pitchFamily="18" charset="0"/>
+              <a:cs typeface="Times New Roman" panose="02020603050405020304" pitchFamily="18" charset="0"/>
+            </a:endParaRPr>
+          </a:p>
+          <a:p>
+            <a:pPr lvl="2" indent="-342900" algn="just">
+              <a:buFont typeface="Wingdings" panose="05000000000000000000" pitchFamily="2" charset="2"/>
+              <a:buChar char="§"/>
+            </a:pPr>
+            <a:endParaRPr lang="pt-BR" sz="2200" dirty="0">
+              <a:latin typeface="Times New Roman" panose="02020603050405020304" pitchFamily="18" charset="0"/>
+              <a:cs typeface="Times New Roman" panose="02020603050405020304" pitchFamily="18" charset="0"/>
+            </a:endParaRPr>
+          </a:p>
+        </p:txBody>
+      </p:sp>
+    </p:spTree>
+    <p:extLst>
+      <p:ext uri="{BB962C8B-B14F-4D97-AF65-F5344CB8AC3E}">
+        <p14:creationId xmlns:p14="http://schemas.microsoft.com/office/powerpoint/2010/main" val="571369061"/>
+      </p:ext>
+    </p:extLst>
+  </p:cSld>
+  <p:clrMapOvr>
+    <a:masterClrMapping/>
+  </p:clrMapOvr>
+  <p:transition spd="med"/>
+</p:sld>
+</file>
+
+<file path=ppt/slides/slide15.xml><?xml version="1.0" encoding="utf-8"?>
+<p:sld xmlns:a="http://schemas.openxmlformats.org/drawingml/2006/main" xmlns:r="http://schemas.openxmlformats.org/officeDocument/2006/relationships" xmlns:p="http://schemas.openxmlformats.org/presentationml/2006/main">
+  <p:cSld>
+    <p:spTree>
+      <p:nvGrpSpPr>
+        <p:cNvPr id="1" name="">
+          <a:extLst>
+            <a:ext uri="{FF2B5EF4-FFF2-40B4-BE49-F238E27FC236}">
+              <a16:creationId xmlns:a16="http://schemas.microsoft.com/office/drawing/2014/main" id="{6897F953-A483-7BB5-D0DB-C316162DF40A}"/>
+            </a:ext>
+          </a:extLst>
+        </p:cNvPr>
+        <p:cNvGrpSpPr/>
+        <p:nvPr/>
+      </p:nvGrpSpPr>
+      <p:grpSpPr>
+        <a:xfrm>
+          <a:off x="0" y="0"/>
+          <a:ext cx="0" cy="0"/>
+          <a:chOff x="0" y="0"/>
+          <a:chExt cx="0" cy="0"/>
+        </a:xfrm>
+      </p:grpSpPr>
+      <p:sp>
+        <p:nvSpPr>
+          <p:cNvPr id="6" name="Title 1">
+            <a:extLst>
+              <a:ext uri="{FF2B5EF4-FFF2-40B4-BE49-F238E27FC236}">
+                <a16:creationId xmlns:a16="http://schemas.microsoft.com/office/drawing/2014/main" id="{97E46E82-4F1F-1D95-0DF0-AD4D35CA9353}"/>
+              </a:ext>
+            </a:extLst>
+          </p:cNvPr>
+          <p:cNvSpPr>
+            <a:spLocks noGrp="1"/>
+          </p:cNvSpPr>
+          <p:nvPr>
+            <p:ph type="title"/>
+          </p:nvPr>
+        </p:nvSpPr>
+        <p:spPr>
+          <a:xfrm>
+            <a:off x="457200" y="205980"/>
+            <a:ext cx="8229600" cy="857251"/>
+          </a:xfrm>
+        </p:spPr>
+        <p:txBody>
+          <a:bodyPr>
+            <a:normAutofit/>
+          </a:bodyPr>
+          <a:lstStyle/>
+          <a:p>
+            <a:r>
+              <a:rPr lang="en-US" b="1" dirty="0">
+                <a:solidFill>
+                  <a:srgbClr val="0070C0"/>
+                </a:solidFill>
+              </a:rPr>
+              <a:t>CLP – </a:t>
+            </a:r>
+            <a:r>
+              <a:rPr lang="en-US" b="1" dirty="0" err="1">
+                <a:solidFill>
+                  <a:srgbClr val="0070C0"/>
+                </a:solidFill>
+              </a:rPr>
+              <a:t>Exemplo</a:t>
+            </a:r>
+            <a:r>
+              <a:rPr lang="en-US" b="1" dirty="0">
+                <a:solidFill>
+                  <a:srgbClr val="0070C0"/>
+                </a:solidFill>
+              </a:rPr>
+              <a:t> Rede Profibus</a:t>
+            </a:r>
+          </a:p>
+        </p:txBody>
+      </p:sp>
+      <p:sp>
+        <p:nvSpPr>
+          <p:cNvPr id="8" name="Text Placeholder 2">
+            <a:extLst>
+              <a:ext uri="{FF2B5EF4-FFF2-40B4-BE49-F238E27FC236}">
+                <a16:creationId xmlns:a16="http://schemas.microsoft.com/office/drawing/2014/main" id="{A31998CF-C08C-7BEE-5F88-B10270CAD985}"/>
+              </a:ext>
+            </a:extLst>
+          </p:cNvPr>
+          <p:cNvSpPr>
+            <a:spLocks noGrp="1"/>
+          </p:cNvSpPr>
+          <p:nvPr>
+            <p:ph type="body" sz="half" idx="1"/>
+          </p:nvPr>
+        </p:nvSpPr>
+        <p:spPr>
+          <a:xfrm>
+            <a:off x="142865" y="1035050"/>
+            <a:ext cx="8865056" cy="3994150"/>
+          </a:xfrm>
+        </p:spPr>
+        <p:txBody>
+          <a:bodyPr>
+            <a:noAutofit/>
+          </a:bodyPr>
+          <a:lstStyle/>
+          <a:p>
+            <a:pPr marL="0" indent="0" algn="just">
+              <a:buNone/>
+            </a:pPr>
+            <a:r>
+              <a:rPr lang="pt-BR" sz="2200" b="1" dirty="0">
+                <a:latin typeface="Times New Roman" panose="02020603050405020304" pitchFamily="18" charset="0"/>
+                <a:cs typeface="Times New Roman" panose="02020603050405020304" pitchFamily="18" charset="0"/>
+              </a:rPr>
+              <a:t>2. Configurando o mestre </a:t>
+            </a:r>
+            <a:r>
+              <a:rPr lang="pt-BR" sz="2200" b="1" dirty="0" err="1">
+                <a:latin typeface="Times New Roman" panose="02020603050405020304" pitchFamily="18" charset="0"/>
+                <a:cs typeface="Times New Roman" panose="02020603050405020304" pitchFamily="18" charset="0"/>
+              </a:rPr>
+              <a:t>Profibus</a:t>
+            </a:r>
+            <a:endParaRPr lang="pt-BR" sz="2200" b="1" dirty="0">
+              <a:latin typeface="Times New Roman" panose="02020603050405020304" pitchFamily="18" charset="0"/>
+              <a:cs typeface="Times New Roman" panose="02020603050405020304" pitchFamily="18" charset="0"/>
+            </a:endParaRPr>
+          </a:p>
+          <a:p>
+            <a:pPr marL="904875" lvl="1" indent="-457200" algn="just">
+              <a:buFont typeface="+mj-lt"/>
+              <a:buAutoNum type="arabicPeriod"/>
+            </a:pPr>
+            <a:r>
+              <a:rPr lang="pt-BR" sz="2200" dirty="0">
+                <a:latin typeface="Times New Roman" panose="02020603050405020304" pitchFamily="18" charset="0"/>
+                <a:cs typeface="Times New Roman" panose="02020603050405020304" pitchFamily="18" charset="0"/>
+              </a:rPr>
+              <a:t>No </a:t>
+            </a:r>
+            <a:r>
+              <a:rPr lang="pt-BR" sz="2200" b="1" dirty="0">
+                <a:latin typeface="Times New Roman" panose="02020603050405020304" pitchFamily="18" charset="0"/>
+                <a:cs typeface="Times New Roman" panose="02020603050405020304" pitchFamily="18" charset="0"/>
+              </a:rPr>
+              <a:t>Project </a:t>
+            </a:r>
+            <a:r>
+              <a:rPr lang="pt-BR" sz="2200" b="1" dirty="0" err="1">
+                <a:latin typeface="Times New Roman" panose="02020603050405020304" pitchFamily="18" charset="0"/>
+                <a:cs typeface="Times New Roman" panose="02020603050405020304" pitchFamily="18" charset="0"/>
+              </a:rPr>
+              <a:t>Tree</a:t>
+            </a:r>
+            <a:r>
+              <a:rPr lang="pt-BR" sz="2200" dirty="0">
+                <a:latin typeface="Times New Roman" panose="02020603050405020304" pitchFamily="18" charset="0"/>
+                <a:cs typeface="Times New Roman" panose="02020603050405020304" pitchFamily="18" charset="0"/>
+              </a:rPr>
+              <a:t>, vá para:</a:t>
+            </a:r>
+          </a:p>
+          <a:p>
+            <a:pPr lvl="2" indent="-342900" algn="just">
+              <a:buFont typeface="Wingdings" panose="05000000000000000000" pitchFamily="2" charset="2"/>
+              <a:buChar char="§"/>
+            </a:pPr>
+            <a:r>
+              <a:rPr lang="pt-BR" sz="2200" dirty="0">
+                <a:latin typeface="Times New Roman" panose="02020603050405020304" pitchFamily="18" charset="0"/>
+                <a:cs typeface="Times New Roman" panose="02020603050405020304" pitchFamily="18" charset="0"/>
+              </a:rPr>
+              <a:t>"Devices &amp; Networks" → "Network </a:t>
+            </a:r>
+            <a:r>
+              <a:rPr lang="pt-BR" sz="2200" dirty="0" err="1">
+                <a:latin typeface="Times New Roman" panose="02020603050405020304" pitchFamily="18" charset="0"/>
+                <a:cs typeface="Times New Roman" panose="02020603050405020304" pitchFamily="18" charset="0"/>
+              </a:rPr>
+              <a:t>view</a:t>
+            </a:r>
+            <a:r>
+              <a:rPr lang="pt-BR" sz="2200" dirty="0">
+                <a:latin typeface="Times New Roman" panose="02020603050405020304" pitchFamily="18" charset="0"/>
+                <a:cs typeface="Times New Roman" panose="02020603050405020304" pitchFamily="18" charset="0"/>
+              </a:rPr>
+              <a:t>".</a:t>
+            </a:r>
+          </a:p>
+          <a:p>
+            <a:pPr marL="904875" lvl="1" indent="-457200" algn="just">
+              <a:buFont typeface="+mj-lt"/>
+              <a:buAutoNum type="arabicPeriod" startAt="2"/>
+            </a:pPr>
+            <a:r>
+              <a:rPr lang="pt-BR" sz="2200" dirty="0">
+                <a:latin typeface="Times New Roman" panose="02020603050405020304" pitchFamily="18" charset="0"/>
+                <a:cs typeface="Times New Roman" panose="02020603050405020304" pitchFamily="18" charset="0"/>
+              </a:rPr>
+              <a:t>Clique na </a:t>
+            </a:r>
+            <a:r>
+              <a:rPr lang="pt-BR" sz="2200" b="1" dirty="0">
+                <a:latin typeface="Times New Roman" panose="02020603050405020304" pitchFamily="18" charset="0"/>
+                <a:cs typeface="Times New Roman" panose="02020603050405020304" pitchFamily="18" charset="0"/>
+              </a:rPr>
+              <a:t>porta DP </a:t>
+            </a:r>
+            <a:r>
+              <a:rPr lang="pt-BR" sz="2200" dirty="0">
+                <a:latin typeface="Times New Roman" panose="02020603050405020304" pitchFamily="18" charset="0"/>
+                <a:cs typeface="Times New Roman" panose="02020603050405020304" pitchFamily="18" charset="0"/>
+              </a:rPr>
+              <a:t>da CPU (</a:t>
+            </a:r>
+            <a:r>
+              <a:rPr lang="pt-BR" sz="2200" dirty="0" err="1">
+                <a:latin typeface="Times New Roman" panose="02020603050405020304" pitchFamily="18" charset="0"/>
+                <a:cs typeface="Times New Roman" panose="02020603050405020304" pitchFamily="18" charset="0"/>
+              </a:rPr>
+              <a:t>ex</a:t>
+            </a:r>
+            <a:r>
+              <a:rPr lang="pt-BR" sz="2200" dirty="0">
+                <a:latin typeface="Times New Roman" panose="02020603050405020304" pitchFamily="18" charset="0"/>
+                <a:cs typeface="Times New Roman" panose="02020603050405020304" pitchFamily="18" charset="0"/>
+              </a:rPr>
+              <a:t>: MPI/DP) e selecione "</a:t>
+            </a:r>
+            <a:r>
+              <a:rPr lang="pt-BR" sz="2200" dirty="0" err="1">
+                <a:latin typeface="Times New Roman" panose="02020603050405020304" pitchFamily="18" charset="0"/>
+                <a:cs typeface="Times New Roman" panose="02020603050405020304" pitchFamily="18" charset="0"/>
+              </a:rPr>
+              <a:t>Add</a:t>
+            </a:r>
+            <a:r>
+              <a:rPr lang="pt-BR" sz="2200" dirty="0">
+                <a:latin typeface="Times New Roman" panose="02020603050405020304" pitchFamily="18" charset="0"/>
+                <a:cs typeface="Times New Roman" panose="02020603050405020304" pitchFamily="18" charset="0"/>
+              </a:rPr>
+              <a:t> new </a:t>
+            </a:r>
+            <a:r>
+              <a:rPr lang="pt-BR" sz="2200" dirty="0" err="1">
+                <a:latin typeface="Times New Roman" panose="02020603050405020304" pitchFamily="18" charset="0"/>
+                <a:cs typeface="Times New Roman" panose="02020603050405020304" pitchFamily="18" charset="0"/>
+              </a:rPr>
+              <a:t>subnet</a:t>
+            </a:r>
+            <a:r>
+              <a:rPr lang="pt-BR" sz="2200" dirty="0">
+                <a:latin typeface="Times New Roman" panose="02020603050405020304" pitchFamily="18" charset="0"/>
+                <a:cs typeface="Times New Roman" panose="02020603050405020304" pitchFamily="18" charset="0"/>
+              </a:rPr>
+              <a:t>" → "PROFIBUS".</a:t>
+            </a:r>
+          </a:p>
+          <a:p>
+            <a:pPr marL="904875" lvl="1" indent="-457200" algn="just">
+              <a:buFont typeface="+mj-lt"/>
+              <a:buAutoNum type="arabicPeriod" startAt="2"/>
+            </a:pPr>
+            <a:r>
+              <a:rPr lang="pt-BR" sz="2200" dirty="0">
+                <a:latin typeface="Times New Roman" panose="02020603050405020304" pitchFamily="18" charset="0"/>
+                <a:cs typeface="Times New Roman" panose="02020603050405020304" pitchFamily="18" charset="0"/>
+              </a:rPr>
+              <a:t>Configure a velocidade da rede (</a:t>
+            </a:r>
+            <a:r>
+              <a:rPr lang="pt-BR" sz="2200" dirty="0" err="1">
+                <a:latin typeface="Times New Roman" panose="02020603050405020304" pitchFamily="18" charset="0"/>
+                <a:cs typeface="Times New Roman" panose="02020603050405020304" pitchFamily="18" charset="0"/>
+              </a:rPr>
+              <a:t>ex</a:t>
+            </a:r>
+            <a:r>
+              <a:rPr lang="pt-BR" sz="2200" dirty="0">
+                <a:latin typeface="Times New Roman" panose="02020603050405020304" pitchFamily="18" charset="0"/>
+                <a:cs typeface="Times New Roman" panose="02020603050405020304" pitchFamily="18" charset="0"/>
+              </a:rPr>
+              <a:t>: </a:t>
+            </a:r>
+            <a:r>
+              <a:rPr lang="pt-BR" sz="2200" b="1" dirty="0">
+                <a:latin typeface="Times New Roman" panose="02020603050405020304" pitchFamily="18" charset="0"/>
+                <a:cs typeface="Times New Roman" panose="02020603050405020304" pitchFamily="18" charset="0"/>
+              </a:rPr>
+              <a:t>1.5 Mbps</a:t>
+            </a:r>
+            <a:r>
+              <a:rPr lang="pt-BR" sz="2200" dirty="0">
+                <a:latin typeface="Times New Roman" panose="02020603050405020304" pitchFamily="18" charset="0"/>
+                <a:cs typeface="Times New Roman" panose="02020603050405020304" pitchFamily="18" charset="0"/>
+              </a:rPr>
+              <a:t>).</a:t>
+            </a:r>
+          </a:p>
+          <a:p>
+            <a:pPr marL="904875" lvl="1" indent="-457200" algn="just">
+              <a:buFont typeface="+mj-lt"/>
+              <a:buAutoNum type="arabicPeriod" startAt="2"/>
+            </a:pPr>
+            <a:r>
+              <a:rPr lang="pt-BR" sz="2200" dirty="0">
+                <a:latin typeface="Times New Roman" panose="02020603050405020304" pitchFamily="18" charset="0"/>
+                <a:cs typeface="Times New Roman" panose="02020603050405020304" pitchFamily="18" charset="0"/>
+              </a:rPr>
+              <a:t>Defina o </a:t>
+            </a:r>
+            <a:r>
+              <a:rPr lang="pt-BR" sz="2200" b="1" dirty="0">
+                <a:latin typeface="Times New Roman" panose="02020603050405020304" pitchFamily="18" charset="0"/>
+                <a:cs typeface="Times New Roman" panose="02020603050405020304" pitchFamily="18" charset="0"/>
+              </a:rPr>
+              <a:t>endereço do mestre </a:t>
+            </a:r>
+            <a:r>
+              <a:rPr lang="pt-BR" sz="2200" dirty="0">
+                <a:latin typeface="Times New Roman" panose="02020603050405020304" pitchFamily="18" charset="0"/>
+                <a:cs typeface="Times New Roman" panose="02020603050405020304" pitchFamily="18" charset="0"/>
+              </a:rPr>
+              <a:t>(geralmente 1).</a:t>
+            </a:r>
+          </a:p>
+        </p:txBody>
+      </p:sp>
+    </p:spTree>
+    <p:extLst>
+      <p:ext uri="{BB962C8B-B14F-4D97-AF65-F5344CB8AC3E}">
+        <p14:creationId xmlns:p14="http://schemas.microsoft.com/office/powerpoint/2010/main" val="1598438984"/>
+      </p:ext>
+    </p:extLst>
+  </p:cSld>
+  <p:clrMapOvr>
+    <a:masterClrMapping/>
+  </p:clrMapOvr>
+  <p:transition spd="med"/>
+</p:sld>
+</file>
+
+<file path=ppt/slides/slide16.xml><?xml version="1.0" encoding="utf-8"?>
+<p:sld xmlns:a="http://schemas.openxmlformats.org/drawingml/2006/main" xmlns:r="http://schemas.openxmlformats.org/officeDocument/2006/relationships" xmlns:p="http://schemas.openxmlformats.org/presentationml/2006/main">
+  <p:cSld>
+    <p:spTree>
+      <p:nvGrpSpPr>
+        <p:cNvPr id="1" name="">
+          <a:extLst>
+            <a:ext uri="{FF2B5EF4-FFF2-40B4-BE49-F238E27FC236}">
+              <a16:creationId xmlns:a16="http://schemas.microsoft.com/office/drawing/2014/main" id="{7257D64F-F51F-ED4A-913E-076B4E87E722}"/>
+            </a:ext>
+          </a:extLst>
+        </p:cNvPr>
+        <p:cNvGrpSpPr/>
+        <p:nvPr/>
+      </p:nvGrpSpPr>
+      <p:grpSpPr>
+        <a:xfrm>
+          <a:off x="0" y="0"/>
+          <a:ext cx="0" cy="0"/>
+          <a:chOff x="0" y="0"/>
+          <a:chExt cx="0" cy="0"/>
+        </a:xfrm>
+      </p:grpSpPr>
+      <p:sp>
+        <p:nvSpPr>
+          <p:cNvPr id="6" name="Title 1">
+            <a:extLst>
+              <a:ext uri="{FF2B5EF4-FFF2-40B4-BE49-F238E27FC236}">
+                <a16:creationId xmlns:a16="http://schemas.microsoft.com/office/drawing/2014/main" id="{846C8333-F416-7982-4350-97462E606B56}"/>
+              </a:ext>
+            </a:extLst>
+          </p:cNvPr>
+          <p:cNvSpPr>
+            <a:spLocks noGrp="1"/>
+          </p:cNvSpPr>
+          <p:nvPr>
+            <p:ph type="title"/>
+          </p:nvPr>
+        </p:nvSpPr>
+        <p:spPr>
+          <a:xfrm>
+            <a:off x="457200" y="205980"/>
+            <a:ext cx="8229600" cy="857251"/>
+          </a:xfrm>
+        </p:spPr>
+        <p:txBody>
+          <a:bodyPr>
+            <a:normAutofit/>
+          </a:bodyPr>
+          <a:lstStyle/>
+          <a:p>
+            <a:r>
+              <a:rPr lang="en-US" b="1" dirty="0">
+                <a:solidFill>
+                  <a:srgbClr val="0070C0"/>
+                </a:solidFill>
+              </a:rPr>
+              <a:t>CLP – </a:t>
+            </a:r>
+            <a:r>
+              <a:rPr lang="en-US" b="1" dirty="0" err="1">
+                <a:solidFill>
+                  <a:srgbClr val="0070C0"/>
+                </a:solidFill>
+              </a:rPr>
+              <a:t>Exemplo</a:t>
+            </a:r>
+            <a:r>
+              <a:rPr lang="en-US" b="1" dirty="0">
+                <a:solidFill>
+                  <a:srgbClr val="0070C0"/>
+                </a:solidFill>
+              </a:rPr>
+              <a:t> Rede Profibus</a:t>
+            </a:r>
+          </a:p>
+        </p:txBody>
+      </p:sp>
+      <p:sp>
+        <p:nvSpPr>
+          <p:cNvPr id="8" name="Text Placeholder 2">
+            <a:extLst>
+              <a:ext uri="{FF2B5EF4-FFF2-40B4-BE49-F238E27FC236}">
+                <a16:creationId xmlns:a16="http://schemas.microsoft.com/office/drawing/2014/main" id="{F0776653-AA54-DA1D-73B3-E247665E99BE}"/>
+              </a:ext>
+            </a:extLst>
+          </p:cNvPr>
+          <p:cNvSpPr>
+            <a:spLocks noGrp="1"/>
+          </p:cNvSpPr>
+          <p:nvPr>
+            <p:ph type="body" sz="half" idx="1"/>
+          </p:nvPr>
+        </p:nvSpPr>
+        <p:spPr>
+          <a:xfrm>
+            <a:off x="142865" y="1035050"/>
+            <a:ext cx="8865056" cy="3994150"/>
+          </a:xfrm>
+        </p:spPr>
+        <p:txBody>
+          <a:bodyPr>
+            <a:noAutofit/>
+          </a:bodyPr>
+          <a:lstStyle/>
+          <a:p>
+            <a:pPr marL="0" indent="0" algn="just">
+              <a:buNone/>
+            </a:pPr>
+            <a:r>
+              <a:rPr lang="pt-BR" sz="2200" b="1" dirty="0">
+                <a:latin typeface="Times New Roman" panose="02020603050405020304" pitchFamily="18" charset="0"/>
+                <a:cs typeface="Times New Roman" panose="02020603050405020304" pitchFamily="18" charset="0"/>
+              </a:rPr>
+              <a:t>3. Adicionando os escravos </a:t>
+            </a:r>
+            <a:r>
+              <a:rPr lang="pt-BR" sz="2200" b="1" dirty="0" err="1">
+                <a:latin typeface="Times New Roman" panose="02020603050405020304" pitchFamily="18" charset="0"/>
+                <a:cs typeface="Times New Roman" panose="02020603050405020304" pitchFamily="18" charset="0"/>
+              </a:rPr>
+              <a:t>Profibus</a:t>
+            </a:r>
+            <a:r>
+              <a:rPr lang="pt-BR" sz="2200" b="1" dirty="0">
+                <a:latin typeface="Times New Roman" panose="02020603050405020304" pitchFamily="18" charset="0"/>
+                <a:cs typeface="Times New Roman" panose="02020603050405020304" pitchFamily="18" charset="0"/>
+              </a:rPr>
+              <a:t> (ET 200M)</a:t>
+            </a:r>
+          </a:p>
+          <a:p>
+            <a:pPr marL="904875" lvl="1" indent="-457200" algn="just">
+              <a:buFont typeface="+mj-lt"/>
+              <a:buAutoNum type="arabicPeriod"/>
+            </a:pPr>
+            <a:r>
+              <a:rPr lang="pt-BR" sz="2000" dirty="0">
+                <a:latin typeface="Times New Roman" panose="02020603050405020304" pitchFamily="18" charset="0"/>
+                <a:cs typeface="Times New Roman" panose="02020603050405020304" pitchFamily="18" charset="0"/>
+              </a:rPr>
+              <a:t>Clique com o botão direito no fundo da tela e escolha "</a:t>
+            </a:r>
+            <a:r>
+              <a:rPr lang="pt-BR" sz="2000" dirty="0" err="1">
+                <a:latin typeface="Times New Roman" panose="02020603050405020304" pitchFamily="18" charset="0"/>
+                <a:cs typeface="Times New Roman" panose="02020603050405020304" pitchFamily="18" charset="0"/>
+              </a:rPr>
+              <a:t>Add</a:t>
+            </a:r>
+            <a:r>
+              <a:rPr lang="pt-BR" sz="2000" dirty="0">
+                <a:latin typeface="Times New Roman" panose="02020603050405020304" pitchFamily="18" charset="0"/>
+                <a:cs typeface="Times New Roman" panose="02020603050405020304" pitchFamily="18" charset="0"/>
+              </a:rPr>
+              <a:t> device".</a:t>
+            </a:r>
+          </a:p>
+          <a:p>
+            <a:pPr marL="904875" lvl="1" indent="-457200" algn="just">
+              <a:buFont typeface="+mj-lt"/>
+              <a:buAutoNum type="arabicPeriod"/>
+            </a:pPr>
+            <a:r>
+              <a:rPr lang="pt-BR" sz="2000" dirty="0">
+                <a:latin typeface="Times New Roman" panose="02020603050405020304" pitchFamily="18" charset="0"/>
+                <a:cs typeface="Times New Roman" panose="02020603050405020304" pitchFamily="18" charset="0"/>
+              </a:rPr>
+              <a:t>Vá para a família ET 200 (</a:t>
+            </a:r>
+            <a:r>
+              <a:rPr lang="pt-BR" sz="2000" dirty="0" err="1">
+                <a:latin typeface="Times New Roman" panose="02020603050405020304" pitchFamily="18" charset="0"/>
+                <a:cs typeface="Times New Roman" panose="02020603050405020304" pitchFamily="18" charset="0"/>
+              </a:rPr>
+              <a:t>ex</a:t>
+            </a:r>
+            <a:r>
+              <a:rPr lang="pt-BR" sz="2000" dirty="0">
+                <a:latin typeface="Times New Roman" panose="02020603050405020304" pitchFamily="18" charset="0"/>
+                <a:cs typeface="Times New Roman" panose="02020603050405020304" pitchFamily="18" charset="0"/>
+              </a:rPr>
+              <a:t>: "</a:t>
+            </a:r>
+            <a:r>
+              <a:rPr lang="pt-BR" sz="2000" dirty="0" err="1">
+                <a:latin typeface="Times New Roman" panose="02020603050405020304" pitchFamily="18" charset="0"/>
+                <a:cs typeface="Times New Roman" panose="02020603050405020304" pitchFamily="18" charset="0"/>
+              </a:rPr>
+              <a:t>Distributed</a:t>
+            </a:r>
+            <a:r>
+              <a:rPr lang="pt-BR" sz="2000" dirty="0">
+                <a:latin typeface="Times New Roman" panose="02020603050405020304" pitchFamily="18" charset="0"/>
+                <a:cs typeface="Times New Roman" panose="02020603050405020304" pitchFamily="18" charset="0"/>
+              </a:rPr>
+              <a:t> I/O" → "ET 200M").</a:t>
+            </a:r>
+          </a:p>
+          <a:p>
+            <a:pPr marL="904875" lvl="1" indent="-457200" algn="just">
+              <a:buFont typeface="+mj-lt"/>
+              <a:buAutoNum type="arabicPeriod"/>
+            </a:pPr>
+            <a:r>
+              <a:rPr lang="pt-BR" sz="2000" dirty="0">
+                <a:latin typeface="Times New Roman" panose="02020603050405020304" pitchFamily="18" charset="0"/>
+                <a:cs typeface="Times New Roman" panose="02020603050405020304" pitchFamily="18" charset="0"/>
+              </a:rPr>
+              <a:t>Escolha o cabeçote </a:t>
+            </a:r>
+            <a:r>
+              <a:rPr lang="pt-BR" sz="2000" dirty="0" err="1">
+                <a:latin typeface="Times New Roman" panose="02020603050405020304" pitchFamily="18" charset="0"/>
+                <a:cs typeface="Times New Roman" panose="02020603050405020304" pitchFamily="18" charset="0"/>
+              </a:rPr>
+              <a:t>Profibus</a:t>
+            </a:r>
+            <a:r>
+              <a:rPr lang="pt-BR" sz="2000" dirty="0">
+                <a:latin typeface="Times New Roman" panose="02020603050405020304" pitchFamily="18" charset="0"/>
+                <a:cs typeface="Times New Roman" panose="02020603050405020304" pitchFamily="18" charset="0"/>
+              </a:rPr>
+              <a:t> (</a:t>
+            </a:r>
+            <a:r>
+              <a:rPr lang="pt-BR" sz="2000" dirty="0" err="1">
+                <a:latin typeface="Times New Roman" panose="02020603050405020304" pitchFamily="18" charset="0"/>
+                <a:cs typeface="Times New Roman" panose="02020603050405020304" pitchFamily="18" charset="0"/>
+              </a:rPr>
+              <a:t>ex</a:t>
+            </a:r>
+            <a:r>
+              <a:rPr lang="pt-BR" sz="2000" dirty="0">
+                <a:latin typeface="Times New Roman" panose="02020603050405020304" pitchFamily="18" charset="0"/>
+                <a:cs typeface="Times New Roman" panose="02020603050405020304" pitchFamily="18" charset="0"/>
+              </a:rPr>
+              <a:t>: IM 153-1).</a:t>
+            </a:r>
+          </a:p>
+          <a:p>
+            <a:pPr marL="904875" lvl="1" indent="-457200" algn="just">
+              <a:buFont typeface="+mj-lt"/>
+              <a:buAutoNum type="arabicPeriod"/>
+            </a:pPr>
+            <a:r>
+              <a:rPr lang="pt-BR" sz="2000" dirty="0">
+                <a:latin typeface="Times New Roman" panose="02020603050405020304" pitchFamily="18" charset="0"/>
+                <a:cs typeface="Times New Roman" panose="02020603050405020304" pitchFamily="18" charset="0"/>
+              </a:rPr>
+              <a:t>Configure:</a:t>
+            </a:r>
+          </a:p>
+          <a:p>
+            <a:pPr lvl="2" indent="-342900" algn="just"/>
+            <a:r>
+              <a:rPr lang="pt-BR" sz="1800" dirty="0">
+                <a:latin typeface="Times New Roman" panose="02020603050405020304" pitchFamily="18" charset="0"/>
+                <a:cs typeface="Times New Roman" panose="02020603050405020304" pitchFamily="18" charset="0"/>
+              </a:rPr>
+              <a:t>Endereço </a:t>
+            </a:r>
+            <a:r>
+              <a:rPr lang="pt-BR" sz="1800" dirty="0" err="1">
+                <a:latin typeface="Times New Roman" panose="02020603050405020304" pitchFamily="18" charset="0"/>
+                <a:cs typeface="Times New Roman" panose="02020603050405020304" pitchFamily="18" charset="0"/>
+              </a:rPr>
+              <a:t>Profibus</a:t>
+            </a:r>
+            <a:r>
+              <a:rPr lang="pt-BR" sz="1800" dirty="0">
+                <a:latin typeface="Times New Roman" panose="02020603050405020304" pitchFamily="18" charset="0"/>
+                <a:cs typeface="Times New Roman" panose="02020603050405020304" pitchFamily="18" charset="0"/>
+              </a:rPr>
+              <a:t> (</a:t>
+            </a:r>
+            <a:r>
+              <a:rPr lang="pt-BR" sz="1800" dirty="0" err="1">
+                <a:latin typeface="Times New Roman" panose="02020603050405020304" pitchFamily="18" charset="0"/>
+                <a:cs typeface="Times New Roman" panose="02020603050405020304" pitchFamily="18" charset="0"/>
+              </a:rPr>
+              <a:t>ex</a:t>
+            </a:r>
+            <a:r>
+              <a:rPr lang="pt-BR" sz="1800" dirty="0">
+                <a:latin typeface="Times New Roman" panose="02020603050405020304" pitchFamily="18" charset="0"/>
+                <a:cs typeface="Times New Roman" panose="02020603050405020304" pitchFamily="18" charset="0"/>
+              </a:rPr>
+              <a:t>: 2 para o primeiro, 3 para o segundo).</a:t>
+            </a:r>
+          </a:p>
+          <a:p>
+            <a:pPr lvl="2" indent="-342900" algn="just"/>
+            <a:r>
+              <a:rPr lang="pt-BR" sz="1800" dirty="0">
+                <a:latin typeface="Times New Roman" panose="02020603050405020304" pitchFamily="18" charset="0"/>
+                <a:cs typeface="Times New Roman" panose="02020603050405020304" pitchFamily="18" charset="0"/>
+              </a:rPr>
+              <a:t>Conecte à mesma rede </a:t>
+            </a:r>
+            <a:r>
+              <a:rPr lang="pt-BR" sz="1800" dirty="0" err="1">
+                <a:latin typeface="Times New Roman" panose="02020603050405020304" pitchFamily="18" charset="0"/>
+                <a:cs typeface="Times New Roman" panose="02020603050405020304" pitchFamily="18" charset="0"/>
+              </a:rPr>
+              <a:t>Profibus</a:t>
+            </a:r>
+            <a:r>
+              <a:rPr lang="pt-BR" sz="1800" dirty="0">
+                <a:latin typeface="Times New Roman" panose="02020603050405020304" pitchFamily="18" charset="0"/>
+                <a:cs typeface="Times New Roman" panose="02020603050405020304" pitchFamily="18" charset="0"/>
+              </a:rPr>
+              <a:t> criada antes.</a:t>
+            </a:r>
+          </a:p>
+          <a:p>
+            <a:pPr lvl="2" indent="-342900" algn="just"/>
+            <a:r>
+              <a:rPr lang="pt-BR" sz="1800" dirty="0">
+                <a:latin typeface="Times New Roman" panose="02020603050405020304" pitchFamily="18" charset="0"/>
+                <a:cs typeface="Times New Roman" panose="02020603050405020304" pitchFamily="18" charset="0"/>
+              </a:rPr>
+              <a:t>Insira os módulos de I/O nas posições corretas (slots), por exemplo:</a:t>
+            </a:r>
+          </a:p>
+          <a:p>
+            <a:pPr lvl="3" indent="-342900" algn="just"/>
+            <a:r>
+              <a:rPr lang="pt-BR" sz="1600" dirty="0">
+                <a:latin typeface="Times New Roman" panose="02020603050405020304" pitchFamily="18" charset="0"/>
+                <a:cs typeface="Times New Roman" panose="02020603050405020304" pitchFamily="18" charset="0"/>
+              </a:rPr>
+              <a:t>Slot 1: módulo de entrada digital (DI 16xDC24V)</a:t>
+            </a:r>
+          </a:p>
+          <a:p>
+            <a:pPr lvl="3" indent="-342900" algn="just"/>
+            <a:r>
+              <a:rPr lang="pt-BR" sz="1600" dirty="0">
+                <a:latin typeface="Times New Roman" panose="02020603050405020304" pitchFamily="18" charset="0"/>
+                <a:cs typeface="Times New Roman" panose="02020603050405020304" pitchFamily="18" charset="0"/>
+              </a:rPr>
+              <a:t>Slot 2: módulo de saída digital (DO 16xDC24V)</a:t>
+            </a:r>
+          </a:p>
+          <a:p>
+            <a:pPr marL="0" indent="0" algn="just">
+              <a:buNone/>
+            </a:pPr>
+            <a:r>
+              <a:rPr lang="pt-BR" sz="2000" b="1" dirty="0">
+                <a:latin typeface="Times New Roman" panose="02020603050405020304" pitchFamily="18" charset="0"/>
+                <a:cs typeface="Times New Roman" panose="02020603050405020304" pitchFamily="18" charset="0"/>
+              </a:rPr>
+              <a:t>Nota</a:t>
+            </a:r>
+            <a:r>
+              <a:rPr lang="pt-BR" sz="2000" dirty="0">
+                <a:latin typeface="Times New Roman" panose="02020603050405020304" pitchFamily="18" charset="0"/>
+                <a:cs typeface="Times New Roman" panose="02020603050405020304" pitchFamily="18" charset="0"/>
+              </a:rPr>
+              <a:t>: Repita o processo para o segundo escravo.</a:t>
+            </a:r>
+          </a:p>
+        </p:txBody>
+      </p:sp>
+    </p:spTree>
+    <p:extLst>
+      <p:ext uri="{BB962C8B-B14F-4D97-AF65-F5344CB8AC3E}">
+        <p14:creationId xmlns:p14="http://schemas.microsoft.com/office/powerpoint/2010/main" val="2577095422"/>
+      </p:ext>
+    </p:extLst>
+  </p:cSld>
+  <p:clrMapOvr>
+    <a:masterClrMapping/>
+  </p:clrMapOvr>
+  <p:transition spd="med"/>
+</p:sld>
+</file>
+
+<file path=ppt/slides/slide17.xml><?xml version="1.0" encoding="utf-8"?>
+<p:sld xmlns:a="http://schemas.openxmlformats.org/drawingml/2006/main" xmlns:r="http://schemas.openxmlformats.org/officeDocument/2006/relationships" xmlns:p="http://schemas.openxmlformats.org/presentationml/2006/main">
+  <p:cSld>
+    <p:spTree>
+      <p:nvGrpSpPr>
+        <p:cNvPr id="1" name="">
+          <a:extLst>
+            <a:ext uri="{FF2B5EF4-FFF2-40B4-BE49-F238E27FC236}">
+              <a16:creationId xmlns:a16="http://schemas.microsoft.com/office/drawing/2014/main" id="{6C8754F8-C328-E141-2019-E3658073AFFC}"/>
+            </a:ext>
+          </a:extLst>
+        </p:cNvPr>
+        <p:cNvGrpSpPr/>
+        <p:nvPr/>
+      </p:nvGrpSpPr>
+      <p:grpSpPr>
+        <a:xfrm>
+          <a:off x="0" y="0"/>
+          <a:ext cx="0" cy="0"/>
+          <a:chOff x="0" y="0"/>
+          <a:chExt cx="0" cy="0"/>
+        </a:xfrm>
+      </p:grpSpPr>
+      <p:sp>
+        <p:nvSpPr>
+          <p:cNvPr id="6" name="Title 1">
+            <a:extLst>
+              <a:ext uri="{FF2B5EF4-FFF2-40B4-BE49-F238E27FC236}">
+                <a16:creationId xmlns:a16="http://schemas.microsoft.com/office/drawing/2014/main" id="{D1FF640B-9300-0B11-C412-CEDD2E524638}"/>
+              </a:ext>
+            </a:extLst>
+          </p:cNvPr>
+          <p:cNvSpPr>
+            <a:spLocks noGrp="1"/>
+          </p:cNvSpPr>
+          <p:nvPr>
+            <p:ph type="title"/>
+          </p:nvPr>
+        </p:nvSpPr>
+        <p:spPr>
+          <a:xfrm>
+            <a:off x="457200" y="205980"/>
+            <a:ext cx="8229600" cy="857251"/>
+          </a:xfrm>
+        </p:spPr>
+        <p:txBody>
+          <a:bodyPr>
+            <a:normAutofit/>
+          </a:bodyPr>
+          <a:lstStyle/>
+          <a:p>
+            <a:r>
+              <a:rPr lang="en-US" b="1" dirty="0">
+                <a:solidFill>
+                  <a:srgbClr val="0070C0"/>
+                </a:solidFill>
+              </a:rPr>
+              <a:t>CLP – </a:t>
+            </a:r>
+            <a:r>
+              <a:rPr lang="en-US" b="1" dirty="0" err="1">
+                <a:solidFill>
+                  <a:srgbClr val="0070C0"/>
+                </a:solidFill>
+              </a:rPr>
+              <a:t>Exemplo</a:t>
+            </a:r>
+            <a:r>
+              <a:rPr lang="en-US" b="1" dirty="0">
+                <a:solidFill>
+                  <a:srgbClr val="0070C0"/>
+                </a:solidFill>
+              </a:rPr>
+              <a:t> Rede Profibus</a:t>
+            </a:r>
+          </a:p>
+        </p:txBody>
+      </p:sp>
+      <p:sp>
+        <p:nvSpPr>
+          <p:cNvPr id="8" name="Text Placeholder 2">
+            <a:extLst>
+              <a:ext uri="{FF2B5EF4-FFF2-40B4-BE49-F238E27FC236}">
+                <a16:creationId xmlns:a16="http://schemas.microsoft.com/office/drawing/2014/main" id="{065A3F6F-ED29-43B5-8C96-AA474D4AE25E}"/>
+              </a:ext>
+            </a:extLst>
+          </p:cNvPr>
+          <p:cNvSpPr>
+            <a:spLocks noGrp="1"/>
+          </p:cNvSpPr>
+          <p:nvPr>
+            <p:ph type="body" sz="half" idx="1"/>
+          </p:nvPr>
+        </p:nvSpPr>
+        <p:spPr>
+          <a:xfrm>
+            <a:off x="142865" y="1035050"/>
+            <a:ext cx="8865056" cy="3994150"/>
+          </a:xfrm>
+        </p:spPr>
+        <p:txBody>
+          <a:bodyPr>
+            <a:noAutofit/>
+          </a:bodyPr>
+          <a:lstStyle/>
+          <a:p>
+            <a:pPr marL="0" indent="0" algn="just">
+              <a:buNone/>
+            </a:pPr>
+            <a:r>
+              <a:rPr lang="pt-BR" sz="2200" b="1" dirty="0">
+                <a:latin typeface="Times New Roman" panose="02020603050405020304" pitchFamily="18" charset="0"/>
+                <a:cs typeface="Times New Roman" panose="02020603050405020304" pitchFamily="18" charset="0"/>
+              </a:rPr>
+              <a:t>4. Configuração final e ciclo de rede</a:t>
+            </a:r>
+          </a:p>
+          <a:p>
+            <a:pPr marL="904875" lvl="1" indent="-457200" algn="just">
+              <a:buFont typeface="+mj-lt"/>
+              <a:buAutoNum type="arabicPeriod"/>
+            </a:pPr>
+            <a:r>
+              <a:rPr lang="pt-BR" sz="2400" dirty="0">
+                <a:latin typeface="Times New Roman" panose="02020603050405020304" pitchFamily="18" charset="0"/>
+                <a:cs typeface="Times New Roman" panose="02020603050405020304" pitchFamily="18" charset="0"/>
+              </a:rPr>
+              <a:t>Verifique o </a:t>
+            </a:r>
+            <a:r>
+              <a:rPr lang="pt-BR" sz="2400" b="1" dirty="0">
+                <a:latin typeface="Times New Roman" panose="02020603050405020304" pitchFamily="18" charset="0"/>
+                <a:cs typeface="Times New Roman" panose="02020603050405020304" pitchFamily="18" charset="0"/>
+              </a:rPr>
+              <a:t>tempo de ciclo </a:t>
+            </a:r>
+            <a:r>
+              <a:rPr lang="pt-BR" sz="2400" dirty="0">
+                <a:latin typeface="Times New Roman" panose="02020603050405020304" pitchFamily="18" charset="0"/>
+                <a:cs typeface="Times New Roman" panose="02020603050405020304" pitchFamily="18" charset="0"/>
+              </a:rPr>
+              <a:t>previsto:</a:t>
+            </a:r>
+          </a:p>
+          <a:p>
+            <a:pPr marL="1348740" lvl="2" indent="-457200" algn="just"/>
+            <a:r>
+              <a:rPr lang="pt-BR" sz="2400" dirty="0">
+                <a:latin typeface="Times New Roman" panose="02020603050405020304" pitchFamily="18" charset="0"/>
+                <a:cs typeface="Times New Roman" panose="02020603050405020304" pitchFamily="18" charset="0"/>
+              </a:rPr>
+              <a:t>Menu "</a:t>
+            </a:r>
+            <a:r>
+              <a:rPr lang="pt-BR" sz="2400" b="1" dirty="0">
+                <a:latin typeface="Times New Roman" panose="02020603050405020304" pitchFamily="18" charset="0"/>
+                <a:cs typeface="Times New Roman" panose="02020603050405020304" pitchFamily="18" charset="0"/>
+              </a:rPr>
+              <a:t>Properties</a:t>
+            </a:r>
+            <a:r>
+              <a:rPr lang="pt-BR" sz="2400" dirty="0">
+                <a:latin typeface="Times New Roman" panose="02020603050405020304" pitchFamily="18" charset="0"/>
+                <a:cs typeface="Times New Roman" panose="02020603050405020304" pitchFamily="18" charset="0"/>
+              </a:rPr>
+              <a:t>" da rede </a:t>
+            </a:r>
+            <a:r>
+              <a:rPr lang="pt-BR" sz="2400" dirty="0" err="1">
+                <a:latin typeface="Times New Roman" panose="02020603050405020304" pitchFamily="18" charset="0"/>
+                <a:cs typeface="Times New Roman" panose="02020603050405020304" pitchFamily="18" charset="0"/>
+              </a:rPr>
+              <a:t>Profibus</a:t>
+            </a:r>
+            <a:r>
+              <a:rPr lang="pt-BR" sz="2400" dirty="0">
+                <a:latin typeface="Times New Roman" panose="02020603050405020304" pitchFamily="18" charset="0"/>
+                <a:cs typeface="Times New Roman" panose="02020603050405020304" pitchFamily="18" charset="0"/>
+              </a:rPr>
+              <a:t>.</a:t>
+            </a:r>
+          </a:p>
+          <a:p>
+            <a:pPr marL="1348740" lvl="2" indent="-457200" algn="just"/>
+            <a:r>
+              <a:rPr lang="pt-BR" sz="2400" dirty="0">
+                <a:latin typeface="Times New Roman" panose="02020603050405020304" pitchFamily="18" charset="0"/>
+                <a:cs typeface="Times New Roman" panose="02020603050405020304" pitchFamily="18" charset="0"/>
+              </a:rPr>
+              <a:t>Ajuste </a:t>
+            </a:r>
+            <a:r>
+              <a:rPr lang="pt-BR" sz="2400" b="1" dirty="0" err="1">
+                <a:latin typeface="Times New Roman" panose="02020603050405020304" pitchFamily="18" charset="0"/>
+                <a:cs typeface="Times New Roman" panose="02020603050405020304" pitchFamily="18" charset="0"/>
+              </a:rPr>
+              <a:t>Watchdog</a:t>
+            </a:r>
+            <a:r>
+              <a:rPr lang="pt-BR" sz="2400" dirty="0">
+                <a:latin typeface="Times New Roman" panose="02020603050405020304" pitchFamily="18" charset="0"/>
+                <a:cs typeface="Times New Roman" panose="02020603050405020304" pitchFamily="18" charset="0"/>
+              </a:rPr>
+              <a:t> Time se necessário.</a:t>
+            </a:r>
+          </a:p>
+          <a:p>
+            <a:pPr marL="904875" lvl="1" indent="-457200" algn="just">
+              <a:buFont typeface="+mj-lt"/>
+              <a:buAutoNum type="arabicPeriod"/>
+            </a:pPr>
+            <a:r>
+              <a:rPr lang="pt-BR" sz="2400" dirty="0">
+                <a:latin typeface="Times New Roman" panose="02020603050405020304" pitchFamily="18" charset="0"/>
+                <a:cs typeface="Times New Roman" panose="02020603050405020304" pitchFamily="18" charset="0"/>
+              </a:rPr>
+              <a:t>Clique em </a:t>
+            </a:r>
+            <a:r>
+              <a:rPr lang="pt-BR" sz="2400" b="1" dirty="0">
+                <a:latin typeface="Times New Roman" panose="02020603050405020304" pitchFamily="18" charset="0"/>
+                <a:cs typeface="Times New Roman" panose="02020603050405020304" pitchFamily="18" charset="0"/>
+              </a:rPr>
+              <a:t>Compile</a:t>
+            </a:r>
+            <a:r>
+              <a:rPr lang="pt-BR" sz="2400" dirty="0">
+                <a:latin typeface="Times New Roman" panose="02020603050405020304" pitchFamily="18" charset="0"/>
+                <a:cs typeface="Times New Roman" panose="02020603050405020304" pitchFamily="18" charset="0"/>
+              </a:rPr>
+              <a:t> &gt; </a:t>
+            </a:r>
+            <a:r>
+              <a:rPr lang="pt-BR" sz="2400" b="1" dirty="0" err="1">
+                <a:latin typeface="Times New Roman" panose="02020603050405020304" pitchFamily="18" charset="0"/>
+                <a:cs typeface="Times New Roman" panose="02020603050405020304" pitchFamily="18" charset="0"/>
+              </a:rPr>
+              <a:t>All</a:t>
+            </a:r>
+            <a:r>
+              <a:rPr lang="pt-BR" sz="2400" dirty="0">
+                <a:latin typeface="Times New Roman" panose="02020603050405020304" pitchFamily="18" charset="0"/>
+                <a:cs typeface="Times New Roman" panose="02020603050405020304" pitchFamily="18" charset="0"/>
+              </a:rPr>
+              <a:t> para validar.</a:t>
+            </a:r>
+          </a:p>
+          <a:p>
+            <a:pPr marL="904875" lvl="1" indent="-457200" algn="just">
+              <a:buFont typeface="+mj-lt"/>
+              <a:buAutoNum type="arabicPeriod"/>
+            </a:pPr>
+            <a:r>
+              <a:rPr lang="pt-BR" sz="2400" dirty="0">
+                <a:latin typeface="Times New Roman" panose="02020603050405020304" pitchFamily="18" charset="0"/>
+                <a:cs typeface="Times New Roman" panose="02020603050405020304" pitchFamily="18" charset="0"/>
+              </a:rPr>
+              <a:t>Faça o </a:t>
+            </a:r>
+            <a:r>
+              <a:rPr lang="pt-BR" sz="2400" b="1" dirty="0">
+                <a:latin typeface="Times New Roman" panose="02020603050405020304" pitchFamily="18" charset="0"/>
+                <a:cs typeface="Times New Roman" panose="02020603050405020304" pitchFamily="18" charset="0"/>
+              </a:rPr>
+              <a:t>download</a:t>
+            </a:r>
+            <a:r>
+              <a:rPr lang="pt-BR" sz="2400" dirty="0">
+                <a:latin typeface="Times New Roman" panose="02020603050405020304" pitchFamily="18" charset="0"/>
+                <a:cs typeface="Times New Roman" panose="02020603050405020304" pitchFamily="18" charset="0"/>
+              </a:rPr>
+              <a:t> para o </a:t>
+            </a:r>
+            <a:r>
+              <a:rPr lang="pt-BR" sz="2400" b="1" dirty="0">
+                <a:solidFill>
+                  <a:srgbClr val="FF0000"/>
+                </a:solidFill>
+                <a:latin typeface="Times New Roman" panose="02020603050405020304" pitchFamily="18" charset="0"/>
+                <a:cs typeface="Times New Roman" panose="02020603050405020304" pitchFamily="18" charset="0"/>
+              </a:rPr>
+              <a:t>CLP</a:t>
+            </a:r>
+            <a:r>
+              <a:rPr lang="pt-BR" sz="2400" dirty="0">
+                <a:latin typeface="Times New Roman" panose="02020603050405020304" pitchFamily="18" charset="0"/>
+                <a:cs typeface="Times New Roman" panose="02020603050405020304" pitchFamily="18" charset="0"/>
+              </a:rPr>
+              <a:t>.</a:t>
+            </a:r>
+          </a:p>
+          <a:p>
+            <a:pPr marL="904875" lvl="1" indent="-457200" algn="just">
+              <a:buFont typeface="+mj-lt"/>
+              <a:buAutoNum type="arabicPeriod"/>
+            </a:pPr>
+            <a:r>
+              <a:rPr lang="pt-BR" sz="2400" dirty="0">
+                <a:latin typeface="Times New Roman" panose="02020603050405020304" pitchFamily="18" charset="0"/>
+                <a:cs typeface="Times New Roman" panose="02020603050405020304" pitchFamily="18" charset="0"/>
+              </a:rPr>
+              <a:t>Vá para "</a:t>
+            </a:r>
+            <a:r>
+              <a:rPr lang="pt-BR" sz="2400" b="1" dirty="0">
+                <a:latin typeface="Times New Roman" panose="02020603050405020304" pitchFamily="18" charset="0"/>
+                <a:cs typeface="Times New Roman" panose="02020603050405020304" pitchFamily="18" charset="0"/>
+              </a:rPr>
+              <a:t>Online &amp; </a:t>
+            </a:r>
+            <a:r>
+              <a:rPr lang="pt-BR" sz="2400" b="1" dirty="0" err="1">
+                <a:latin typeface="Times New Roman" panose="02020603050405020304" pitchFamily="18" charset="0"/>
+                <a:cs typeface="Times New Roman" panose="02020603050405020304" pitchFamily="18" charset="0"/>
+              </a:rPr>
+              <a:t>Diagnostics</a:t>
+            </a:r>
+            <a:r>
+              <a:rPr lang="pt-BR" sz="2400" dirty="0">
+                <a:latin typeface="Times New Roman" panose="02020603050405020304" pitchFamily="18" charset="0"/>
+                <a:cs typeface="Times New Roman" panose="02020603050405020304" pitchFamily="18" charset="0"/>
+              </a:rPr>
+              <a:t>" para verificar:</a:t>
+            </a:r>
+          </a:p>
+          <a:p>
+            <a:pPr marL="1348740" lvl="2" indent="-457200" algn="just"/>
+            <a:r>
+              <a:rPr lang="pt-BR" sz="2400" dirty="0">
+                <a:latin typeface="Times New Roman" panose="02020603050405020304" pitchFamily="18" charset="0"/>
+                <a:cs typeface="Times New Roman" panose="02020603050405020304" pitchFamily="18" charset="0"/>
+              </a:rPr>
+              <a:t>Status dos escravos.</a:t>
+            </a:r>
+          </a:p>
+          <a:p>
+            <a:pPr marL="1348740" lvl="2" indent="-457200" algn="just"/>
+            <a:r>
+              <a:rPr lang="pt-BR" sz="2400" dirty="0">
+                <a:latin typeface="Times New Roman" panose="02020603050405020304" pitchFamily="18" charset="0"/>
+                <a:cs typeface="Times New Roman" panose="02020603050405020304" pitchFamily="18" charset="0"/>
+              </a:rPr>
+              <a:t>Comunicação ativa ou falhas.</a:t>
+            </a:r>
+          </a:p>
+        </p:txBody>
+      </p:sp>
+    </p:spTree>
+    <p:extLst>
+      <p:ext uri="{BB962C8B-B14F-4D97-AF65-F5344CB8AC3E}">
+        <p14:creationId xmlns:p14="http://schemas.microsoft.com/office/powerpoint/2010/main" val="2945198826"/>
+      </p:ext>
+    </p:extLst>
+  </p:cSld>
+  <p:clrMapOvr>
+    <a:masterClrMapping/>
+  </p:clrMapOvr>
+  <p:transition spd="med"/>
+</p:sld>
+</file>
+
+<file path=ppt/slides/slide18.xml><?xml version="1.0" encoding="utf-8"?>
+<p:sld xmlns:a="http://schemas.openxmlformats.org/drawingml/2006/main" xmlns:r="http://schemas.openxmlformats.org/officeDocument/2006/relationships" xmlns:p="http://schemas.openxmlformats.org/presentationml/2006/main">
+  <p:cSld>
+    <p:spTree>
+      <p:nvGrpSpPr>
+        <p:cNvPr id="1" name="">
+          <a:extLst>
+            <a:ext uri="{FF2B5EF4-FFF2-40B4-BE49-F238E27FC236}">
+              <a16:creationId xmlns:a16="http://schemas.microsoft.com/office/drawing/2014/main" id="{D0C5D0D6-8442-F8DA-33BD-B95ABC7E2AED}"/>
+            </a:ext>
+          </a:extLst>
+        </p:cNvPr>
+        <p:cNvGrpSpPr/>
+        <p:nvPr/>
+      </p:nvGrpSpPr>
+      <p:grpSpPr>
+        <a:xfrm>
+          <a:off x="0" y="0"/>
+          <a:ext cx="0" cy="0"/>
+          <a:chOff x="0" y="0"/>
+          <a:chExt cx="0" cy="0"/>
+        </a:xfrm>
+      </p:grpSpPr>
+      <p:sp>
+        <p:nvSpPr>
+          <p:cNvPr id="6" name="Title 1">
+            <a:extLst>
+              <a:ext uri="{FF2B5EF4-FFF2-40B4-BE49-F238E27FC236}">
+                <a16:creationId xmlns:a16="http://schemas.microsoft.com/office/drawing/2014/main" id="{DC54187B-705C-D62B-2443-AED97DF41F89}"/>
+              </a:ext>
+            </a:extLst>
+          </p:cNvPr>
+          <p:cNvSpPr>
+            <a:spLocks noGrp="1"/>
+          </p:cNvSpPr>
+          <p:nvPr>
+            <p:ph type="title"/>
+          </p:nvPr>
+        </p:nvSpPr>
+        <p:spPr>
+          <a:xfrm>
+            <a:off x="457200" y="205980"/>
+            <a:ext cx="8229600" cy="857251"/>
+          </a:xfrm>
+        </p:spPr>
+        <p:txBody>
+          <a:bodyPr>
+            <a:normAutofit/>
+          </a:bodyPr>
+          <a:lstStyle/>
+          <a:p>
+            <a:r>
+              <a:rPr lang="en-US" b="1" dirty="0">
+                <a:solidFill>
+                  <a:srgbClr val="0070C0"/>
+                </a:solidFill>
+              </a:rPr>
+              <a:t>CLP – </a:t>
+            </a:r>
+            <a:r>
+              <a:rPr lang="en-US" b="1" dirty="0" err="1">
+                <a:solidFill>
+                  <a:srgbClr val="0070C0"/>
+                </a:solidFill>
+              </a:rPr>
+              <a:t>Exemplo</a:t>
+            </a:r>
+            <a:r>
+              <a:rPr lang="en-US" b="1" dirty="0">
+                <a:solidFill>
+                  <a:srgbClr val="0070C0"/>
+                </a:solidFill>
+              </a:rPr>
+              <a:t> Rede Profibus</a:t>
+            </a:r>
+          </a:p>
+        </p:txBody>
+      </p:sp>
+      <p:sp>
+        <p:nvSpPr>
+          <p:cNvPr id="8" name="Text Placeholder 2">
+            <a:extLst>
+              <a:ext uri="{FF2B5EF4-FFF2-40B4-BE49-F238E27FC236}">
+                <a16:creationId xmlns:a16="http://schemas.microsoft.com/office/drawing/2014/main" id="{473EBE3F-B808-2960-73B1-1E6DCC8286CF}"/>
+              </a:ext>
+            </a:extLst>
+          </p:cNvPr>
+          <p:cNvSpPr>
+            <a:spLocks noGrp="1"/>
+          </p:cNvSpPr>
+          <p:nvPr>
+            <p:ph type="body" sz="half" idx="1"/>
+          </p:nvPr>
+        </p:nvSpPr>
+        <p:spPr>
+          <a:xfrm>
+            <a:off x="142865" y="1035050"/>
+            <a:ext cx="8865056" cy="3994150"/>
+          </a:xfrm>
+        </p:spPr>
+        <p:txBody>
+          <a:bodyPr>
+            <a:noAutofit/>
+          </a:bodyPr>
+          <a:lstStyle/>
+          <a:p>
+            <a:pPr marL="0" indent="0" algn="just">
+              <a:buNone/>
+            </a:pPr>
+            <a:r>
+              <a:rPr lang="pt-BR" sz="2400" b="1" dirty="0">
+                <a:latin typeface="Times New Roman" panose="02020603050405020304" pitchFamily="18" charset="0"/>
+                <a:cs typeface="Times New Roman" panose="02020603050405020304" pitchFamily="18" charset="0"/>
+              </a:rPr>
+              <a:t>Resultado esperado</a:t>
+            </a:r>
+          </a:p>
+          <a:p>
+            <a:pPr marL="0" indent="0" algn="just">
+              <a:buNone/>
+            </a:pPr>
+            <a:endParaRPr lang="pt-BR" sz="2400" dirty="0">
+              <a:latin typeface="Times New Roman" panose="02020603050405020304" pitchFamily="18" charset="0"/>
+              <a:cs typeface="Times New Roman" panose="02020603050405020304" pitchFamily="18" charset="0"/>
+            </a:endParaRPr>
+          </a:p>
+          <a:p>
+            <a:pPr algn="just"/>
+            <a:r>
+              <a:rPr lang="pt-BR" sz="2400" b="1" dirty="0">
+                <a:solidFill>
+                  <a:srgbClr val="FF0000"/>
+                </a:solidFill>
+                <a:latin typeface="Times New Roman" panose="02020603050405020304" pitchFamily="18" charset="0"/>
+                <a:cs typeface="Times New Roman" panose="02020603050405020304" pitchFamily="18" charset="0"/>
+              </a:rPr>
+              <a:t>Rede </a:t>
+            </a:r>
+            <a:r>
+              <a:rPr lang="pt-BR" sz="2400" b="1" dirty="0" err="1">
+                <a:solidFill>
+                  <a:srgbClr val="FF0000"/>
+                </a:solidFill>
+                <a:latin typeface="Times New Roman" panose="02020603050405020304" pitchFamily="18" charset="0"/>
+                <a:cs typeface="Times New Roman" panose="02020603050405020304" pitchFamily="18" charset="0"/>
+              </a:rPr>
+              <a:t>Profibus</a:t>
+            </a:r>
+            <a:r>
+              <a:rPr lang="pt-BR" sz="2400" b="1" dirty="0">
+                <a:solidFill>
+                  <a:srgbClr val="FF0000"/>
+                </a:solidFill>
+                <a:latin typeface="Times New Roman" panose="02020603050405020304" pitchFamily="18" charset="0"/>
+                <a:cs typeface="Times New Roman" panose="02020603050405020304" pitchFamily="18" charset="0"/>
+              </a:rPr>
+              <a:t> </a:t>
+            </a:r>
+            <a:r>
+              <a:rPr lang="pt-BR" sz="2400" dirty="0">
+                <a:latin typeface="Times New Roman" panose="02020603050405020304" pitchFamily="18" charset="0"/>
+                <a:cs typeface="Times New Roman" panose="02020603050405020304" pitchFamily="18" charset="0"/>
+              </a:rPr>
+              <a:t>criada com o </a:t>
+            </a:r>
+            <a:r>
+              <a:rPr lang="pt-BR" sz="2400" b="1" dirty="0">
+                <a:latin typeface="Times New Roman" panose="02020603050405020304" pitchFamily="18" charset="0"/>
+                <a:cs typeface="Times New Roman" panose="02020603050405020304" pitchFamily="18" charset="0"/>
+              </a:rPr>
+              <a:t>mestre</a:t>
+            </a:r>
+            <a:r>
+              <a:rPr lang="pt-BR" sz="2400" dirty="0">
+                <a:latin typeface="Times New Roman" panose="02020603050405020304" pitchFamily="18" charset="0"/>
+                <a:cs typeface="Times New Roman" panose="02020603050405020304" pitchFamily="18" charset="0"/>
+              </a:rPr>
+              <a:t> e </a:t>
+            </a:r>
+            <a:r>
+              <a:rPr lang="pt-BR" sz="2400" b="1" dirty="0">
+                <a:latin typeface="Times New Roman" panose="02020603050405020304" pitchFamily="18" charset="0"/>
+                <a:cs typeface="Times New Roman" panose="02020603050405020304" pitchFamily="18" charset="0"/>
+              </a:rPr>
+              <a:t>dois escravos</a:t>
+            </a:r>
+            <a:r>
+              <a:rPr lang="pt-BR" sz="2400" dirty="0">
+                <a:latin typeface="Times New Roman" panose="02020603050405020304" pitchFamily="18" charset="0"/>
+                <a:cs typeface="Times New Roman" panose="02020603050405020304" pitchFamily="18" charset="0"/>
+              </a:rPr>
+              <a:t>.</a:t>
+            </a:r>
+          </a:p>
+          <a:p>
+            <a:pPr marL="0" indent="0" algn="just">
+              <a:buNone/>
+            </a:pPr>
+            <a:endParaRPr lang="pt-BR" sz="2400" dirty="0">
+              <a:latin typeface="Times New Roman" panose="02020603050405020304" pitchFamily="18" charset="0"/>
+              <a:cs typeface="Times New Roman" panose="02020603050405020304" pitchFamily="18" charset="0"/>
+            </a:endParaRPr>
+          </a:p>
+          <a:p>
+            <a:pPr algn="just"/>
+            <a:r>
+              <a:rPr lang="pt-BR" sz="2400" b="1" dirty="0">
+                <a:solidFill>
+                  <a:srgbClr val="FF0000"/>
+                </a:solidFill>
+                <a:latin typeface="Times New Roman" panose="02020603050405020304" pitchFamily="18" charset="0"/>
+                <a:cs typeface="Times New Roman" panose="02020603050405020304" pitchFamily="18" charset="0"/>
+              </a:rPr>
+              <a:t>Dispositivos</a:t>
+            </a:r>
+            <a:r>
+              <a:rPr lang="pt-BR" sz="2400" dirty="0">
+                <a:latin typeface="Times New Roman" panose="02020603050405020304" pitchFamily="18" charset="0"/>
+                <a:cs typeface="Times New Roman" panose="02020603050405020304" pitchFamily="18" charset="0"/>
+              </a:rPr>
+              <a:t> com </a:t>
+            </a:r>
+            <a:r>
+              <a:rPr lang="pt-BR" sz="2400" b="1" dirty="0">
+                <a:latin typeface="Times New Roman" panose="02020603050405020304" pitchFamily="18" charset="0"/>
+                <a:cs typeface="Times New Roman" panose="02020603050405020304" pitchFamily="18" charset="0"/>
+              </a:rPr>
+              <a:t>endereços distintos </a:t>
+            </a:r>
+            <a:r>
+              <a:rPr lang="pt-BR" sz="2400" dirty="0">
+                <a:latin typeface="Times New Roman" panose="02020603050405020304" pitchFamily="18" charset="0"/>
+                <a:cs typeface="Times New Roman" panose="02020603050405020304" pitchFamily="18" charset="0"/>
+              </a:rPr>
+              <a:t>e </a:t>
+            </a:r>
+            <a:r>
+              <a:rPr lang="pt-BR" sz="2400" b="1" dirty="0">
+                <a:latin typeface="Times New Roman" panose="02020603050405020304" pitchFamily="18" charset="0"/>
+                <a:cs typeface="Times New Roman" panose="02020603050405020304" pitchFamily="18" charset="0"/>
+              </a:rPr>
+              <a:t>conectados</a:t>
+            </a:r>
+            <a:r>
+              <a:rPr lang="pt-BR" sz="2400" dirty="0">
+                <a:latin typeface="Times New Roman" panose="02020603050405020304" pitchFamily="18" charset="0"/>
+                <a:cs typeface="Times New Roman" panose="02020603050405020304" pitchFamily="18" charset="0"/>
+              </a:rPr>
+              <a:t> na mesma rede.</a:t>
+            </a:r>
+          </a:p>
+          <a:p>
+            <a:pPr marL="0" indent="0" algn="just">
+              <a:buNone/>
+            </a:pPr>
+            <a:endParaRPr lang="pt-BR" sz="2400" dirty="0">
+              <a:latin typeface="Times New Roman" panose="02020603050405020304" pitchFamily="18" charset="0"/>
+              <a:cs typeface="Times New Roman" panose="02020603050405020304" pitchFamily="18" charset="0"/>
+            </a:endParaRPr>
+          </a:p>
+          <a:p>
+            <a:pPr algn="just"/>
+            <a:r>
+              <a:rPr lang="pt-BR" sz="2400" b="1" dirty="0">
+                <a:solidFill>
+                  <a:srgbClr val="FF0000"/>
+                </a:solidFill>
+                <a:latin typeface="Times New Roman" panose="02020603050405020304" pitchFamily="18" charset="0"/>
+                <a:cs typeface="Times New Roman" panose="02020603050405020304" pitchFamily="18" charset="0"/>
+              </a:rPr>
+              <a:t>Ciclo de rede </a:t>
+            </a:r>
+            <a:r>
+              <a:rPr lang="pt-BR" sz="2400" dirty="0">
+                <a:latin typeface="Times New Roman" panose="02020603050405020304" pitchFamily="18" charset="0"/>
+                <a:cs typeface="Times New Roman" panose="02020603050405020304" pitchFamily="18" charset="0"/>
+              </a:rPr>
+              <a:t>otimizado conforme a </a:t>
+            </a:r>
+            <a:r>
+              <a:rPr lang="pt-BR" sz="2400" b="1" dirty="0">
+                <a:latin typeface="Times New Roman" panose="02020603050405020304" pitchFamily="18" charset="0"/>
+                <a:cs typeface="Times New Roman" panose="02020603050405020304" pitchFamily="18" charset="0"/>
+              </a:rPr>
+              <a:t>carga</a:t>
+            </a:r>
+            <a:r>
+              <a:rPr lang="pt-BR" sz="2400" dirty="0">
+                <a:latin typeface="Times New Roman" panose="02020603050405020304" pitchFamily="18" charset="0"/>
+                <a:cs typeface="Times New Roman" panose="02020603050405020304" pitchFamily="18" charset="0"/>
+              </a:rPr>
+              <a:t> (média de 10–20 </a:t>
+            </a:r>
+            <a:r>
+              <a:rPr lang="pt-BR" sz="2400" dirty="0" err="1">
+                <a:latin typeface="Times New Roman" panose="02020603050405020304" pitchFamily="18" charset="0"/>
+                <a:cs typeface="Times New Roman" panose="02020603050405020304" pitchFamily="18" charset="0"/>
+              </a:rPr>
+              <a:t>ms</a:t>
+            </a:r>
+            <a:r>
+              <a:rPr lang="pt-BR" sz="2400" dirty="0">
+                <a:latin typeface="Times New Roman" panose="02020603050405020304" pitchFamily="18" charset="0"/>
+                <a:cs typeface="Times New Roman" panose="02020603050405020304" pitchFamily="18" charset="0"/>
+              </a:rPr>
+              <a:t>).</a:t>
+            </a:r>
+          </a:p>
+          <a:p>
+            <a:pPr marL="0" indent="0" algn="just">
+              <a:buNone/>
+            </a:pPr>
+            <a:endParaRPr lang="pt-BR" sz="2400" dirty="0">
+              <a:latin typeface="Times New Roman" panose="02020603050405020304" pitchFamily="18" charset="0"/>
+              <a:cs typeface="Times New Roman" panose="02020603050405020304" pitchFamily="18" charset="0"/>
+            </a:endParaRPr>
+          </a:p>
+          <a:p>
+            <a:pPr marL="0" indent="0" algn="just">
+              <a:buNone/>
+            </a:pPr>
+            <a:endParaRPr lang="pt-BR" sz="2400" dirty="0">
+              <a:latin typeface="Times New Roman" panose="02020603050405020304" pitchFamily="18" charset="0"/>
+              <a:cs typeface="Times New Roman" panose="02020603050405020304" pitchFamily="18" charset="0"/>
+            </a:endParaRPr>
+          </a:p>
+        </p:txBody>
+      </p:sp>
+    </p:spTree>
+    <p:extLst>
+      <p:ext uri="{BB962C8B-B14F-4D97-AF65-F5344CB8AC3E}">
+        <p14:creationId xmlns:p14="http://schemas.microsoft.com/office/powerpoint/2010/main" val="3591029890"/>
+      </p:ext>
+    </p:extLst>
+  </p:cSld>
+  <p:clrMapOvr>
+    <a:masterClrMapping/>
+  </p:clrMapOvr>
+  <p:transition spd="med"/>
+</p:sld>
+</file>
+
+<file path=ppt/slides/slide19.xml><?xml version="1.0" encoding="utf-8"?>
+<p:sld xmlns:a="http://schemas.openxmlformats.org/drawingml/2006/main" xmlns:r="http://schemas.openxmlformats.org/officeDocument/2006/relationships" xmlns:p="http://schemas.openxmlformats.org/presentationml/2006/main">
+  <p:cSld>
+    <p:spTree>
+      <p:nvGrpSpPr>
+        <p:cNvPr id="1" name="">
+          <a:extLst>
+            <a:ext uri="{FF2B5EF4-FFF2-40B4-BE49-F238E27FC236}">
+              <a16:creationId xmlns:a16="http://schemas.microsoft.com/office/drawing/2014/main" id="{E9FCBB39-98CE-9DF8-5E16-E6AFA73F2FD5}"/>
+            </a:ext>
+          </a:extLst>
+        </p:cNvPr>
+        <p:cNvGrpSpPr/>
+        <p:nvPr/>
+      </p:nvGrpSpPr>
+      <p:grpSpPr>
+        <a:xfrm>
+          <a:off x="0" y="0"/>
+          <a:ext cx="0" cy="0"/>
+          <a:chOff x="0" y="0"/>
+          <a:chExt cx="0" cy="0"/>
+        </a:xfrm>
+      </p:grpSpPr>
+      <p:sp>
+        <p:nvSpPr>
+          <p:cNvPr id="6" name="Title 1">
+            <a:extLst>
+              <a:ext uri="{FF2B5EF4-FFF2-40B4-BE49-F238E27FC236}">
+                <a16:creationId xmlns:a16="http://schemas.microsoft.com/office/drawing/2014/main" id="{71266F2B-D586-8146-7320-0F8A86E5BDA4}"/>
+              </a:ext>
+            </a:extLst>
+          </p:cNvPr>
+          <p:cNvSpPr>
+            <a:spLocks noGrp="1"/>
+          </p:cNvSpPr>
+          <p:nvPr>
+            <p:ph type="title"/>
+          </p:nvPr>
+        </p:nvSpPr>
+        <p:spPr>
+          <a:xfrm>
+            <a:off x="457200" y="205980"/>
+            <a:ext cx="8229600" cy="857251"/>
+          </a:xfrm>
+        </p:spPr>
+        <p:txBody>
+          <a:bodyPr>
+            <a:normAutofit/>
+          </a:bodyPr>
+          <a:lstStyle/>
+          <a:p>
+            <a:r>
+              <a:rPr lang="en-US" b="1" dirty="0">
+                <a:solidFill>
+                  <a:srgbClr val="0070C0"/>
+                </a:solidFill>
+              </a:rPr>
+              <a:t>CLP – </a:t>
+            </a:r>
+            <a:r>
+              <a:rPr lang="en-US" b="1" dirty="0" err="1">
+                <a:solidFill>
+                  <a:srgbClr val="0070C0"/>
+                </a:solidFill>
+              </a:rPr>
+              <a:t>Exemplo</a:t>
+            </a:r>
+            <a:r>
+              <a:rPr lang="en-US" b="1" dirty="0">
+                <a:solidFill>
+                  <a:srgbClr val="0070C0"/>
+                </a:solidFill>
+              </a:rPr>
+              <a:t> Rede Profibus</a:t>
+            </a:r>
+          </a:p>
+        </p:txBody>
+      </p:sp>
+      <p:sp>
+        <p:nvSpPr>
+          <p:cNvPr id="8" name="Text Placeholder 2">
+            <a:extLst>
+              <a:ext uri="{FF2B5EF4-FFF2-40B4-BE49-F238E27FC236}">
+                <a16:creationId xmlns:a16="http://schemas.microsoft.com/office/drawing/2014/main" id="{7BE0BEC1-1D7F-64F1-6AA8-251BD5FF026D}"/>
+              </a:ext>
+            </a:extLst>
+          </p:cNvPr>
+          <p:cNvSpPr>
+            <a:spLocks noGrp="1"/>
+          </p:cNvSpPr>
+          <p:nvPr>
+            <p:ph type="body" sz="half" idx="1"/>
+          </p:nvPr>
+        </p:nvSpPr>
+        <p:spPr>
+          <a:xfrm>
+            <a:off x="142865" y="1035050"/>
+            <a:ext cx="8865056" cy="3994150"/>
+          </a:xfrm>
+        </p:spPr>
+        <p:txBody>
+          <a:bodyPr>
+            <a:noAutofit/>
+          </a:bodyPr>
+          <a:lstStyle/>
+          <a:p>
+            <a:pPr marL="0" indent="0" algn="just">
+              <a:buNone/>
+            </a:pPr>
+            <a:r>
+              <a:rPr lang="pt-BR" sz="2200" b="1" dirty="0">
+                <a:latin typeface="Times New Roman" panose="02020603050405020304" pitchFamily="18" charset="0"/>
+                <a:cs typeface="Times New Roman" panose="02020603050405020304" pitchFamily="18" charset="0"/>
+              </a:rPr>
+              <a:t>.</a:t>
+            </a:r>
+          </a:p>
+          <a:p>
+            <a:pPr marL="0" indent="0" algn="just">
+              <a:buNone/>
+            </a:pPr>
+            <a:endParaRPr lang="pt-BR" sz="2200" dirty="0">
+              <a:latin typeface="Times New Roman" panose="02020603050405020304" pitchFamily="18" charset="0"/>
+              <a:cs typeface="Times New Roman" panose="02020603050405020304" pitchFamily="18" charset="0"/>
+            </a:endParaRPr>
+          </a:p>
+        </p:txBody>
+      </p:sp>
+      <p:pic>
+        <p:nvPicPr>
+          <p:cNvPr id="3" name="Imagem 2" descr="Interface gráfica do usuário&#10;&#10;O conteúdo gerado por IA pode estar incorreto.">
+            <a:extLst>
+              <a:ext uri="{FF2B5EF4-FFF2-40B4-BE49-F238E27FC236}">
+                <a16:creationId xmlns:a16="http://schemas.microsoft.com/office/drawing/2014/main" id="{697F15D4-5773-C7D0-5047-74D83F11D479}"/>
+              </a:ext>
+            </a:extLst>
+          </p:cNvPr>
+          <p:cNvPicPr>
+            <a:picLocks noChangeAspect="1"/>
+          </p:cNvPicPr>
+          <p:nvPr/>
+        </p:nvPicPr>
+        <p:blipFill>
+          <a:blip r:embed="rId3"/>
+          <a:stretch>
+            <a:fillRect/>
+          </a:stretch>
+        </p:blipFill>
+        <p:spPr>
+          <a:xfrm>
+            <a:off x="942974" y="991513"/>
+            <a:ext cx="6076390" cy="4050927"/>
+          </a:xfrm>
+          <a:prstGeom prst="rect">
+            <a:avLst/>
+          </a:prstGeom>
+        </p:spPr>
+      </p:pic>
+    </p:spTree>
+    <p:extLst>
+      <p:ext uri="{BB962C8B-B14F-4D97-AF65-F5344CB8AC3E}">
+        <p14:creationId xmlns:p14="http://schemas.microsoft.com/office/powerpoint/2010/main" val="1823689352"/>
+      </p:ext>
+    </p:extLst>
+  </p:cSld>
+  <p:clrMapOvr>
+    <a:masterClrMapping/>
+  </p:clrMapOvr>
+  <p:transition spd="med"/>
+</p:sld>
+</file>
+
 <file path=ppt/slides/slide2.xml><?xml version="1.0" encoding="utf-8"?>
 <p:sld xmlns:a="http://schemas.openxmlformats.org/drawingml/2006/main" xmlns:r="http://schemas.openxmlformats.org/officeDocument/2006/relationships" xmlns:p="http://schemas.openxmlformats.org/presentationml/2006/main">
   <p:cSld>
@@ -3991,7 +8758,7 @@
                   <a:schemeClr val="bg1"/>
                 </a:solidFill>
               </a:rPr>
-              <a:t>	CLP – Rede Industriais PROFIBUS</a:t>
+              <a:t>	CLP – Redes Industriais PROFIBUS: Comunicação Industrial</a:t>
             </a:r>
           </a:p>
         </p:txBody>
@@ -4343,124 +9110,7 @@
 </p:sld>
 </file>
 
-<file path=ppt/slides/slide3.xml><?xml version="1.0" encoding="utf-8"?>
-<p:sld xmlns:a="http://schemas.openxmlformats.org/drawingml/2006/main" xmlns:r="http://schemas.openxmlformats.org/officeDocument/2006/relationships" xmlns:p="http://schemas.openxmlformats.org/presentationml/2006/main">
-  <p:cSld>
-    <p:spTree>
-      <p:nvGrpSpPr>
-        <p:cNvPr id="1" name="">
-          <a:extLst>
-            <a:ext uri="{FF2B5EF4-FFF2-40B4-BE49-F238E27FC236}">
-              <a16:creationId xmlns:a16="http://schemas.microsoft.com/office/drawing/2014/main" id="{AFFC8B2D-7443-68FB-D448-E738142EB99F}"/>
-            </a:ext>
-          </a:extLst>
-        </p:cNvPr>
-        <p:cNvGrpSpPr/>
-        <p:nvPr/>
-      </p:nvGrpSpPr>
-      <p:grpSpPr>
-        <a:xfrm>
-          <a:off x="0" y="0"/>
-          <a:ext cx="0" cy="0"/>
-          <a:chOff x="0" y="0"/>
-          <a:chExt cx="0" cy="0"/>
-        </a:xfrm>
-      </p:grpSpPr>
-      <p:sp>
-        <p:nvSpPr>
-          <p:cNvPr id="6" name="Title 1">
-            <a:extLst>
-              <a:ext uri="{FF2B5EF4-FFF2-40B4-BE49-F238E27FC236}">
-                <a16:creationId xmlns:a16="http://schemas.microsoft.com/office/drawing/2014/main" id="{0A36332F-AF5C-5EE7-4FDB-2DE89732CE38}"/>
-              </a:ext>
-            </a:extLst>
-          </p:cNvPr>
-          <p:cNvSpPr>
-            <a:spLocks noGrp="1"/>
-          </p:cNvSpPr>
-          <p:nvPr>
-            <p:ph type="title"/>
-          </p:nvPr>
-        </p:nvSpPr>
-        <p:spPr>
-          <a:xfrm>
-            <a:off x="457200" y="205980"/>
-            <a:ext cx="8229600" cy="857251"/>
-          </a:xfrm>
-        </p:spPr>
-        <p:txBody>
-          <a:bodyPr>
-            <a:normAutofit/>
-          </a:bodyPr>
-          <a:lstStyle/>
-          <a:p>
-            <a:r>
-              <a:rPr lang="en-US" b="1" dirty="0">
-                <a:solidFill>
-                  <a:srgbClr val="0070C0"/>
-                </a:solidFill>
-              </a:rPr>
-              <a:t>CLP – Redes PROFIBUS</a:t>
-            </a:r>
-          </a:p>
-        </p:txBody>
-      </p:sp>
-      <p:sp>
-        <p:nvSpPr>
-          <p:cNvPr id="8" name="Text Placeholder 2">
-            <a:extLst>
-              <a:ext uri="{FF2B5EF4-FFF2-40B4-BE49-F238E27FC236}">
-                <a16:creationId xmlns:a16="http://schemas.microsoft.com/office/drawing/2014/main" id="{B1B1D734-DA2C-3DA6-0191-27F88C8EB709}"/>
-              </a:ext>
-            </a:extLst>
-          </p:cNvPr>
-          <p:cNvSpPr>
-            <a:spLocks noGrp="1"/>
-          </p:cNvSpPr>
-          <p:nvPr>
-            <p:ph type="body" sz="half" idx="1"/>
-          </p:nvPr>
-        </p:nvSpPr>
-        <p:spPr>
-          <a:xfrm>
-            <a:off x="142865" y="1035050"/>
-            <a:ext cx="8865056" cy="3994150"/>
-          </a:xfrm>
-        </p:spPr>
-        <p:txBody>
-          <a:bodyPr>
-            <a:noAutofit/>
-          </a:bodyPr>
-          <a:lstStyle/>
-          <a:p>
-            <a:pPr marL="0" indent="0" algn="just">
-              <a:buNone/>
-            </a:pPr>
-            <a:r>
-              <a:rPr lang="pt-BR" sz="2200" dirty="0">
-                <a:latin typeface="Times New Roman" panose="02020603050405020304" pitchFamily="18" charset="0"/>
-                <a:cs typeface="Times New Roman" panose="02020603050405020304" pitchFamily="18" charset="0"/>
-              </a:rPr>
-              <a:t>....</a:t>
-            </a:r>
-          </a:p>
-        </p:txBody>
-      </p:sp>
-    </p:spTree>
-    <p:extLst>
-      <p:ext uri="{BB962C8B-B14F-4D97-AF65-F5344CB8AC3E}">
-        <p14:creationId xmlns:p14="http://schemas.microsoft.com/office/powerpoint/2010/main" val="298294241"/>
-      </p:ext>
-    </p:extLst>
-  </p:cSld>
-  <p:clrMapOvr>
-    <a:masterClrMapping/>
-  </p:clrMapOvr>
-  <p:transition spd="med"/>
-</p:sld>
-</file>
-
-<file path=ppt/slides/slide4.xml><?xml version="1.0" encoding="utf-8"?>
+<file path=ppt/slides/slide20.xml><?xml version="1.0" encoding="utf-8"?>
 <p:sld xmlns:a="http://schemas.openxmlformats.org/drawingml/2006/main" xmlns:r="http://schemas.openxmlformats.org/officeDocument/2006/relationships" xmlns:p="http://schemas.openxmlformats.org/presentationml/2006/main">
   <p:cSld>
     <p:spTree>
@@ -4568,15 +9218,40 @@
                 <a:latin typeface="Times New Roman" panose="02020603050405020304" pitchFamily="18" charset="0"/>
                 <a:cs typeface="Times New Roman" panose="02020603050405020304" pitchFamily="18" charset="0"/>
               </a:rPr>
-              <a:t>CLP Redes Industriais PROFIBUS 1</a:t>
-            </a:r>
-            <a:r>
-              <a:rPr lang="pt-BR" sz="2200" dirty="0">
-                <a:latin typeface="Times New Roman" panose="02020603050405020304" pitchFamily="18" charset="0"/>
-                <a:cs typeface="Times New Roman" panose="02020603050405020304" pitchFamily="18" charset="0"/>
-              </a:rPr>
-              <a:t>.</a:t>
-            </a:r>
+              <a:t>Configuração </a:t>
+            </a:r>
+            <a:r>
+              <a:rPr lang="pt-BR" sz="2200" b="1" dirty="0" err="1">
+                <a:latin typeface="Times New Roman" panose="02020603050405020304" pitchFamily="18" charset="0"/>
+                <a:cs typeface="Times New Roman" panose="02020603050405020304" pitchFamily="18" charset="0"/>
+              </a:rPr>
+              <a:t>DigiGate</a:t>
+            </a:r>
+            <a:r>
+              <a:rPr lang="pt-BR" sz="2200" b="1" dirty="0">
+                <a:latin typeface="Times New Roman" panose="02020603050405020304" pitchFamily="18" charset="0"/>
+                <a:cs typeface="Times New Roman" panose="02020603050405020304" pitchFamily="18" charset="0"/>
+              </a:rPr>
+              <a:t> </a:t>
+            </a:r>
+            <a:r>
+              <a:rPr lang="pt-BR" sz="2200" b="1" dirty="0" err="1">
+                <a:latin typeface="Times New Roman" panose="02020603050405020304" pitchFamily="18" charset="0"/>
+                <a:cs typeface="Times New Roman" panose="02020603050405020304" pitchFamily="18" charset="0"/>
+              </a:rPr>
+              <a:t>Profibus</a:t>
+            </a:r>
+            <a:r>
+              <a:rPr lang="pt-BR" sz="2200" b="1" dirty="0">
+                <a:latin typeface="Times New Roman" panose="02020603050405020304" pitchFamily="18" charset="0"/>
+                <a:cs typeface="Times New Roman" panose="02020603050405020304" pitchFamily="18" charset="0"/>
+              </a:rPr>
+              <a:t>-DP + CLP Siemens S7-300</a:t>
+            </a:r>
+            <a:endParaRPr lang="pt-BR" sz="2200" dirty="0">
+              <a:latin typeface="Times New Roman" panose="02020603050405020304" pitchFamily="18" charset="0"/>
+              <a:cs typeface="Times New Roman" panose="02020603050405020304" pitchFamily="18" charset="0"/>
+            </a:endParaRPr>
           </a:p>
           <a:p>
             <a:pPr marL="0" indent="0" algn="just">
@@ -4590,8 +9265,13 @@
                 <a:latin typeface="Times New Roman" panose="02020603050405020304" pitchFamily="18" charset="0"/>
                 <a:cs typeface="Times New Roman" panose="02020603050405020304" pitchFamily="18" charset="0"/>
               </a:rPr>
-              <a:t>Disponível em: </a:t>
-            </a:r>
+              <a:t>Disponível em:</a:t>
+            </a:r>
+          </a:p>
+          <a:p>
+            <a:pPr marL="0" indent="0" algn="just">
+              <a:buNone/>
+            </a:pPr>
             <a:r>
               <a:rPr lang="pt-BR" sz="2200" dirty="0">
                 <a:solidFill>
@@ -4601,8 +9281,23 @@
                 <a:cs typeface="Times New Roman" panose="02020603050405020304" pitchFamily="18" charset="0"/>
                 <a:hlinkClick r:id="rId3"/>
               </a:rPr>
-              <a:t>h</a:t>
-            </a:r>
+              <a:t>https://cdn.novusautomation.com/downloads/tutorial%20usando%20digigate%20novus%20com%20clp%20siemens.pdf</a:t>
+            </a:r>
+            <a:r>
+              <a:rPr lang="pt-BR" sz="2200" dirty="0">
+                <a:solidFill>
+                  <a:srgbClr val="FF0000"/>
+                </a:solidFill>
+                <a:latin typeface="Times New Roman" panose="02020603050405020304" pitchFamily="18" charset="0"/>
+                <a:cs typeface="Times New Roman" panose="02020603050405020304" pitchFamily="18" charset="0"/>
+              </a:rPr>
+              <a:t> </a:t>
+            </a:r>
+          </a:p>
+          <a:p>
+            <a:pPr marL="0" indent="0" algn="just">
+              <a:buNone/>
+            </a:pPr>
             <a:endParaRPr lang="pt-BR" sz="2200" dirty="0">
               <a:solidFill>
                 <a:srgbClr val="FF0000"/>
@@ -4627,61 +9322,55 @@
             <a:pPr marL="0" indent="0" algn="just">
               <a:buNone/>
             </a:pPr>
-            <a:endParaRPr lang="pt-BR" sz="2200" dirty="0">
-              <a:latin typeface="Times New Roman" panose="02020603050405020304" pitchFamily="18" charset="0"/>
-              <a:cs typeface="Times New Roman" panose="02020603050405020304" pitchFamily="18" charset="0"/>
-            </a:endParaRPr>
+            <a:r>
+              <a:rPr lang="pt-BR" sz="2200" dirty="0">
+                <a:latin typeface="Times New Roman" panose="02020603050405020304" pitchFamily="18" charset="0"/>
+                <a:cs typeface="Times New Roman" panose="02020603050405020304" pitchFamily="18" charset="0"/>
+              </a:rPr>
+              <a:t>[2] </a:t>
+            </a:r>
+            <a:r>
+              <a:rPr lang="pt-BR" sz="2200" b="1" dirty="0">
+                <a:latin typeface="Times New Roman" panose="02020603050405020304" pitchFamily="18" charset="0"/>
+                <a:cs typeface="Times New Roman" panose="02020603050405020304" pitchFamily="18" charset="0"/>
+              </a:rPr>
+              <a:t>Profibus.org – Site Oficial da Tecnologia PROFIBUS e PROFINET</a:t>
+            </a:r>
           </a:p>
           <a:p>
             <a:pPr marL="0" indent="0" algn="just">
               <a:buNone/>
             </a:pPr>
             <a:r>
+              <a:rPr lang="pt-BR" sz="2200" b="1" dirty="0">
+                <a:solidFill>
+                  <a:srgbClr val="FF0000"/>
+                </a:solidFill>
+                <a:latin typeface="Times New Roman" panose="02020603050405020304" pitchFamily="18" charset="0"/>
+                <a:cs typeface="Times New Roman" panose="02020603050405020304" pitchFamily="18" charset="0"/>
+              </a:rPr>
+              <a:t>Disponível em: </a:t>
+            </a:r>
+            <a:r>
               <a:rPr lang="pt-BR" sz="2200" dirty="0">
-                <a:latin typeface="Times New Roman" panose="02020603050405020304" pitchFamily="18" charset="0"/>
-                <a:cs typeface="Times New Roman" panose="02020603050405020304" pitchFamily="18" charset="0"/>
-              </a:rPr>
-              <a:t>[2] </a:t>
-            </a:r>
-            <a:r>
-              <a:rPr lang="pt-BR" sz="2200" b="1" dirty="0">
-                <a:latin typeface="Times New Roman" panose="02020603050405020304" pitchFamily="18" charset="0"/>
-                <a:cs typeface="Times New Roman" panose="02020603050405020304" pitchFamily="18" charset="0"/>
-              </a:rPr>
-              <a:t>CLP Redes Industriais PROFIBUS 2</a:t>
+                <a:solidFill>
+                  <a:srgbClr val="FF0000"/>
+                </a:solidFill>
+                <a:latin typeface="Times New Roman" panose="02020603050405020304" pitchFamily="18" charset="0"/>
+                <a:cs typeface="Times New Roman" panose="02020603050405020304" pitchFamily="18" charset="0"/>
+                <a:hlinkClick r:id="rId4"/>
+              </a:rPr>
+              <a:t>https://www.profibus.com/</a:t>
             </a:r>
             <a:r>
               <a:rPr lang="pt-BR" sz="2200" dirty="0">
-                <a:latin typeface="Times New Roman" panose="02020603050405020304" pitchFamily="18" charset="0"/>
-                <a:cs typeface="Times New Roman" panose="02020603050405020304" pitchFamily="18" charset="0"/>
-              </a:rPr>
-              <a:t>. </a:t>
-            </a:r>
-          </a:p>
-          <a:p>
-            <a:pPr marL="0" indent="0" algn="just">
-              <a:buNone/>
-            </a:pPr>
-            <a:r>
-              <a:rPr lang="pt-BR" sz="2200" b="1" dirty="0">
                 <a:solidFill>
                   <a:srgbClr val="FF0000"/>
                 </a:solidFill>
                 <a:latin typeface="Times New Roman" panose="02020603050405020304" pitchFamily="18" charset="0"/>
                 <a:cs typeface="Times New Roman" panose="02020603050405020304" pitchFamily="18" charset="0"/>
               </a:rPr>
-              <a:t>Disponível em: </a:t>
-            </a:r>
-            <a:r>
-              <a:rPr lang="pt-BR" sz="2200" dirty="0">
-                <a:solidFill>
-                  <a:srgbClr val="FF0000"/>
-                </a:solidFill>
-                <a:latin typeface="Times New Roman" panose="02020603050405020304" pitchFamily="18" charset="0"/>
-                <a:cs typeface="Times New Roman" panose="02020603050405020304" pitchFamily="18" charset="0"/>
-                <a:hlinkClick r:id="rId4"/>
-              </a:rPr>
-              <a:t>h</a:t>
+              <a:t> </a:t>
             </a:r>
             <a:endParaRPr lang="pt-BR" sz="2200" dirty="0">
               <a:latin typeface="Calibri" panose="020F0502020204030204" pitchFamily="34" charset="0"/>
@@ -4703,7 +9392,7 @@
 </p:sld>
 </file>
 
-<file path=ppt/slides/slide5.xml><?xml version="1.0" encoding="utf-8"?>
+<file path=ppt/slides/slide21.xml><?xml version="1.0" encoding="utf-8"?>
 <p:sld xmlns:a="http://schemas.openxmlformats.org/drawingml/2006/main" xmlns:r="http://schemas.openxmlformats.org/officeDocument/2006/relationships" xmlns:p="http://schemas.openxmlformats.org/presentationml/2006/main">
   <p:cSld>
     <p:spTree>
@@ -4794,12 +9483,16 @@
               <a:t>[1] </a:t>
             </a:r>
             <a:r>
-              <a:rPr lang="pt-BR" sz="2200" b="1" dirty="0">
-                <a:latin typeface="Times New Roman" panose="02020603050405020304" pitchFamily="18" charset="0"/>
-                <a:cs typeface="Times New Roman" panose="02020603050405020304" pitchFamily="18" charset="0"/>
-              </a:rPr>
-              <a:t>CLP Redes Industriais PROFIBUS 1.</a:t>
-            </a:r>
+              <a:rPr lang="en-US" sz="2200" b="1" dirty="0">
+                <a:latin typeface="Times New Roman" panose="02020603050405020304" pitchFamily="18" charset="0"/>
+                <a:cs typeface="Times New Roman" panose="02020603050405020304" pitchFamily="18" charset="0"/>
+              </a:rPr>
+              <a:t>Profibus Connector Wiring and Installation</a:t>
+            </a:r>
+            <a:endParaRPr lang="pt-BR" sz="2200" b="1" dirty="0">
+              <a:latin typeface="Times New Roman" panose="02020603050405020304" pitchFamily="18" charset="0"/>
+              <a:cs typeface="Times New Roman" panose="02020603050405020304" pitchFamily="18" charset="0"/>
+            </a:endParaRPr>
           </a:p>
           <a:p>
             <a:pPr marL="0" indent="0" algn="just">
@@ -4817,11 +9510,14 @@
             </a:r>
             <a:r>
               <a:rPr lang="pt-BR" sz="2200" dirty="0">
+                <a:solidFill>
+                  <a:srgbClr val="FF0000"/>
+                </a:solidFill>
                 <a:latin typeface="Times New Roman" panose="02020603050405020304" pitchFamily="18" charset="0"/>
                 <a:cs typeface="Times New Roman" panose="02020603050405020304" pitchFamily="18" charset="0"/>
                 <a:hlinkClick r:id="rId3"/>
               </a:rPr>
-              <a:t>https:</a:t>
+              <a:t>https://youtu.be/1SvisCY9cu8</a:t>
             </a:r>
             <a:endParaRPr lang="pt-BR" sz="2200" dirty="0">
               <a:latin typeface="Times New Roman" panose="02020603050405020304" pitchFamily="18" charset="0"/>
@@ -4858,12 +9554,16 @@
               <a:t>[2] </a:t>
             </a:r>
             <a:r>
-              <a:rPr lang="pt-BR" sz="2200" b="1" dirty="0">
-                <a:latin typeface="Times New Roman" panose="02020603050405020304" pitchFamily="18" charset="0"/>
-                <a:cs typeface="Times New Roman" panose="02020603050405020304" pitchFamily="18" charset="0"/>
-              </a:rPr>
-              <a:t>CLP Redes Industriais PROFIBUS 2.</a:t>
-            </a:r>
+              <a:rPr lang="en-US" sz="2200" b="1" dirty="0">
+                <a:latin typeface="Times New Roman" panose="02020603050405020304" pitchFamily="18" charset="0"/>
+                <a:cs typeface="Times New Roman" panose="02020603050405020304" pitchFamily="18" charset="0"/>
+              </a:rPr>
+              <a:t>Training Webinar: Introduction to PROFIBUS DP</a:t>
+            </a:r>
+            <a:endParaRPr lang="pt-BR" sz="2200" b="1" dirty="0">
+              <a:latin typeface="Times New Roman" panose="02020603050405020304" pitchFamily="18" charset="0"/>
+              <a:cs typeface="Times New Roman" panose="02020603050405020304" pitchFamily="18" charset="0"/>
+            </a:endParaRPr>
           </a:p>
           <a:p>
             <a:pPr marL="0" indent="0" algn="just">
@@ -4888,7 +9588,7 @@
                 <a:cs typeface="Times New Roman" panose="02020603050405020304" pitchFamily="18" charset="0"/>
                 <a:hlinkClick r:id="rId4"/>
               </a:rPr>
-              <a:t>https:</a:t>
+              <a:t>https://youtu.be/olsKeX5ZEJ8</a:t>
             </a:r>
             <a:endParaRPr lang="pt-BR" sz="2200" dirty="0">
               <a:latin typeface="Times New Roman" panose="02020603050405020304" pitchFamily="18" charset="0"/>
@@ -4911,7 +9611,7 @@
 </p:sld>
 </file>
 
-<file path=ppt/slides/slide6.xml><?xml version="1.0" encoding="utf-8"?>
+<file path=ppt/slides/slide22.xml><?xml version="1.0" encoding="utf-8"?>
 <p:sld xmlns:a="http://schemas.openxmlformats.org/drawingml/2006/main" xmlns:r="http://schemas.openxmlformats.org/officeDocument/2006/relationships" xmlns:p="http://schemas.openxmlformats.org/presentationml/2006/main">
   <p:cSld>
     <p:spTree>
@@ -5022,19 +9722,90 @@
           </a:bodyPr>
           <a:lstStyle/>
           <a:p>
-            <a:pPr algn="just">
-              <a:buFont typeface="Wingdings" panose="05000000000000000000" pitchFamily="2" charset="2"/>
-              <a:buChar char="q"/>
+            <a:pPr marL="0" indent="0" algn="just">
+              <a:buNone/>
             </a:pPr>
             <a:r>
-              <a:rPr lang="pt-BR" sz="2200" b="1" dirty="0">
-                <a:solidFill>
-                  <a:srgbClr val="0070C0"/>
-                </a:solidFill>
-                <a:latin typeface="Times New Roman" panose="02020603050405020304" pitchFamily="18" charset="0"/>
-                <a:cs typeface="Times New Roman" panose="02020603050405020304" pitchFamily="18" charset="0"/>
-              </a:rPr>
-              <a:t>CLP</a:t>
+              <a:rPr lang="pt-BR" sz="2400" b="1" dirty="0">
+                <a:solidFill>
+                  <a:schemeClr val="tx1"/>
+                </a:solidFill>
+                <a:latin typeface="Times New Roman" panose="02020603050405020304" pitchFamily="18" charset="0"/>
+                <a:cs typeface="Times New Roman" panose="02020603050405020304" pitchFamily="18" charset="0"/>
+              </a:rPr>
+              <a:t>1. Qual a principal função do mestre em uma rede PROFIBUS DP?</a:t>
+            </a:r>
+          </a:p>
+          <a:p>
+            <a:pPr marL="0" indent="0" algn="just">
+              <a:buNone/>
+            </a:pPr>
+            <a:endParaRPr lang="pt-BR" sz="2400" dirty="0">
+              <a:solidFill>
+                <a:schemeClr val="tx1"/>
+              </a:solidFill>
+              <a:latin typeface="Times New Roman" panose="02020603050405020304" pitchFamily="18" charset="0"/>
+              <a:cs typeface="Times New Roman" panose="02020603050405020304" pitchFamily="18" charset="0"/>
+            </a:endParaRPr>
+          </a:p>
+          <a:p>
+            <a:pPr marL="0" indent="0" algn="just">
+              <a:buNone/>
+            </a:pPr>
+            <a:r>
+              <a:rPr lang="pt-BR" sz="2400" dirty="0">
+                <a:solidFill>
+                  <a:schemeClr val="tx1"/>
+                </a:solidFill>
+                <a:latin typeface="Times New Roman" panose="02020603050405020304" pitchFamily="18" charset="0"/>
+                <a:cs typeface="Times New Roman" panose="02020603050405020304" pitchFamily="18" charset="0"/>
+              </a:rPr>
+              <a:t>a) Armazenar dados históricos da rede</a:t>
+            </a:r>
+          </a:p>
+          <a:p>
+            <a:pPr marL="0" indent="0" algn="just">
+              <a:buNone/>
+            </a:pPr>
+            <a:r>
+              <a:rPr lang="pt-BR" sz="2400" dirty="0">
+                <a:solidFill>
+                  <a:schemeClr val="tx1"/>
+                </a:solidFill>
+                <a:latin typeface="Times New Roman" panose="02020603050405020304" pitchFamily="18" charset="0"/>
+                <a:cs typeface="Times New Roman" panose="02020603050405020304" pitchFamily="18" charset="0"/>
+              </a:rPr>
+              <a:t>b) Executar comandos de voz dos operadores</a:t>
+            </a:r>
+          </a:p>
+          <a:p>
+            <a:pPr marL="0" indent="0" algn="just">
+              <a:buNone/>
+            </a:pPr>
+            <a:r>
+              <a:rPr lang="pt-BR" sz="2400" dirty="0">
+                <a:solidFill>
+                  <a:schemeClr val="tx1"/>
+                </a:solidFill>
+                <a:latin typeface="Times New Roman" panose="02020603050405020304" pitchFamily="18" charset="0"/>
+                <a:cs typeface="Times New Roman" panose="02020603050405020304" pitchFamily="18" charset="0"/>
+              </a:rPr>
+              <a:t>c) Solicitar e gerenciar a troca de dados com os escravos</a:t>
+            </a:r>
+          </a:p>
+          <a:p>
+            <a:pPr marL="0" indent="0" algn="just">
+              <a:buNone/>
+            </a:pPr>
+            <a:r>
+              <a:rPr lang="pt-BR" sz="2400" dirty="0">
+                <a:solidFill>
+                  <a:schemeClr val="tx1"/>
+                </a:solidFill>
+                <a:latin typeface="Times New Roman" panose="02020603050405020304" pitchFamily="18" charset="0"/>
+                <a:cs typeface="Times New Roman" panose="02020603050405020304" pitchFamily="18" charset="0"/>
+              </a:rPr>
+              <a:t>d) Fornecer alimentação elétrica para os dispositivos</a:t>
             </a:r>
           </a:p>
         </p:txBody>
@@ -5053,7 +9824,1283 @@
 </p:sld>
 </file>
 
-<file path=ppt/slides/slide7.xml><?xml version="1.0" encoding="utf-8"?>
+<file path=ppt/slides/slide23.xml><?xml version="1.0" encoding="utf-8"?>
+<p:sld xmlns:a="http://schemas.openxmlformats.org/drawingml/2006/main" xmlns:r="http://schemas.openxmlformats.org/officeDocument/2006/relationships" xmlns:p="http://schemas.openxmlformats.org/presentationml/2006/main">
+  <p:cSld>
+    <p:spTree>
+      <p:nvGrpSpPr>
+        <p:cNvPr id="1" name="">
+          <a:extLst>
+            <a:ext uri="{FF2B5EF4-FFF2-40B4-BE49-F238E27FC236}">
+              <a16:creationId xmlns:a16="http://schemas.microsoft.com/office/drawing/2014/main" id="{B665E826-8B7B-D671-92BA-0A434330DD8D}"/>
+            </a:ext>
+          </a:extLst>
+        </p:cNvPr>
+        <p:cNvGrpSpPr/>
+        <p:nvPr/>
+      </p:nvGrpSpPr>
+      <p:grpSpPr>
+        <a:xfrm>
+          <a:off x="0" y="0"/>
+          <a:ext cx="0" cy="0"/>
+          <a:chOff x="0" y="0"/>
+          <a:chExt cx="0" cy="0"/>
+        </a:xfrm>
+      </p:grpSpPr>
+      <p:sp>
+        <p:nvSpPr>
+          <p:cNvPr id="6" name="Title 1">
+            <a:extLst>
+              <a:ext uri="{FF2B5EF4-FFF2-40B4-BE49-F238E27FC236}">
+                <a16:creationId xmlns:a16="http://schemas.microsoft.com/office/drawing/2014/main" id="{3EF953E4-B575-33F5-1582-100A61FE98B9}"/>
+              </a:ext>
+            </a:extLst>
+          </p:cNvPr>
+          <p:cNvSpPr>
+            <a:spLocks noGrp="1"/>
+          </p:cNvSpPr>
+          <p:nvPr>
+            <p:ph type="title"/>
+          </p:nvPr>
+        </p:nvSpPr>
+        <p:spPr>
+          <a:xfrm>
+            <a:off x="457200" y="205980"/>
+            <a:ext cx="8229600" cy="857251"/>
+          </a:xfrm>
+        </p:spPr>
+        <p:txBody>
+          <a:bodyPr>
+            <a:normAutofit/>
+          </a:bodyPr>
+          <a:lstStyle/>
+          <a:p>
+            <a:r>
+              <a:rPr lang="en-US" b="1" dirty="0" err="1">
+                <a:solidFill>
+                  <a:srgbClr val="0070C0"/>
+                </a:solidFill>
+              </a:rPr>
+              <a:t>Dinâmica</a:t>
+            </a:r>
+            <a:r>
+              <a:rPr lang="en-US" b="1" dirty="0">
+                <a:solidFill>
+                  <a:srgbClr val="0070C0"/>
+                </a:solidFill>
+              </a:rPr>
+              <a:t>/</a:t>
+            </a:r>
+            <a:r>
+              <a:rPr lang="en-US" b="1" dirty="0" err="1">
+                <a:solidFill>
+                  <a:srgbClr val="0070C0"/>
+                </a:solidFill>
+              </a:rPr>
+              <a:t>Atividades</a:t>
+            </a:r>
+            <a:endParaRPr lang="en-US" b="1" dirty="0">
+              <a:solidFill>
+                <a:srgbClr val="0070C0"/>
+              </a:solidFill>
+            </a:endParaRPr>
+          </a:p>
+        </p:txBody>
+      </p:sp>
+      <p:sp>
+        <p:nvSpPr>
+          <p:cNvPr id="8" name="Text Placeholder 2">
+            <a:extLst>
+              <a:ext uri="{FF2B5EF4-FFF2-40B4-BE49-F238E27FC236}">
+                <a16:creationId xmlns:a16="http://schemas.microsoft.com/office/drawing/2014/main" id="{56CE92A3-2CC8-8A2F-A8D3-104BBB6B5CDD}"/>
+              </a:ext>
+            </a:extLst>
+          </p:cNvPr>
+          <p:cNvSpPr>
+            <a:spLocks noGrp="1"/>
+          </p:cNvSpPr>
+          <p:nvPr>
+            <p:ph type="body" sz="half" idx="1"/>
+          </p:nvPr>
+        </p:nvSpPr>
+        <p:spPr>
+          <a:xfrm>
+            <a:off x="142865" y="1035050"/>
+            <a:ext cx="8865056" cy="3994150"/>
+          </a:xfrm>
+        </p:spPr>
+        <p:txBody>
+          <a:bodyPr>
+            <a:noAutofit/>
+          </a:bodyPr>
+          <a:lstStyle/>
+          <a:p>
+            <a:pPr marL="0" indent="0" algn="just">
+              <a:buNone/>
+            </a:pPr>
+            <a:r>
+              <a:rPr lang="pt-BR" sz="2400" b="1" dirty="0">
+                <a:solidFill>
+                  <a:schemeClr val="tx1"/>
+                </a:solidFill>
+                <a:latin typeface="Times New Roman" panose="02020603050405020304" pitchFamily="18" charset="0"/>
+                <a:cs typeface="Times New Roman" panose="02020603050405020304" pitchFamily="18" charset="0"/>
+              </a:rPr>
+              <a:t>2. Em uma rede PROFIBUS DP, qual o intervalo de endereços válidos para os dispositivos escravos?</a:t>
+            </a:r>
+          </a:p>
+          <a:p>
+            <a:pPr marL="0" indent="0" algn="just">
+              <a:buNone/>
+            </a:pPr>
+            <a:endParaRPr lang="pt-BR" sz="2400" b="1" dirty="0">
+              <a:solidFill>
+                <a:schemeClr val="tx1"/>
+              </a:solidFill>
+              <a:latin typeface="Times New Roman" panose="02020603050405020304" pitchFamily="18" charset="0"/>
+              <a:cs typeface="Times New Roman" panose="02020603050405020304" pitchFamily="18" charset="0"/>
+            </a:endParaRPr>
+          </a:p>
+          <a:p>
+            <a:pPr marL="0" indent="0" algn="just">
+              <a:buNone/>
+            </a:pPr>
+            <a:r>
+              <a:rPr lang="pt-BR" sz="2400" dirty="0">
+                <a:solidFill>
+                  <a:schemeClr val="tx1"/>
+                </a:solidFill>
+                <a:latin typeface="Times New Roman" panose="02020603050405020304" pitchFamily="18" charset="0"/>
+                <a:cs typeface="Times New Roman" panose="02020603050405020304" pitchFamily="18" charset="0"/>
+              </a:rPr>
+              <a:t>a) 0 a 127</a:t>
+            </a:r>
+          </a:p>
+          <a:p>
+            <a:pPr marL="0" indent="0" algn="just">
+              <a:buNone/>
+            </a:pPr>
+            <a:r>
+              <a:rPr lang="pt-BR" sz="2400" dirty="0">
+                <a:solidFill>
+                  <a:schemeClr val="tx1"/>
+                </a:solidFill>
+                <a:latin typeface="Times New Roman" panose="02020603050405020304" pitchFamily="18" charset="0"/>
+                <a:cs typeface="Times New Roman" panose="02020603050405020304" pitchFamily="18" charset="0"/>
+              </a:rPr>
+              <a:t>b) 1 a 126</a:t>
+            </a:r>
+          </a:p>
+          <a:p>
+            <a:pPr marL="0" indent="0" algn="just">
+              <a:buNone/>
+            </a:pPr>
+            <a:r>
+              <a:rPr lang="pt-BR" sz="2400" dirty="0">
+                <a:solidFill>
+                  <a:schemeClr val="tx1"/>
+                </a:solidFill>
+                <a:latin typeface="Times New Roman" panose="02020603050405020304" pitchFamily="18" charset="0"/>
+                <a:cs typeface="Times New Roman" panose="02020603050405020304" pitchFamily="18" charset="0"/>
+              </a:rPr>
+              <a:t>c) 2 a 248</a:t>
+            </a:r>
+          </a:p>
+          <a:p>
+            <a:pPr marL="0" indent="0" algn="just">
+              <a:buNone/>
+            </a:pPr>
+            <a:r>
+              <a:rPr lang="pt-BR" sz="2400" dirty="0">
+                <a:solidFill>
+                  <a:schemeClr val="tx1"/>
+                </a:solidFill>
+                <a:latin typeface="Times New Roman" panose="02020603050405020304" pitchFamily="18" charset="0"/>
+                <a:cs typeface="Times New Roman" panose="02020603050405020304" pitchFamily="18" charset="0"/>
+              </a:rPr>
+              <a:t>d) 0 a 255</a:t>
+            </a:r>
+          </a:p>
+          <a:p>
+            <a:pPr marL="0" indent="0" algn="just">
+              <a:buNone/>
+            </a:pPr>
+            <a:endParaRPr lang="pt-BR" sz="2400" dirty="0">
+              <a:solidFill>
+                <a:schemeClr val="tx1"/>
+              </a:solidFill>
+              <a:latin typeface="Times New Roman" panose="02020603050405020304" pitchFamily="18" charset="0"/>
+              <a:cs typeface="Times New Roman" panose="02020603050405020304" pitchFamily="18" charset="0"/>
+            </a:endParaRPr>
+          </a:p>
+        </p:txBody>
+      </p:sp>
+    </p:spTree>
+    <p:extLst>
+      <p:ext uri="{BB962C8B-B14F-4D97-AF65-F5344CB8AC3E}">
+        <p14:creationId xmlns:p14="http://schemas.microsoft.com/office/powerpoint/2010/main" val="3140110543"/>
+      </p:ext>
+    </p:extLst>
+  </p:cSld>
+  <p:clrMapOvr>
+    <a:masterClrMapping/>
+  </p:clrMapOvr>
+  <p:transition spd="med"/>
+</p:sld>
+</file>
+
+<file path=ppt/slides/slide24.xml><?xml version="1.0" encoding="utf-8"?>
+<p:sld xmlns:a="http://schemas.openxmlformats.org/drawingml/2006/main" xmlns:r="http://schemas.openxmlformats.org/officeDocument/2006/relationships" xmlns:p="http://schemas.openxmlformats.org/presentationml/2006/main">
+  <p:cSld>
+    <p:spTree>
+      <p:nvGrpSpPr>
+        <p:cNvPr id="1" name="">
+          <a:extLst>
+            <a:ext uri="{FF2B5EF4-FFF2-40B4-BE49-F238E27FC236}">
+              <a16:creationId xmlns:a16="http://schemas.microsoft.com/office/drawing/2014/main" id="{C7291267-D82B-B15E-A9CE-717234EA1C69}"/>
+            </a:ext>
+          </a:extLst>
+        </p:cNvPr>
+        <p:cNvGrpSpPr/>
+        <p:nvPr/>
+      </p:nvGrpSpPr>
+      <p:grpSpPr>
+        <a:xfrm>
+          <a:off x="0" y="0"/>
+          <a:ext cx="0" cy="0"/>
+          <a:chOff x="0" y="0"/>
+          <a:chExt cx="0" cy="0"/>
+        </a:xfrm>
+      </p:grpSpPr>
+      <p:sp>
+        <p:nvSpPr>
+          <p:cNvPr id="6" name="Title 1">
+            <a:extLst>
+              <a:ext uri="{FF2B5EF4-FFF2-40B4-BE49-F238E27FC236}">
+                <a16:creationId xmlns:a16="http://schemas.microsoft.com/office/drawing/2014/main" id="{0643E314-461E-69A5-C0BD-C667BBAEC74F}"/>
+              </a:ext>
+            </a:extLst>
+          </p:cNvPr>
+          <p:cNvSpPr>
+            <a:spLocks noGrp="1"/>
+          </p:cNvSpPr>
+          <p:nvPr>
+            <p:ph type="title"/>
+          </p:nvPr>
+        </p:nvSpPr>
+        <p:spPr>
+          <a:xfrm>
+            <a:off x="457200" y="205980"/>
+            <a:ext cx="8229600" cy="857251"/>
+          </a:xfrm>
+        </p:spPr>
+        <p:txBody>
+          <a:bodyPr>
+            <a:normAutofit/>
+          </a:bodyPr>
+          <a:lstStyle/>
+          <a:p>
+            <a:r>
+              <a:rPr lang="en-US" b="1" dirty="0" err="1">
+                <a:solidFill>
+                  <a:srgbClr val="0070C0"/>
+                </a:solidFill>
+              </a:rPr>
+              <a:t>Dinâmica</a:t>
+            </a:r>
+            <a:r>
+              <a:rPr lang="en-US" b="1" dirty="0">
+                <a:solidFill>
+                  <a:srgbClr val="0070C0"/>
+                </a:solidFill>
+              </a:rPr>
+              <a:t>/</a:t>
+            </a:r>
+            <a:r>
+              <a:rPr lang="en-US" b="1" dirty="0" err="1">
+                <a:solidFill>
+                  <a:srgbClr val="0070C0"/>
+                </a:solidFill>
+              </a:rPr>
+              <a:t>Atividades</a:t>
+            </a:r>
+            <a:endParaRPr lang="en-US" b="1" dirty="0">
+              <a:solidFill>
+                <a:srgbClr val="0070C0"/>
+              </a:solidFill>
+            </a:endParaRPr>
+          </a:p>
+        </p:txBody>
+      </p:sp>
+      <p:sp>
+        <p:nvSpPr>
+          <p:cNvPr id="8" name="Text Placeholder 2">
+            <a:extLst>
+              <a:ext uri="{FF2B5EF4-FFF2-40B4-BE49-F238E27FC236}">
+                <a16:creationId xmlns:a16="http://schemas.microsoft.com/office/drawing/2014/main" id="{72AC145D-BABE-B7BB-A981-2AC2320CEEC4}"/>
+              </a:ext>
+            </a:extLst>
+          </p:cNvPr>
+          <p:cNvSpPr>
+            <a:spLocks noGrp="1"/>
+          </p:cNvSpPr>
+          <p:nvPr>
+            <p:ph type="body" sz="half" idx="1"/>
+          </p:nvPr>
+        </p:nvSpPr>
+        <p:spPr>
+          <a:xfrm>
+            <a:off x="142865" y="1035050"/>
+            <a:ext cx="8865056" cy="3994150"/>
+          </a:xfrm>
+        </p:spPr>
+        <p:txBody>
+          <a:bodyPr>
+            <a:noAutofit/>
+          </a:bodyPr>
+          <a:lstStyle/>
+          <a:p>
+            <a:pPr marL="0" indent="0" algn="just">
+              <a:buNone/>
+            </a:pPr>
+            <a:r>
+              <a:rPr lang="pt-BR" sz="2400" b="1" dirty="0">
+                <a:solidFill>
+                  <a:schemeClr val="tx1"/>
+                </a:solidFill>
+                <a:latin typeface="Times New Roman" panose="02020603050405020304" pitchFamily="18" charset="0"/>
+                <a:cs typeface="Times New Roman" panose="02020603050405020304" pitchFamily="18" charset="0"/>
+              </a:rPr>
+              <a:t>3. Qual a ferramenta da Siemens amplamente utilizada para configurar redes PROFIBUS em </a:t>
+            </a:r>
+            <a:r>
+              <a:rPr lang="pt-BR" sz="2400" b="1" dirty="0" err="1">
+                <a:solidFill>
+                  <a:schemeClr val="tx1"/>
+                </a:solidFill>
+                <a:latin typeface="Times New Roman" panose="02020603050405020304" pitchFamily="18" charset="0"/>
+                <a:cs typeface="Times New Roman" panose="02020603050405020304" pitchFamily="18" charset="0"/>
+              </a:rPr>
+              <a:t>CLPs</a:t>
+            </a:r>
+            <a:r>
+              <a:rPr lang="pt-BR" sz="2400" b="1" dirty="0">
+                <a:solidFill>
+                  <a:schemeClr val="tx1"/>
+                </a:solidFill>
+                <a:latin typeface="Times New Roman" panose="02020603050405020304" pitchFamily="18" charset="0"/>
+                <a:cs typeface="Times New Roman" panose="02020603050405020304" pitchFamily="18" charset="0"/>
+              </a:rPr>
+              <a:t> S7-300/S7-400?</a:t>
+            </a:r>
+          </a:p>
+          <a:p>
+            <a:pPr marL="0" indent="0" algn="just">
+              <a:buNone/>
+            </a:pPr>
+            <a:endParaRPr lang="pt-BR" sz="2400" b="1" dirty="0">
+              <a:solidFill>
+                <a:schemeClr val="tx1"/>
+              </a:solidFill>
+              <a:latin typeface="Times New Roman" panose="02020603050405020304" pitchFamily="18" charset="0"/>
+              <a:cs typeface="Times New Roman" panose="02020603050405020304" pitchFamily="18" charset="0"/>
+            </a:endParaRPr>
+          </a:p>
+          <a:p>
+            <a:pPr marL="0" indent="0" algn="just">
+              <a:buNone/>
+            </a:pPr>
+            <a:r>
+              <a:rPr lang="pt-BR" sz="2400" dirty="0">
+                <a:solidFill>
+                  <a:schemeClr val="tx1"/>
+                </a:solidFill>
+                <a:latin typeface="Times New Roman" panose="02020603050405020304" pitchFamily="18" charset="0"/>
+                <a:cs typeface="Times New Roman" panose="02020603050405020304" pitchFamily="18" charset="0"/>
+              </a:rPr>
+              <a:t>a) </a:t>
+            </a:r>
+            <a:r>
+              <a:rPr lang="pt-BR" sz="2400" dirty="0" err="1">
+                <a:solidFill>
+                  <a:schemeClr val="tx1"/>
+                </a:solidFill>
+                <a:latin typeface="Times New Roman" panose="02020603050405020304" pitchFamily="18" charset="0"/>
+                <a:cs typeface="Times New Roman" panose="02020603050405020304" pitchFamily="18" charset="0"/>
+              </a:rPr>
+              <a:t>WinCC</a:t>
+            </a:r>
+            <a:endParaRPr lang="pt-BR" sz="2400" dirty="0">
+              <a:solidFill>
+                <a:schemeClr val="tx1"/>
+              </a:solidFill>
+              <a:latin typeface="Times New Roman" panose="02020603050405020304" pitchFamily="18" charset="0"/>
+              <a:cs typeface="Times New Roman" panose="02020603050405020304" pitchFamily="18" charset="0"/>
+            </a:endParaRPr>
+          </a:p>
+          <a:p>
+            <a:pPr marL="0" indent="0" algn="just">
+              <a:buNone/>
+            </a:pPr>
+            <a:r>
+              <a:rPr lang="pt-BR" sz="2400" dirty="0">
+                <a:solidFill>
+                  <a:schemeClr val="tx1"/>
+                </a:solidFill>
+                <a:latin typeface="Times New Roman" panose="02020603050405020304" pitchFamily="18" charset="0"/>
+                <a:cs typeface="Times New Roman" panose="02020603050405020304" pitchFamily="18" charset="0"/>
+              </a:rPr>
+              <a:t>b) </a:t>
+            </a:r>
+            <a:r>
+              <a:rPr lang="pt-BR" sz="2400" dirty="0" err="1">
+                <a:solidFill>
+                  <a:schemeClr val="tx1"/>
+                </a:solidFill>
+                <a:latin typeface="Times New Roman" panose="02020603050405020304" pitchFamily="18" charset="0"/>
+                <a:cs typeface="Times New Roman" panose="02020603050405020304" pitchFamily="18" charset="0"/>
+              </a:rPr>
+              <a:t>Simatic</a:t>
+            </a:r>
+            <a:r>
+              <a:rPr lang="pt-BR" sz="2400" dirty="0">
+                <a:solidFill>
+                  <a:schemeClr val="tx1"/>
+                </a:solidFill>
+                <a:latin typeface="Times New Roman" panose="02020603050405020304" pitchFamily="18" charset="0"/>
+                <a:cs typeface="Times New Roman" panose="02020603050405020304" pitchFamily="18" charset="0"/>
+              </a:rPr>
+              <a:t> Manager / STEP 7</a:t>
+            </a:r>
+          </a:p>
+          <a:p>
+            <a:pPr marL="0" indent="0" algn="just">
+              <a:buNone/>
+            </a:pPr>
+            <a:r>
+              <a:rPr lang="pt-BR" sz="2400" dirty="0">
+                <a:solidFill>
+                  <a:schemeClr val="tx1"/>
+                </a:solidFill>
+                <a:latin typeface="Times New Roman" panose="02020603050405020304" pitchFamily="18" charset="0"/>
+                <a:cs typeface="Times New Roman" panose="02020603050405020304" pitchFamily="18" charset="0"/>
+              </a:rPr>
+              <a:t>c) </a:t>
+            </a:r>
+            <a:r>
+              <a:rPr lang="pt-BR" sz="2400" dirty="0" err="1">
+                <a:solidFill>
+                  <a:schemeClr val="tx1"/>
+                </a:solidFill>
+                <a:latin typeface="Times New Roman" panose="02020603050405020304" pitchFamily="18" charset="0"/>
+                <a:cs typeface="Times New Roman" panose="02020603050405020304" pitchFamily="18" charset="0"/>
+              </a:rPr>
+              <a:t>LabVIEW</a:t>
+            </a:r>
+            <a:endParaRPr lang="pt-BR" sz="2400" dirty="0">
+              <a:solidFill>
+                <a:schemeClr val="tx1"/>
+              </a:solidFill>
+              <a:latin typeface="Times New Roman" panose="02020603050405020304" pitchFamily="18" charset="0"/>
+              <a:cs typeface="Times New Roman" panose="02020603050405020304" pitchFamily="18" charset="0"/>
+            </a:endParaRPr>
+          </a:p>
+          <a:p>
+            <a:pPr marL="0" indent="0" algn="just">
+              <a:buNone/>
+            </a:pPr>
+            <a:r>
+              <a:rPr lang="pt-BR" sz="2400" dirty="0">
+                <a:solidFill>
+                  <a:schemeClr val="tx1"/>
+                </a:solidFill>
+                <a:latin typeface="Times New Roman" panose="02020603050405020304" pitchFamily="18" charset="0"/>
+                <a:cs typeface="Times New Roman" panose="02020603050405020304" pitchFamily="18" charset="0"/>
+              </a:rPr>
+              <a:t>d) </a:t>
+            </a:r>
+            <a:r>
+              <a:rPr lang="pt-BR" sz="2400" dirty="0" err="1">
+                <a:solidFill>
+                  <a:schemeClr val="tx1"/>
+                </a:solidFill>
+                <a:latin typeface="Times New Roman" panose="02020603050405020304" pitchFamily="18" charset="0"/>
+                <a:cs typeface="Times New Roman" panose="02020603050405020304" pitchFamily="18" charset="0"/>
+              </a:rPr>
+              <a:t>RSLogix</a:t>
+            </a:r>
+            <a:r>
+              <a:rPr lang="pt-BR" sz="2400" dirty="0">
+                <a:solidFill>
+                  <a:schemeClr val="tx1"/>
+                </a:solidFill>
+                <a:latin typeface="Times New Roman" panose="02020603050405020304" pitchFamily="18" charset="0"/>
+                <a:cs typeface="Times New Roman" panose="02020603050405020304" pitchFamily="18" charset="0"/>
+              </a:rPr>
+              <a:t> 5000</a:t>
+            </a:r>
+          </a:p>
+        </p:txBody>
+      </p:sp>
+    </p:spTree>
+    <p:extLst>
+      <p:ext uri="{BB962C8B-B14F-4D97-AF65-F5344CB8AC3E}">
+        <p14:creationId xmlns:p14="http://schemas.microsoft.com/office/powerpoint/2010/main" val="600042246"/>
+      </p:ext>
+    </p:extLst>
+  </p:cSld>
+  <p:clrMapOvr>
+    <a:masterClrMapping/>
+  </p:clrMapOvr>
+  <p:transition spd="med"/>
+</p:sld>
+</file>
+
+<file path=ppt/slides/slide25.xml><?xml version="1.0" encoding="utf-8"?>
+<p:sld xmlns:a="http://schemas.openxmlformats.org/drawingml/2006/main" xmlns:r="http://schemas.openxmlformats.org/officeDocument/2006/relationships" xmlns:p="http://schemas.openxmlformats.org/presentationml/2006/main">
+  <p:cSld>
+    <p:spTree>
+      <p:nvGrpSpPr>
+        <p:cNvPr id="1" name="">
+          <a:extLst>
+            <a:ext uri="{FF2B5EF4-FFF2-40B4-BE49-F238E27FC236}">
+              <a16:creationId xmlns:a16="http://schemas.microsoft.com/office/drawing/2014/main" id="{649DBF31-061B-6D8D-E418-BD719063750E}"/>
+            </a:ext>
+          </a:extLst>
+        </p:cNvPr>
+        <p:cNvGrpSpPr/>
+        <p:nvPr/>
+      </p:nvGrpSpPr>
+      <p:grpSpPr>
+        <a:xfrm>
+          <a:off x="0" y="0"/>
+          <a:ext cx="0" cy="0"/>
+          <a:chOff x="0" y="0"/>
+          <a:chExt cx="0" cy="0"/>
+        </a:xfrm>
+      </p:grpSpPr>
+      <p:sp>
+        <p:nvSpPr>
+          <p:cNvPr id="6" name="Title 1">
+            <a:extLst>
+              <a:ext uri="{FF2B5EF4-FFF2-40B4-BE49-F238E27FC236}">
+                <a16:creationId xmlns:a16="http://schemas.microsoft.com/office/drawing/2014/main" id="{09D8FDD1-19BC-6BCD-252B-EB4D4FD06802}"/>
+              </a:ext>
+            </a:extLst>
+          </p:cNvPr>
+          <p:cNvSpPr>
+            <a:spLocks noGrp="1"/>
+          </p:cNvSpPr>
+          <p:nvPr>
+            <p:ph type="title"/>
+          </p:nvPr>
+        </p:nvSpPr>
+        <p:spPr>
+          <a:xfrm>
+            <a:off x="457200" y="205980"/>
+            <a:ext cx="8229600" cy="857251"/>
+          </a:xfrm>
+        </p:spPr>
+        <p:txBody>
+          <a:bodyPr>
+            <a:normAutofit/>
+          </a:bodyPr>
+          <a:lstStyle/>
+          <a:p>
+            <a:r>
+              <a:rPr lang="en-US" b="1" dirty="0" err="1">
+                <a:solidFill>
+                  <a:srgbClr val="0070C0"/>
+                </a:solidFill>
+              </a:rPr>
+              <a:t>Dinâmica</a:t>
+            </a:r>
+            <a:r>
+              <a:rPr lang="en-US" b="1" dirty="0">
+                <a:solidFill>
+                  <a:srgbClr val="0070C0"/>
+                </a:solidFill>
+              </a:rPr>
+              <a:t>/</a:t>
+            </a:r>
+            <a:r>
+              <a:rPr lang="en-US" b="1" dirty="0" err="1">
+                <a:solidFill>
+                  <a:srgbClr val="0070C0"/>
+                </a:solidFill>
+              </a:rPr>
+              <a:t>Atividades</a:t>
+            </a:r>
+            <a:endParaRPr lang="en-US" b="1" dirty="0">
+              <a:solidFill>
+                <a:srgbClr val="0070C0"/>
+              </a:solidFill>
+            </a:endParaRPr>
+          </a:p>
+        </p:txBody>
+      </p:sp>
+      <p:sp>
+        <p:nvSpPr>
+          <p:cNvPr id="8" name="Text Placeholder 2">
+            <a:extLst>
+              <a:ext uri="{FF2B5EF4-FFF2-40B4-BE49-F238E27FC236}">
+                <a16:creationId xmlns:a16="http://schemas.microsoft.com/office/drawing/2014/main" id="{83CC6AE1-3A76-59B9-6011-2042F513A0A5}"/>
+              </a:ext>
+            </a:extLst>
+          </p:cNvPr>
+          <p:cNvSpPr>
+            <a:spLocks noGrp="1"/>
+          </p:cNvSpPr>
+          <p:nvPr>
+            <p:ph type="body" sz="half" idx="1"/>
+          </p:nvPr>
+        </p:nvSpPr>
+        <p:spPr>
+          <a:xfrm>
+            <a:off x="142865" y="1035050"/>
+            <a:ext cx="8865056" cy="3994150"/>
+          </a:xfrm>
+        </p:spPr>
+        <p:txBody>
+          <a:bodyPr>
+            <a:noAutofit/>
+          </a:bodyPr>
+          <a:lstStyle/>
+          <a:p>
+            <a:pPr marL="0" indent="0" algn="just">
+              <a:buNone/>
+            </a:pPr>
+            <a:r>
+              <a:rPr lang="pt-BR" sz="2400" b="1" dirty="0">
+                <a:solidFill>
+                  <a:schemeClr val="tx1"/>
+                </a:solidFill>
+                <a:latin typeface="Times New Roman" panose="02020603050405020304" pitchFamily="18" charset="0"/>
+                <a:cs typeface="Times New Roman" panose="02020603050405020304" pitchFamily="18" charset="0"/>
+              </a:rPr>
+              <a:t>4. O que é um arquivo GSD em redes PROFIBUS?</a:t>
+            </a:r>
+          </a:p>
+          <a:p>
+            <a:pPr marL="0" indent="0" algn="just">
+              <a:buNone/>
+            </a:pPr>
+            <a:endParaRPr lang="pt-BR" sz="2400" b="1" dirty="0">
+              <a:solidFill>
+                <a:schemeClr val="tx1"/>
+              </a:solidFill>
+              <a:latin typeface="Times New Roman" panose="02020603050405020304" pitchFamily="18" charset="0"/>
+              <a:cs typeface="Times New Roman" panose="02020603050405020304" pitchFamily="18" charset="0"/>
+            </a:endParaRPr>
+          </a:p>
+          <a:p>
+            <a:pPr marL="0" indent="0" algn="just">
+              <a:buNone/>
+            </a:pPr>
+            <a:r>
+              <a:rPr lang="pt-BR" sz="2400" dirty="0">
+                <a:solidFill>
+                  <a:schemeClr val="tx1"/>
+                </a:solidFill>
+                <a:latin typeface="Times New Roman" panose="02020603050405020304" pitchFamily="18" charset="0"/>
+                <a:cs typeface="Times New Roman" panose="02020603050405020304" pitchFamily="18" charset="0"/>
+              </a:rPr>
+              <a:t>a) Um firmware do CLP</a:t>
+            </a:r>
+          </a:p>
+          <a:p>
+            <a:pPr marL="0" indent="0" algn="just">
+              <a:buNone/>
+            </a:pPr>
+            <a:r>
+              <a:rPr lang="pt-BR" sz="2400" dirty="0">
+                <a:solidFill>
+                  <a:schemeClr val="tx1"/>
+                </a:solidFill>
+                <a:latin typeface="Times New Roman" panose="02020603050405020304" pitchFamily="18" charset="0"/>
+                <a:cs typeface="Times New Roman" panose="02020603050405020304" pitchFamily="18" charset="0"/>
+              </a:rPr>
+              <a:t>b) Um driver de rede serial</a:t>
+            </a:r>
+          </a:p>
+          <a:p>
+            <a:pPr marL="0" indent="0" algn="just">
+              <a:buNone/>
+            </a:pPr>
+            <a:r>
+              <a:rPr lang="pt-BR" sz="2400" dirty="0">
+                <a:solidFill>
+                  <a:schemeClr val="tx1"/>
+                </a:solidFill>
+                <a:latin typeface="Times New Roman" panose="02020603050405020304" pitchFamily="18" charset="0"/>
+                <a:cs typeface="Times New Roman" panose="02020603050405020304" pitchFamily="18" charset="0"/>
+              </a:rPr>
+              <a:t>c) Um arquivo de descrição do dispositivo escravo</a:t>
+            </a:r>
+          </a:p>
+          <a:p>
+            <a:pPr marL="0" indent="0" algn="just">
+              <a:buNone/>
+            </a:pPr>
+            <a:r>
+              <a:rPr lang="pt-BR" sz="2400" dirty="0">
+                <a:solidFill>
+                  <a:schemeClr val="tx1"/>
+                </a:solidFill>
+                <a:latin typeface="Times New Roman" panose="02020603050405020304" pitchFamily="18" charset="0"/>
+                <a:cs typeface="Times New Roman" panose="02020603050405020304" pitchFamily="18" charset="0"/>
+              </a:rPr>
+              <a:t>d) Um programa de monitoramento de rede</a:t>
+            </a:r>
+          </a:p>
+        </p:txBody>
+      </p:sp>
+    </p:spTree>
+    <p:extLst>
+      <p:ext uri="{BB962C8B-B14F-4D97-AF65-F5344CB8AC3E}">
+        <p14:creationId xmlns:p14="http://schemas.microsoft.com/office/powerpoint/2010/main" val="3616275634"/>
+      </p:ext>
+    </p:extLst>
+  </p:cSld>
+  <p:clrMapOvr>
+    <a:masterClrMapping/>
+  </p:clrMapOvr>
+  <p:transition spd="med"/>
+</p:sld>
+</file>
+
+<file path=ppt/slides/slide26.xml><?xml version="1.0" encoding="utf-8"?>
+<p:sld xmlns:a="http://schemas.openxmlformats.org/drawingml/2006/main" xmlns:r="http://schemas.openxmlformats.org/officeDocument/2006/relationships" xmlns:p="http://schemas.openxmlformats.org/presentationml/2006/main">
+  <p:cSld>
+    <p:spTree>
+      <p:nvGrpSpPr>
+        <p:cNvPr id="1" name="">
+          <a:extLst>
+            <a:ext uri="{FF2B5EF4-FFF2-40B4-BE49-F238E27FC236}">
+              <a16:creationId xmlns:a16="http://schemas.microsoft.com/office/drawing/2014/main" id="{0BD96AD4-2DDC-6FDD-17BE-4143B8680165}"/>
+            </a:ext>
+          </a:extLst>
+        </p:cNvPr>
+        <p:cNvGrpSpPr/>
+        <p:nvPr/>
+      </p:nvGrpSpPr>
+      <p:grpSpPr>
+        <a:xfrm>
+          <a:off x="0" y="0"/>
+          <a:ext cx="0" cy="0"/>
+          <a:chOff x="0" y="0"/>
+          <a:chExt cx="0" cy="0"/>
+        </a:xfrm>
+      </p:grpSpPr>
+      <p:sp>
+        <p:nvSpPr>
+          <p:cNvPr id="6" name="Title 1">
+            <a:extLst>
+              <a:ext uri="{FF2B5EF4-FFF2-40B4-BE49-F238E27FC236}">
+                <a16:creationId xmlns:a16="http://schemas.microsoft.com/office/drawing/2014/main" id="{A6FCA297-FE51-169E-B719-09141B939770}"/>
+              </a:ext>
+            </a:extLst>
+          </p:cNvPr>
+          <p:cNvSpPr>
+            <a:spLocks noGrp="1"/>
+          </p:cNvSpPr>
+          <p:nvPr>
+            <p:ph type="title"/>
+          </p:nvPr>
+        </p:nvSpPr>
+        <p:spPr>
+          <a:xfrm>
+            <a:off x="457200" y="205980"/>
+            <a:ext cx="8229600" cy="857251"/>
+          </a:xfrm>
+        </p:spPr>
+        <p:txBody>
+          <a:bodyPr>
+            <a:normAutofit/>
+          </a:bodyPr>
+          <a:lstStyle/>
+          <a:p>
+            <a:r>
+              <a:rPr lang="en-US" b="1" dirty="0" err="1">
+                <a:solidFill>
+                  <a:srgbClr val="0070C0"/>
+                </a:solidFill>
+              </a:rPr>
+              <a:t>Dinâmica</a:t>
+            </a:r>
+            <a:r>
+              <a:rPr lang="en-US" b="1" dirty="0">
+                <a:solidFill>
+                  <a:srgbClr val="0070C0"/>
+                </a:solidFill>
+              </a:rPr>
+              <a:t>/</a:t>
+            </a:r>
+            <a:r>
+              <a:rPr lang="en-US" b="1" dirty="0" err="1">
+                <a:solidFill>
+                  <a:srgbClr val="0070C0"/>
+                </a:solidFill>
+              </a:rPr>
+              <a:t>Atividades</a:t>
+            </a:r>
+            <a:endParaRPr lang="en-US" b="1" dirty="0">
+              <a:solidFill>
+                <a:srgbClr val="0070C0"/>
+              </a:solidFill>
+            </a:endParaRPr>
+          </a:p>
+        </p:txBody>
+      </p:sp>
+      <p:sp>
+        <p:nvSpPr>
+          <p:cNvPr id="8" name="Text Placeholder 2">
+            <a:extLst>
+              <a:ext uri="{FF2B5EF4-FFF2-40B4-BE49-F238E27FC236}">
+                <a16:creationId xmlns:a16="http://schemas.microsoft.com/office/drawing/2014/main" id="{82113FB1-7A32-5DA0-CAD6-8737070BB2E4}"/>
+              </a:ext>
+            </a:extLst>
+          </p:cNvPr>
+          <p:cNvSpPr>
+            <a:spLocks noGrp="1"/>
+          </p:cNvSpPr>
+          <p:nvPr>
+            <p:ph type="body" sz="half" idx="1"/>
+          </p:nvPr>
+        </p:nvSpPr>
+        <p:spPr>
+          <a:xfrm>
+            <a:off x="142865" y="1035050"/>
+            <a:ext cx="8865056" cy="3994150"/>
+          </a:xfrm>
+        </p:spPr>
+        <p:txBody>
+          <a:bodyPr>
+            <a:noAutofit/>
+          </a:bodyPr>
+          <a:lstStyle/>
+          <a:p>
+            <a:pPr marL="0" indent="0" algn="just">
+              <a:buNone/>
+            </a:pPr>
+            <a:r>
+              <a:rPr lang="pt-BR" sz="2400" b="1" dirty="0">
+                <a:solidFill>
+                  <a:schemeClr val="tx1"/>
+                </a:solidFill>
+                <a:latin typeface="Times New Roman" panose="02020603050405020304" pitchFamily="18" charset="0"/>
+                <a:cs typeface="Times New Roman" panose="02020603050405020304" pitchFamily="18" charset="0"/>
+              </a:rPr>
+              <a:t>5. Qual o tipo de cabo recomendado para redes PROFIBUS DP?</a:t>
+            </a:r>
+          </a:p>
+          <a:p>
+            <a:pPr marL="0" indent="0" algn="just">
+              <a:buNone/>
+            </a:pPr>
+            <a:endParaRPr lang="pt-BR" sz="2400" dirty="0">
+              <a:solidFill>
+                <a:schemeClr val="tx1"/>
+              </a:solidFill>
+              <a:latin typeface="Times New Roman" panose="02020603050405020304" pitchFamily="18" charset="0"/>
+              <a:cs typeface="Times New Roman" panose="02020603050405020304" pitchFamily="18" charset="0"/>
+            </a:endParaRPr>
+          </a:p>
+          <a:p>
+            <a:pPr marL="0" indent="0" algn="just">
+              <a:buNone/>
+            </a:pPr>
+            <a:r>
+              <a:rPr lang="pt-BR" sz="2400" dirty="0">
+                <a:solidFill>
+                  <a:schemeClr val="tx1"/>
+                </a:solidFill>
+                <a:latin typeface="Times New Roman" panose="02020603050405020304" pitchFamily="18" charset="0"/>
+                <a:cs typeface="Times New Roman" panose="02020603050405020304" pitchFamily="18" charset="0"/>
+              </a:rPr>
+              <a:t>a) Cabo coaxial RG-59</a:t>
+            </a:r>
+          </a:p>
+          <a:p>
+            <a:pPr marL="0" indent="0" algn="just">
+              <a:buNone/>
+            </a:pPr>
+            <a:r>
+              <a:rPr lang="pt-BR" sz="2400" dirty="0">
+                <a:solidFill>
+                  <a:schemeClr val="tx1"/>
+                </a:solidFill>
+                <a:latin typeface="Times New Roman" panose="02020603050405020304" pitchFamily="18" charset="0"/>
+                <a:cs typeface="Times New Roman" panose="02020603050405020304" pitchFamily="18" charset="0"/>
+              </a:rPr>
+              <a:t>b) Par trançado sem blindagem</a:t>
+            </a:r>
+          </a:p>
+          <a:p>
+            <a:pPr marL="0" indent="0" algn="just">
+              <a:buNone/>
+            </a:pPr>
+            <a:r>
+              <a:rPr lang="pt-BR" sz="2400" dirty="0">
+                <a:solidFill>
+                  <a:schemeClr val="tx1"/>
+                </a:solidFill>
+                <a:latin typeface="Times New Roman" panose="02020603050405020304" pitchFamily="18" charset="0"/>
+                <a:cs typeface="Times New Roman" panose="02020603050405020304" pitchFamily="18" charset="0"/>
+              </a:rPr>
+              <a:t>c) Cabo específico PROFIBUS com par trançado blindado</a:t>
+            </a:r>
+          </a:p>
+          <a:p>
+            <a:pPr marL="0" indent="0" algn="just">
+              <a:buNone/>
+            </a:pPr>
+            <a:r>
+              <a:rPr lang="pt-BR" sz="2400" dirty="0">
+                <a:solidFill>
+                  <a:schemeClr val="tx1"/>
+                </a:solidFill>
+                <a:latin typeface="Times New Roman" panose="02020603050405020304" pitchFamily="18" charset="0"/>
+                <a:cs typeface="Times New Roman" panose="02020603050405020304" pitchFamily="18" charset="0"/>
+              </a:rPr>
+              <a:t>d) Fibra óptica multimodo</a:t>
+            </a:r>
+          </a:p>
+        </p:txBody>
+      </p:sp>
+    </p:spTree>
+    <p:extLst>
+      <p:ext uri="{BB962C8B-B14F-4D97-AF65-F5344CB8AC3E}">
+        <p14:creationId xmlns:p14="http://schemas.microsoft.com/office/powerpoint/2010/main" val="2264669592"/>
+      </p:ext>
+    </p:extLst>
+  </p:cSld>
+  <p:clrMapOvr>
+    <a:masterClrMapping/>
+  </p:clrMapOvr>
+  <p:transition spd="med"/>
+</p:sld>
+</file>
+
+<file path=ppt/slides/slide27.xml><?xml version="1.0" encoding="utf-8"?>
+<p:sld xmlns:a="http://schemas.openxmlformats.org/drawingml/2006/main" xmlns:r="http://schemas.openxmlformats.org/officeDocument/2006/relationships" xmlns:p="http://schemas.openxmlformats.org/presentationml/2006/main">
+  <p:cSld>
+    <p:spTree>
+      <p:nvGrpSpPr>
+        <p:cNvPr id="1" name="">
+          <a:extLst>
+            <a:ext uri="{FF2B5EF4-FFF2-40B4-BE49-F238E27FC236}">
+              <a16:creationId xmlns:a16="http://schemas.microsoft.com/office/drawing/2014/main" id="{347818E8-9DC5-7500-469B-44A4BCB8ACF8}"/>
+            </a:ext>
+          </a:extLst>
+        </p:cNvPr>
+        <p:cNvGrpSpPr/>
+        <p:nvPr/>
+      </p:nvGrpSpPr>
+      <p:grpSpPr>
+        <a:xfrm>
+          <a:off x="0" y="0"/>
+          <a:ext cx="0" cy="0"/>
+          <a:chOff x="0" y="0"/>
+          <a:chExt cx="0" cy="0"/>
+        </a:xfrm>
+      </p:grpSpPr>
+      <p:sp>
+        <p:nvSpPr>
+          <p:cNvPr id="6" name="Title 1">
+            <a:extLst>
+              <a:ext uri="{FF2B5EF4-FFF2-40B4-BE49-F238E27FC236}">
+                <a16:creationId xmlns:a16="http://schemas.microsoft.com/office/drawing/2014/main" id="{07A3228C-F4EE-13EC-617F-03DF8ADD0AED}"/>
+              </a:ext>
+            </a:extLst>
+          </p:cNvPr>
+          <p:cNvSpPr>
+            <a:spLocks noGrp="1"/>
+          </p:cNvSpPr>
+          <p:nvPr>
+            <p:ph type="title"/>
+          </p:nvPr>
+        </p:nvSpPr>
+        <p:spPr>
+          <a:xfrm>
+            <a:off x="457200" y="205980"/>
+            <a:ext cx="8229600" cy="857251"/>
+          </a:xfrm>
+        </p:spPr>
+        <p:txBody>
+          <a:bodyPr>
+            <a:normAutofit/>
+          </a:bodyPr>
+          <a:lstStyle/>
+          <a:p>
+            <a:r>
+              <a:rPr lang="en-US" b="1" dirty="0" err="1">
+                <a:solidFill>
+                  <a:srgbClr val="0070C0"/>
+                </a:solidFill>
+              </a:rPr>
+              <a:t>Gabarito</a:t>
+            </a:r>
+            <a:r>
+              <a:rPr lang="en-US" b="1" dirty="0">
+                <a:solidFill>
+                  <a:srgbClr val="0070C0"/>
+                </a:solidFill>
+              </a:rPr>
+              <a:t> </a:t>
+            </a:r>
+            <a:r>
+              <a:rPr lang="en-US" b="1" dirty="0" err="1">
+                <a:solidFill>
+                  <a:srgbClr val="0070C0"/>
+                </a:solidFill>
+              </a:rPr>
+              <a:t>Atividades</a:t>
+            </a:r>
+            <a:endParaRPr lang="en-US" b="1" dirty="0">
+              <a:solidFill>
+                <a:srgbClr val="0070C0"/>
+              </a:solidFill>
+            </a:endParaRPr>
+          </a:p>
+        </p:txBody>
+      </p:sp>
+      <p:sp>
+        <p:nvSpPr>
+          <p:cNvPr id="8" name="Text Placeholder 2">
+            <a:extLst>
+              <a:ext uri="{FF2B5EF4-FFF2-40B4-BE49-F238E27FC236}">
+                <a16:creationId xmlns:a16="http://schemas.microsoft.com/office/drawing/2014/main" id="{2BFAFB8D-F236-7285-CE4A-CA9BBAF20DD1}"/>
+              </a:ext>
+            </a:extLst>
+          </p:cNvPr>
+          <p:cNvSpPr>
+            <a:spLocks noGrp="1"/>
+          </p:cNvSpPr>
+          <p:nvPr>
+            <p:ph type="body" sz="half" idx="1"/>
+          </p:nvPr>
+        </p:nvSpPr>
+        <p:spPr>
+          <a:xfrm>
+            <a:off x="142865" y="1035050"/>
+            <a:ext cx="8865056" cy="3994150"/>
+          </a:xfrm>
+        </p:spPr>
+        <p:txBody>
+          <a:bodyPr>
+            <a:noAutofit/>
+          </a:bodyPr>
+          <a:lstStyle/>
+          <a:p>
+            <a:pPr marL="457200" indent="-457200" algn="just">
+              <a:buFont typeface="+mj-lt"/>
+              <a:buAutoNum type="arabicPeriod"/>
+            </a:pPr>
+            <a:r>
+              <a:rPr lang="pt-BR" sz="2400" b="1" dirty="0">
+                <a:solidFill>
+                  <a:srgbClr val="FF0000"/>
+                </a:solidFill>
+                <a:latin typeface="Times New Roman" panose="02020603050405020304" pitchFamily="18" charset="0"/>
+                <a:cs typeface="Times New Roman" panose="02020603050405020304" pitchFamily="18" charset="0"/>
+              </a:rPr>
+              <a:t>c) </a:t>
+            </a:r>
+            <a:r>
+              <a:rPr lang="pt-BR" sz="2400" dirty="0">
+                <a:solidFill>
+                  <a:schemeClr val="tx1"/>
+                </a:solidFill>
+                <a:latin typeface="Times New Roman" panose="02020603050405020304" pitchFamily="18" charset="0"/>
+                <a:cs typeface="Times New Roman" panose="02020603050405020304" pitchFamily="18" charset="0"/>
+              </a:rPr>
+              <a:t>Solicitar e gerenciar a troca de dados com os escravos</a:t>
+            </a:r>
+          </a:p>
+          <a:p>
+            <a:pPr marL="457200" indent="-457200" algn="just">
+              <a:buFont typeface="+mj-lt"/>
+              <a:buAutoNum type="arabicPeriod"/>
+            </a:pPr>
+            <a:endParaRPr lang="pt-BR" sz="2400" dirty="0">
+              <a:solidFill>
+                <a:schemeClr val="tx1"/>
+              </a:solidFill>
+              <a:latin typeface="Times New Roman" panose="02020603050405020304" pitchFamily="18" charset="0"/>
+              <a:cs typeface="Times New Roman" panose="02020603050405020304" pitchFamily="18" charset="0"/>
+            </a:endParaRPr>
+          </a:p>
+          <a:p>
+            <a:pPr marL="457200" indent="-457200" algn="just">
+              <a:buFont typeface="+mj-lt"/>
+              <a:buAutoNum type="arabicPeriod"/>
+            </a:pPr>
+            <a:r>
+              <a:rPr lang="pt-BR" sz="2400" b="1" dirty="0">
+                <a:solidFill>
+                  <a:srgbClr val="FF0000"/>
+                </a:solidFill>
+                <a:latin typeface="Times New Roman" panose="02020603050405020304" pitchFamily="18" charset="0"/>
+                <a:cs typeface="Times New Roman" panose="02020603050405020304" pitchFamily="18" charset="0"/>
+              </a:rPr>
+              <a:t>b) </a:t>
+            </a:r>
+            <a:r>
+              <a:rPr lang="pt-BR" sz="2400" dirty="0">
+                <a:solidFill>
+                  <a:schemeClr val="tx1"/>
+                </a:solidFill>
+                <a:latin typeface="Times New Roman" panose="02020603050405020304" pitchFamily="18" charset="0"/>
+                <a:cs typeface="Times New Roman" panose="02020603050405020304" pitchFamily="18" charset="0"/>
+              </a:rPr>
+              <a:t>1 a 126</a:t>
+            </a:r>
+          </a:p>
+          <a:p>
+            <a:pPr marL="457200" indent="-457200" algn="just">
+              <a:buFont typeface="+mj-lt"/>
+              <a:buAutoNum type="arabicPeriod"/>
+            </a:pPr>
+            <a:endParaRPr lang="pt-BR" sz="2400" dirty="0">
+              <a:solidFill>
+                <a:schemeClr val="tx1"/>
+              </a:solidFill>
+              <a:latin typeface="Times New Roman" panose="02020603050405020304" pitchFamily="18" charset="0"/>
+              <a:cs typeface="Times New Roman" panose="02020603050405020304" pitchFamily="18" charset="0"/>
+            </a:endParaRPr>
+          </a:p>
+          <a:p>
+            <a:pPr marL="457200" indent="-457200" algn="just">
+              <a:buFont typeface="+mj-lt"/>
+              <a:buAutoNum type="arabicPeriod"/>
+            </a:pPr>
+            <a:r>
+              <a:rPr lang="pt-BR" sz="2400" b="1" dirty="0">
+                <a:solidFill>
+                  <a:srgbClr val="FF0000"/>
+                </a:solidFill>
+                <a:latin typeface="Times New Roman" panose="02020603050405020304" pitchFamily="18" charset="0"/>
+                <a:cs typeface="Times New Roman" panose="02020603050405020304" pitchFamily="18" charset="0"/>
+              </a:rPr>
+              <a:t>b) </a:t>
+            </a:r>
+            <a:r>
+              <a:rPr lang="pt-BR" sz="2400" dirty="0" err="1">
+                <a:solidFill>
+                  <a:schemeClr val="tx1"/>
+                </a:solidFill>
+                <a:latin typeface="Times New Roman" panose="02020603050405020304" pitchFamily="18" charset="0"/>
+                <a:cs typeface="Times New Roman" panose="02020603050405020304" pitchFamily="18" charset="0"/>
+              </a:rPr>
+              <a:t>Simatic</a:t>
+            </a:r>
+            <a:r>
+              <a:rPr lang="pt-BR" sz="2400" dirty="0">
+                <a:solidFill>
+                  <a:schemeClr val="tx1"/>
+                </a:solidFill>
+                <a:latin typeface="Times New Roman" panose="02020603050405020304" pitchFamily="18" charset="0"/>
+                <a:cs typeface="Times New Roman" panose="02020603050405020304" pitchFamily="18" charset="0"/>
+              </a:rPr>
+              <a:t> Manager / STEP 7</a:t>
+            </a:r>
+          </a:p>
+          <a:p>
+            <a:pPr marL="457200" indent="-457200" algn="just">
+              <a:buFont typeface="+mj-lt"/>
+              <a:buAutoNum type="arabicPeriod"/>
+            </a:pPr>
+            <a:endParaRPr lang="pt-BR" sz="2400" dirty="0">
+              <a:solidFill>
+                <a:schemeClr val="tx1"/>
+              </a:solidFill>
+              <a:latin typeface="Times New Roman" panose="02020603050405020304" pitchFamily="18" charset="0"/>
+              <a:cs typeface="Times New Roman" panose="02020603050405020304" pitchFamily="18" charset="0"/>
+            </a:endParaRPr>
+          </a:p>
+          <a:p>
+            <a:pPr marL="457200" indent="-457200" algn="just">
+              <a:buFont typeface="+mj-lt"/>
+              <a:buAutoNum type="arabicPeriod"/>
+            </a:pPr>
+            <a:r>
+              <a:rPr lang="pt-BR" sz="2400" b="1" dirty="0">
+                <a:solidFill>
+                  <a:srgbClr val="FF0000"/>
+                </a:solidFill>
+                <a:latin typeface="Times New Roman" panose="02020603050405020304" pitchFamily="18" charset="0"/>
+                <a:cs typeface="Times New Roman" panose="02020603050405020304" pitchFamily="18" charset="0"/>
+              </a:rPr>
+              <a:t>c) </a:t>
+            </a:r>
+            <a:r>
+              <a:rPr lang="pt-BR" sz="2400" dirty="0">
+                <a:solidFill>
+                  <a:schemeClr val="tx1"/>
+                </a:solidFill>
+                <a:latin typeface="Times New Roman" panose="02020603050405020304" pitchFamily="18" charset="0"/>
+                <a:cs typeface="Times New Roman" panose="02020603050405020304" pitchFamily="18" charset="0"/>
+              </a:rPr>
+              <a:t>Um arquivo de descrição do dispositivo escravo</a:t>
+            </a:r>
+          </a:p>
+          <a:p>
+            <a:pPr marL="457200" indent="-457200" algn="just">
+              <a:buFont typeface="+mj-lt"/>
+              <a:buAutoNum type="arabicPeriod"/>
+            </a:pPr>
+            <a:endParaRPr lang="pt-BR" sz="2400" dirty="0">
+              <a:solidFill>
+                <a:schemeClr val="tx1"/>
+              </a:solidFill>
+              <a:latin typeface="Times New Roman" panose="02020603050405020304" pitchFamily="18" charset="0"/>
+              <a:cs typeface="Times New Roman" panose="02020603050405020304" pitchFamily="18" charset="0"/>
+            </a:endParaRPr>
+          </a:p>
+          <a:p>
+            <a:pPr marL="457200" indent="-457200" algn="just">
+              <a:buFont typeface="+mj-lt"/>
+              <a:buAutoNum type="arabicPeriod"/>
+            </a:pPr>
+            <a:r>
+              <a:rPr lang="pt-BR" sz="2400" b="1" dirty="0">
+                <a:solidFill>
+                  <a:srgbClr val="FF0000"/>
+                </a:solidFill>
+                <a:latin typeface="Times New Roman" panose="02020603050405020304" pitchFamily="18" charset="0"/>
+                <a:cs typeface="Times New Roman" panose="02020603050405020304" pitchFamily="18" charset="0"/>
+              </a:rPr>
+              <a:t>c) </a:t>
+            </a:r>
+            <a:r>
+              <a:rPr lang="pt-BR" sz="2400" dirty="0">
+                <a:solidFill>
+                  <a:schemeClr val="tx1"/>
+                </a:solidFill>
+                <a:latin typeface="Times New Roman" panose="02020603050405020304" pitchFamily="18" charset="0"/>
+                <a:cs typeface="Times New Roman" panose="02020603050405020304" pitchFamily="18" charset="0"/>
+              </a:rPr>
+              <a:t>Cabo específico PROFIBUS com par trançado blindado</a:t>
+            </a:r>
+          </a:p>
+        </p:txBody>
+      </p:sp>
+    </p:spTree>
+    <p:extLst>
+      <p:ext uri="{BB962C8B-B14F-4D97-AF65-F5344CB8AC3E}">
+        <p14:creationId xmlns:p14="http://schemas.microsoft.com/office/powerpoint/2010/main" val="3275679482"/>
+      </p:ext>
+    </p:extLst>
+  </p:cSld>
+  <p:clrMapOvr>
+    <a:masterClrMapping/>
+  </p:clrMapOvr>
+  <p:transition spd="med"/>
+</p:sld>
+</file>
+
+<file path=ppt/slides/slide28.xml><?xml version="1.0" encoding="utf-8"?>
 <p:sld xmlns:a="http://schemas.openxmlformats.org/drawingml/2006/main" xmlns:r="http://schemas.openxmlformats.org/officeDocument/2006/relationships" xmlns:p="http://schemas.openxmlformats.org/presentationml/2006/main">
   <p:cSld>
     <p:spTree>
@@ -5150,13 +11197,88 @@
               <a:buNone/>
             </a:pPr>
             <a:r>
-              <a:rPr lang="pt-BR" sz="2000" dirty="0">
+              <a:rPr lang="pt-BR" sz="2200" dirty="0">
                 <a:latin typeface="Times New Roman" panose="02020603050405020304" pitchFamily="18" charset="0"/>
                 <a:cs typeface="Times New Roman" panose="02020603050405020304" pitchFamily="18" charset="0"/>
               </a:rPr>
               <a:t>[1] </a:t>
             </a:r>
-            <a:endParaRPr lang="pt-BR" sz="2000" b="1" dirty="0">
+            <a:r>
+              <a:rPr lang="pt-BR" sz="2200" b="1" dirty="0">
+                <a:latin typeface="Times New Roman" panose="02020603050405020304" pitchFamily="18" charset="0"/>
+                <a:cs typeface="Times New Roman" panose="02020603050405020304" pitchFamily="18" charset="0"/>
+              </a:rPr>
+              <a:t>PROFIBUS</a:t>
+            </a:r>
+            <a:r>
+              <a:rPr lang="pt-BR" sz="2200" dirty="0">
+                <a:latin typeface="Times New Roman" panose="02020603050405020304" pitchFamily="18" charset="0"/>
+                <a:cs typeface="Times New Roman" panose="02020603050405020304" pitchFamily="18" charset="0"/>
+              </a:rPr>
+              <a:t>. Technology overview. </a:t>
+            </a:r>
+            <a:r>
+              <a:rPr lang="pt-BR" sz="2200" dirty="0" err="1">
+                <a:latin typeface="Times New Roman" panose="02020603050405020304" pitchFamily="18" charset="0"/>
+                <a:cs typeface="Times New Roman" panose="02020603050405020304" pitchFamily="18" charset="0"/>
+              </a:rPr>
+              <a:t>Profibus</a:t>
+            </a:r>
+            <a:r>
+              <a:rPr lang="pt-BR" sz="2200" dirty="0">
+                <a:latin typeface="Times New Roman" panose="02020603050405020304" pitchFamily="18" charset="0"/>
+                <a:cs typeface="Times New Roman" panose="02020603050405020304" pitchFamily="18" charset="0"/>
+              </a:rPr>
+              <a:t> </a:t>
+            </a:r>
+            <a:r>
+              <a:rPr lang="pt-BR" sz="2200" dirty="0" err="1">
+                <a:latin typeface="Times New Roman" panose="02020603050405020304" pitchFamily="18" charset="0"/>
+                <a:cs typeface="Times New Roman" panose="02020603050405020304" pitchFamily="18" charset="0"/>
+              </a:rPr>
+              <a:t>International</a:t>
+            </a:r>
+            <a:r>
+              <a:rPr lang="pt-BR" sz="2200" dirty="0">
+                <a:latin typeface="Times New Roman" panose="02020603050405020304" pitchFamily="18" charset="0"/>
+                <a:cs typeface="Times New Roman" panose="02020603050405020304" pitchFamily="18" charset="0"/>
+              </a:rPr>
+              <a:t>, 2024. Disponível em: https://www.profibus.com/</a:t>
+            </a:r>
+            <a:r>
+              <a:rPr lang="pt-BR" sz="2200" dirty="0" err="1">
+                <a:latin typeface="Times New Roman" panose="02020603050405020304" pitchFamily="18" charset="0"/>
+                <a:cs typeface="Times New Roman" panose="02020603050405020304" pitchFamily="18" charset="0"/>
+              </a:rPr>
+              <a:t>technology</a:t>
+            </a:r>
+            <a:r>
+              <a:rPr lang="pt-BR" sz="2200" dirty="0">
+                <a:latin typeface="Times New Roman" panose="02020603050405020304" pitchFamily="18" charset="0"/>
+                <a:cs typeface="Times New Roman" panose="02020603050405020304" pitchFamily="18" charset="0"/>
+              </a:rPr>
+              <a:t>/</a:t>
+            </a:r>
+            <a:r>
+              <a:rPr lang="pt-BR" sz="2200" dirty="0" err="1">
+                <a:latin typeface="Times New Roman" panose="02020603050405020304" pitchFamily="18" charset="0"/>
+                <a:cs typeface="Times New Roman" panose="02020603050405020304" pitchFamily="18" charset="0"/>
+              </a:rPr>
+              <a:t>profibus</a:t>
+            </a:r>
+            <a:r>
+              <a:rPr lang="pt-BR" sz="2200" dirty="0">
+                <a:latin typeface="Times New Roman" panose="02020603050405020304" pitchFamily="18" charset="0"/>
+                <a:cs typeface="Times New Roman" panose="02020603050405020304" pitchFamily="18" charset="0"/>
+              </a:rPr>
+              <a:t>. Acesso em: 7 maio 2025.</a:t>
+            </a:r>
+          </a:p>
+          <a:p>
+            <a:pPr marL="0" indent="0" algn="just">
+              <a:buNone/>
+            </a:pPr>
+            <a:endParaRPr lang="pt-BR" sz="2200" dirty="0">
               <a:latin typeface="Times New Roman" panose="02020603050405020304" pitchFamily="18" charset="0"/>
               <a:cs typeface="Times New Roman" panose="02020603050405020304" pitchFamily="18" charset="0"/>
             </a:endParaRPr>
@@ -5165,7 +11287,7 @@
             <a:pPr marL="0" indent="0" algn="just">
               <a:buNone/>
             </a:pPr>
-            <a:endParaRPr lang="en-US" sz="2000" dirty="0">
+            <a:endParaRPr lang="pt-BR" sz="2200" dirty="0">
               <a:latin typeface="Times New Roman" panose="02020603050405020304" pitchFamily="18" charset="0"/>
               <a:cs typeface="Times New Roman" panose="02020603050405020304" pitchFamily="18" charset="0"/>
             </a:endParaRPr>
@@ -5174,41 +11296,70 @@
             <a:pPr marL="0" indent="0" algn="just">
               <a:buNone/>
             </a:pPr>
-            <a:endParaRPr lang="en-US" sz="2000" dirty="0">
-              <a:latin typeface="Times New Roman" panose="02020603050405020304" pitchFamily="18" charset="0"/>
-              <a:cs typeface="Times New Roman" panose="02020603050405020304" pitchFamily="18" charset="0"/>
-            </a:endParaRPr>
-          </a:p>
-          <a:p>
-            <a:pPr marL="0" indent="0" algn="just">
-              <a:buNone/>
-            </a:pPr>
-            <a:endParaRPr lang="en-US" sz="2000" dirty="0">
-              <a:latin typeface="Times New Roman" panose="02020603050405020304" pitchFamily="18" charset="0"/>
-              <a:cs typeface="Times New Roman" panose="02020603050405020304" pitchFamily="18" charset="0"/>
-            </a:endParaRPr>
-          </a:p>
-          <a:p>
-            <a:pPr marL="0" indent="0" algn="just">
-              <a:buNone/>
-            </a:pPr>
-            <a:endParaRPr lang="en-US" sz="2000" dirty="0">
-              <a:latin typeface="Times New Roman" panose="02020603050405020304" pitchFamily="18" charset="0"/>
-              <a:cs typeface="Times New Roman" panose="02020603050405020304" pitchFamily="18" charset="0"/>
-            </a:endParaRPr>
-          </a:p>
-          <a:p>
-            <a:pPr marL="0" indent="0" algn="just">
-              <a:buNone/>
-            </a:pPr>
-            <a:r>
-              <a:rPr lang="pt-BR" sz="2000" dirty="0">
+            <a:r>
+              <a:rPr lang="pt-BR" sz="2200" dirty="0">
                 <a:latin typeface="Times New Roman" panose="02020603050405020304" pitchFamily="18" charset="0"/>
                 <a:cs typeface="Times New Roman" panose="02020603050405020304" pitchFamily="18" charset="0"/>
               </a:rPr>
               <a:t>[2] </a:t>
             </a:r>
-            <a:endParaRPr lang="pt-BR" sz="2000" b="1" dirty="0">
+            <a:r>
+              <a:rPr lang="pt-BR" sz="2200" b="1" dirty="0">
+                <a:latin typeface="Times New Roman" panose="02020603050405020304" pitchFamily="18" charset="0"/>
+                <a:cs typeface="Times New Roman" panose="02020603050405020304" pitchFamily="18" charset="0"/>
+              </a:rPr>
+              <a:t>REALPARS</a:t>
+            </a:r>
+            <a:r>
+              <a:rPr lang="pt-BR" sz="2200" dirty="0">
+                <a:latin typeface="Times New Roman" panose="02020603050405020304" pitchFamily="18" charset="0"/>
+                <a:cs typeface="Times New Roman" panose="02020603050405020304" pitchFamily="18" charset="0"/>
+              </a:rPr>
+              <a:t>. Training Webinar: </a:t>
+            </a:r>
+            <a:r>
+              <a:rPr lang="pt-BR" sz="2200" dirty="0" err="1">
+                <a:latin typeface="Times New Roman" panose="02020603050405020304" pitchFamily="18" charset="0"/>
+                <a:cs typeface="Times New Roman" panose="02020603050405020304" pitchFamily="18" charset="0"/>
+              </a:rPr>
+              <a:t>Introduction</a:t>
+            </a:r>
+            <a:r>
+              <a:rPr lang="pt-BR" sz="2200" dirty="0">
+                <a:latin typeface="Times New Roman" panose="02020603050405020304" pitchFamily="18" charset="0"/>
+                <a:cs typeface="Times New Roman" panose="02020603050405020304" pitchFamily="18" charset="0"/>
+              </a:rPr>
+              <a:t> </a:t>
+            </a:r>
+            <a:r>
+              <a:rPr lang="pt-BR" sz="2200" dirty="0" err="1">
+                <a:latin typeface="Times New Roman" panose="02020603050405020304" pitchFamily="18" charset="0"/>
+                <a:cs typeface="Times New Roman" panose="02020603050405020304" pitchFamily="18" charset="0"/>
+              </a:rPr>
+              <a:t>to</a:t>
+            </a:r>
+            <a:r>
+              <a:rPr lang="pt-BR" sz="2200" dirty="0">
+                <a:latin typeface="Times New Roman" panose="02020603050405020304" pitchFamily="18" charset="0"/>
+                <a:cs typeface="Times New Roman" panose="02020603050405020304" pitchFamily="18" charset="0"/>
+              </a:rPr>
+              <a:t> PROFIBUS DP. YouTube, 24 ago. 2020. Disponível em: https://www.youtube.com/</a:t>
+            </a:r>
+            <a:r>
+              <a:rPr lang="pt-BR" sz="2200" dirty="0" err="1">
+                <a:latin typeface="Times New Roman" panose="02020603050405020304" pitchFamily="18" charset="0"/>
+                <a:cs typeface="Times New Roman" panose="02020603050405020304" pitchFamily="18" charset="0"/>
+              </a:rPr>
+              <a:t>watch?v</a:t>
+            </a:r>
+            <a:r>
+              <a:rPr lang="pt-BR" sz="2200" dirty="0">
+                <a:latin typeface="Times New Roman" panose="02020603050405020304" pitchFamily="18" charset="0"/>
+                <a:cs typeface="Times New Roman" panose="02020603050405020304" pitchFamily="18" charset="0"/>
+              </a:rPr>
+              <a:t>=olsKeX5ZEJ8. Acesso em: 7 maio 2025.</a:t>
+            </a:r>
+            <a:endParaRPr lang="en-US" sz="2200" dirty="0">
               <a:latin typeface="Times New Roman" panose="02020603050405020304" pitchFamily="18" charset="0"/>
               <a:cs typeface="Times New Roman" panose="02020603050405020304" pitchFamily="18" charset="0"/>
             </a:endParaRPr>
@@ -5229,7 +11380,7 @@
 </p:sld>
 </file>
 
-<file path=ppt/slides/slide8.xml><?xml version="1.0" encoding="utf-8"?>
+<file path=ppt/slides/slide29.xml><?xml version="1.0" encoding="utf-8"?>
 <p:sld xmlns:a="http://schemas.openxmlformats.org/drawingml/2006/main" xmlns:r="http://schemas.openxmlformats.org/officeDocument/2006/relationships" xmlns:p="http://schemas.openxmlformats.org/presentationml/2006/main">
   <p:cSld>
     <p:spTree>
@@ -5676,6 +11827,1825 @@
         </p:spPr>
       </p:pic>
     </p:spTree>
+  </p:cSld>
+  <p:clrMapOvr>
+    <a:masterClrMapping/>
+  </p:clrMapOvr>
+  <p:transition spd="med"/>
+</p:sld>
+</file>
+
+<file path=ppt/slides/slide3.xml><?xml version="1.0" encoding="utf-8"?>
+<p:sld xmlns:a="http://schemas.openxmlformats.org/drawingml/2006/main" xmlns:r="http://schemas.openxmlformats.org/officeDocument/2006/relationships" xmlns:p="http://schemas.openxmlformats.org/presentationml/2006/main">
+  <p:cSld>
+    <p:spTree>
+      <p:nvGrpSpPr>
+        <p:cNvPr id="1" name="">
+          <a:extLst>
+            <a:ext uri="{FF2B5EF4-FFF2-40B4-BE49-F238E27FC236}">
+              <a16:creationId xmlns:a16="http://schemas.microsoft.com/office/drawing/2014/main" id="{AFFC8B2D-7443-68FB-D448-E738142EB99F}"/>
+            </a:ext>
+          </a:extLst>
+        </p:cNvPr>
+        <p:cNvGrpSpPr/>
+        <p:nvPr/>
+      </p:nvGrpSpPr>
+      <p:grpSpPr>
+        <a:xfrm>
+          <a:off x="0" y="0"/>
+          <a:ext cx="0" cy="0"/>
+          <a:chOff x="0" y="0"/>
+          <a:chExt cx="0" cy="0"/>
+        </a:xfrm>
+      </p:grpSpPr>
+      <p:sp>
+        <p:nvSpPr>
+          <p:cNvPr id="6" name="Title 1">
+            <a:extLst>
+              <a:ext uri="{FF2B5EF4-FFF2-40B4-BE49-F238E27FC236}">
+                <a16:creationId xmlns:a16="http://schemas.microsoft.com/office/drawing/2014/main" id="{0A36332F-AF5C-5EE7-4FDB-2DE89732CE38}"/>
+              </a:ext>
+            </a:extLst>
+          </p:cNvPr>
+          <p:cNvSpPr>
+            <a:spLocks noGrp="1"/>
+          </p:cNvSpPr>
+          <p:nvPr>
+            <p:ph type="title"/>
+          </p:nvPr>
+        </p:nvSpPr>
+        <p:spPr>
+          <a:xfrm>
+            <a:off x="457200" y="205980"/>
+            <a:ext cx="8229600" cy="857251"/>
+          </a:xfrm>
+        </p:spPr>
+        <p:txBody>
+          <a:bodyPr>
+            <a:normAutofit fontScale="90000"/>
+          </a:bodyPr>
+          <a:lstStyle/>
+          <a:p>
+            <a:r>
+              <a:rPr lang="en-US" b="1" dirty="0">
+                <a:solidFill>
+                  <a:srgbClr val="0070C0"/>
+                </a:solidFill>
+              </a:rPr>
+              <a:t>CLP – </a:t>
+            </a:r>
+            <a:r>
+              <a:rPr lang="en-US" b="1" dirty="0" err="1">
+                <a:solidFill>
+                  <a:srgbClr val="0070C0"/>
+                </a:solidFill>
+              </a:rPr>
+              <a:t>Introdução</a:t>
+            </a:r>
+            <a:r>
+              <a:rPr lang="en-US" b="1" dirty="0">
+                <a:solidFill>
+                  <a:srgbClr val="0070C0"/>
+                </a:solidFill>
+              </a:rPr>
+              <a:t> </a:t>
+            </a:r>
+            <a:r>
+              <a:rPr lang="en-US" b="1" dirty="0" err="1">
+                <a:solidFill>
+                  <a:srgbClr val="0070C0"/>
+                </a:solidFill>
+              </a:rPr>
+              <a:t>ás</a:t>
+            </a:r>
+            <a:r>
+              <a:rPr lang="en-US" b="1" dirty="0">
+                <a:solidFill>
+                  <a:srgbClr val="0070C0"/>
+                </a:solidFill>
+              </a:rPr>
+              <a:t> Redes </a:t>
+            </a:r>
+            <a:r>
+              <a:rPr lang="en-US" b="1" dirty="0" err="1">
+                <a:solidFill>
+                  <a:srgbClr val="0070C0"/>
+                </a:solidFill>
+              </a:rPr>
+              <a:t>Industriais</a:t>
+            </a:r>
+            <a:endParaRPr lang="en-US" b="1" dirty="0">
+              <a:solidFill>
+                <a:srgbClr val="0070C0"/>
+              </a:solidFill>
+            </a:endParaRPr>
+          </a:p>
+        </p:txBody>
+      </p:sp>
+      <p:sp>
+        <p:nvSpPr>
+          <p:cNvPr id="8" name="Text Placeholder 2">
+            <a:extLst>
+              <a:ext uri="{FF2B5EF4-FFF2-40B4-BE49-F238E27FC236}">
+                <a16:creationId xmlns:a16="http://schemas.microsoft.com/office/drawing/2014/main" id="{B1B1D734-DA2C-3DA6-0191-27F88C8EB709}"/>
+              </a:ext>
+            </a:extLst>
+          </p:cNvPr>
+          <p:cNvSpPr>
+            <a:spLocks noGrp="1"/>
+          </p:cNvSpPr>
+          <p:nvPr>
+            <p:ph type="body" sz="half" idx="1"/>
+          </p:nvPr>
+        </p:nvSpPr>
+        <p:spPr>
+          <a:xfrm>
+            <a:off x="142865" y="1035050"/>
+            <a:ext cx="8865056" cy="3994150"/>
+          </a:xfrm>
+        </p:spPr>
+        <p:txBody>
+          <a:bodyPr>
+            <a:noAutofit/>
+          </a:bodyPr>
+          <a:lstStyle/>
+          <a:p>
+            <a:pPr marL="0" indent="0" algn="just">
+              <a:buNone/>
+            </a:pPr>
+            <a:r>
+              <a:rPr lang="pt-BR" sz="2400" dirty="0">
+                <a:latin typeface="Times New Roman" panose="02020603050405020304" pitchFamily="18" charset="0"/>
+                <a:cs typeface="Times New Roman" panose="02020603050405020304" pitchFamily="18" charset="0"/>
+              </a:rPr>
+              <a:t>	CLP - sistema de computador que monitora e controla dispositivos de I/O. Recebem informações de sensores, processam dados e enviam comandos para atuadores, controla máquinas e/ou processos industriais.</a:t>
+            </a:r>
+          </a:p>
+          <a:p>
+            <a:pPr marL="0" indent="0" algn="just">
+              <a:buNone/>
+            </a:pPr>
+            <a:endParaRPr lang="pt-BR" sz="2400" dirty="0">
+              <a:latin typeface="Times New Roman" panose="02020603050405020304" pitchFamily="18" charset="0"/>
+              <a:cs typeface="Times New Roman" panose="02020603050405020304" pitchFamily="18" charset="0"/>
+            </a:endParaRPr>
+          </a:p>
+          <a:p>
+            <a:pPr algn="just"/>
+            <a:r>
+              <a:rPr lang="pt-BR" sz="2400" dirty="0">
+                <a:latin typeface="Times New Roman" panose="02020603050405020304" pitchFamily="18" charset="0"/>
+                <a:cs typeface="Times New Roman" panose="02020603050405020304" pitchFamily="18" charset="0"/>
+              </a:rPr>
+              <a:t>Conectam dispositivos em ambientes industriais;</a:t>
+            </a:r>
+          </a:p>
+          <a:p>
+            <a:pPr marL="0" indent="0" algn="just">
+              <a:buNone/>
+            </a:pPr>
+            <a:endParaRPr lang="pt-BR" sz="2400" dirty="0">
+              <a:latin typeface="Times New Roman" panose="02020603050405020304" pitchFamily="18" charset="0"/>
+              <a:cs typeface="Times New Roman" panose="02020603050405020304" pitchFamily="18" charset="0"/>
+            </a:endParaRPr>
+          </a:p>
+          <a:p>
+            <a:pPr algn="just"/>
+            <a:r>
+              <a:rPr lang="pt-BR" sz="2400" dirty="0">
+                <a:latin typeface="Times New Roman" panose="02020603050405020304" pitchFamily="18" charset="0"/>
+                <a:cs typeface="Times New Roman" panose="02020603050405020304" pitchFamily="18" charset="0"/>
+              </a:rPr>
+              <a:t>Permitem comunicação entre </a:t>
+            </a:r>
+            <a:r>
+              <a:rPr lang="pt-BR" sz="2400" dirty="0" err="1">
+                <a:latin typeface="Times New Roman" panose="02020603050405020304" pitchFamily="18" charset="0"/>
+                <a:cs typeface="Times New Roman" panose="02020603050405020304" pitchFamily="18" charset="0"/>
+              </a:rPr>
+              <a:t>CLPs</a:t>
+            </a:r>
+            <a:r>
+              <a:rPr lang="pt-BR" sz="2400" dirty="0">
+                <a:latin typeface="Times New Roman" panose="02020603050405020304" pitchFamily="18" charset="0"/>
+                <a:cs typeface="Times New Roman" panose="02020603050405020304" pitchFamily="18" charset="0"/>
+              </a:rPr>
+              <a:t>, sensores e atuadores;</a:t>
+            </a:r>
+          </a:p>
+          <a:p>
+            <a:pPr marL="0" indent="0" algn="just">
+              <a:buNone/>
+            </a:pPr>
+            <a:endParaRPr lang="pt-BR" sz="2400" dirty="0">
+              <a:latin typeface="Times New Roman" panose="02020603050405020304" pitchFamily="18" charset="0"/>
+              <a:cs typeface="Times New Roman" panose="02020603050405020304" pitchFamily="18" charset="0"/>
+            </a:endParaRPr>
+          </a:p>
+          <a:p>
+            <a:pPr algn="just"/>
+            <a:r>
+              <a:rPr lang="pt-BR" sz="2400" dirty="0">
+                <a:latin typeface="Times New Roman" panose="02020603050405020304" pitchFamily="18" charset="0"/>
+                <a:cs typeface="Times New Roman" panose="02020603050405020304" pitchFamily="18" charset="0"/>
+              </a:rPr>
+              <a:t>Aumentam eficiência, segurança e controle dos processos.</a:t>
+            </a:r>
+          </a:p>
+          <a:p>
+            <a:pPr marL="0" indent="0" algn="just">
+              <a:buNone/>
+            </a:pPr>
+            <a:endParaRPr lang="pt-BR" sz="2400" dirty="0">
+              <a:latin typeface="Times New Roman" panose="02020603050405020304" pitchFamily="18" charset="0"/>
+              <a:cs typeface="Times New Roman" panose="02020603050405020304" pitchFamily="18" charset="0"/>
+            </a:endParaRPr>
+          </a:p>
+        </p:txBody>
+      </p:sp>
+    </p:spTree>
+    <p:extLst>
+      <p:ext uri="{BB962C8B-B14F-4D97-AF65-F5344CB8AC3E}">
+        <p14:creationId xmlns:p14="http://schemas.microsoft.com/office/powerpoint/2010/main" val="298294241"/>
+      </p:ext>
+    </p:extLst>
+  </p:cSld>
+  <p:clrMapOvr>
+    <a:masterClrMapping/>
+  </p:clrMapOvr>
+  <p:transition spd="med"/>
+</p:sld>
+</file>
+
+<file path=ppt/slides/slide4.xml><?xml version="1.0" encoding="utf-8"?>
+<p:sld xmlns:a="http://schemas.openxmlformats.org/drawingml/2006/main" xmlns:r="http://schemas.openxmlformats.org/officeDocument/2006/relationships" xmlns:p="http://schemas.openxmlformats.org/presentationml/2006/main">
+  <p:cSld>
+    <p:spTree>
+      <p:nvGrpSpPr>
+        <p:cNvPr id="1" name="">
+          <a:extLst>
+            <a:ext uri="{FF2B5EF4-FFF2-40B4-BE49-F238E27FC236}">
+              <a16:creationId xmlns:a16="http://schemas.microsoft.com/office/drawing/2014/main" id="{7ABA0B2A-4BAD-DD44-2E38-F88BA3875254}"/>
+            </a:ext>
+          </a:extLst>
+        </p:cNvPr>
+        <p:cNvGrpSpPr/>
+        <p:nvPr/>
+      </p:nvGrpSpPr>
+      <p:grpSpPr>
+        <a:xfrm>
+          <a:off x="0" y="0"/>
+          <a:ext cx="0" cy="0"/>
+          <a:chOff x="0" y="0"/>
+          <a:chExt cx="0" cy="0"/>
+        </a:xfrm>
+      </p:grpSpPr>
+      <p:sp>
+        <p:nvSpPr>
+          <p:cNvPr id="6" name="Title 1">
+            <a:extLst>
+              <a:ext uri="{FF2B5EF4-FFF2-40B4-BE49-F238E27FC236}">
+                <a16:creationId xmlns:a16="http://schemas.microsoft.com/office/drawing/2014/main" id="{B63BDD98-BC94-0367-7D60-1BCF338EF7C4}"/>
+              </a:ext>
+            </a:extLst>
+          </p:cNvPr>
+          <p:cNvSpPr>
+            <a:spLocks noGrp="1"/>
+          </p:cNvSpPr>
+          <p:nvPr>
+            <p:ph type="title"/>
+          </p:nvPr>
+        </p:nvSpPr>
+        <p:spPr>
+          <a:xfrm>
+            <a:off x="457200" y="205980"/>
+            <a:ext cx="8229600" cy="857251"/>
+          </a:xfrm>
+        </p:spPr>
+        <p:txBody>
+          <a:bodyPr>
+            <a:normAutofit/>
+          </a:bodyPr>
+          <a:lstStyle/>
+          <a:p>
+            <a:r>
+              <a:rPr lang="en-US" b="1" dirty="0">
+                <a:solidFill>
+                  <a:srgbClr val="0070C0"/>
+                </a:solidFill>
+              </a:rPr>
+              <a:t>CLP – Redes PROFIBUS</a:t>
+            </a:r>
+          </a:p>
+        </p:txBody>
+      </p:sp>
+      <p:sp>
+        <p:nvSpPr>
+          <p:cNvPr id="8" name="Text Placeholder 2">
+            <a:extLst>
+              <a:ext uri="{FF2B5EF4-FFF2-40B4-BE49-F238E27FC236}">
+                <a16:creationId xmlns:a16="http://schemas.microsoft.com/office/drawing/2014/main" id="{F3873D0B-678A-0232-A679-A105832A5E12}"/>
+              </a:ext>
+            </a:extLst>
+          </p:cNvPr>
+          <p:cNvSpPr>
+            <a:spLocks noGrp="1"/>
+          </p:cNvSpPr>
+          <p:nvPr>
+            <p:ph type="body" sz="half" idx="1"/>
+          </p:nvPr>
+        </p:nvSpPr>
+        <p:spPr>
+          <a:xfrm>
+            <a:off x="142865" y="1035050"/>
+            <a:ext cx="8865056" cy="3994150"/>
+          </a:xfrm>
+        </p:spPr>
+        <p:txBody>
+          <a:bodyPr>
+            <a:noAutofit/>
+          </a:bodyPr>
+          <a:lstStyle/>
+          <a:p>
+            <a:pPr marL="0" indent="0" algn="just">
+              <a:buNone/>
+            </a:pPr>
+            <a:r>
+              <a:rPr lang="pt-BR" sz="2400" dirty="0">
+                <a:latin typeface="Times New Roman" panose="02020603050405020304" pitchFamily="18" charset="0"/>
+                <a:cs typeface="Times New Roman" panose="02020603050405020304" pitchFamily="18" charset="0"/>
+              </a:rPr>
+              <a:t>	</a:t>
+            </a:r>
+            <a:r>
+              <a:rPr lang="pt-BR" sz="2400" b="1" dirty="0">
+                <a:latin typeface="Times New Roman" panose="02020603050405020304" pitchFamily="18" charset="0"/>
+                <a:cs typeface="Times New Roman" panose="02020603050405020304" pitchFamily="18" charset="0"/>
+              </a:rPr>
+              <a:t>Protocolo de comunicação digital </a:t>
+            </a:r>
+            <a:r>
+              <a:rPr lang="pt-BR" sz="2400" dirty="0">
+                <a:latin typeface="Times New Roman" panose="02020603050405020304" pitchFamily="18" charset="0"/>
+                <a:cs typeface="Times New Roman" panose="02020603050405020304" pitchFamily="18" charset="0"/>
+              </a:rPr>
+              <a:t>utilizado na automação industrial para interligar dispositivos como: </a:t>
+            </a:r>
+            <a:r>
+              <a:rPr lang="pt-BR" sz="2400" dirty="0" err="1">
+                <a:latin typeface="Times New Roman" panose="02020603050405020304" pitchFamily="18" charset="0"/>
+                <a:cs typeface="Times New Roman" panose="02020603050405020304" pitchFamily="18" charset="0"/>
+              </a:rPr>
+              <a:t>CLPs</a:t>
+            </a:r>
+            <a:r>
+              <a:rPr lang="pt-BR" sz="2400" dirty="0">
+                <a:latin typeface="Times New Roman" panose="02020603050405020304" pitchFamily="18" charset="0"/>
+                <a:cs typeface="Times New Roman" panose="02020603050405020304" pitchFamily="18" charset="0"/>
+              </a:rPr>
+              <a:t>, sensores e atuadores, permitindo a troca eficiente de dados entre eles.</a:t>
+            </a:r>
+          </a:p>
+          <a:p>
+            <a:pPr marL="0" indent="0" algn="just">
+              <a:buNone/>
+            </a:pPr>
+            <a:endParaRPr lang="pt-BR" sz="2400" dirty="0">
+              <a:latin typeface="Times New Roman" panose="02020603050405020304" pitchFamily="18" charset="0"/>
+              <a:cs typeface="Times New Roman" panose="02020603050405020304" pitchFamily="18" charset="0"/>
+            </a:endParaRPr>
+          </a:p>
+          <a:p>
+            <a:pPr algn="just"/>
+            <a:r>
+              <a:rPr lang="pt-BR" sz="2400" dirty="0">
+                <a:latin typeface="Times New Roman" panose="02020603050405020304" pitchFamily="18" charset="0"/>
+                <a:cs typeface="Times New Roman" panose="02020603050405020304" pitchFamily="18" charset="0"/>
+              </a:rPr>
+              <a:t>Significa </a:t>
+            </a:r>
+            <a:r>
+              <a:rPr lang="pt-BR" sz="2400" b="1" dirty="0" err="1">
+                <a:solidFill>
+                  <a:srgbClr val="FF0000"/>
+                </a:solidFill>
+                <a:latin typeface="Times New Roman" panose="02020603050405020304" pitchFamily="18" charset="0"/>
+                <a:cs typeface="Times New Roman" panose="02020603050405020304" pitchFamily="18" charset="0"/>
+              </a:rPr>
+              <a:t>Process</a:t>
+            </a:r>
+            <a:r>
+              <a:rPr lang="pt-BR" sz="2400" b="1" dirty="0">
+                <a:solidFill>
+                  <a:srgbClr val="FF0000"/>
+                </a:solidFill>
+                <a:latin typeface="Times New Roman" panose="02020603050405020304" pitchFamily="18" charset="0"/>
+                <a:cs typeface="Times New Roman" panose="02020603050405020304" pitchFamily="18" charset="0"/>
+              </a:rPr>
+              <a:t> Field Bus</a:t>
+            </a:r>
+            <a:r>
+              <a:rPr lang="pt-BR" sz="2400" dirty="0">
+                <a:latin typeface="Times New Roman" panose="02020603050405020304" pitchFamily="18" charset="0"/>
+                <a:cs typeface="Times New Roman" panose="02020603050405020304" pitchFamily="18" charset="0"/>
+              </a:rPr>
+              <a:t>;</a:t>
+            </a:r>
+          </a:p>
+          <a:p>
+            <a:pPr algn="just"/>
+            <a:r>
+              <a:rPr lang="pt-BR" sz="2400" dirty="0">
+                <a:latin typeface="Times New Roman" panose="02020603050405020304" pitchFamily="18" charset="0"/>
+                <a:cs typeface="Times New Roman" panose="02020603050405020304" pitchFamily="18" charset="0"/>
+              </a:rPr>
+              <a:t>Criado nos anos 1980 na </a:t>
+            </a:r>
+            <a:r>
+              <a:rPr lang="pt-BR" sz="2400" b="1" dirty="0">
+                <a:latin typeface="Times New Roman" panose="02020603050405020304" pitchFamily="18" charset="0"/>
+                <a:cs typeface="Times New Roman" panose="02020603050405020304" pitchFamily="18" charset="0"/>
+              </a:rPr>
+              <a:t>Alemanha</a:t>
+            </a:r>
+            <a:r>
+              <a:rPr lang="pt-BR" sz="2400" dirty="0">
+                <a:latin typeface="Times New Roman" panose="02020603050405020304" pitchFamily="18" charset="0"/>
+                <a:cs typeface="Times New Roman" panose="02020603050405020304" pitchFamily="18" charset="0"/>
+              </a:rPr>
+              <a:t>;</a:t>
+            </a:r>
+          </a:p>
+          <a:p>
+            <a:pPr algn="just"/>
+            <a:r>
+              <a:rPr lang="pt-BR" sz="2400" dirty="0">
+                <a:latin typeface="Times New Roman" panose="02020603050405020304" pitchFamily="18" charset="0"/>
+                <a:cs typeface="Times New Roman" panose="02020603050405020304" pitchFamily="18" charset="0"/>
+              </a:rPr>
+              <a:t>Utilizado para </a:t>
+            </a:r>
+            <a:r>
+              <a:rPr lang="pt-BR" sz="2400" b="1" dirty="0">
+                <a:latin typeface="Times New Roman" panose="02020603050405020304" pitchFamily="18" charset="0"/>
+                <a:cs typeface="Times New Roman" panose="02020603050405020304" pitchFamily="18" charset="0"/>
+              </a:rPr>
+              <a:t>automação de processos e manufatura</a:t>
+            </a:r>
+            <a:r>
+              <a:rPr lang="pt-BR" sz="2400" dirty="0">
+                <a:latin typeface="Times New Roman" panose="02020603050405020304" pitchFamily="18" charset="0"/>
+                <a:cs typeface="Times New Roman" panose="02020603050405020304" pitchFamily="18" charset="0"/>
+              </a:rPr>
+              <a:t>;</a:t>
+            </a:r>
+          </a:p>
+          <a:p>
+            <a:pPr algn="just"/>
+            <a:r>
+              <a:rPr lang="pt-BR" sz="2400" b="1" dirty="0">
+                <a:solidFill>
+                  <a:srgbClr val="FF0000"/>
+                </a:solidFill>
+                <a:latin typeface="Times New Roman" panose="02020603050405020304" pitchFamily="18" charset="0"/>
+                <a:cs typeface="Times New Roman" panose="02020603050405020304" pitchFamily="18" charset="0"/>
+              </a:rPr>
+              <a:t>Tipos</a:t>
+            </a:r>
+            <a:r>
+              <a:rPr lang="pt-BR" sz="2400" dirty="0">
+                <a:latin typeface="Times New Roman" panose="02020603050405020304" pitchFamily="18" charset="0"/>
+                <a:cs typeface="Times New Roman" panose="02020603050405020304" pitchFamily="18" charset="0"/>
+              </a:rPr>
+              <a:t>: </a:t>
+            </a:r>
+            <a:r>
+              <a:rPr lang="pt-BR" sz="2400" b="1" dirty="0">
+                <a:latin typeface="Times New Roman" panose="02020603050405020304" pitchFamily="18" charset="0"/>
+                <a:cs typeface="Times New Roman" panose="02020603050405020304" pitchFamily="18" charset="0"/>
+              </a:rPr>
+              <a:t>PROFIBUS-DP</a:t>
+            </a:r>
+            <a:r>
+              <a:rPr lang="pt-BR" sz="2400" dirty="0">
+                <a:latin typeface="Times New Roman" panose="02020603050405020304" pitchFamily="18" charset="0"/>
+                <a:cs typeface="Times New Roman" panose="02020603050405020304" pitchFamily="18" charset="0"/>
+              </a:rPr>
+              <a:t> (Dispositivos Descentralizados) e </a:t>
+            </a:r>
+            <a:r>
+              <a:rPr lang="pt-BR" sz="2400" b="1" dirty="0">
+                <a:latin typeface="Times New Roman" panose="02020603050405020304" pitchFamily="18" charset="0"/>
+                <a:cs typeface="Times New Roman" panose="02020603050405020304" pitchFamily="18" charset="0"/>
+              </a:rPr>
+              <a:t>PROFIBUS-PA</a:t>
+            </a:r>
+            <a:r>
+              <a:rPr lang="pt-BR" sz="2400" dirty="0">
+                <a:latin typeface="Times New Roman" panose="02020603050405020304" pitchFamily="18" charset="0"/>
+                <a:cs typeface="Times New Roman" panose="02020603050405020304" pitchFamily="18" charset="0"/>
+              </a:rPr>
+              <a:t> (Automação de Processo).</a:t>
+            </a:r>
+          </a:p>
+          <a:p>
+            <a:pPr marL="0" indent="0" algn="just">
+              <a:buNone/>
+            </a:pPr>
+            <a:endParaRPr lang="pt-BR" sz="2400" dirty="0">
+              <a:latin typeface="Times New Roman" panose="02020603050405020304" pitchFamily="18" charset="0"/>
+              <a:cs typeface="Times New Roman" panose="02020603050405020304" pitchFamily="18" charset="0"/>
+            </a:endParaRPr>
+          </a:p>
+        </p:txBody>
+      </p:sp>
+    </p:spTree>
+    <p:extLst>
+      <p:ext uri="{BB962C8B-B14F-4D97-AF65-F5344CB8AC3E}">
+        <p14:creationId xmlns:p14="http://schemas.microsoft.com/office/powerpoint/2010/main" val="3973964254"/>
+      </p:ext>
+    </p:extLst>
+  </p:cSld>
+  <p:clrMapOvr>
+    <a:masterClrMapping/>
+  </p:clrMapOvr>
+  <p:transition spd="med"/>
+</p:sld>
+</file>
+
+<file path=ppt/slides/slide5.xml><?xml version="1.0" encoding="utf-8"?>
+<p:sld xmlns:a="http://schemas.openxmlformats.org/drawingml/2006/main" xmlns:r="http://schemas.openxmlformats.org/officeDocument/2006/relationships" xmlns:p="http://schemas.openxmlformats.org/presentationml/2006/main">
+  <p:cSld>
+    <p:spTree>
+      <p:nvGrpSpPr>
+        <p:cNvPr id="1" name="">
+          <a:extLst>
+            <a:ext uri="{FF2B5EF4-FFF2-40B4-BE49-F238E27FC236}">
+              <a16:creationId xmlns:a16="http://schemas.microsoft.com/office/drawing/2014/main" id="{472F0FC3-0BA3-8F8C-FF50-05A2AA0615B6}"/>
+            </a:ext>
+          </a:extLst>
+        </p:cNvPr>
+        <p:cNvGrpSpPr/>
+        <p:nvPr/>
+      </p:nvGrpSpPr>
+      <p:grpSpPr>
+        <a:xfrm>
+          <a:off x="0" y="0"/>
+          <a:ext cx="0" cy="0"/>
+          <a:chOff x="0" y="0"/>
+          <a:chExt cx="0" cy="0"/>
+        </a:xfrm>
+      </p:grpSpPr>
+      <p:sp>
+        <p:nvSpPr>
+          <p:cNvPr id="6" name="Title 1">
+            <a:extLst>
+              <a:ext uri="{FF2B5EF4-FFF2-40B4-BE49-F238E27FC236}">
+                <a16:creationId xmlns:a16="http://schemas.microsoft.com/office/drawing/2014/main" id="{1116FD81-DA9C-68CC-3148-A4CFFA2930AC}"/>
+              </a:ext>
+            </a:extLst>
+          </p:cNvPr>
+          <p:cNvSpPr>
+            <a:spLocks noGrp="1"/>
+          </p:cNvSpPr>
+          <p:nvPr>
+            <p:ph type="title"/>
+          </p:nvPr>
+        </p:nvSpPr>
+        <p:spPr>
+          <a:xfrm>
+            <a:off x="457200" y="205980"/>
+            <a:ext cx="8229600" cy="857251"/>
+          </a:xfrm>
+        </p:spPr>
+        <p:txBody>
+          <a:bodyPr>
+            <a:normAutofit fontScale="90000"/>
+          </a:bodyPr>
+          <a:lstStyle/>
+          <a:p>
+            <a:r>
+              <a:rPr lang="en-US" b="1" dirty="0">
+                <a:solidFill>
+                  <a:srgbClr val="0070C0"/>
+                </a:solidFill>
+              </a:rPr>
+              <a:t>CLP – </a:t>
+            </a:r>
+            <a:r>
+              <a:rPr lang="en-US" b="1" dirty="0" err="1">
+                <a:solidFill>
+                  <a:srgbClr val="0070C0"/>
+                </a:solidFill>
+              </a:rPr>
+              <a:t>Arquitetura</a:t>
+            </a:r>
+            <a:r>
+              <a:rPr lang="en-US" b="1" dirty="0">
+                <a:solidFill>
+                  <a:srgbClr val="0070C0"/>
+                </a:solidFill>
+              </a:rPr>
+              <a:t> e </a:t>
+            </a:r>
+            <a:r>
+              <a:rPr lang="en-US" b="1" dirty="0" err="1">
+                <a:solidFill>
+                  <a:srgbClr val="0070C0"/>
+                </a:solidFill>
+              </a:rPr>
+              <a:t>Topologia</a:t>
+            </a:r>
+            <a:r>
+              <a:rPr lang="en-US" b="1" dirty="0">
+                <a:solidFill>
+                  <a:srgbClr val="0070C0"/>
+                </a:solidFill>
+              </a:rPr>
+              <a:t> PROFIBUS</a:t>
+            </a:r>
+          </a:p>
+        </p:txBody>
+      </p:sp>
+      <p:sp>
+        <p:nvSpPr>
+          <p:cNvPr id="8" name="Text Placeholder 2">
+            <a:extLst>
+              <a:ext uri="{FF2B5EF4-FFF2-40B4-BE49-F238E27FC236}">
+                <a16:creationId xmlns:a16="http://schemas.microsoft.com/office/drawing/2014/main" id="{117B2AC6-3204-8412-4150-B70DFD1FCFCC}"/>
+              </a:ext>
+            </a:extLst>
+          </p:cNvPr>
+          <p:cNvSpPr>
+            <a:spLocks noGrp="1"/>
+          </p:cNvSpPr>
+          <p:nvPr>
+            <p:ph type="body" sz="half" idx="1"/>
+          </p:nvPr>
+        </p:nvSpPr>
+        <p:spPr>
+          <a:xfrm>
+            <a:off x="142865" y="1035050"/>
+            <a:ext cx="8865056" cy="3994150"/>
+          </a:xfrm>
+        </p:spPr>
+        <p:txBody>
+          <a:bodyPr>
+            <a:noAutofit/>
+          </a:bodyPr>
+          <a:lstStyle/>
+          <a:p>
+            <a:pPr marL="0" indent="0" algn="just">
+              <a:buNone/>
+            </a:pPr>
+            <a:endParaRPr lang="pt-BR" sz="2400" dirty="0">
+              <a:latin typeface="Times New Roman" panose="02020603050405020304" pitchFamily="18" charset="0"/>
+              <a:cs typeface="Times New Roman" panose="02020603050405020304" pitchFamily="18" charset="0"/>
+            </a:endParaRPr>
+          </a:p>
+          <a:p>
+            <a:r>
+              <a:rPr lang="pt-BR" sz="2400" b="1" dirty="0">
+                <a:latin typeface="Times New Roman" panose="02020603050405020304" pitchFamily="18" charset="0"/>
+                <a:cs typeface="Times New Roman" panose="02020603050405020304" pitchFamily="18" charset="0"/>
+              </a:rPr>
+              <a:t>Mestre x Escravo;</a:t>
+            </a:r>
+          </a:p>
+          <a:p>
+            <a:endParaRPr lang="pt-BR" sz="2400" b="1" dirty="0">
+              <a:latin typeface="Times New Roman" panose="02020603050405020304" pitchFamily="18" charset="0"/>
+              <a:cs typeface="Times New Roman" panose="02020603050405020304" pitchFamily="18" charset="0"/>
+            </a:endParaRPr>
+          </a:p>
+          <a:p>
+            <a:r>
+              <a:rPr lang="pt-BR" sz="2400" b="1" dirty="0">
+                <a:latin typeface="Times New Roman" panose="02020603050405020304" pitchFamily="18" charset="0"/>
+                <a:cs typeface="Times New Roman" panose="02020603050405020304" pitchFamily="18" charset="0"/>
+              </a:rPr>
+              <a:t>Modelo OSI</a:t>
+            </a:r>
+            <a:r>
+              <a:rPr lang="pt-BR" sz="2400" dirty="0">
+                <a:latin typeface="Times New Roman" panose="02020603050405020304" pitchFamily="18" charset="0"/>
+                <a:cs typeface="Times New Roman" panose="02020603050405020304" pitchFamily="18" charset="0"/>
+              </a:rPr>
+              <a:t>: utiliza camadas </a:t>
+            </a:r>
+            <a:r>
+              <a:rPr lang="pt-BR" sz="2400" b="1" dirty="0">
+                <a:solidFill>
+                  <a:srgbClr val="FF0000"/>
+                </a:solidFill>
+                <a:latin typeface="Times New Roman" panose="02020603050405020304" pitchFamily="18" charset="0"/>
+                <a:cs typeface="Times New Roman" panose="02020603050405020304" pitchFamily="18" charset="0"/>
+              </a:rPr>
+              <a:t>Física, Enlace e Aplicação</a:t>
+            </a:r>
+            <a:r>
+              <a:rPr lang="pt-BR" sz="2400" dirty="0">
+                <a:latin typeface="Times New Roman" panose="02020603050405020304" pitchFamily="18" charset="0"/>
+                <a:cs typeface="Times New Roman" panose="02020603050405020304" pitchFamily="18" charset="0"/>
+              </a:rPr>
+              <a:t>;</a:t>
+            </a:r>
+          </a:p>
+          <a:p>
+            <a:endParaRPr lang="pt-BR" sz="2400" b="1" dirty="0">
+              <a:latin typeface="Times New Roman" panose="02020603050405020304" pitchFamily="18" charset="0"/>
+              <a:cs typeface="Times New Roman" panose="02020603050405020304" pitchFamily="18" charset="0"/>
+            </a:endParaRPr>
+          </a:p>
+          <a:p>
+            <a:r>
+              <a:rPr lang="pt-BR" sz="2400" b="1" dirty="0">
+                <a:latin typeface="Times New Roman" panose="02020603050405020304" pitchFamily="18" charset="0"/>
+                <a:cs typeface="Times New Roman" panose="02020603050405020304" pitchFamily="18" charset="0"/>
+              </a:rPr>
+              <a:t>Topologias</a:t>
+            </a:r>
+            <a:r>
+              <a:rPr lang="pt-BR" sz="2400" dirty="0">
+                <a:latin typeface="Times New Roman" panose="02020603050405020304" pitchFamily="18" charset="0"/>
+                <a:cs typeface="Times New Roman" panose="02020603050405020304" pitchFamily="18" charset="0"/>
+              </a:rPr>
+              <a:t>: barramento, anel;</a:t>
+            </a:r>
+          </a:p>
+          <a:p>
+            <a:endParaRPr lang="pt-BR" sz="2400" b="1" dirty="0">
+              <a:latin typeface="Times New Roman" panose="02020603050405020304" pitchFamily="18" charset="0"/>
+              <a:cs typeface="Times New Roman" panose="02020603050405020304" pitchFamily="18" charset="0"/>
+            </a:endParaRPr>
+          </a:p>
+          <a:p>
+            <a:r>
+              <a:rPr lang="pt-BR" sz="2400" b="1" dirty="0">
+                <a:latin typeface="Times New Roman" panose="02020603050405020304" pitchFamily="18" charset="0"/>
+                <a:cs typeface="Times New Roman" panose="02020603050405020304" pitchFamily="18" charset="0"/>
+              </a:rPr>
+              <a:t>Meio físico</a:t>
+            </a:r>
+            <a:r>
+              <a:rPr lang="pt-BR" sz="2400" dirty="0">
+                <a:latin typeface="Times New Roman" panose="02020603050405020304" pitchFamily="18" charset="0"/>
+                <a:cs typeface="Times New Roman" panose="02020603050405020304" pitchFamily="18" charset="0"/>
+              </a:rPr>
+              <a:t>: RS-485, fibra óptica. </a:t>
+            </a:r>
+            <a:r>
+              <a:rPr lang="pt-BR" sz="2400" dirty="0">
+                <a:latin typeface="Times New Roman" panose="02020603050405020304" pitchFamily="18" charset="0"/>
+                <a:cs typeface="Times New Roman" panose="02020603050405020304" pitchFamily="18" charset="0"/>
+                <a:hlinkClick r:id="rId3"/>
+              </a:rPr>
+              <a:t>https://youtu.be/omvJEXnUOD4</a:t>
+            </a:r>
+            <a:r>
+              <a:rPr lang="pt-BR" sz="2400" dirty="0">
+                <a:latin typeface="Times New Roman" panose="02020603050405020304" pitchFamily="18" charset="0"/>
+                <a:cs typeface="Times New Roman" panose="02020603050405020304" pitchFamily="18" charset="0"/>
+              </a:rPr>
+              <a:t> </a:t>
+            </a:r>
+          </a:p>
+          <a:p>
+            <a:pPr marL="0" indent="0">
+              <a:buNone/>
+            </a:pPr>
+            <a:r>
+              <a:rPr lang="pt-BR" sz="2400">
+                <a:latin typeface="Times New Roman" panose="02020603050405020304" pitchFamily="18" charset="0"/>
+                <a:cs typeface="Times New Roman" panose="02020603050405020304" pitchFamily="18" charset="0"/>
+              </a:rPr>
+              <a:t>    </a:t>
+            </a:r>
+            <a:r>
+              <a:rPr lang="pt-BR" sz="2400" b="1">
+                <a:solidFill>
+                  <a:srgbClr val="FF0000"/>
+                </a:solidFill>
+                <a:latin typeface="Times New Roman" panose="02020603050405020304" pitchFamily="18" charset="0"/>
+                <a:cs typeface="Times New Roman" panose="02020603050405020304" pitchFamily="18" charset="0"/>
+              </a:rPr>
+              <a:t>9min</a:t>
+            </a:r>
+            <a:endParaRPr lang="pt-BR" sz="2400" b="1" dirty="0">
+              <a:solidFill>
+                <a:srgbClr val="FF0000"/>
+              </a:solidFill>
+              <a:latin typeface="Times New Roman" panose="02020603050405020304" pitchFamily="18" charset="0"/>
+              <a:cs typeface="Times New Roman" panose="02020603050405020304" pitchFamily="18" charset="0"/>
+            </a:endParaRPr>
+          </a:p>
+        </p:txBody>
+      </p:sp>
+    </p:spTree>
+    <p:extLst>
+      <p:ext uri="{BB962C8B-B14F-4D97-AF65-F5344CB8AC3E}">
+        <p14:creationId xmlns:p14="http://schemas.microsoft.com/office/powerpoint/2010/main" val="3380449373"/>
+      </p:ext>
+    </p:extLst>
+  </p:cSld>
+  <p:clrMapOvr>
+    <a:masterClrMapping/>
+  </p:clrMapOvr>
+  <p:transition spd="med"/>
+</p:sld>
+</file>
+
+<file path=ppt/slides/slide6.xml><?xml version="1.0" encoding="utf-8"?>
+<p:sld xmlns:a="http://schemas.openxmlformats.org/drawingml/2006/main" xmlns:r="http://schemas.openxmlformats.org/officeDocument/2006/relationships" xmlns:p="http://schemas.openxmlformats.org/presentationml/2006/main">
+  <p:cSld>
+    <p:spTree>
+      <p:nvGrpSpPr>
+        <p:cNvPr id="1" name="">
+          <a:extLst>
+            <a:ext uri="{FF2B5EF4-FFF2-40B4-BE49-F238E27FC236}">
+              <a16:creationId xmlns:a16="http://schemas.microsoft.com/office/drawing/2014/main" id="{DFC0A3E3-38FF-12F8-63A3-42A55F304ABB}"/>
+            </a:ext>
+          </a:extLst>
+        </p:cNvPr>
+        <p:cNvGrpSpPr/>
+        <p:nvPr/>
+      </p:nvGrpSpPr>
+      <p:grpSpPr>
+        <a:xfrm>
+          <a:off x="0" y="0"/>
+          <a:ext cx="0" cy="0"/>
+          <a:chOff x="0" y="0"/>
+          <a:chExt cx="0" cy="0"/>
+        </a:xfrm>
+      </p:grpSpPr>
+      <p:sp>
+        <p:nvSpPr>
+          <p:cNvPr id="6" name="Title 1">
+            <a:extLst>
+              <a:ext uri="{FF2B5EF4-FFF2-40B4-BE49-F238E27FC236}">
+                <a16:creationId xmlns:a16="http://schemas.microsoft.com/office/drawing/2014/main" id="{F623E823-C859-7741-9EDF-E137D9EDED86}"/>
+              </a:ext>
+            </a:extLst>
+          </p:cNvPr>
+          <p:cNvSpPr>
+            <a:spLocks noGrp="1"/>
+          </p:cNvSpPr>
+          <p:nvPr>
+            <p:ph type="title"/>
+          </p:nvPr>
+        </p:nvSpPr>
+        <p:spPr>
+          <a:xfrm>
+            <a:off x="457200" y="205980"/>
+            <a:ext cx="8229600" cy="857251"/>
+          </a:xfrm>
+        </p:spPr>
+        <p:txBody>
+          <a:bodyPr>
+            <a:normAutofit/>
+          </a:bodyPr>
+          <a:lstStyle/>
+          <a:p>
+            <a:r>
+              <a:rPr lang="en-US" b="1" dirty="0">
+                <a:solidFill>
+                  <a:srgbClr val="0070C0"/>
+                </a:solidFill>
+              </a:rPr>
+              <a:t>CLP – </a:t>
+            </a:r>
+            <a:r>
+              <a:rPr lang="en-US" b="1" dirty="0" err="1">
+                <a:solidFill>
+                  <a:srgbClr val="0070C0"/>
+                </a:solidFill>
+              </a:rPr>
+              <a:t>Instalação</a:t>
+            </a:r>
+            <a:r>
+              <a:rPr lang="en-US" b="1" dirty="0">
+                <a:solidFill>
+                  <a:srgbClr val="0070C0"/>
+                </a:solidFill>
+              </a:rPr>
+              <a:t> e </a:t>
+            </a:r>
+            <a:r>
+              <a:rPr lang="en-US" b="1" dirty="0" err="1">
+                <a:solidFill>
+                  <a:srgbClr val="0070C0"/>
+                </a:solidFill>
+              </a:rPr>
+              <a:t>Configuração</a:t>
+            </a:r>
+            <a:endParaRPr lang="en-US" b="1" dirty="0">
+              <a:solidFill>
+                <a:srgbClr val="0070C0"/>
+              </a:solidFill>
+            </a:endParaRPr>
+          </a:p>
+        </p:txBody>
+      </p:sp>
+      <p:sp>
+        <p:nvSpPr>
+          <p:cNvPr id="8" name="Text Placeholder 2">
+            <a:extLst>
+              <a:ext uri="{FF2B5EF4-FFF2-40B4-BE49-F238E27FC236}">
+                <a16:creationId xmlns:a16="http://schemas.microsoft.com/office/drawing/2014/main" id="{A9E05CA5-1FEF-1027-403A-E0725058FB68}"/>
+              </a:ext>
+            </a:extLst>
+          </p:cNvPr>
+          <p:cNvSpPr>
+            <a:spLocks noGrp="1"/>
+          </p:cNvSpPr>
+          <p:nvPr>
+            <p:ph type="body" sz="half" idx="1"/>
+          </p:nvPr>
+        </p:nvSpPr>
+        <p:spPr>
+          <a:xfrm>
+            <a:off x="142865" y="1035050"/>
+            <a:ext cx="8865056" cy="3994150"/>
+          </a:xfrm>
+        </p:spPr>
+        <p:txBody>
+          <a:bodyPr>
+            <a:noAutofit/>
+          </a:bodyPr>
+          <a:lstStyle/>
+          <a:p>
+            <a:pPr marL="0" indent="0" algn="just">
+              <a:buNone/>
+            </a:pPr>
+            <a:endParaRPr lang="pt-BR" sz="2400" dirty="0">
+              <a:latin typeface="Times New Roman" panose="02020603050405020304" pitchFamily="18" charset="0"/>
+              <a:cs typeface="Times New Roman" panose="02020603050405020304" pitchFamily="18" charset="0"/>
+            </a:endParaRPr>
+          </a:p>
+          <a:p>
+            <a:pPr algn="just"/>
+            <a:r>
+              <a:rPr lang="pt-BR" sz="2400" dirty="0">
+                <a:latin typeface="Times New Roman" panose="02020603050405020304" pitchFamily="18" charset="0"/>
+                <a:cs typeface="Times New Roman" panose="02020603050405020304" pitchFamily="18" charset="0"/>
+              </a:rPr>
+              <a:t>Planejamento de endereço e tempo de ciclo;</a:t>
+            </a:r>
+          </a:p>
+          <a:p>
+            <a:pPr marL="0" indent="0" algn="just">
+              <a:buNone/>
+            </a:pPr>
+            <a:endParaRPr lang="pt-BR" sz="2400" dirty="0">
+              <a:latin typeface="Times New Roman" panose="02020603050405020304" pitchFamily="18" charset="0"/>
+              <a:cs typeface="Times New Roman" panose="02020603050405020304" pitchFamily="18" charset="0"/>
+            </a:endParaRPr>
+          </a:p>
+          <a:p>
+            <a:pPr algn="just"/>
+            <a:r>
+              <a:rPr lang="pt-BR" sz="2400" dirty="0">
+                <a:latin typeface="Times New Roman" panose="02020603050405020304" pitchFamily="18" charset="0"/>
+                <a:cs typeface="Times New Roman" panose="02020603050405020304" pitchFamily="18" charset="0"/>
+              </a:rPr>
+              <a:t>Uso de softwares (</a:t>
+            </a:r>
+            <a:r>
+              <a:rPr lang="pt-BR" sz="2400" dirty="0" err="1">
+                <a:latin typeface="Times New Roman" panose="02020603050405020304" pitchFamily="18" charset="0"/>
+                <a:cs typeface="Times New Roman" panose="02020603050405020304" pitchFamily="18" charset="0"/>
+              </a:rPr>
+              <a:t>ex</a:t>
+            </a:r>
+            <a:r>
+              <a:rPr lang="pt-BR" sz="2400" dirty="0">
+                <a:latin typeface="Times New Roman" panose="02020603050405020304" pitchFamily="18" charset="0"/>
+                <a:cs typeface="Times New Roman" panose="02020603050405020304" pitchFamily="18" charset="0"/>
+              </a:rPr>
+              <a:t>: TIA Portal, Step 7);</a:t>
+            </a:r>
+          </a:p>
+          <a:p>
+            <a:pPr marL="0" indent="0" algn="just">
+              <a:buNone/>
+            </a:pPr>
+            <a:endParaRPr lang="pt-BR" sz="2400" dirty="0">
+              <a:latin typeface="Times New Roman" panose="02020603050405020304" pitchFamily="18" charset="0"/>
+              <a:cs typeface="Times New Roman" panose="02020603050405020304" pitchFamily="18" charset="0"/>
+            </a:endParaRPr>
+          </a:p>
+          <a:p>
+            <a:pPr algn="just"/>
+            <a:r>
+              <a:rPr lang="pt-BR" sz="2400" dirty="0">
+                <a:latin typeface="Times New Roman" panose="02020603050405020304" pitchFamily="18" charset="0"/>
+                <a:cs typeface="Times New Roman" panose="02020603050405020304" pitchFamily="18" charset="0"/>
+              </a:rPr>
+              <a:t>Configuração de dispositivos e diagnóstico de rede.</a:t>
+            </a:r>
+          </a:p>
+        </p:txBody>
+      </p:sp>
+    </p:spTree>
+    <p:extLst>
+      <p:ext uri="{BB962C8B-B14F-4D97-AF65-F5344CB8AC3E}">
+        <p14:creationId xmlns:p14="http://schemas.microsoft.com/office/powerpoint/2010/main" val="1177837096"/>
+      </p:ext>
+    </p:extLst>
+  </p:cSld>
+  <p:clrMapOvr>
+    <a:masterClrMapping/>
+  </p:clrMapOvr>
+  <p:transition spd="med"/>
+</p:sld>
+</file>
+
+<file path=ppt/slides/slide7.xml><?xml version="1.0" encoding="utf-8"?>
+<p:sld xmlns:a="http://schemas.openxmlformats.org/drawingml/2006/main" xmlns:r="http://schemas.openxmlformats.org/officeDocument/2006/relationships" xmlns:p="http://schemas.openxmlformats.org/presentationml/2006/main">
+  <p:cSld>
+    <p:spTree>
+      <p:nvGrpSpPr>
+        <p:cNvPr id="1" name="">
+          <a:extLst>
+            <a:ext uri="{FF2B5EF4-FFF2-40B4-BE49-F238E27FC236}">
+              <a16:creationId xmlns:a16="http://schemas.microsoft.com/office/drawing/2014/main" id="{BA99BC94-6C62-9E61-D48B-814B2B8E9429}"/>
+            </a:ext>
+          </a:extLst>
+        </p:cNvPr>
+        <p:cNvGrpSpPr/>
+        <p:nvPr/>
+      </p:nvGrpSpPr>
+      <p:grpSpPr>
+        <a:xfrm>
+          <a:off x="0" y="0"/>
+          <a:ext cx="0" cy="0"/>
+          <a:chOff x="0" y="0"/>
+          <a:chExt cx="0" cy="0"/>
+        </a:xfrm>
+      </p:grpSpPr>
+      <p:sp>
+        <p:nvSpPr>
+          <p:cNvPr id="6" name="Title 1">
+            <a:extLst>
+              <a:ext uri="{FF2B5EF4-FFF2-40B4-BE49-F238E27FC236}">
+                <a16:creationId xmlns:a16="http://schemas.microsoft.com/office/drawing/2014/main" id="{3A3BF357-14BC-77E4-F5AC-6D98CD30D56D}"/>
+              </a:ext>
+            </a:extLst>
+          </p:cNvPr>
+          <p:cNvSpPr>
+            <a:spLocks noGrp="1"/>
+          </p:cNvSpPr>
+          <p:nvPr>
+            <p:ph type="title"/>
+          </p:nvPr>
+        </p:nvSpPr>
+        <p:spPr>
+          <a:xfrm>
+            <a:off x="457200" y="205980"/>
+            <a:ext cx="8229600" cy="857251"/>
+          </a:xfrm>
+        </p:spPr>
+        <p:txBody>
+          <a:bodyPr>
+            <a:normAutofit fontScale="90000"/>
+          </a:bodyPr>
+          <a:lstStyle/>
+          <a:p>
+            <a:r>
+              <a:rPr lang="en-US" b="1" dirty="0">
+                <a:solidFill>
+                  <a:srgbClr val="0070C0"/>
+                </a:solidFill>
+              </a:rPr>
+              <a:t>CLP – 1. </a:t>
+            </a:r>
+            <a:r>
+              <a:rPr lang="en-US" b="1" dirty="0" err="1">
+                <a:solidFill>
+                  <a:srgbClr val="0070C0"/>
+                </a:solidFill>
+              </a:rPr>
+              <a:t>Planej</a:t>
+            </a:r>
+            <a:r>
+              <a:rPr lang="en-US" b="1" dirty="0">
+                <a:solidFill>
+                  <a:srgbClr val="0070C0"/>
+                </a:solidFill>
+              </a:rPr>
+              <a:t>. </a:t>
+            </a:r>
+            <a:r>
+              <a:rPr lang="en-US" b="1" dirty="0" err="1">
+                <a:solidFill>
+                  <a:srgbClr val="0070C0"/>
+                </a:solidFill>
+              </a:rPr>
+              <a:t>Endereço</a:t>
+            </a:r>
+            <a:r>
+              <a:rPr lang="en-US" b="1" dirty="0">
+                <a:solidFill>
+                  <a:srgbClr val="0070C0"/>
+                </a:solidFill>
+              </a:rPr>
+              <a:t> / Time Cycle</a:t>
+            </a:r>
+          </a:p>
+        </p:txBody>
+      </p:sp>
+      <p:sp>
+        <p:nvSpPr>
+          <p:cNvPr id="8" name="Text Placeholder 2">
+            <a:extLst>
+              <a:ext uri="{FF2B5EF4-FFF2-40B4-BE49-F238E27FC236}">
+                <a16:creationId xmlns:a16="http://schemas.microsoft.com/office/drawing/2014/main" id="{2096C6A2-E94A-4557-340B-7C0281E186FD}"/>
+              </a:ext>
+            </a:extLst>
+          </p:cNvPr>
+          <p:cNvSpPr>
+            <a:spLocks noGrp="1"/>
+          </p:cNvSpPr>
+          <p:nvPr>
+            <p:ph type="body" sz="half" idx="1"/>
+          </p:nvPr>
+        </p:nvSpPr>
+        <p:spPr>
+          <a:xfrm>
+            <a:off x="142865" y="1035050"/>
+            <a:ext cx="8865056" cy="3994150"/>
+          </a:xfrm>
+        </p:spPr>
+        <p:txBody>
+          <a:bodyPr>
+            <a:noAutofit/>
+          </a:bodyPr>
+          <a:lstStyle/>
+          <a:p>
+            <a:pPr marL="0" indent="0" algn="just">
+              <a:buNone/>
+            </a:pPr>
+            <a:r>
+              <a:rPr lang="pt-BR" sz="2200" b="1" dirty="0">
+                <a:solidFill>
+                  <a:srgbClr val="FF0000"/>
+                </a:solidFill>
+                <a:latin typeface="Times New Roman" panose="02020603050405020304" pitchFamily="18" charset="0"/>
+                <a:cs typeface="Times New Roman" panose="02020603050405020304" pitchFamily="18" charset="0"/>
+              </a:rPr>
+              <a:t>Endereçamento </a:t>
+            </a:r>
+            <a:r>
+              <a:rPr lang="pt-BR" sz="2200" b="1" dirty="0" err="1">
+                <a:solidFill>
+                  <a:srgbClr val="FF0000"/>
+                </a:solidFill>
+                <a:latin typeface="Times New Roman" panose="02020603050405020304" pitchFamily="18" charset="0"/>
+                <a:cs typeface="Times New Roman" panose="02020603050405020304" pitchFamily="18" charset="0"/>
+              </a:rPr>
+              <a:t>Profibus</a:t>
+            </a:r>
+            <a:endParaRPr lang="pt-BR" sz="2200" dirty="0">
+              <a:latin typeface="Times New Roman" panose="02020603050405020304" pitchFamily="18" charset="0"/>
+              <a:cs typeface="Times New Roman" panose="02020603050405020304" pitchFamily="18" charset="0"/>
+            </a:endParaRPr>
+          </a:p>
+          <a:p>
+            <a:pPr algn="just">
+              <a:buFont typeface="Wingdings" panose="05000000000000000000" pitchFamily="2" charset="2"/>
+              <a:buChar char="§"/>
+            </a:pPr>
+            <a:r>
+              <a:rPr lang="pt-BR" sz="2000" dirty="0">
+                <a:latin typeface="Times New Roman" panose="02020603050405020304" pitchFamily="18" charset="0"/>
+                <a:cs typeface="Times New Roman" panose="02020603050405020304" pitchFamily="18" charset="0"/>
+              </a:rPr>
+              <a:t>Cada dispositivo </a:t>
+            </a:r>
+            <a:r>
+              <a:rPr lang="pt-BR" sz="2000" dirty="0" err="1">
+                <a:latin typeface="Times New Roman" panose="02020603050405020304" pitchFamily="18" charset="0"/>
+                <a:cs typeface="Times New Roman" panose="02020603050405020304" pitchFamily="18" charset="0"/>
+              </a:rPr>
+              <a:t>Profibus</a:t>
+            </a:r>
+            <a:r>
+              <a:rPr lang="pt-BR" sz="2000" dirty="0">
+                <a:latin typeface="Times New Roman" panose="02020603050405020304" pitchFamily="18" charset="0"/>
+                <a:cs typeface="Times New Roman" panose="02020603050405020304" pitchFamily="18" charset="0"/>
+              </a:rPr>
+              <a:t> DP (</a:t>
+            </a:r>
+            <a:r>
+              <a:rPr lang="pt-BR" sz="2000" dirty="0" err="1">
+                <a:latin typeface="Times New Roman" panose="02020603050405020304" pitchFamily="18" charset="0"/>
+                <a:cs typeface="Times New Roman" panose="02020603050405020304" pitchFamily="18" charset="0"/>
+              </a:rPr>
+              <a:t>Decentralized</a:t>
+            </a:r>
+            <a:r>
+              <a:rPr lang="pt-BR" sz="2000" dirty="0">
+                <a:latin typeface="Times New Roman" panose="02020603050405020304" pitchFamily="18" charset="0"/>
+                <a:cs typeface="Times New Roman" panose="02020603050405020304" pitchFamily="18" charset="0"/>
+              </a:rPr>
+              <a:t> </a:t>
+            </a:r>
+            <a:r>
+              <a:rPr lang="pt-BR" sz="2000" dirty="0" err="1">
+                <a:latin typeface="Times New Roman" panose="02020603050405020304" pitchFamily="18" charset="0"/>
+                <a:cs typeface="Times New Roman" panose="02020603050405020304" pitchFamily="18" charset="0"/>
+              </a:rPr>
+              <a:t>Peripherals</a:t>
+            </a:r>
+            <a:r>
+              <a:rPr lang="pt-BR" sz="2000" dirty="0">
+                <a:latin typeface="Times New Roman" panose="02020603050405020304" pitchFamily="18" charset="0"/>
+                <a:cs typeface="Times New Roman" panose="02020603050405020304" pitchFamily="18" charset="0"/>
+              </a:rPr>
+              <a:t>) deve ter um endereço único entre 1 e 126;</a:t>
+            </a:r>
+          </a:p>
+          <a:p>
+            <a:pPr algn="just">
+              <a:buFont typeface="Wingdings" panose="05000000000000000000" pitchFamily="2" charset="2"/>
+              <a:buChar char="§"/>
+            </a:pPr>
+            <a:endParaRPr lang="pt-BR" sz="2000" dirty="0">
+              <a:latin typeface="Times New Roman" panose="02020603050405020304" pitchFamily="18" charset="0"/>
+              <a:cs typeface="Times New Roman" panose="02020603050405020304" pitchFamily="18" charset="0"/>
+            </a:endParaRPr>
+          </a:p>
+          <a:p>
+            <a:pPr algn="just">
+              <a:buFont typeface="Wingdings" panose="05000000000000000000" pitchFamily="2" charset="2"/>
+              <a:buChar char="§"/>
+            </a:pPr>
+            <a:r>
+              <a:rPr lang="pt-BR" sz="2000" dirty="0">
+                <a:latin typeface="Times New Roman" panose="02020603050405020304" pitchFamily="18" charset="0"/>
+                <a:cs typeface="Times New Roman" panose="02020603050405020304" pitchFamily="18" charset="0"/>
+              </a:rPr>
+              <a:t>O mestre (CLP) normalmente possui o endereço 1;</a:t>
+            </a:r>
+          </a:p>
+          <a:p>
+            <a:pPr algn="just">
+              <a:buFont typeface="Wingdings" panose="05000000000000000000" pitchFamily="2" charset="2"/>
+              <a:buChar char="§"/>
+            </a:pPr>
+            <a:endParaRPr lang="pt-BR" sz="2000" dirty="0">
+              <a:latin typeface="Times New Roman" panose="02020603050405020304" pitchFamily="18" charset="0"/>
+              <a:cs typeface="Times New Roman" panose="02020603050405020304" pitchFamily="18" charset="0"/>
+            </a:endParaRPr>
+          </a:p>
+          <a:p>
+            <a:pPr algn="just">
+              <a:buFont typeface="Wingdings" panose="05000000000000000000" pitchFamily="2" charset="2"/>
+              <a:buChar char="§"/>
+            </a:pPr>
+            <a:r>
+              <a:rPr lang="pt-BR" sz="2000" dirty="0">
+                <a:latin typeface="Times New Roman" panose="02020603050405020304" pitchFamily="18" charset="0"/>
+                <a:cs typeface="Times New Roman" panose="02020603050405020304" pitchFamily="18" charset="0"/>
+              </a:rPr>
+              <a:t>Os escravos (sensores, inversores, módulos de I/O) recebem endereços únicos definidos manualmente (por chave rotativa) ou via software;</a:t>
+            </a:r>
+          </a:p>
+          <a:p>
+            <a:pPr algn="just">
+              <a:buFont typeface="Wingdings" panose="05000000000000000000" pitchFamily="2" charset="2"/>
+              <a:buChar char="§"/>
+            </a:pPr>
+            <a:endParaRPr lang="pt-BR" sz="2000" dirty="0">
+              <a:latin typeface="Times New Roman" panose="02020603050405020304" pitchFamily="18" charset="0"/>
+              <a:cs typeface="Times New Roman" panose="02020603050405020304" pitchFamily="18" charset="0"/>
+            </a:endParaRPr>
+          </a:p>
+          <a:p>
+            <a:pPr algn="just">
+              <a:buFont typeface="Wingdings" panose="05000000000000000000" pitchFamily="2" charset="2"/>
+              <a:buChar char="§"/>
+            </a:pPr>
+            <a:r>
+              <a:rPr lang="pt-BR" sz="2000" dirty="0">
+                <a:latin typeface="Times New Roman" panose="02020603050405020304" pitchFamily="18" charset="0"/>
+                <a:cs typeface="Times New Roman" panose="02020603050405020304" pitchFamily="18" charset="0"/>
+              </a:rPr>
+              <a:t>O planejamento evita conflitos e garante organização lógica, útil para diagnósticos e manutenção.</a:t>
+            </a:r>
+          </a:p>
+        </p:txBody>
+      </p:sp>
+    </p:spTree>
+    <p:extLst>
+      <p:ext uri="{BB962C8B-B14F-4D97-AF65-F5344CB8AC3E}">
+        <p14:creationId xmlns:p14="http://schemas.microsoft.com/office/powerpoint/2010/main" val="2776425011"/>
+      </p:ext>
+    </p:extLst>
+  </p:cSld>
+  <p:clrMapOvr>
+    <a:masterClrMapping/>
+  </p:clrMapOvr>
+  <p:transition spd="med"/>
+</p:sld>
+</file>
+
+<file path=ppt/slides/slide8.xml><?xml version="1.0" encoding="utf-8"?>
+<p:sld xmlns:a="http://schemas.openxmlformats.org/drawingml/2006/main" xmlns:r="http://schemas.openxmlformats.org/officeDocument/2006/relationships" xmlns:p="http://schemas.openxmlformats.org/presentationml/2006/main">
+  <p:cSld>
+    <p:spTree>
+      <p:nvGrpSpPr>
+        <p:cNvPr id="1" name="">
+          <a:extLst>
+            <a:ext uri="{FF2B5EF4-FFF2-40B4-BE49-F238E27FC236}">
+              <a16:creationId xmlns:a16="http://schemas.microsoft.com/office/drawing/2014/main" id="{A83D4940-F4BF-F6B0-7BE8-DD9320462C31}"/>
+            </a:ext>
+          </a:extLst>
+        </p:cNvPr>
+        <p:cNvGrpSpPr/>
+        <p:nvPr/>
+      </p:nvGrpSpPr>
+      <p:grpSpPr>
+        <a:xfrm>
+          <a:off x="0" y="0"/>
+          <a:ext cx="0" cy="0"/>
+          <a:chOff x="0" y="0"/>
+          <a:chExt cx="0" cy="0"/>
+        </a:xfrm>
+      </p:grpSpPr>
+      <p:sp>
+        <p:nvSpPr>
+          <p:cNvPr id="6" name="Title 1">
+            <a:extLst>
+              <a:ext uri="{FF2B5EF4-FFF2-40B4-BE49-F238E27FC236}">
+                <a16:creationId xmlns:a16="http://schemas.microsoft.com/office/drawing/2014/main" id="{A21DE5A3-9FDE-E285-E029-77A9C1E495A3}"/>
+              </a:ext>
+            </a:extLst>
+          </p:cNvPr>
+          <p:cNvSpPr>
+            <a:spLocks noGrp="1"/>
+          </p:cNvSpPr>
+          <p:nvPr>
+            <p:ph type="title"/>
+          </p:nvPr>
+        </p:nvSpPr>
+        <p:spPr>
+          <a:xfrm>
+            <a:off x="457200" y="205980"/>
+            <a:ext cx="8229600" cy="857251"/>
+          </a:xfrm>
+        </p:spPr>
+        <p:txBody>
+          <a:bodyPr>
+            <a:normAutofit fontScale="90000"/>
+          </a:bodyPr>
+          <a:lstStyle/>
+          <a:p>
+            <a:r>
+              <a:rPr lang="en-US" b="1" dirty="0">
+                <a:solidFill>
+                  <a:srgbClr val="0070C0"/>
+                </a:solidFill>
+              </a:rPr>
+              <a:t>CLP – 1. </a:t>
+            </a:r>
+            <a:r>
+              <a:rPr lang="en-US" b="1" dirty="0" err="1">
+                <a:solidFill>
+                  <a:srgbClr val="0070C0"/>
+                </a:solidFill>
+              </a:rPr>
+              <a:t>Planej</a:t>
+            </a:r>
+            <a:r>
+              <a:rPr lang="en-US" b="1" dirty="0">
+                <a:solidFill>
+                  <a:srgbClr val="0070C0"/>
+                </a:solidFill>
+              </a:rPr>
+              <a:t>. </a:t>
+            </a:r>
+            <a:r>
+              <a:rPr lang="en-US" b="1" dirty="0" err="1">
+                <a:solidFill>
+                  <a:srgbClr val="0070C0"/>
+                </a:solidFill>
+              </a:rPr>
+              <a:t>Endereço</a:t>
+            </a:r>
+            <a:r>
+              <a:rPr lang="en-US" b="1" dirty="0">
+                <a:solidFill>
+                  <a:srgbClr val="0070C0"/>
+                </a:solidFill>
+              </a:rPr>
+              <a:t> / Time Cycle </a:t>
+            </a:r>
+          </a:p>
+        </p:txBody>
+      </p:sp>
+      <p:sp>
+        <p:nvSpPr>
+          <p:cNvPr id="8" name="Text Placeholder 2">
+            <a:extLst>
+              <a:ext uri="{FF2B5EF4-FFF2-40B4-BE49-F238E27FC236}">
+                <a16:creationId xmlns:a16="http://schemas.microsoft.com/office/drawing/2014/main" id="{4BA0436A-BD32-74C0-B8B6-45D003A9DD45}"/>
+              </a:ext>
+            </a:extLst>
+          </p:cNvPr>
+          <p:cNvSpPr>
+            <a:spLocks noGrp="1"/>
+          </p:cNvSpPr>
+          <p:nvPr>
+            <p:ph type="body" sz="half" idx="1"/>
+          </p:nvPr>
+        </p:nvSpPr>
+        <p:spPr>
+          <a:xfrm>
+            <a:off x="142865" y="1035050"/>
+            <a:ext cx="8865056" cy="3994150"/>
+          </a:xfrm>
+        </p:spPr>
+        <p:txBody>
+          <a:bodyPr>
+            <a:noAutofit/>
+          </a:bodyPr>
+          <a:lstStyle/>
+          <a:p>
+            <a:pPr marL="0" indent="0" algn="just">
+              <a:buNone/>
+            </a:pPr>
+            <a:r>
+              <a:rPr lang="pt-BR" sz="2200" b="1" dirty="0">
+                <a:solidFill>
+                  <a:srgbClr val="FF0000"/>
+                </a:solidFill>
+                <a:latin typeface="Times New Roman" panose="02020603050405020304" pitchFamily="18" charset="0"/>
+                <a:cs typeface="Times New Roman" panose="02020603050405020304" pitchFamily="18" charset="0"/>
+              </a:rPr>
+              <a:t>Tempo de ciclo (</a:t>
+            </a:r>
+            <a:r>
+              <a:rPr lang="pt-BR" sz="2200" b="1" dirty="0" err="1">
+                <a:solidFill>
+                  <a:srgbClr val="FF0000"/>
+                </a:solidFill>
+                <a:latin typeface="Times New Roman" panose="02020603050405020304" pitchFamily="18" charset="0"/>
+                <a:cs typeface="Times New Roman" panose="02020603050405020304" pitchFamily="18" charset="0"/>
+              </a:rPr>
+              <a:t>Cycle</a:t>
+            </a:r>
+            <a:r>
+              <a:rPr lang="pt-BR" sz="2200" b="1" dirty="0">
+                <a:solidFill>
+                  <a:srgbClr val="FF0000"/>
+                </a:solidFill>
+                <a:latin typeface="Times New Roman" panose="02020603050405020304" pitchFamily="18" charset="0"/>
+                <a:cs typeface="Times New Roman" panose="02020603050405020304" pitchFamily="18" charset="0"/>
+              </a:rPr>
+              <a:t> Time)</a:t>
+            </a:r>
+          </a:p>
+          <a:p>
+            <a:pPr algn="just"/>
+            <a:r>
+              <a:rPr lang="pt-BR" sz="2000" dirty="0">
+                <a:latin typeface="Times New Roman" panose="02020603050405020304" pitchFamily="18" charset="0"/>
+                <a:cs typeface="Times New Roman" panose="02020603050405020304" pitchFamily="18" charset="0"/>
+              </a:rPr>
+              <a:t>Depende da velocidade de transmissão (9.6 </a:t>
+            </a:r>
+            <a:r>
+              <a:rPr lang="pt-BR" sz="2000" dirty="0" err="1">
+                <a:latin typeface="Times New Roman" panose="02020603050405020304" pitchFamily="18" charset="0"/>
+                <a:cs typeface="Times New Roman" panose="02020603050405020304" pitchFamily="18" charset="0"/>
+              </a:rPr>
+              <a:t>kbps</a:t>
+            </a:r>
+            <a:r>
+              <a:rPr lang="pt-BR" sz="2000" dirty="0">
+                <a:latin typeface="Times New Roman" panose="02020603050405020304" pitchFamily="18" charset="0"/>
+                <a:cs typeface="Times New Roman" panose="02020603050405020304" pitchFamily="18" charset="0"/>
+              </a:rPr>
+              <a:t> até 12 Mbps), número de dispositivos, e quantidade de dados trocados;</a:t>
+            </a:r>
+          </a:p>
+          <a:p>
+            <a:pPr marL="0" indent="0" algn="just">
+              <a:buNone/>
+            </a:pPr>
+            <a:endParaRPr lang="pt-BR" sz="2000" dirty="0">
+              <a:latin typeface="Times New Roman" panose="02020603050405020304" pitchFamily="18" charset="0"/>
+              <a:cs typeface="Times New Roman" panose="02020603050405020304" pitchFamily="18" charset="0"/>
+            </a:endParaRPr>
+          </a:p>
+          <a:p>
+            <a:pPr algn="just"/>
+            <a:r>
+              <a:rPr lang="pt-BR" sz="2000" dirty="0">
+                <a:latin typeface="Times New Roman" panose="02020603050405020304" pitchFamily="18" charset="0"/>
+                <a:cs typeface="Times New Roman" panose="02020603050405020304" pitchFamily="18" charset="0"/>
+              </a:rPr>
+              <a:t>Exemplo: Em uma rede de 20 dispositivos a 1.5 Mbps, com baixa troca de dados, o tempo de ciclo pode ser em torno de 10–20 </a:t>
+            </a:r>
+            <a:r>
+              <a:rPr lang="pt-BR" sz="2000" dirty="0" err="1">
+                <a:latin typeface="Times New Roman" panose="02020603050405020304" pitchFamily="18" charset="0"/>
+                <a:cs typeface="Times New Roman" panose="02020603050405020304" pitchFamily="18" charset="0"/>
+              </a:rPr>
+              <a:t>ms</a:t>
+            </a:r>
+            <a:r>
+              <a:rPr lang="pt-BR" sz="2000" dirty="0">
+                <a:latin typeface="Times New Roman" panose="02020603050405020304" pitchFamily="18" charset="0"/>
+                <a:cs typeface="Times New Roman" panose="02020603050405020304" pitchFamily="18" charset="0"/>
+              </a:rPr>
+              <a:t>;</a:t>
+            </a:r>
+          </a:p>
+          <a:p>
+            <a:pPr marL="0" indent="0" algn="just">
+              <a:buNone/>
+            </a:pPr>
+            <a:endParaRPr lang="pt-BR" sz="2000" dirty="0">
+              <a:latin typeface="Times New Roman" panose="02020603050405020304" pitchFamily="18" charset="0"/>
+              <a:cs typeface="Times New Roman" panose="02020603050405020304" pitchFamily="18" charset="0"/>
+            </a:endParaRPr>
+          </a:p>
+          <a:p>
+            <a:pPr algn="just"/>
+            <a:r>
+              <a:rPr lang="pt-BR" sz="2000" dirty="0">
+                <a:latin typeface="Times New Roman" panose="02020603050405020304" pitchFamily="18" charset="0"/>
+                <a:cs typeface="Times New Roman" panose="02020603050405020304" pitchFamily="18" charset="0"/>
+              </a:rPr>
+              <a:t>Um ciclo mais curto → resposta mais rápida, mas exige mais do controlador;</a:t>
+            </a:r>
+          </a:p>
+          <a:p>
+            <a:pPr marL="0" indent="0" algn="just">
+              <a:buNone/>
+            </a:pPr>
+            <a:endParaRPr lang="pt-BR" sz="2000" dirty="0">
+              <a:latin typeface="Times New Roman" panose="02020603050405020304" pitchFamily="18" charset="0"/>
+              <a:cs typeface="Times New Roman" panose="02020603050405020304" pitchFamily="18" charset="0"/>
+            </a:endParaRPr>
+          </a:p>
+          <a:p>
+            <a:pPr algn="just"/>
+            <a:r>
+              <a:rPr lang="pt-BR" sz="2000" dirty="0">
+                <a:latin typeface="Times New Roman" panose="02020603050405020304" pitchFamily="18" charset="0"/>
+                <a:cs typeface="Times New Roman" panose="02020603050405020304" pitchFamily="18" charset="0"/>
+              </a:rPr>
+              <a:t>O tempo de ciclo precisa ser balanceado com as exigências do processo e a capacidade do CLP.</a:t>
+            </a:r>
+          </a:p>
+          <a:p>
+            <a:pPr marL="0" indent="0" algn="just">
+              <a:buNone/>
+            </a:pPr>
+            <a:endParaRPr lang="pt-BR" sz="2400" dirty="0">
+              <a:latin typeface="Times New Roman" panose="02020603050405020304" pitchFamily="18" charset="0"/>
+              <a:cs typeface="Times New Roman" panose="02020603050405020304" pitchFamily="18" charset="0"/>
+            </a:endParaRPr>
+          </a:p>
+        </p:txBody>
+      </p:sp>
+    </p:spTree>
+    <p:extLst>
+      <p:ext uri="{BB962C8B-B14F-4D97-AF65-F5344CB8AC3E}">
+        <p14:creationId xmlns:p14="http://schemas.microsoft.com/office/powerpoint/2010/main" val="726100212"/>
+      </p:ext>
+    </p:extLst>
+  </p:cSld>
+  <p:clrMapOvr>
+    <a:masterClrMapping/>
+  </p:clrMapOvr>
+  <p:transition spd="med"/>
+</p:sld>
+</file>
+
+<file path=ppt/slides/slide9.xml><?xml version="1.0" encoding="utf-8"?>
+<p:sld xmlns:a="http://schemas.openxmlformats.org/drawingml/2006/main" xmlns:r="http://schemas.openxmlformats.org/officeDocument/2006/relationships" xmlns:p="http://schemas.openxmlformats.org/presentationml/2006/main">
+  <p:cSld>
+    <p:spTree>
+      <p:nvGrpSpPr>
+        <p:cNvPr id="1" name="">
+          <a:extLst>
+            <a:ext uri="{FF2B5EF4-FFF2-40B4-BE49-F238E27FC236}">
+              <a16:creationId xmlns:a16="http://schemas.microsoft.com/office/drawing/2014/main" id="{FAA310DE-56C8-BBF1-AB1D-4315831700BE}"/>
+            </a:ext>
+          </a:extLst>
+        </p:cNvPr>
+        <p:cNvGrpSpPr/>
+        <p:nvPr/>
+      </p:nvGrpSpPr>
+      <p:grpSpPr>
+        <a:xfrm>
+          <a:off x="0" y="0"/>
+          <a:ext cx="0" cy="0"/>
+          <a:chOff x="0" y="0"/>
+          <a:chExt cx="0" cy="0"/>
+        </a:xfrm>
+      </p:grpSpPr>
+      <p:sp>
+        <p:nvSpPr>
+          <p:cNvPr id="6" name="Title 1">
+            <a:extLst>
+              <a:ext uri="{FF2B5EF4-FFF2-40B4-BE49-F238E27FC236}">
+                <a16:creationId xmlns:a16="http://schemas.microsoft.com/office/drawing/2014/main" id="{EF1F3E2F-EA44-5A4E-6E0E-6C9FDB1ABCE7}"/>
+              </a:ext>
+            </a:extLst>
+          </p:cNvPr>
+          <p:cNvSpPr>
+            <a:spLocks noGrp="1"/>
+          </p:cNvSpPr>
+          <p:nvPr>
+            <p:ph type="title"/>
+          </p:nvPr>
+        </p:nvSpPr>
+        <p:spPr>
+          <a:xfrm>
+            <a:off x="457200" y="205980"/>
+            <a:ext cx="8229600" cy="857251"/>
+          </a:xfrm>
+        </p:spPr>
+        <p:txBody>
+          <a:bodyPr>
+            <a:normAutofit/>
+          </a:bodyPr>
+          <a:lstStyle/>
+          <a:p>
+            <a:r>
+              <a:rPr lang="en-US" b="1" dirty="0">
+                <a:solidFill>
+                  <a:srgbClr val="0070C0"/>
+                </a:solidFill>
+              </a:rPr>
+              <a:t>CLP – 2. Uso do TIA Portal, Step 7</a:t>
+            </a:r>
+          </a:p>
+        </p:txBody>
+      </p:sp>
+      <p:sp>
+        <p:nvSpPr>
+          <p:cNvPr id="8" name="Text Placeholder 2">
+            <a:extLst>
+              <a:ext uri="{FF2B5EF4-FFF2-40B4-BE49-F238E27FC236}">
+                <a16:creationId xmlns:a16="http://schemas.microsoft.com/office/drawing/2014/main" id="{10098C88-BB14-676A-73B2-4911E065431E}"/>
+              </a:ext>
+            </a:extLst>
+          </p:cNvPr>
+          <p:cNvSpPr>
+            <a:spLocks noGrp="1"/>
+          </p:cNvSpPr>
+          <p:nvPr>
+            <p:ph type="body" sz="half" idx="1"/>
+          </p:nvPr>
+        </p:nvSpPr>
+        <p:spPr>
+          <a:xfrm>
+            <a:off x="142865" y="1035050"/>
+            <a:ext cx="8865056" cy="3994150"/>
+          </a:xfrm>
+        </p:spPr>
+        <p:txBody>
+          <a:bodyPr>
+            <a:noAutofit/>
+          </a:bodyPr>
+          <a:lstStyle/>
+          <a:p>
+            <a:pPr marL="0" indent="0" algn="just">
+              <a:buNone/>
+            </a:pPr>
+            <a:r>
+              <a:rPr lang="pt-BR" sz="2000" dirty="0">
+                <a:latin typeface="Times New Roman" panose="02020603050405020304" pitchFamily="18" charset="0"/>
+                <a:cs typeface="Times New Roman" panose="02020603050405020304" pitchFamily="18" charset="0"/>
+              </a:rPr>
+              <a:t>Software da Siemens para programação e configuração de dispositivos Siemens.</a:t>
+            </a:r>
+          </a:p>
+          <a:p>
+            <a:pPr marL="0" indent="0" algn="just">
+              <a:buNone/>
+            </a:pPr>
+            <a:endParaRPr lang="pt-BR" sz="2000" dirty="0">
+              <a:latin typeface="Times New Roman" panose="02020603050405020304" pitchFamily="18" charset="0"/>
+              <a:cs typeface="Times New Roman" panose="02020603050405020304" pitchFamily="18" charset="0"/>
+            </a:endParaRPr>
+          </a:p>
+          <a:p>
+            <a:pPr marL="0" indent="0" algn="just">
+              <a:buNone/>
+            </a:pPr>
+            <a:r>
+              <a:rPr lang="pt-BR" sz="2200" b="1" dirty="0">
+                <a:solidFill>
+                  <a:srgbClr val="FF0000"/>
+                </a:solidFill>
+                <a:latin typeface="Times New Roman" panose="02020603050405020304" pitchFamily="18" charset="0"/>
+                <a:cs typeface="Times New Roman" panose="02020603050405020304" pitchFamily="18" charset="0"/>
+              </a:rPr>
+              <a:t>Permite</a:t>
+            </a:r>
+          </a:p>
+          <a:p>
+            <a:pPr marL="0" indent="0" algn="just">
+              <a:buNone/>
+            </a:pPr>
+            <a:endParaRPr lang="pt-BR" sz="2200" dirty="0">
+              <a:latin typeface="Times New Roman" panose="02020603050405020304" pitchFamily="18" charset="0"/>
+              <a:cs typeface="Times New Roman" panose="02020603050405020304" pitchFamily="18" charset="0"/>
+            </a:endParaRPr>
+          </a:p>
+          <a:p>
+            <a:pPr algn="just"/>
+            <a:r>
+              <a:rPr lang="pt-BR" sz="2200" dirty="0">
+                <a:latin typeface="Times New Roman" panose="02020603050405020304" pitchFamily="18" charset="0"/>
+                <a:cs typeface="Times New Roman" panose="02020603050405020304" pitchFamily="18" charset="0"/>
+              </a:rPr>
+              <a:t>Configuração da rede </a:t>
+            </a:r>
+            <a:r>
+              <a:rPr lang="pt-BR" sz="2200" dirty="0" err="1">
+                <a:latin typeface="Times New Roman" panose="02020603050405020304" pitchFamily="18" charset="0"/>
+                <a:cs typeface="Times New Roman" panose="02020603050405020304" pitchFamily="18" charset="0"/>
+              </a:rPr>
+              <a:t>Profibus</a:t>
+            </a:r>
+            <a:r>
+              <a:rPr lang="pt-BR" sz="2200" dirty="0">
+                <a:latin typeface="Times New Roman" panose="02020603050405020304" pitchFamily="18" charset="0"/>
+                <a:cs typeface="Times New Roman" panose="02020603050405020304" pitchFamily="18" charset="0"/>
+              </a:rPr>
+              <a:t>.</a:t>
+            </a:r>
+          </a:p>
+          <a:p>
+            <a:pPr algn="just"/>
+            <a:r>
+              <a:rPr lang="pt-BR" sz="2200" dirty="0">
+                <a:latin typeface="Times New Roman" panose="02020603050405020304" pitchFamily="18" charset="0"/>
+                <a:cs typeface="Times New Roman" panose="02020603050405020304" pitchFamily="18" charset="0"/>
+              </a:rPr>
+              <a:t>Endereçamento de dispositivos.</a:t>
+            </a:r>
+          </a:p>
+          <a:p>
+            <a:pPr algn="just"/>
+            <a:r>
+              <a:rPr lang="pt-BR" sz="2200" dirty="0">
+                <a:latin typeface="Times New Roman" panose="02020603050405020304" pitchFamily="18" charset="0"/>
+                <a:cs typeface="Times New Roman" panose="02020603050405020304" pitchFamily="18" charset="0"/>
+              </a:rPr>
+              <a:t>Atribuição de </a:t>
+            </a:r>
+            <a:r>
+              <a:rPr lang="pt-BR" sz="2200" dirty="0" err="1">
+                <a:latin typeface="Times New Roman" panose="02020603050405020304" pitchFamily="18" charset="0"/>
+                <a:cs typeface="Times New Roman" panose="02020603050405020304" pitchFamily="18" charset="0"/>
+              </a:rPr>
+              <a:t>GSDs</a:t>
+            </a:r>
+            <a:r>
+              <a:rPr lang="pt-BR" sz="2200" dirty="0">
+                <a:latin typeface="Times New Roman" panose="02020603050405020304" pitchFamily="18" charset="0"/>
+                <a:cs typeface="Times New Roman" panose="02020603050405020304" pitchFamily="18" charset="0"/>
+              </a:rPr>
+              <a:t> (arquivos de descrição dos dispositivos).</a:t>
+            </a:r>
+          </a:p>
+          <a:p>
+            <a:pPr algn="just"/>
+            <a:r>
+              <a:rPr lang="pt-BR" sz="2200" dirty="0">
+                <a:latin typeface="Times New Roman" panose="02020603050405020304" pitchFamily="18" charset="0"/>
+                <a:cs typeface="Times New Roman" panose="02020603050405020304" pitchFamily="18" charset="0"/>
+              </a:rPr>
+              <a:t>Diagnóstico e simulação da rede.</a:t>
+            </a:r>
+          </a:p>
+          <a:p>
+            <a:pPr algn="just"/>
+            <a:r>
+              <a:rPr lang="pt-BR" sz="2200" dirty="0">
+                <a:latin typeface="Times New Roman" panose="02020603050405020304" pitchFamily="18" charset="0"/>
+                <a:cs typeface="Times New Roman" panose="02020603050405020304" pitchFamily="18" charset="0"/>
+              </a:rPr>
+              <a:t>Integração com o PLC programado (por exemplo, S7-1200/1500).</a:t>
+            </a:r>
+          </a:p>
+        </p:txBody>
+      </p:sp>
+    </p:spTree>
+    <p:extLst>
+      <p:ext uri="{BB962C8B-B14F-4D97-AF65-F5344CB8AC3E}">
+        <p14:creationId xmlns:p14="http://schemas.microsoft.com/office/powerpoint/2010/main" val="1507498114"/>
+      </p:ext>
+    </p:extLst>
   </p:cSld>
   <p:clrMapOvr>
     <a:masterClrMapping/>

--- a/01 Classes/Aula7 - CLP - Redes Industriais PROFIBUS.pptx
+++ b/01 Classes/Aula7 - CLP - Redes Industriais PROFIBUS.pptx
@@ -8569,13 +8569,10 @@
             <a:pPr marL="0" indent="0" algn="just">
               <a:buNone/>
             </a:pPr>
-            <a:r>
-              <a:rPr lang="pt-BR" sz="2200" b="1" dirty="0">
-                <a:latin typeface="Times New Roman" panose="02020603050405020304" pitchFamily="18" charset="0"/>
-                <a:cs typeface="Times New Roman" panose="02020603050405020304" pitchFamily="18" charset="0"/>
-              </a:rPr>
-              <a:t>.</a:t>
-            </a:r>
+            <a:endParaRPr lang="pt-BR" sz="2200" b="1" dirty="0">
+              <a:latin typeface="Times New Roman" panose="02020603050405020304" pitchFamily="18" charset="0"/>
+              <a:cs typeface="Times New Roman" panose="02020603050405020304" pitchFamily="18" charset="0"/>
+            </a:endParaRPr>
           </a:p>
           <a:p>
             <a:pPr marL="0" indent="0" algn="just">
@@ -8590,10 +8587,10 @@
       </p:sp>
       <p:pic>
         <p:nvPicPr>
-          <p:cNvPr id="3" name="Imagem 2" descr="Interface gráfica do usuário&#10;&#10;O conteúdo gerado por IA pode estar incorreto.">
+          <p:cNvPr id="4" name="Imagem 3" descr="Interface gráfica do usuário&#10;&#10;O conteúdo gerado por IA pode estar incorreto.">
             <a:extLst>
               <a:ext uri="{FF2B5EF4-FFF2-40B4-BE49-F238E27FC236}">
-                <a16:creationId xmlns:a16="http://schemas.microsoft.com/office/drawing/2014/main" id="{697F15D4-5773-C7D0-5047-74D83F11D479}"/>
+                <a16:creationId xmlns:a16="http://schemas.microsoft.com/office/drawing/2014/main" id="{06B1594F-71C3-5E47-5C4E-1E955FF7414F}"/>
               </a:ext>
             </a:extLst>
           </p:cNvPr>
@@ -8603,15 +8600,21 @@
           <p:nvPr/>
         </p:nvPicPr>
         <p:blipFill>
-          <a:blip r:embed="rId3"/>
+          <a:blip r:embed="rId3" cstate="print">
+            <a:extLst>
+              <a:ext uri="{28A0092B-C50C-407E-A947-70E740481C1C}">
+                <a14:useLocalDpi xmlns:a14="http://schemas.microsoft.com/office/drawing/2010/main" val="0"/>
+              </a:ext>
+            </a:extLst>
+          </a:blip>
           <a:stretch>
             <a:fillRect/>
           </a:stretch>
         </p:blipFill>
         <p:spPr>
           <a:xfrm>
-            <a:off x="942974" y="991513"/>
-            <a:ext cx="6076390" cy="4050927"/>
+            <a:off x="1001869" y="943370"/>
+            <a:ext cx="5991225" cy="3994150"/>
           </a:xfrm>
           <a:prstGeom prst="rect">
             <a:avLst/>

--- a/01 Classes/Aula7 - CLP - Redes Industriais PROFIBUS.pptx
+++ b/01 Classes/Aula7 - CLP - Redes Industriais PROFIBUS.pptx
@@ -5,7 +5,7 @@
     <p:sldMasterId id="2147483648" r:id="rId1"/>
   </p:sldMasterIdLst>
   <p:notesMasterIdLst>
-    <p:notesMasterId r:id="rId31"/>
+    <p:notesMasterId r:id="rId33"/>
   </p:notesMasterIdLst>
   <p:sldIdLst>
     <p:sldId id="256" r:id="rId2"/>
@@ -13,30 +13,32 @@
     <p:sldId id="354" r:id="rId4"/>
     <p:sldId id="361" r:id="rId5"/>
     <p:sldId id="362" r:id="rId6"/>
-    <p:sldId id="363" r:id="rId7"/>
-    <p:sldId id="364" r:id="rId8"/>
-    <p:sldId id="365" r:id="rId9"/>
-    <p:sldId id="366" r:id="rId10"/>
-    <p:sldId id="367" r:id="rId11"/>
-    <p:sldId id="368" r:id="rId12"/>
-    <p:sldId id="369" r:id="rId13"/>
-    <p:sldId id="370" r:id="rId14"/>
-    <p:sldId id="371" r:id="rId15"/>
-    <p:sldId id="372" r:id="rId16"/>
-    <p:sldId id="373" r:id="rId17"/>
-    <p:sldId id="374" r:id="rId18"/>
-    <p:sldId id="375" r:id="rId19"/>
-    <p:sldId id="376" r:id="rId20"/>
-    <p:sldId id="333" r:id="rId21"/>
-    <p:sldId id="323" r:id="rId22"/>
-    <p:sldId id="360" r:id="rId23"/>
-    <p:sldId id="377" r:id="rId24"/>
-    <p:sldId id="378" r:id="rId25"/>
-    <p:sldId id="379" r:id="rId26"/>
-    <p:sldId id="380" r:id="rId27"/>
-    <p:sldId id="381" r:id="rId28"/>
-    <p:sldId id="337" r:id="rId29"/>
-    <p:sldId id="309" r:id="rId30"/>
+    <p:sldId id="382" r:id="rId7"/>
+    <p:sldId id="383" r:id="rId8"/>
+    <p:sldId id="363" r:id="rId9"/>
+    <p:sldId id="364" r:id="rId10"/>
+    <p:sldId id="365" r:id="rId11"/>
+    <p:sldId id="366" r:id="rId12"/>
+    <p:sldId id="367" r:id="rId13"/>
+    <p:sldId id="368" r:id="rId14"/>
+    <p:sldId id="369" r:id="rId15"/>
+    <p:sldId id="370" r:id="rId16"/>
+    <p:sldId id="371" r:id="rId17"/>
+    <p:sldId id="372" r:id="rId18"/>
+    <p:sldId id="373" r:id="rId19"/>
+    <p:sldId id="374" r:id="rId20"/>
+    <p:sldId id="375" r:id="rId21"/>
+    <p:sldId id="376" r:id="rId22"/>
+    <p:sldId id="333" r:id="rId23"/>
+    <p:sldId id="323" r:id="rId24"/>
+    <p:sldId id="360" r:id="rId25"/>
+    <p:sldId id="377" r:id="rId26"/>
+    <p:sldId id="378" r:id="rId27"/>
+    <p:sldId id="379" r:id="rId28"/>
+    <p:sldId id="380" r:id="rId29"/>
+    <p:sldId id="381" r:id="rId30"/>
+    <p:sldId id="337" r:id="rId31"/>
+    <p:sldId id="309" r:id="rId32"/>
   </p:sldIdLst>
   <p:sldSz cx="9144000" cy="5143500" type="screen16x9"/>
   <p:notesSz cx="6858000" cy="9144000"/>
@@ -591,6 +593,174 @@
         <p:cNvPr id="1" name="">
           <a:extLst>
             <a:ext uri="{FF2B5EF4-FFF2-40B4-BE49-F238E27FC236}">
+              <a16:creationId xmlns:a16="http://schemas.microsoft.com/office/drawing/2014/main" id="{C607FEF4-4BFF-E6ED-04E7-17B02B15BC65}"/>
+            </a:ext>
+          </a:extLst>
+        </p:cNvPr>
+        <p:cNvGrpSpPr/>
+        <p:nvPr/>
+      </p:nvGrpSpPr>
+      <p:grpSpPr>
+        <a:xfrm>
+          <a:off x="0" y="0"/>
+          <a:ext cx="0" cy="0"/>
+          <a:chOff x="0" y="0"/>
+          <a:chExt cx="0" cy="0"/>
+        </a:xfrm>
+      </p:grpSpPr>
+      <p:sp>
+        <p:nvSpPr>
+          <p:cNvPr id="2" name="Espaço Reservado para Imagem de Slide 1">
+            <a:extLst>
+              <a:ext uri="{FF2B5EF4-FFF2-40B4-BE49-F238E27FC236}">
+                <a16:creationId xmlns:a16="http://schemas.microsoft.com/office/drawing/2014/main" id="{B45B6A39-9601-7E89-B9D0-4E38AF8E23D7}"/>
+              </a:ext>
+            </a:extLst>
+          </p:cNvPr>
+          <p:cNvSpPr>
+            <a:spLocks noGrp="1" noRot="1" noChangeAspect="1"/>
+          </p:cNvSpPr>
+          <p:nvPr>
+            <p:ph type="sldImg"/>
+          </p:nvPr>
+        </p:nvSpPr>
+        <p:spPr>
+          <a:xfrm>
+            <a:off x="381000" y="685800"/>
+            <a:ext cx="6096000" cy="3429000"/>
+          </a:xfrm>
+        </p:spPr>
+      </p:sp>
+      <p:sp>
+        <p:nvSpPr>
+          <p:cNvPr id="3" name="Espaço Reservado para Anotações 2">
+            <a:extLst>
+              <a:ext uri="{FF2B5EF4-FFF2-40B4-BE49-F238E27FC236}">
+                <a16:creationId xmlns:a16="http://schemas.microsoft.com/office/drawing/2014/main" id="{432C7CDC-501D-46E9-0456-B1177F2D75ED}"/>
+              </a:ext>
+            </a:extLst>
+          </p:cNvPr>
+          <p:cNvSpPr>
+            <a:spLocks noGrp="1"/>
+          </p:cNvSpPr>
+          <p:nvPr>
+            <p:ph type="body" idx="1"/>
+          </p:nvPr>
+        </p:nvSpPr>
+        <p:spPr/>
+        <p:txBody>
+          <a:bodyPr/>
+          <a:lstStyle/>
+          <a:p>
+            <a:endParaRPr lang="pt-BR" dirty="0"/>
+          </a:p>
+        </p:txBody>
+      </p:sp>
+    </p:spTree>
+    <p:extLst>
+      <p:ext uri="{BB962C8B-B14F-4D97-AF65-F5344CB8AC3E}">
+        <p14:creationId xmlns:p14="http://schemas.microsoft.com/office/powerpoint/2010/main" val="3716701992"/>
+      </p:ext>
+    </p:extLst>
+  </p:cSld>
+  <p:clrMapOvr>
+    <a:masterClrMapping/>
+  </p:clrMapOvr>
+</p:notes>
+</file>
+
+<file path=ppt/notesSlides/notesSlide11.xml><?xml version="1.0" encoding="utf-8"?>
+<p:notes xmlns:a="http://schemas.openxmlformats.org/drawingml/2006/main" xmlns:r="http://schemas.openxmlformats.org/officeDocument/2006/relationships" xmlns:p="http://schemas.openxmlformats.org/presentationml/2006/main">
+  <p:cSld>
+    <p:spTree>
+      <p:nvGrpSpPr>
+        <p:cNvPr id="1" name="">
+          <a:extLst>
+            <a:ext uri="{FF2B5EF4-FFF2-40B4-BE49-F238E27FC236}">
+              <a16:creationId xmlns:a16="http://schemas.microsoft.com/office/drawing/2014/main" id="{E7950DA4-CB00-AA42-D467-A75A73E67C02}"/>
+            </a:ext>
+          </a:extLst>
+        </p:cNvPr>
+        <p:cNvGrpSpPr/>
+        <p:nvPr/>
+      </p:nvGrpSpPr>
+      <p:grpSpPr>
+        <a:xfrm>
+          <a:off x="0" y="0"/>
+          <a:ext cx="0" cy="0"/>
+          <a:chOff x="0" y="0"/>
+          <a:chExt cx="0" cy="0"/>
+        </a:xfrm>
+      </p:grpSpPr>
+      <p:sp>
+        <p:nvSpPr>
+          <p:cNvPr id="2" name="Espaço Reservado para Imagem de Slide 1">
+            <a:extLst>
+              <a:ext uri="{FF2B5EF4-FFF2-40B4-BE49-F238E27FC236}">
+                <a16:creationId xmlns:a16="http://schemas.microsoft.com/office/drawing/2014/main" id="{32E52E58-33D3-D39C-AED5-2342E8A793E2}"/>
+              </a:ext>
+            </a:extLst>
+          </p:cNvPr>
+          <p:cNvSpPr>
+            <a:spLocks noGrp="1" noRot="1" noChangeAspect="1"/>
+          </p:cNvSpPr>
+          <p:nvPr>
+            <p:ph type="sldImg"/>
+          </p:nvPr>
+        </p:nvSpPr>
+        <p:spPr>
+          <a:xfrm>
+            <a:off x="381000" y="685800"/>
+            <a:ext cx="6096000" cy="3429000"/>
+          </a:xfrm>
+        </p:spPr>
+      </p:sp>
+      <p:sp>
+        <p:nvSpPr>
+          <p:cNvPr id="3" name="Espaço Reservado para Anotações 2">
+            <a:extLst>
+              <a:ext uri="{FF2B5EF4-FFF2-40B4-BE49-F238E27FC236}">
+                <a16:creationId xmlns:a16="http://schemas.microsoft.com/office/drawing/2014/main" id="{EE1DD1CD-1ED9-253F-C072-FEFE4217769D}"/>
+              </a:ext>
+            </a:extLst>
+          </p:cNvPr>
+          <p:cNvSpPr>
+            <a:spLocks noGrp="1"/>
+          </p:cNvSpPr>
+          <p:nvPr>
+            <p:ph type="body" idx="1"/>
+          </p:nvPr>
+        </p:nvSpPr>
+        <p:spPr/>
+        <p:txBody>
+          <a:bodyPr/>
+          <a:lstStyle/>
+          <a:p>
+            <a:endParaRPr lang="pt-BR" dirty="0"/>
+          </a:p>
+        </p:txBody>
+      </p:sp>
+    </p:spTree>
+    <p:extLst>
+      <p:ext uri="{BB962C8B-B14F-4D97-AF65-F5344CB8AC3E}">
+        <p14:creationId xmlns:p14="http://schemas.microsoft.com/office/powerpoint/2010/main" val="202235228"/>
+      </p:ext>
+    </p:extLst>
+  </p:cSld>
+  <p:clrMapOvr>
+    <a:masterClrMapping/>
+  </p:clrMapOvr>
+</p:notes>
+</file>
+
+<file path=ppt/notesSlides/notesSlide12.xml><?xml version="1.0" encoding="utf-8"?>
+<p:notes xmlns:a="http://schemas.openxmlformats.org/drawingml/2006/main" xmlns:r="http://schemas.openxmlformats.org/officeDocument/2006/relationships" xmlns:p="http://schemas.openxmlformats.org/presentationml/2006/main">
+  <p:cSld>
+    <p:spTree>
+      <p:nvGrpSpPr>
+        <p:cNvPr id="1" name="">
+          <a:extLst>
+            <a:ext uri="{FF2B5EF4-FFF2-40B4-BE49-F238E27FC236}">
               <a16:creationId xmlns:a16="http://schemas.microsoft.com/office/drawing/2014/main" id="{3F306528-15EB-106F-7006-2F0A5037A0CA}"/>
             </a:ext>
           </a:extLst>
@@ -667,7 +837,7 @@
 </p:notes>
 </file>
 
-<file path=ppt/notesSlides/notesSlide11.xml><?xml version="1.0" encoding="utf-8"?>
+<file path=ppt/notesSlides/notesSlide13.xml><?xml version="1.0" encoding="utf-8"?>
 <p:notes xmlns:a="http://schemas.openxmlformats.org/drawingml/2006/main" xmlns:r="http://schemas.openxmlformats.org/officeDocument/2006/relationships" xmlns:p="http://schemas.openxmlformats.org/presentationml/2006/main">
   <p:cSld>
     <p:spTree>
@@ -751,7 +921,7 @@
 </p:notes>
 </file>
 
-<file path=ppt/notesSlides/notesSlide12.xml><?xml version="1.0" encoding="utf-8"?>
+<file path=ppt/notesSlides/notesSlide14.xml><?xml version="1.0" encoding="utf-8"?>
 <p:notes xmlns:a="http://schemas.openxmlformats.org/drawingml/2006/main" xmlns:r="http://schemas.openxmlformats.org/officeDocument/2006/relationships" xmlns:p="http://schemas.openxmlformats.org/presentationml/2006/main">
   <p:cSld>
     <p:spTree>
@@ -835,7 +1005,7 @@
 </p:notes>
 </file>
 
-<file path=ppt/notesSlides/notesSlide13.xml><?xml version="1.0" encoding="utf-8"?>
+<file path=ppt/notesSlides/notesSlide15.xml><?xml version="1.0" encoding="utf-8"?>
 <p:notes xmlns:a="http://schemas.openxmlformats.org/drawingml/2006/main" xmlns:r="http://schemas.openxmlformats.org/officeDocument/2006/relationships" xmlns:p="http://schemas.openxmlformats.org/presentationml/2006/main">
   <p:cSld>
     <p:spTree>
@@ -919,7 +1089,7 @@
 </p:notes>
 </file>
 
-<file path=ppt/notesSlides/notesSlide14.xml><?xml version="1.0" encoding="utf-8"?>
+<file path=ppt/notesSlides/notesSlide16.xml><?xml version="1.0" encoding="utf-8"?>
 <p:notes xmlns:a="http://schemas.openxmlformats.org/drawingml/2006/main" xmlns:r="http://schemas.openxmlformats.org/officeDocument/2006/relationships" xmlns:p="http://schemas.openxmlformats.org/presentationml/2006/main">
   <p:cSld>
     <p:spTree>
@@ -1003,7 +1173,7 @@
 </p:notes>
 </file>
 
-<file path=ppt/notesSlides/notesSlide15.xml><?xml version="1.0" encoding="utf-8"?>
+<file path=ppt/notesSlides/notesSlide17.xml><?xml version="1.0" encoding="utf-8"?>
 <p:notes xmlns:a="http://schemas.openxmlformats.org/drawingml/2006/main" xmlns:r="http://schemas.openxmlformats.org/officeDocument/2006/relationships" xmlns:p="http://schemas.openxmlformats.org/presentationml/2006/main">
   <p:cSld>
     <p:spTree>
@@ -1087,7 +1257,7 @@
 </p:notes>
 </file>
 
-<file path=ppt/notesSlides/notesSlide16.xml><?xml version="1.0" encoding="utf-8"?>
+<file path=ppt/notesSlides/notesSlide18.xml><?xml version="1.0" encoding="utf-8"?>
 <p:notes xmlns:a="http://schemas.openxmlformats.org/drawingml/2006/main" xmlns:r="http://schemas.openxmlformats.org/officeDocument/2006/relationships" xmlns:p="http://schemas.openxmlformats.org/presentationml/2006/main">
   <p:cSld>
     <p:spTree>
@@ -1171,7 +1341,7 @@
 </p:notes>
 </file>
 
-<file path=ppt/notesSlides/notesSlide17.xml><?xml version="1.0" encoding="utf-8"?>
+<file path=ppt/notesSlides/notesSlide19.xml><?xml version="1.0" encoding="utf-8"?>
 <p:notes xmlns:a="http://schemas.openxmlformats.org/drawingml/2006/main" xmlns:r="http://schemas.openxmlformats.org/officeDocument/2006/relationships" xmlns:p="http://schemas.openxmlformats.org/presentationml/2006/main">
   <p:cSld>
     <p:spTree>
@@ -1246,156 +1416,6 @@
     <p:extLst>
       <p:ext uri="{BB962C8B-B14F-4D97-AF65-F5344CB8AC3E}">
         <p14:creationId xmlns:p14="http://schemas.microsoft.com/office/powerpoint/2010/main" val="3316375311"/>
-      </p:ext>
-    </p:extLst>
-  </p:cSld>
-  <p:clrMapOvr>
-    <a:masterClrMapping/>
-  </p:clrMapOvr>
-</p:notes>
-</file>
-
-<file path=ppt/notesSlides/notesSlide18.xml><?xml version="1.0" encoding="utf-8"?>
-<p:notes xmlns:a="http://schemas.openxmlformats.org/drawingml/2006/main" xmlns:r="http://schemas.openxmlformats.org/officeDocument/2006/relationships" xmlns:p="http://schemas.openxmlformats.org/presentationml/2006/main">
-  <p:cSld>
-    <p:spTree>
-      <p:nvGrpSpPr>
-        <p:cNvPr id="1" name="">
-          <a:extLst>
-            <a:ext uri="{FF2B5EF4-FFF2-40B4-BE49-F238E27FC236}">
-              <a16:creationId xmlns:a16="http://schemas.microsoft.com/office/drawing/2014/main" id="{9C6C7E54-00FE-0CEE-B7EE-D3A41ECAE1E3}"/>
-            </a:ext>
-          </a:extLst>
-        </p:cNvPr>
-        <p:cNvGrpSpPr/>
-        <p:nvPr/>
-      </p:nvGrpSpPr>
-      <p:grpSpPr>
-        <a:xfrm>
-          <a:off x="0" y="0"/>
-          <a:ext cx="0" cy="0"/>
-          <a:chOff x="0" y="0"/>
-          <a:chExt cx="0" cy="0"/>
-        </a:xfrm>
-      </p:grpSpPr>
-      <p:sp>
-        <p:nvSpPr>
-          <p:cNvPr id="2" name="Espaço Reservado para Imagem de Slide 1">
-            <a:extLst>
-              <a:ext uri="{FF2B5EF4-FFF2-40B4-BE49-F238E27FC236}">
-                <a16:creationId xmlns:a16="http://schemas.microsoft.com/office/drawing/2014/main" id="{4B897E21-1B1D-A897-120F-E4CE38BBF99C}"/>
-              </a:ext>
-            </a:extLst>
-          </p:cNvPr>
-          <p:cNvSpPr>
-            <a:spLocks noGrp="1" noRot="1" noChangeAspect="1"/>
-          </p:cNvSpPr>
-          <p:nvPr>
-            <p:ph type="sldImg"/>
-          </p:nvPr>
-        </p:nvSpPr>
-        <p:spPr>
-          <a:xfrm>
-            <a:off x="381000" y="685800"/>
-            <a:ext cx="6096000" cy="3429000"/>
-          </a:xfrm>
-        </p:spPr>
-      </p:sp>
-      <p:sp>
-        <p:nvSpPr>
-          <p:cNvPr id="3" name="Espaço Reservado para Anotações 2">
-            <a:extLst>
-              <a:ext uri="{FF2B5EF4-FFF2-40B4-BE49-F238E27FC236}">
-                <a16:creationId xmlns:a16="http://schemas.microsoft.com/office/drawing/2014/main" id="{F11830AC-ABFC-285C-D324-3EC3CF5BC650}"/>
-              </a:ext>
-            </a:extLst>
-          </p:cNvPr>
-          <p:cNvSpPr>
-            <a:spLocks noGrp="1"/>
-          </p:cNvSpPr>
-          <p:nvPr>
-            <p:ph type="body" idx="1"/>
-          </p:nvPr>
-        </p:nvSpPr>
-        <p:spPr/>
-        <p:txBody>
-          <a:bodyPr/>
-          <a:lstStyle/>
-          <a:p>
-            <a:endParaRPr lang="pt-BR" dirty="0"/>
-          </a:p>
-        </p:txBody>
-      </p:sp>
-    </p:spTree>
-    <p:extLst>
-      <p:ext uri="{BB962C8B-B14F-4D97-AF65-F5344CB8AC3E}">
-        <p14:creationId xmlns:p14="http://schemas.microsoft.com/office/powerpoint/2010/main" val="2046985571"/>
-      </p:ext>
-    </p:extLst>
-  </p:cSld>
-  <p:clrMapOvr>
-    <a:masterClrMapping/>
-  </p:clrMapOvr>
-</p:notes>
-</file>
-
-<file path=ppt/notesSlides/notesSlide19.xml><?xml version="1.0" encoding="utf-8"?>
-<p:notes xmlns:a="http://schemas.openxmlformats.org/drawingml/2006/main" xmlns:r="http://schemas.openxmlformats.org/officeDocument/2006/relationships" xmlns:p="http://schemas.openxmlformats.org/presentationml/2006/main">
-  <p:cSld>
-    <p:spTree>
-      <p:nvGrpSpPr>
-        <p:cNvPr id="1" name=""/>
-        <p:cNvGrpSpPr/>
-        <p:nvPr/>
-      </p:nvGrpSpPr>
-      <p:grpSpPr>
-        <a:xfrm>
-          <a:off x="0" y="0"/>
-          <a:ext cx="0" cy="0"/>
-          <a:chOff x="0" y="0"/>
-          <a:chExt cx="0" cy="0"/>
-        </a:xfrm>
-      </p:grpSpPr>
-      <p:sp>
-        <p:nvSpPr>
-          <p:cNvPr id="2" name="Espaço Reservado para Imagem de Slide 1"/>
-          <p:cNvSpPr>
-            <a:spLocks noGrp="1" noRot="1" noChangeAspect="1"/>
-          </p:cNvSpPr>
-          <p:nvPr>
-            <p:ph type="sldImg"/>
-          </p:nvPr>
-        </p:nvSpPr>
-        <p:spPr>
-          <a:xfrm>
-            <a:off x="381000" y="685800"/>
-            <a:ext cx="6096000" cy="3429000"/>
-          </a:xfrm>
-        </p:spPr>
-      </p:sp>
-      <p:sp>
-        <p:nvSpPr>
-          <p:cNvPr id="3" name="Espaço Reservado para Anotações 2"/>
-          <p:cNvSpPr>
-            <a:spLocks noGrp="1"/>
-          </p:cNvSpPr>
-          <p:nvPr>
-            <p:ph type="body" idx="1"/>
-          </p:nvPr>
-        </p:nvSpPr>
-        <p:spPr/>
-        <p:txBody>
-          <a:bodyPr/>
-          <a:lstStyle/>
-          <a:p>
-            <a:endParaRPr lang="pt-BR" dirty="0"/>
-          </a:p>
-        </p:txBody>
-      </p:sp>
-    </p:spTree>
-    <p:extLst>
-      <p:ext uri="{BB962C8B-B14F-4D97-AF65-F5344CB8AC3E}">
-        <p14:creationId xmlns:p14="http://schemas.microsoft.com/office/powerpoint/2010/main" val="585304384"/>
       </p:ext>
     </p:extLst>
   </p:cSld>
@@ -1494,6 +1514,90 @@
   <p:cSld>
     <p:spTree>
       <p:nvGrpSpPr>
+        <p:cNvPr id="1" name="">
+          <a:extLst>
+            <a:ext uri="{FF2B5EF4-FFF2-40B4-BE49-F238E27FC236}">
+              <a16:creationId xmlns:a16="http://schemas.microsoft.com/office/drawing/2014/main" id="{9C6C7E54-00FE-0CEE-B7EE-D3A41ECAE1E3}"/>
+            </a:ext>
+          </a:extLst>
+        </p:cNvPr>
+        <p:cNvGrpSpPr/>
+        <p:nvPr/>
+      </p:nvGrpSpPr>
+      <p:grpSpPr>
+        <a:xfrm>
+          <a:off x="0" y="0"/>
+          <a:ext cx="0" cy="0"/>
+          <a:chOff x="0" y="0"/>
+          <a:chExt cx="0" cy="0"/>
+        </a:xfrm>
+      </p:grpSpPr>
+      <p:sp>
+        <p:nvSpPr>
+          <p:cNvPr id="2" name="Espaço Reservado para Imagem de Slide 1">
+            <a:extLst>
+              <a:ext uri="{FF2B5EF4-FFF2-40B4-BE49-F238E27FC236}">
+                <a16:creationId xmlns:a16="http://schemas.microsoft.com/office/drawing/2014/main" id="{4B897E21-1B1D-A897-120F-E4CE38BBF99C}"/>
+              </a:ext>
+            </a:extLst>
+          </p:cNvPr>
+          <p:cNvSpPr>
+            <a:spLocks noGrp="1" noRot="1" noChangeAspect="1"/>
+          </p:cNvSpPr>
+          <p:nvPr>
+            <p:ph type="sldImg"/>
+          </p:nvPr>
+        </p:nvSpPr>
+        <p:spPr>
+          <a:xfrm>
+            <a:off x="381000" y="685800"/>
+            <a:ext cx="6096000" cy="3429000"/>
+          </a:xfrm>
+        </p:spPr>
+      </p:sp>
+      <p:sp>
+        <p:nvSpPr>
+          <p:cNvPr id="3" name="Espaço Reservado para Anotações 2">
+            <a:extLst>
+              <a:ext uri="{FF2B5EF4-FFF2-40B4-BE49-F238E27FC236}">
+                <a16:creationId xmlns:a16="http://schemas.microsoft.com/office/drawing/2014/main" id="{F11830AC-ABFC-285C-D324-3EC3CF5BC650}"/>
+              </a:ext>
+            </a:extLst>
+          </p:cNvPr>
+          <p:cNvSpPr>
+            <a:spLocks noGrp="1"/>
+          </p:cNvSpPr>
+          <p:nvPr>
+            <p:ph type="body" idx="1"/>
+          </p:nvPr>
+        </p:nvSpPr>
+        <p:spPr/>
+        <p:txBody>
+          <a:bodyPr/>
+          <a:lstStyle/>
+          <a:p>
+            <a:endParaRPr lang="pt-BR" dirty="0"/>
+          </a:p>
+        </p:txBody>
+      </p:sp>
+    </p:spTree>
+    <p:extLst>
+      <p:ext uri="{BB962C8B-B14F-4D97-AF65-F5344CB8AC3E}">
+        <p14:creationId xmlns:p14="http://schemas.microsoft.com/office/powerpoint/2010/main" val="2046985571"/>
+      </p:ext>
+    </p:extLst>
+  </p:cSld>
+  <p:clrMapOvr>
+    <a:masterClrMapping/>
+  </p:clrMapOvr>
+</p:notes>
+</file>
+
+<file path=ppt/notesSlides/notesSlide21.xml><?xml version="1.0" encoding="utf-8"?>
+<p:notes xmlns:a="http://schemas.openxmlformats.org/drawingml/2006/main" xmlns:r="http://schemas.openxmlformats.org/officeDocument/2006/relationships" xmlns:p="http://schemas.openxmlformats.org/presentationml/2006/main">
+  <p:cSld>
+    <p:spTree>
+      <p:nvGrpSpPr>
         <p:cNvPr id="1" name=""/>
         <p:cNvGrpSpPr/>
         <p:nvPr/>
@@ -1545,6 +1649,72 @@
     </p:spTree>
     <p:extLst>
       <p:ext uri="{BB962C8B-B14F-4D97-AF65-F5344CB8AC3E}">
+        <p14:creationId xmlns:p14="http://schemas.microsoft.com/office/powerpoint/2010/main" val="585304384"/>
+      </p:ext>
+    </p:extLst>
+  </p:cSld>
+  <p:clrMapOvr>
+    <a:masterClrMapping/>
+  </p:clrMapOvr>
+</p:notes>
+</file>
+
+<file path=ppt/notesSlides/notesSlide22.xml><?xml version="1.0" encoding="utf-8"?>
+<p:notes xmlns:a="http://schemas.openxmlformats.org/drawingml/2006/main" xmlns:r="http://schemas.openxmlformats.org/officeDocument/2006/relationships" xmlns:p="http://schemas.openxmlformats.org/presentationml/2006/main">
+  <p:cSld>
+    <p:spTree>
+      <p:nvGrpSpPr>
+        <p:cNvPr id="1" name=""/>
+        <p:cNvGrpSpPr/>
+        <p:nvPr/>
+      </p:nvGrpSpPr>
+      <p:grpSpPr>
+        <a:xfrm>
+          <a:off x="0" y="0"/>
+          <a:ext cx="0" cy="0"/>
+          <a:chOff x="0" y="0"/>
+          <a:chExt cx="0" cy="0"/>
+        </a:xfrm>
+      </p:grpSpPr>
+      <p:sp>
+        <p:nvSpPr>
+          <p:cNvPr id="2" name="Espaço Reservado para Imagem de Slide 1"/>
+          <p:cNvSpPr>
+            <a:spLocks noGrp="1" noRot="1" noChangeAspect="1"/>
+          </p:cNvSpPr>
+          <p:nvPr>
+            <p:ph type="sldImg"/>
+          </p:nvPr>
+        </p:nvSpPr>
+        <p:spPr>
+          <a:xfrm>
+            <a:off x="381000" y="685800"/>
+            <a:ext cx="6096000" cy="3429000"/>
+          </a:xfrm>
+        </p:spPr>
+      </p:sp>
+      <p:sp>
+        <p:nvSpPr>
+          <p:cNvPr id="3" name="Espaço Reservado para Anotações 2"/>
+          <p:cNvSpPr>
+            <a:spLocks noGrp="1"/>
+          </p:cNvSpPr>
+          <p:nvPr>
+            <p:ph type="body" idx="1"/>
+          </p:nvPr>
+        </p:nvSpPr>
+        <p:spPr/>
+        <p:txBody>
+          <a:bodyPr/>
+          <a:lstStyle/>
+          <a:p>
+            <a:endParaRPr lang="pt-BR" dirty="0"/>
+          </a:p>
+        </p:txBody>
+      </p:sp>
+    </p:spTree>
+    <p:extLst>
+      <p:ext uri="{BB962C8B-B14F-4D97-AF65-F5344CB8AC3E}">
         <p14:creationId xmlns:p14="http://schemas.microsoft.com/office/powerpoint/2010/main" val="2709569597"/>
       </p:ext>
     </p:extLst>
@@ -1555,7 +1725,7 @@
 </p:notes>
 </file>
 
-<file path=ppt/notesSlides/notesSlide21.xml><?xml version="1.0" encoding="utf-8"?>
+<file path=ppt/notesSlides/notesSlide23.xml><?xml version="1.0" encoding="utf-8"?>
 <p:notes xmlns:a="http://schemas.openxmlformats.org/drawingml/2006/main" xmlns:r="http://schemas.openxmlformats.org/officeDocument/2006/relationships" xmlns:p="http://schemas.openxmlformats.org/presentationml/2006/main">
   <p:cSld>
     <p:spTree>
@@ -1639,7 +1809,7 @@
 </p:notes>
 </file>
 
-<file path=ppt/notesSlides/notesSlide22.xml><?xml version="1.0" encoding="utf-8"?>
+<file path=ppt/notesSlides/notesSlide24.xml><?xml version="1.0" encoding="utf-8"?>
 <p:notes xmlns:a="http://schemas.openxmlformats.org/drawingml/2006/main" xmlns:r="http://schemas.openxmlformats.org/officeDocument/2006/relationships" xmlns:p="http://schemas.openxmlformats.org/presentationml/2006/main">
   <p:cSld>
     <p:spTree>
@@ -1723,7 +1893,7 @@
 </p:notes>
 </file>
 
-<file path=ppt/notesSlides/notesSlide23.xml><?xml version="1.0" encoding="utf-8"?>
+<file path=ppt/notesSlides/notesSlide25.xml><?xml version="1.0" encoding="utf-8"?>
 <p:notes xmlns:a="http://schemas.openxmlformats.org/drawingml/2006/main" xmlns:r="http://schemas.openxmlformats.org/officeDocument/2006/relationships" xmlns:p="http://schemas.openxmlformats.org/presentationml/2006/main">
   <p:cSld>
     <p:spTree>
@@ -1807,7 +1977,7 @@
 </p:notes>
 </file>
 
-<file path=ppt/notesSlides/notesSlide24.xml><?xml version="1.0" encoding="utf-8"?>
+<file path=ppt/notesSlides/notesSlide26.xml><?xml version="1.0" encoding="utf-8"?>
 <p:notes xmlns:a="http://schemas.openxmlformats.org/drawingml/2006/main" xmlns:r="http://schemas.openxmlformats.org/officeDocument/2006/relationships" xmlns:p="http://schemas.openxmlformats.org/presentationml/2006/main">
   <p:cSld>
     <p:spTree>
@@ -1891,7 +2061,7 @@
 </p:notes>
 </file>
 
-<file path=ppt/notesSlides/notesSlide25.xml><?xml version="1.0" encoding="utf-8"?>
+<file path=ppt/notesSlides/notesSlide27.xml><?xml version="1.0" encoding="utf-8"?>
 <p:notes xmlns:a="http://schemas.openxmlformats.org/drawingml/2006/main" xmlns:r="http://schemas.openxmlformats.org/officeDocument/2006/relationships" xmlns:p="http://schemas.openxmlformats.org/presentationml/2006/main">
   <p:cSld>
     <p:spTree>
@@ -1975,7 +2145,7 @@
 </p:notes>
 </file>
 
-<file path=ppt/notesSlides/notesSlide26.xml><?xml version="1.0" encoding="utf-8"?>
+<file path=ppt/notesSlides/notesSlide28.xml><?xml version="1.0" encoding="utf-8"?>
 <p:notes xmlns:a="http://schemas.openxmlformats.org/drawingml/2006/main" xmlns:r="http://schemas.openxmlformats.org/officeDocument/2006/relationships" xmlns:p="http://schemas.openxmlformats.org/presentationml/2006/main">
   <p:cSld>
     <p:spTree>
@@ -2059,7 +2229,7 @@
 </p:notes>
 </file>
 
-<file path=ppt/notesSlides/notesSlide27.xml><?xml version="1.0" encoding="utf-8"?>
+<file path=ppt/notesSlides/notesSlide29.xml><?xml version="1.0" encoding="utf-8"?>
 <p:notes xmlns:a="http://schemas.openxmlformats.org/drawingml/2006/main" xmlns:r="http://schemas.openxmlformats.org/officeDocument/2006/relationships" xmlns:p="http://schemas.openxmlformats.org/presentationml/2006/main">
   <p:cSld>
     <p:spTree>
@@ -2301,6 +2471,174 @@
         <p:cNvPr id="1" name="">
           <a:extLst>
             <a:ext uri="{FF2B5EF4-FFF2-40B4-BE49-F238E27FC236}">
+              <a16:creationId xmlns:a16="http://schemas.microsoft.com/office/drawing/2014/main" id="{9ED4DB96-A48C-C095-30D1-E2B6A20E1339}"/>
+            </a:ext>
+          </a:extLst>
+        </p:cNvPr>
+        <p:cNvGrpSpPr/>
+        <p:nvPr/>
+      </p:nvGrpSpPr>
+      <p:grpSpPr>
+        <a:xfrm>
+          <a:off x="0" y="0"/>
+          <a:ext cx="0" cy="0"/>
+          <a:chOff x="0" y="0"/>
+          <a:chExt cx="0" cy="0"/>
+        </a:xfrm>
+      </p:grpSpPr>
+      <p:sp>
+        <p:nvSpPr>
+          <p:cNvPr id="2" name="Espaço Reservado para Imagem de Slide 1">
+            <a:extLst>
+              <a:ext uri="{FF2B5EF4-FFF2-40B4-BE49-F238E27FC236}">
+                <a16:creationId xmlns:a16="http://schemas.microsoft.com/office/drawing/2014/main" id="{24A11AD6-5AD5-3BF4-E724-0C5B7FCBE5DE}"/>
+              </a:ext>
+            </a:extLst>
+          </p:cNvPr>
+          <p:cNvSpPr>
+            <a:spLocks noGrp="1" noRot="1" noChangeAspect="1"/>
+          </p:cNvSpPr>
+          <p:nvPr>
+            <p:ph type="sldImg"/>
+          </p:nvPr>
+        </p:nvSpPr>
+        <p:spPr>
+          <a:xfrm>
+            <a:off x="381000" y="685800"/>
+            <a:ext cx="6096000" cy="3429000"/>
+          </a:xfrm>
+        </p:spPr>
+      </p:sp>
+      <p:sp>
+        <p:nvSpPr>
+          <p:cNvPr id="3" name="Espaço Reservado para Anotações 2">
+            <a:extLst>
+              <a:ext uri="{FF2B5EF4-FFF2-40B4-BE49-F238E27FC236}">
+                <a16:creationId xmlns:a16="http://schemas.microsoft.com/office/drawing/2014/main" id="{F7A95E24-0BBE-96DF-8C1A-D3AE888C1A6C}"/>
+              </a:ext>
+            </a:extLst>
+          </p:cNvPr>
+          <p:cNvSpPr>
+            <a:spLocks noGrp="1"/>
+          </p:cNvSpPr>
+          <p:nvPr>
+            <p:ph type="body" idx="1"/>
+          </p:nvPr>
+        </p:nvSpPr>
+        <p:spPr/>
+        <p:txBody>
+          <a:bodyPr/>
+          <a:lstStyle/>
+          <a:p>
+            <a:endParaRPr lang="pt-BR" dirty="0"/>
+          </a:p>
+        </p:txBody>
+      </p:sp>
+    </p:spTree>
+    <p:extLst>
+      <p:ext uri="{BB962C8B-B14F-4D97-AF65-F5344CB8AC3E}">
+        <p14:creationId xmlns:p14="http://schemas.microsoft.com/office/powerpoint/2010/main" val="102966612"/>
+      </p:ext>
+    </p:extLst>
+  </p:cSld>
+  <p:clrMapOvr>
+    <a:masterClrMapping/>
+  </p:clrMapOvr>
+</p:notes>
+</file>
+
+<file path=ppt/notesSlides/notesSlide6.xml><?xml version="1.0" encoding="utf-8"?>
+<p:notes xmlns:a="http://schemas.openxmlformats.org/drawingml/2006/main" xmlns:r="http://schemas.openxmlformats.org/officeDocument/2006/relationships" xmlns:p="http://schemas.openxmlformats.org/presentationml/2006/main">
+  <p:cSld>
+    <p:spTree>
+      <p:nvGrpSpPr>
+        <p:cNvPr id="1" name="">
+          <a:extLst>
+            <a:ext uri="{FF2B5EF4-FFF2-40B4-BE49-F238E27FC236}">
+              <a16:creationId xmlns:a16="http://schemas.microsoft.com/office/drawing/2014/main" id="{1476C84C-7C53-4388-BD86-8B9132F32012}"/>
+            </a:ext>
+          </a:extLst>
+        </p:cNvPr>
+        <p:cNvGrpSpPr/>
+        <p:nvPr/>
+      </p:nvGrpSpPr>
+      <p:grpSpPr>
+        <a:xfrm>
+          <a:off x="0" y="0"/>
+          <a:ext cx="0" cy="0"/>
+          <a:chOff x="0" y="0"/>
+          <a:chExt cx="0" cy="0"/>
+        </a:xfrm>
+      </p:grpSpPr>
+      <p:sp>
+        <p:nvSpPr>
+          <p:cNvPr id="2" name="Espaço Reservado para Imagem de Slide 1">
+            <a:extLst>
+              <a:ext uri="{FF2B5EF4-FFF2-40B4-BE49-F238E27FC236}">
+                <a16:creationId xmlns:a16="http://schemas.microsoft.com/office/drawing/2014/main" id="{A69E8965-7904-9C3E-714E-F6999040649F}"/>
+              </a:ext>
+            </a:extLst>
+          </p:cNvPr>
+          <p:cNvSpPr>
+            <a:spLocks noGrp="1" noRot="1" noChangeAspect="1"/>
+          </p:cNvSpPr>
+          <p:nvPr>
+            <p:ph type="sldImg"/>
+          </p:nvPr>
+        </p:nvSpPr>
+        <p:spPr>
+          <a:xfrm>
+            <a:off x="381000" y="685800"/>
+            <a:ext cx="6096000" cy="3429000"/>
+          </a:xfrm>
+        </p:spPr>
+      </p:sp>
+      <p:sp>
+        <p:nvSpPr>
+          <p:cNvPr id="3" name="Espaço Reservado para Anotações 2">
+            <a:extLst>
+              <a:ext uri="{FF2B5EF4-FFF2-40B4-BE49-F238E27FC236}">
+                <a16:creationId xmlns:a16="http://schemas.microsoft.com/office/drawing/2014/main" id="{C68AA73F-00C9-3F74-4215-B2DB12420327}"/>
+              </a:ext>
+            </a:extLst>
+          </p:cNvPr>
+          <p:cNvSpPr>
+            <a:spLocks noGrp="1"/>
+          </p:cNvSpPr>
+          <p:nvPr>
+            <p:ph type="body" idx="1"/>
+          </p:nvPr>
+        </p:nvSpPr>
+        <p:spPr/>
+        <p:txBody>
+          <a:bodyPr/>
+          <a:lstStyle/>
+          <a:p>
+            <a:endParaRPr lang="pt-BR" dirty="0"/>
+          </a:p>
+        </p:txBody>
+      </p:sp>
+    </p:spTree>
+    <p:extLst>
+      <p:ext uri="{BB962C8B-B14F-4D97-AF65-F5344CB8AC3E}">
+        <p14:creationId xmlns:p14="http://schemas.microsoft.com/office/powerpoint/2010/main" val="3283618740"/>
+      </p:ext>
+    </p:extLst>
+  </p:cSld>
+  <p:clrMapOvr>
+    <a:masterClrMapping/>
+  </p:clrMapOvr>
+</p:notes>
+</file>
+
+<file path=ppt/notesSlides/notesSlide7.xml><?xml version="1.0" encoding="utf-8"?>
+<p:notes xmlns:a="http://schemas.openxmlformats.org/drawingml/2006/main" xmlns:r="http://schemas.openxmlformats.org/officeDocument/2006/relationships" xmlns:p="http://schemas.openxmlformats.org/presentationml/2006/main">
+  <p:cSld>
+    <p:spTree>
+      <p:nvGrpSpPr>
+        <p:cNvPr id="1" name="">
+          <a:extLst>
+            <a:ext uri="{FF2B5EF4-FFF2-40B4-BE49-F238E27FC236}">
               <a16:creationId xmlns:a16="http://schemas.microsoft.com/office/drawing/2014/main" id="{25BFD29C-5C8D-BEB9-6E9B-A56CFBCA98F0}"/>
             </a:ext>
           </a:extLst>
@@ -2377,7 +2715,7 @@
 </p:notes>
 </file>
 
-<file path=ppt/notesSlides/notesSlide6.xml><?xml version="1.0" encoding="utf-8"?>
+<file path=ppt/notesSlides/notesSlide8.xml><?xml version="1.0" encoding="utf-8"?>
 <p:notes xmlns:a="http://schemas.openxmlformats.org/drawingml/2006/main" xmlns:r="http://schemas.openxmlformats.org/officeDocument/2006/relationships" xmlns:p="http://schemas.openxmlformats.org/presentationml/2006/main">
   <p:cSld>
     <p:spTree>
@@ -2461,7 +2799,7 @@
 </p:notes>
 </file>
 
-<file path=ppt/notesSlides/notesSlide7.xml><?xml version="1.0" encoding="utf-8"?>
+<file path=ppt/notesSlides/notesSlide9.xml><?xml version="1.0" encoding="utf-8"?>
 <p:notes xmlns:a="http://schemas.openxmlformats.org/drawingml/2006/main" xmlns:r="http://schemas.openxmlformats.org/officeDocument/2006/relationships" xmlns:p="http://schemas.openxmlformats.org/presentationml/2006/main">
   <p:cSld>
     <p:spTree>
@@ -2536,174 +2874,6 @@
     <p:extLst>
       <p:ext uri="{BB962C8B-B14F-4D97-AF65-F5344CB8AC3E}">
         <p14:creationId xmlns:p14="http://schemas.microsoft.com/office/powerpoint/2010/main" val="2003024005"/>
-      </p:ext>
-    </p:extLst>
-  </p:cSld>
-  <p:clrMapOvr>
-    <a:masterClrMapping/>
-  </p:clrMapOvr>
-</p:notes>
-</file>
-
-<file path=ppt/notesSlides/notesSlide8.xml><?xml version="1.0" encoding="utf-8"?>
-<p:notes xmlns:a="http://schemas.openxmlformats.org/drawingml/2006/main" xmlns:r="http://schemas.openxmlformats.org/officeDocument/2006/relationships" xmlns:p="http://schemas.openxmlformats.org/presentationml/2006/main">
-  <p:cSld>
-    <p:spTree>
-      <p:nvGrpSpPr>
-        <p:cNvPr id="1" name="">
-          <a:extLst>
-            <a:ext uri="{FF2B5EF4-FFF2-40B4-BE49-F238E27FC236}">
-              <a16:creationId xmlns:a16="http://schemas.microsoft.com/office/drawing/2014/main" id="{C607FEF4-4BFF-E6ED-04E7-17B02B15BC65}"/>
-            </a:ext>
-          </a:extLst>
-        </p:cNvPr>
-        <p:cNvGrpSpPr/>
-        <p:nvPr/>
-      </p:nvGrpSpPr>
-      <p:grpSpPr>
-        <a:xfrm>
-          <a:off x="0" y="0"/>
-          <a:ext cx="0" cy="0"/>
-          <a:chOff x="0" y="0"/>
-          <a:chExt cx="0" cy="0"/>
-        </a:xfrm>
-      </p:grpSpPr>
-      <p:sp>
-        <p:nvSpPr>
-          <p:cNvPr id="2" name="Espaço Reservado para Imagem de Slide 1">
-            <a:extLst>
-              <a:ext uri="{FF2B5EF4-FFF2-40B4-BE49-F238E27FC236}">
-                <a16:creationId xmlns:a16="http://schemas.microsoft.com/office/drawing/2014/main" id="{B45B6A39-9601-7E89-B9D0-4E38AF8E23D7}"/>
-              </a:ext>
-            </a:extLst>
-          </p:cNvPr>
-          <p:cNvSpPr>
-            <a:spLocks noGrp="1" noRot="1" noChangeAspect="1"/>
-          </p:cNvSpPr>
-          <p:nvPr>
-            <p:ph type="sldImg"/>
-          </p:nvPr>
-        </p:nvSpPr>
-        <p:spPr>
-          <a:xfrm>
-            <a:off x="381000" y="685800"/>
-            <a:ext cx="6096000" cy="3429000"/>
-          </a:xfrm>
-        </p:spPr>
-      </p:sp>
-      <p:sp>
-        <p:nvSpPr>
-          <p:cNvPr id="3" name="Espaço Reservado para Anotações 2">
-            <a:extLst>
-              <a:ext uri="{FF2B5EF4-FFF2-40B4-BE49-F238E27FC236}">
-                <a16:creationId xmlns:a16="http://schemas.microsoft.com/office/drawing/2014/main" id="{432C7CDC-501D-46E9-0456-B1177F2D75ED}"/>
-              </a:ext>
-            </a:extLst>
-          </p:cNvPr>
-          <p:cNvSpPr>
-            <a:spLocks noGrp="1"/>
-          </p:cNvSpPr>
-          <p:nvPr>
-            <p:ph type="body" idx="1"/>
-          </p:nvPr>
-        </p:nvSpPr>
-        <p:spPr/>
-        <p:txBody>
-          <a:bodyPr/>
-          <a:lstStyle/>
-          <a:p>
-            <a:endParaRPr lang="pt-BR" dirty="0"/>
-          </a:p>
-        </p:txBody>
-      </p:sp>
-    </p:spTree>
-    <p:extLst>
-      <p:ext uri="{BB962C8B-B14F-4D97-AF65-F5344CB8AC3E}">
-        <p14:creationId xmlns:p14="http://schemas.microsoft.com/office/powerpoint/2010/main" val="3716701992"/>
-      </p:ext>
-    </p:extLst>
-  </p:cSld>
-  <p:clrMapOvr>
-    <a:masterClrMapping/>
-  </p:clrMapOvr>
-</p:notes>
-</file>
-
-<file path=ppt/notesSlides/notesSlide9.xml><?xml version="1.0" encoding="utf-8"?>
-<p:notes xmlns:a="http://schemas.openxmlformats.org/drawingml/2006/main" xmlns:r="http://schemas.openxmlformats.org/officeDocument/2006/relationships" xmlns:p="http://schemas.openxmlformats.org/presentationml/2006/main">
-  <p:cSld>
-    <p:spTree>
-      <p:nvGrpSpPr>
-        <p:cNvPr id="1" name="">
-          <a:extLst>
-            <a:ext uri="{FF2B5EF4-FFF2-40B4-BE49-F238E27FC236}">
-              <a16:creationId xmlns:a16="http://schemas.microsoft.com/office/drawing/2014/main" id="{E7950DA4-CB00-AA42-D467-A75A73E67C02}"/>
-            </a:ext>
-          </a:extLst>
-        </p:cNvPr>
-        <p:cNvGrpSpPr/>
-        <p:nvPr/>
-      </p:nvGrpSpPr>
-      <p:grpSpPr>
-        <a:xfrm>
-          <a:off x="0" y="0"/>
-          <a:ext cx="0" cy="0"/>
-          <a:chOff x="0" y="0"/>
-          <a:chExt cx="0" cy="0"/>
-        </a:xfrm>
-      </p:grpSpPr>
-      <p:sp>
-        <p:nvSpPr>
-          <p:cNvPr id="2" name="Espaço Reservado para Imagem de Slide 1">
-            <a:extLst>
-              <a:ext uri="{FF2B5EF4-FFF2-40B4-BE49-F238E27FC236}">
-                <a16:creationId xmlns:a16="http://schemas.microsoft.com/office/drawing/2014/main" id="{32E52E58-33D3-D39C-AED5-2342E8A793E2}"/>
-              </a:ext>
-            </a:extLst>
-          </p:cNvPr>
-          <p:cNvSpPr>
-            <a:spLocks noGrp="1" noRot="1" noChangeAspect="1"/>
-          </p:cNvSpPr>
-          <p:nvPr>
-            <p:ph type="sldImg"/>
-          </p:nvPr>
-        </p:nvSpPr>
-        <p:spPr>
-          <a:xfrm>
-            <a:off x="381000" y="685800"/>
-            <a:ext cx="6096000" cy="3429000"/>
-          </a:xfrm>
-        </p:spPr>
-      </p:sp>
-      <p:sp>
-        <p:nvSpPr>
-          <p:cNvPr id="3" name="Espaço Reservado para Anotações 2">
-            <a:extLst>
-              <a:ext uri="{FF2B5EF4-FFF2-40B4-BE49-F238E27FC236}">
-                <a16:creationId xmlns:a16="http://schemas.microsoft.com/office/drawing/2014/main" id="{EE1DD1CD-1ED9-253F-C072-FEFE4217769D}"/>
-              </a:ext>
-            </a:extLst>
-          </p:cNvPr>
-          <p:cNvSpPr>
-            <a:spLocks noGrp="1"/>
-          </p:cNvSpPr>
-          <p:nvPr>
-            <p:ph type="body" idx="1"/>
-          </p:nvPr>
-        </p:nvSpPr>
-        <p:spPr/>
-        <p:txBody>
-          <a:bodyPr/>
-          <a:lstStyle/>
-          <a:p>
-            <a:endParaRPr lang="pt-BR" dirty="0"/>
-          </a:p>
-        </p:txBody>
-      </p:sp>
-    </p:spTree>
-    <p:extLst>
-      <p:ext uri="{BB962C8B-B14F-4D97-AF65-F5344CB8AC3E}">
-        <p14:creationId xmlns:p14="http://schemas.microsoft.com/office/powerpoint/2010/main" val="202235228"/>
       </p:ext>
     </p:extLst>
   </p:cSld>
@@ -5658,6 +5828,543 @@
         <p:cNvPr id="1" name="">
           <a:extLst>
             <a:ext uri="{FF2B5EF4-FFF2-40B4-BE49-F238E27FC236}">
+              <a16:creationId xmlns:a16="http://schemas.microsoft.com/office/drawing/2014/main" id="{A83D4940-F4BF-F6B0-7BE8-DD9320462C31}"/>
+            </a:ext>
+          </a:extLst>
+        </p:cNvPr>
+        <p:cNvGrpSpPr/>
+        <p:nvPr/>
+      </p:nvGrpSpPr>
+      <p:grpSpPr>
+        <a:xfrm>
+          <a:off x="0" y="0"/>
+          <a:ext cx="0" cy="0"/>
+          <a:chOff x="0" y="0"/>
+          <a:chExt cx="0" cy="0"/>
+        </a:xfrm>
+      </p:grpSpPr>
+      <p:sp>
+        <p:nvSpPr>
+          <p:cNvPr id="6" name="Title 1">
+            <a:extLst>
+              <a:ext uri="{FF2B5EF4-FFF2-40B4-BE49-F238E27FC236}">
+                <a16:creationId xmlns:a16="http://schemas.microsoft.com/office/drawing/2014/main" id="{A21DE5A3-9FDE-E285-E029-77A9C1E495A3}"/>
+              </a:ext>
+            </a:extLst>
+          </p:cNvPr>
+          <p:cNvSpPr>
+            <a:spLocks noGrp="1"/>
+          </p:cNvSpPr>
+          <p:nvPr>
+            <p:ph type="title"/>
+          </p:nvPr>
+        </p:nvSpPr>
+        <p:spPr>
+          <a:xfrm>
+            <a:off x="457200" y="205980"/>
+            <a:ext cx="8229600" cy="857251"/>
+          </a:xfrm>
+        </p:spPr>
+        <p:txBody>
+          <a:bodyPr>
+            <a:normAutofit fontScale="90000"/>
+          </a:bodyPr>
+          <a:lstStyle/>
+          <a:p>
+            <a:r>
+              <a:rPr lang="en-US" b="1" dirty="0">
+                <a:solidFill>
+                  <a:srgbClr val="0070C0"/>
+                </a:solidFill>
+              </a:rPr>
+              <a:t>CLP – 1. </a:t>
+            </a:r>
+            <a:r>
+              <a:rPr lang="en-US" b="1" dirty="0" err="1">
+                <a:solidFill>
+                  <a:srgbClr val="0070C0"/>
+                </a:solidFill>
+              </a:rPr>
+              <a:t>Planej</a:t>
+            </a:r>
+            <a:r>
+              <a:rPr lang="en-US" b="1" dirty="0">
+                <a:solidFill>
+                  <a:srgbClr val="0070C0"/>
+                </a:solidFill>
+              </a:rPr>
+              <a:t>. </a:t>
+            </a:r>
+            <a:r>
+              <a:rPr lang="en-US" b="1" dirty="0" err="1">
+                <a:solidFill>
+                  <a:srgbClr val="0070C0"/>
+                </a:solidFill>
+              </a:rPr>
+              <a:t>Endereço</a:t>
+            </a:r>
+            <a:r>
+              <a:rPr lang="en-US" b="1" dirty="0">
+                <a:solidFill>
+                  <a:srgbClr val="0070C0"/>
+                </a:solidFill>
+              </a:rPr>
+              <a:t> / Time Cycle </a:t>
+            </a:r>
+          </a:p>
+        </p:txBody>
+      </p:sp>
+      <p:sp>
+        <p:nvSpPr>
+          <p:cNvPr id="8" name="Text Placeholder 2">
+            <a:extLst>
+              <a:ext uri="{FF2B5EF4-FFF2-40B4-BE49-F238E27FC236}">
+                <a16:creationId xmlns:a16="http://schemas.microsoft.com/office/drawing/2014/main" id="{4BA0436A-BD32-74C0-B8B6-45D003A9DD45}"/>
+              </a:ext>
+            </a:extLst>
+          </p:cNvPr>
+          <p:cNvSpPr>
+            <a:spLocks noGrp="1"/>
+          </p:cNvSpPr>
+          <p:nvPr>
+            <p:ph type="body" sz="half" idx="1"/>
+          </p:nvPr>
+        </p:nvSpPr>
+        <p:spPr>
+          <a:xfrm>
+            <a:off x="142865" y="1035050"/>
+            <a:ext cx="8865056" cy="3994150"/>
+          </a:xfrm>
+        </p:spPr>
+        <p:txBody>
+          <a:bodyPr>
+            <a:noAutofit/>
+          </a:bodyPr>
+          <a:lstStyle/>
+          <a:p>
+            <a:pPr marL="0" indent="0" algn="just">
+              <a:buNone/>
+            </a:pPr>
+            <a:r>
+              <a:rPr lang="pt-BR" sz="2200" b="1" dirty="0">
+                <a:solidFill>
+                  <a:srgbClr val="FF0000"/>
+                </a:solidFill>
+                <a:latin typeface="Times New Roman" panose="02020603050405020304" pitchFamily="18" charset="0"/>
+                <a:cs typeface="Times New Roman" panose="02020603050405020304" pitchFamily="18" charset="0"/>
+              </a:rPr>
+              <a:t>Tempo de ciclo (</a:t>
+            </a:r>
+            <a:r>
+              <a:rPr lang="pt-BR" sz="2200" b="1" dirty="0" err="1">
+                <a:solidFill>
+                  <a:srgbClr val="FF0000"/>
+                </a:solidFill>
+                <a:latin typeface="Times New Roman" panose="02020603050405020304" pitchFamily="18" charset="0"/>
+                <a:cs typeface="Times New Roman" panose="02020603050405020304" pitchFamily="18" charset="0"/>
+              </a:rPr>
+              <a:t>Cycle</a:t>
+            </a:r>
+            <a:r>
+              <a:rPr lang="pt-BR" sz="2200" b="1" dirty="0">
+                <a:solidFill>
+                  <a:srgbClr val="FF0000"/>
+                </a:solidFill>
+                <a:latin typeface="Times New Roman" panose="02020603050405020304" pitchFamily="18" charset="0"/>
+                <a:cs typeface="Times New Roman" panose="02020603050405020304" pitchFamily="18" charset="0"/>
+              </a:rPr>
+              <a:t> Time)</a:t>
+            </a:r>
+          </a:p>
+          <a:p>
+            <a:pPr algn="just"/>
+            <a:r>
+              <a:rPr lang="pt-BR" sz="2000" dirty="0">
+                <a:latin typeface="Times New Roman" panose="02020603050405020304" pitchFamily="18" charset="0"/>
+                <a:cs typeface="Times New Roman" panose="02020603050405020304" pitchFamily="18" charset="0"/>
+              </a:rPr>
+              <a:t>Depende da velocidade de transmissão (9.6 </a:t>
+            </a:r>
+            <a:r>
+              <a:rPr lang="pt-BR" sz="2000" dirty="0" err="1">
+                <a:latin typeface="Times New Roman" panose="02020603050405020304" pitchFamily="18" charset="0"/>
+                <a:cs typeface="Times New Roman" panose="02020603050405020304" pitchFamily="18" charset="0"/>
+              </a:rPr>
+              <a:t>kbps</a:t>
+            </a:r>
+            <a:r>
+              <a:rPr lang="pt-BR" sz="2000" dirty="0">
+                <a:latin typeface="Times New Roman" panose="02020603050405020304" pitchFamily="18" charset="0"/>
+                <a:cs typeface="Times New Roman" panose="02020603050405020304" pitchFamily="18" charset="0"/>
+              </a:rPr>
+              <a:t> até 12 Mbps), número de dispositivos, e quantidade de dados trocados;</a:t>
+            </a:r>
+          </a:p>
+          <a:p>
+            <a:pPr marL="0" indent="0" algn="just">
+              <a:buNone/>
+            </a:pPr>
+            <a:endParaRPr lang="pt-BR" sz="2000" dirty="0">
+              <a:latin typeface="Times New Roman" panose="02020603050405020304" pitchFamily="18" charset="0"/>
+              <a:cs typeface="Times New Roman" panose="02020603050405020304" pitchFamily="18" charset="0"/>
+            </a:endParaRPr>
+          </a:p>
+          <a:p>
+            <a:pPr marL="0" indent="0" algn="just">
+              <a:buNone/>
+            </a:pPr>
+            <a:r>
+              <a:rPr lang="pt-BR" sz="2000" dirty="0">
+                <a:latin typeface="Times New Roman" panose="02020603050405020304" pitchFamily="18" charset="0"/>
+                <a:cs typeface="Times New Roman" panose="02020603050405020304" pitchFamily="18" charset="0"/>
+              </a:rPr>
+              <a:t>	</a:t>
+            </a:r>
+            <a:r>
+              <a:rPr lang="pt-BR" sz="2000" b="1" dirty="0">
+                <a:latin typeface="Times New Roman" panose="02020603050405020304" pitchFamily="18" charset="0"/>
+                <a:cs typeface="Times New Roman" panose="02020603050405020304" pitchFamily="18" charset="0"/>
+              </a:rPr>
+              <a:t>Exemplo</a:t>
+            </a:r>
+            <a:r>
+              <a:rPr lang="pt-BR" sz="2000" dirty="0">
+                <a:latin typeface="Times New Roman" panose="02020603050405020304" pitchFamily="18" charset="0"/>
+                <a:cs typeface="Times New Roman" panose="02020603050405020304" pitchFamily="18" charset="0"/>
+              </a:rPr>
+              <a:t>: Em uma rede de 20 dispositivos a 1.5 Mbps, com baixa troca de dados, o tempo de ciclo pode ser em torno de 10–20 </a:t>
+            </a:r>
+            <a:r>
+              <a:rPr lang="pt-BR" sz="2000" dirty="0" err="1">
+                <a:latin typeface="Times New Roman" panose="02020603050405020304" pitchFamily="18" charset="0"/>
+                <a:cs typeface="Times New Roman" panose="02020603050405020304" pitchFamily="18" charset="0"/>
+              </a:rPr>
+              <a:t>ms</a:t>
+            </a:r>
+            <a:r>
+              <a:rPr lang="pt-BR" sz="2000" dirty="0">
+                <a:latin typeface="Times New Roman" panose="02020603050405020304" pitchFamily="18" charset="0"/>
+                <a:cs typeface="Times New Roman" panose="02020603050405020304" pitchFamily="18" charset="0"/>
+              </a:rPr>
+              <a:t>;</a:t>
+            </a:r>
+          </a:p>
+          <a:p>
+            <a:pPr marL="0" indent="0" algn="just">
+              <a:buNone/>
+            </a:pPr>
+            <a:endParaRPr lang="pt-BR" sz="2000" dirty="0">
+              <a:latin typeface="Times New Roman" panose="02020603050405020304" pitchFamily="18" charset="0"/>
+              <a:cs typeface="Times New Roman" panose="02020603050405020304" pitchFamily="18" charset="0"/>
+            </a:endParaRPr>
+          </a:p>
+          <a:p>
+            <a:pPr algn="just"/>
+            <a:r>
+              <a:rPr lang="pt-BR" sz="2000" dirty="0">
+                <a:latin typeface="Times New Roman" panose="02020603050405020304" pitchFamily="18" charset="0"/>
+                <a:cs typeface="Times New Roman" panose="02020603050405020304" pitchFamily="18" charset="0"/>
+              </a:rPr>
+              <a:t>Um ciclo mais curto → resposta mais rápida, mas exige mais do controlador;</a:t>
+            </a:r>
+          </a:p>
+          <a:p>
+            <a:pPr marL="0" indent="0" algn="just">
+              <a:buNone/>
+            </a:pPr>
+            <a:endParaRPr lang="pt-BR" sz="2000" dirty="0">
+              <a:latin typeface="Times New Roman" panose="02020603050405020304" pitchFamily="18" charset="0"/>
+              <a:cs typeface="Times New Roman" panose="02020603050405020304" pitchFamily="18" charset="0"/>
+            </a:endParaRPr>
+          </a:p>
+          <a:p>
+            <a:pPr algn="just"/>
+            <a:r>
+              <a:rPr lang="pt-BR" sz="2000" dirty="0">
+                <a:latin typeface="Times New Roman" panose="02020603050405020304" pitchFamily="18" charset="0"/>
+                <a:cs typeface="Times New Roman" panose="02020603050405020304" pitchFamily="18" charset="0"/>
+              </a:rPr>
+              <a:t>O tempo de ciclo precisa ser balanceado com as exigências do processo e a capacidade do CLP.</a:t>
+            </a:r>
+          </a:p>
+          <a:p>
+            <a:pPr marL="0" indent="0" algn="just">
+              <a:buNone/>
+            </a:pPr>
+            <a:endParaRPr lang="pt-BR" sz="2400" dirty="0">
+              <a:latin typeface="Times New Roman" panose="02020603050405020304" pitchFamily="18" charset="0"/>
+              <a:cs typeface="Times New Roman" panose="02020603050405020304" pitchFamily="18" charset="0"/>
+            </a:endParaRPr>
+          </a:p>
+        </p:txBody>
+      </p:sp>
+    </p:spTree>
+    <p:extLst>
+      <p:ext uri="{BB962C8B-B14F-4D97-AF65-F5344CB8AC3E}">
+        <p14:creationId xmlns:p14="http://schemas.microsoft.com/office/powerpoint/2010/main" val="726100212"/>
+      </p:ext>
+    </p:extLst>
+  </p:cSld>
+  <p:clrMapOvr>
+    <a:masterClrMapping/>
+  </p:clrMapOvr>
+  <p:transition spd="med"/>
+</p:sld>
+</file>
+
+<file path=ppt/slides/slide11.xml><?xml version="1.0" encoding="utf-8"?>
+<p:sld xmlns:a="http://schemas.openxmlformats.org/drawingml/2006/main" xmlns:r="http://schemas.openxmlformats.org/officeDocument/2006/relationships" xmlns:p="http://schemas.openxmlformats.org/presentationml/2006/main">
+  <p:cSld>
+    <p:spTree>
+      <p:nvGrpSpPr>
+        <p:cNvPr id="1" name="">
+          <a:extLst>
+            <a:ext uri="{FF2B5EF4-FFF2-40B4-BE49-F238E27FC236}">
+              <a16:creationId xmlns:a16="http://schemas.microsoft.com/office/drawing/2014/main" id="{FAA310DE-56C8-BBF1-AB1D-4315831700BE}"/>
+            </a:ext>
+          </a:extLst>
+        </p:cNvPr>
+        <p:cNvGrpSpPr/>
+        <p:nvPr/>
+      </p:nvGrpSpPr>
+      <p:grpSpPr>
+        <a:xfrm>
+          <a:off x="0" y="0"/>
+          <a:ext cx="0" cy="0"/>
+          <a:chOff x="0" y="0"/>
+          <a:chExt cx="0" cy="0"/>
+        </a:xfrm>
+      </p:grpSpPr>
+      <p:sp>
+        <p:nvSpPr>
+          <p:cNvPr id="6" name="Title 1">
+            <a:extLst>
+              <a:ext uri="{FF2B5EF4-FFF2-40B4-BE49-F238E27FC236}">
+                <a16:creationId xmlns:a16="http://schemas.microsoft.com/office/drawing/2014/main" id="{EF1F3E2F-EA44-5A4E-6E0E-6C9FDB1ABCE7}"/>
+              </a:ext>
+            </a:extLst>
+          </p:cNvPr>
+          <p:cNvSpPr>
+            <a:spLocks noGrp="1"/>
+          </p:cNvSpPr>
+          <p:nvPr>
+            <p:ph type="title"/>
+          </p:nvPr>
+        </p:nvSpPr>
+        <p:spPr>
+          <a:xfrm>
+            <a:off x="457200" y="205980"/>
+            <a:ext cx="8229600" cy="857251"/>
+          </a:xfrm>
+        </p:spPr>
+        <p:txBody>
+          <a:bodyPr>
+            <a:normAutofit/>
+          </a:bodyPr>
+          <a:lstStyle/>
+          <a:p>
+            <a:r>
+              <a:rPr lang="en-US" b="1" dirty="0">
+                <a:solidFill>
+                  <a:srgbClr val="0070C0"/>
+                </a:solidFill>
+              </a:rPr>
+              <a:t>CLP – 2. Uso do TIA Portal, Step 7</a:t>
+            </a:r>
+          </a:p>
+        </p:txBody>
+      </p:sp>
+      <p:sp>
+        <p:nvSpPr>
+          <p:cNvPr id="8" name="Text Placeholder 2">
+            <a:extLst>
+              <a:ext uri="{FF2B5EF4-FFF2-40B4-BE49-F238E27FC236}">
+                <a16:creationId xmlns:a16="http://schemas.microsoft.com/office/drawing/2014/main" id="{10098C88-BB14-676A-73B2-4911E065431E}"/>
+              </a:ext>
+            </a:extLst>
+          </p:cNvPr>
+          <p:cNvSpPr>
+            <a:spLocks noGrp="1"/>
+          </p:cNvSpPr>
+          <p:nvPr>
+            <p:ph type="body" sz="half" idx="1"/>
+          </p:nvPr>
+        </p:nvSpPr>
+        <p:spPr>
+          <a:xfrm>
+            <a:off x="142865" y="1035050"/>
+            <a:ext cx="8865056" cy="3994150"/>
+          </a:xfrm>
+        </p:spPr>
+        <p:txBody>
+          <a:bodyPr>
+            <a:noAutofit/>
+          </a:bodyPr>
+          <a:lstStyle/>
+          <a:p>
+            <a:pPr marL="0" indent="0" algn="just">
+              <a:buNone/>
+            </a:pPr>
+            <a:r>
+              <a:rPr lang="pt-BR" sz="2000" dirty="0">
+                <a:latin typeface="Times New Roman" panose="02020603050405020304" pitchFamily="18" charset="0"/>
+                <a:cs typeface="Times New Roman" panose="02020603050405020304" pitchFamily="18" charset="0"/>
+              </a:rPr>
+              <a:t>Software da Siemens para programação e configuração de dispositivos Siemens.</a:t>
+            </a:r>
+          </a:p>
+          <a:p>
+            <a:pPr marL="0" indent="0" algn="just">
+              <a:buNone/>
+            </a:pPr>
+            <a:endParaRPr lang="pt-BR" sz="2000" dirty="0">
+              <a:latin typeface="Times New Roman" panose="02020603050405020304" pitchFamily="18" charset="0"/>
+              <a:cs typeface="Times New Roman" panose="02020603050405020304" pitchFamily="18" charset="0"/>
+            </a:endParaRPr>
+          </a:p>
+          <a:p>
+            <a:pPr marL="0" indent="0" algn="just">
+              <a:buNone/>
+            </a:pPr>
+            <a:r>
+              <a:rPr lang="pt-BR" sz="2200" b="1" dirty="0">
+                <a:solidFill>
+                  <a:srgbClr val="FF0000"/>
+                </a:solidFill>
+                <a:latin typeface="Times New Roman" panose="02020603050405020304" pitchFamily="18" charset="0"/>
+                <a:cs typeface="Times New Roman" panose="02020603050405020304" pitchFamily="18" charset="0"/>
+              </a:rPr>
+              <a:t>Permite</a:t>
+            </a:r>
+          </a:p>
+          <a:p>
+            <a:pPr marL="0" indent="0" algn="just">
+              <a:buNone/>
+            </a:pPr>
+            <a:endParaRPr lang="pt-BR" sz="2200" dirty="0">
+              <a:latin typeface="Times New Roman" panose="02020603050405020304" pitchFamily="18" charset="0"/>
+              <a:cs typeface="Times New Roman" panose="02020603050405020304" pitchFamily="18" charset="0"/>
+            </a:endParaRPr>
+          </a:p>
+          <a:p>
+            <a:pPr algn="just"/>
+            <a:r>
+              <a:rPr lang="pt-BR" sz="2200" dirty="0">
+                <a:latin typeface="Times New Roman" panose="02020603050405020304" pitchFamily="18" charset="0"/>
+                <a:cs typeface="Times New Roman" panose="02020603050405020304" pitchFamily="18" charset="0"/>
+              </a:rPr>
+              <a:t>Configuração da rede </a:t>
+            </a:r>
+            <a:r>
+              <a:rPr lang="pt-BR" sz="2200" dirty="0" err="1">
+                <a:latin typeface="Times New Roman" panose="02020603050405020304" pitchFamily="18" charset="0"/>
+                <a:cs typeface="Times New Roman" panose="02020603050405020304" pitchFamily="18" charset="0"/>
+              </a:rPr>
+              <a:t>Profibus</a:t>
+            </a:r>
+            <a:r>
+              <a:rPr lang="pt-BR" sz="2200" dirty="0">
+                <a:latin typeface="Times New Roman" panose="02020603050405020304" pitchFamily="18" charset="0"/>
+                <a:cs typeface="Times New Roman" panose="02020603050405020304" pitchFamily="18" charset="0"/>
+              </a:rPr>
+              <a:t>.</a:t>
+            </a:r>
+          </a:p>
+          <a:p>
+            <a:pPr algn="just"/>
+            <a:r>
+              <a:rPr lang="pt-BR" sz="2200" dirty="0">
+                <a:latin typeface="Times New Roman" panose="02020603050405020304" pitchFamily="18" charset="0"/>
+                <a:cs typeface="Times New Roman" panose="02020603050405020304" pitchFamily="18" charset="0"/>
+              </a:rPr>
+              <a:t>Endereçamento de dispositivos.</a:t>
+            </a:r>
+          </a:p>
+          <a:p>
+            <a:pPr algn="just"/>
+            <a:r>
+              <a:rPr lang="pt-BR" sz="2200" dirty="0">
+                <a:latin typeface="Times New Roman" panose="02020603050405020304" pitchFamily="18" charset="0"/>
+                <a:cs typeface="Times New Roman" panose="02020603050405020304" pitchFamily="18" charset="0"/>
+              </a:rPr>
+              <a:t>Atribuição de arquivos </a:t>
+            </a:r>
+            <a:r>
+              <a:rPr lang="pt-BR" sz="2200" dirty="0" err="1">
+                <a:latin typeface="Times New Roman" panose="02020603050405020304" pitchFamily="18" charset="0"/>
+                <a:cs typeface="Times New Roman" panose="02020603050405020304" pitchFamily="18" charset="0"/>
+              </a:rPr>
+              <a:t>GSDs</a:t>
+            </a:r>
+            <a:r>
+              <a:rPr lang="pt-BR" sz="2200" dirty="0">
+                <a:latin typeface="Times New Roman" panose="02020603050405020304" pitchFamily="18" charset="0"/>
+                <a:cs typeface="Times New Roman" panose="02020603050405020304" pitchFamily="18" charset="0"/>
+              </a:rPr>
+              <a:t> (</a:t>
+            </a:r>
+            <a:r>
+              <a:rPr lang="pt-BR" sz="2200" b="1" dirty="0">
+                <a:solidFill>
+                  <a:srgbClr val="FF0000"/>
+                </a:solidFill>
+                <a:latin typeface="Times New Roman" panose="02020603050405020304" pitchFamily="18" charset="0"/>
+                <a:cs typeface="Times New Roman" panose="02020603050405020304" pitchFamily="18" charset="0"/>
+              </a:rPr>
+              <a:t>arquivos de descrição dos dispositivos</a:t>
+            </a:r>
+            <a:r>
+              <a:rPr lang="pt-BR" sz="2200" dirty="0">
+                <a:latin typeface="Times New Roman" panose="02020603050405020304" pitchFamily="18" charset="0"/>
+                <a:cs typeface="Times New Roman" panose="02020603050405020304" pitchFamily="18" charset="0"/>
+              </a:rPr>
+              <a:t>).</a:t>
+            </a:r>
+          </a:p>
+          <a:p>
+            <a:pPr algn="just"/>
+            <a:r>
+              <a:rPr lang="pt-BR" sz="2200" dirty="0">
+                <a:latin typeface="Times New Roman" panose="02020603050405020304" pitchFamily="18" charset="0"/>
+                <a:cs typeface="Times New Roman" panose="02020603050405020304" pitchFamily="18" charset="0"/>
+              </a:rPr>
+              <a:t>Diagnóstico e simulação da rede.</a:t>
+            </a:r>
+          </a:p>
+          <a:p>
+            <a:pPr algn="just"/>
+            <a:r>
+              <a:rPr lang="pt-BR" sz="2200" dirty="0">
+                <a:latin typeface="Times New Roman" panose="02020603050405020304" pitchFamily="18" charset="0"/>
+                <a:cs typeface="Times New Roman" panose="02020603050405020304" pitchFamily="18" charset="0"/>
+              </a:rPr>
+              <a:t>Integração com o PLC programado (por exemplo, S7-1200/1500).</a:t>
+            </a:r>
+          </a:p>
+        </p:txBody>
+      </p:sp>
+    </p:spTree>
+    <p:extLst>
+      <p:ext uri="{BB962C8B-B14F-4D97-AF65-F5344CB8AC3E}">
+        <p14:creationId xmlns:p14="http://schemas.microsoft.com/office/powerpoint/2010/main" val="1507498114"/>
+      </p:ext>
+    </p:extLst>
+  </p:cSld>
+  <p:clrMapOvr>
+    <a:masterClrMapping/>
+  </p:clrMapOvr>
+  <p:transition spd="med"/>
+</p:sld>
+</file>
+
+<file path=ppt/slides/slide12.xml><?xml version="1.0" encoding="utf-8"?>
+<p:sld xmlns:a="http://schemas.openxmlformats.org/drawingml/2006/main" xmlns:r="http://schemas.openxmlformats.org/officeDocument/2006/relationships" xmlns:p="http://schemas.openxmlformats.org/presentationml/2006/main">
+  <p:cSld>
+    <p:spTree>
+      <p:nvGrpSpPr>
+        <p:cNvPr id="1" name="">
+          <a:extLst>
+            <a:ext uri="{FF2B5EF4-FFF2-40B4-BE49-F238E27FC236}">
               <a16:creationId xmlns:a16="http://schemas.microsoft.com/office/drawing/2014/main" id="{2B9881FE-4C87-82B0-F8BD-CDEE6CFEEA25}"/>
             </a:ext>
           </a:extLst>
@@ -5872,7 +6579,7 @@
 </p:sld>
 </file>
 
-<file path=ppt/slides/slide11.xml><?xml version="1.0" encoding="utf-8"?>
+<file path=ppt/slides/slide13.xml><?xml version="1.0" encoding="utf-8"?>
 <p:sld xmlns:a="http://schemas.openxmlformats.org/drawingml/2006/main" xmlns:r="http://schemas.openxmlformats.org/officeDocument/2006/relationships" xmlns:p="http://schemas.openxmlformats.org/presentationml/2006/main">
   <p:cSld>
     <p:spTree>
@@ -6279,7 +6986,7 @@
 </p:sld>
 </file>
 
-<file path=ppt/slides/slide12.xml><?xml version="1.0" encoding="utf-8"?>
+<file path=ppt/slides/slide14.xml><?xml version="1.0" encoding="utf-8"?>
 <p:sld xmlns:a="http://schemas.openxmlformats.org/drawingml/2006/main" xmlns:r="http://schemas.openxmlformats.org/officeDocument/2006/relationships" xmlns:p="http://schemas.openxmlformats.org/presentationml/2006/main">
   <p:cSld>
     <p:spTree>
@@ -6562,7 +7269,7 @@
 </p:sld>
 </file>
 
-<file path=ppt/slides/slide13.xml><?xml version="1.0" encoding="utf-8"?>
+<file path=ppt/slides/slide15.xml><?xml version="1.0" encoding="utf-8"?>
 <p:sld xmlns:a="http://schemas.openxmlformats.org/drawingml/2006/main" xmlns:r="http://schemas.openxmlformats.org/officeDocument/2006/relationships" xmlns:p="http://schemas.openxmlformats.org/presentationml/2006/main">
   <p:cSld>
     <p:spTree>
@@ -6790,7 +7497,7 @@
 </p:sld>
 </file>
 
-<file path=ppt/slides/slide14.xml><?xml version="1.0" encoding="utf-8"?>
+<file path=ppt/slides/slide16.xml><?xml version="1.0" encoding="utf-8"?>
 <p:sld xmlns:a="http://schemas.openxmlformats.org/drawingml/2006/main" xmlns:r="http://schemas.openxmlformats.org/officeDocument/2006/relationships" xmlns:p="http://schemas.openxmlformats.org/presentationml/2006/main">
   <p:cSld>
     <p:spTree>
@@ -7035,7 +7742,7 @@
 </p:sld>
 </file>
 
-<file path=ppt/slides/slide15.xml><?xml version="1.0" encoding="utf-8"?>
+<file path=ppt/slides/slide17.xml><?xml version="1.0" encoding="utf-8"?>
 <p:sld xmlns:a="http://schemas.openxmlformats.org/drawingml/2006/main" xmlns:r="http://schemas.openxmlformats.org/officeDocument/2006/relationships" xmlns:p="http://schemas.openxmlformats.org/presentationml/2006/main">
   <p:cSld>
     <p:spTree>
@@ -7377,7 +8084,7 @@
 </p:sld>
 </file>
 
-<file path=ppt/slides/slide16.xml><?xml version="1.0" encoding="utf-8"?>
+<file path=ppt/slides/slide18.xml><?xml version="1.0" encoding="utf-8"?>
 <p:sld xmlns:a="http://schemas.openxmlformats.org/drawingml/2006/main" xmlns:r="http://schemas.openxmlformats.org/officeDocument/2006/relationships" xmlns:p="http://schemas.openxmlformats.org/presentationml/2006/main">
   <p:cSld>
     <p:spTree>
@@ -7757,7 +8464,7 @@
 </p:sld>
 </file>
 
-<file path=ppt/slides/slide17.xml><?xml version="1.0" encoding="utf-8"?>
+<file path=ppt/slides/slide19.xml><?xml version="1.0" encoding="utf-8"?>
 <p:sld xmlns:a="http://schemas.openxmlformats.org/drawingml/2006/main" xmlns:r="http://schemas.openxmlformats.org/officeDocument/2006/relationships" xmlns:p="http://schemas.openxmlformats.org/presentationml/2006/main">
   <p:cSld>
     <p:spTree>
@@ -8108,523 +8815,6 @@
     <p:extLst>
       <p:ext uri="{BB962C8B-B14F-4D97-AF65-F5344CB8AC3E}">
         <p14:creationId xmlns:p14="http://schemas.microsoft.com/office/powerpoint/2010/main" val="2945198826"/>
-      </p:ext>
-    </p:extLst>
-  </p:cSld>
-  <p:clrMapOvr>
-    <a:masterClrMapping/>
-  </p:clrMapOvr>
-  <p:transition spd="med"/>
-</p:sld>
-</file>
-
-<file path=ppt/slides/slide18.xml><?xml version="1.0" encoding="utf-8"?>
-<p:sld xmlns:a="http://schemas.openxmlformats.org/drawingml/2006/main" xmlns:r="http://schemas.openxmlformats.org/officeDocument/2006/relationships" xmlns:p="http://schemas.openxmlformats.org/presentationml/2006/main">
-  <p:cSld>
-    <p:spTree>
-      <p:nvGrpSpPr>
-        <p:cNvPr id="1" name="">
-          <a:extLst>
-            <a:ext uri="{FF2B5EF4-FFF2-40B4-BE49-F238E27FC236}">
-              <a16:creationId xmlns:a16="http://schemas.microsoft.com/office/drawing/2014/main" id="{D0C5D0D6-8442-F8DA-33BD-B95ABC7E2AED}"/>
-            </a:ext>
-          </a:extLst>
-        </p:cNvPr>
-        <p:cNvGrpSpPr/>
-        <p:nvPr/>
-      </p:nvGrpSpPr>
-      <p:grpSpPr>
-        <a:xfrm>
-          <a:off x="0" y="0"/>
-          <a:ext cx="0" cy="0"/>
-          <a:chOff x="0" y="0"/>
-          <a:chExt cx="0" cy="0"/>
-        </a:xfrm>
-      </p:grpSpPr>
-      <p:sp>
-        <p:nvSpPr>
-          <p:cNvPr id="6" name="Title 1">
-            <a:extLst>
-              <a:ext uri="{FF2B5EF4-FFF2-40B4-BE49-F238E27FC236}">
-                <a16:creationId xmlns:a16="http://schemas.microsoft.com/office/drawing/2014/main" id="{DC54187B-705C-D62B-2443-AED97DF41F89}"/>
-              </a:ext>
-            </a:extLst>
-          </p:cNvPr>
-          <p:cNvSpPr>
-            <a:spLocks noGrp="1"/>
-          </p:cNvSpPr>
-          <p:nvPr>
-            <p:ph type="title"/>
-          </p:nvPr>
-        </p:nvSpPr>
-        <p:spPr>
-          <a:xfrm>
-            <a:off x="457200" y="205980"/>
-            <a:ext cx="8229600" cy="857251"/>
-          </a:xfrm>
-        </p:spPr>
-        <p:txBody>
-          <a:bodyPr>
-            <a:normAutofit/>
-          </a:bodyPr>
-          <a:lstStyle/>
-          <a:p>
-            <a:r>
-              <a:rPr lang="en-US" b="1" dirty="0">
-                <a:solidFill>
-                  <a:srgbClr val="0070C0"/>
-                </a:solidFill>
-              </a:rPr>
-              <a:t>CLP – </a:t>
-            </a:r>
-            <a:r>
-              <a:rPr lang="en-US" b="1" dirty="0" err="1">
-                <a:solidFill>
-                  <a:srgbClr val="0070C0"/>
-                </a:solidFill>
-              </a:rPr>
-              <a:t>Exemplo</a:t>
-            </a:r>
-            <a:r>
-              <a:rPr lang="en-US" b="1" dirty="0">
-                <a:solidFill>
-                  <a:srgbClr val="0070C0"/>
-                </a:solidFill>
-              </a:rPr>
-              <a:t> Rede Profibus</a:t>
-            </a:r>
-          </a:p>
-        </p:txBody>
-      </p:sp>
-      <p:sp>
-        <p:nvSpPr>
-          <p:cNvPr id="8" name="Text Placeholder 2">
-            <a:extLst>
-              <a:ext uri="{FF2B5EF4-FFF2-40B4-BE49-F238E27FC236}">
-                <a16:creationId xmlns:a16="http://schemas.microsoft.com/office/drawing/2014/main" id="{473EBE3F-B808-2960-73B1-1E6DCC8286CF}"/>
-              </a:ext>
-            </a:extLst>
-          </p:cNvPr>
-          <p:cNvSpPr>
-            <a:spLocks noGrp="1"/>
-          </p:cNvSpPr>
-          <p:nvPr>
-            <p:ph type="body" sz="half" idx="1"/>
-          </p:nvPr>
-        </p:nvSpPr>
-        <p:spPr>
-          <a:xfrm>
-            <a:off x="142865" y="1035050"/>
-            <a:ext cx="8865056" cy="3994150"/>
-          </a:xfrm>
-        </p:spPr>
-        <p:txBody>
-          <a:bodyPr>
-            <a:noAutofit/>
-          </a:bodyPr>
-          <a:lstStyle/>
-          <a:p>
-            <a:pPr marL="0" indent="0" algn="just">
-              <a:buNone/>
-            </a:pPr>
-            <a:r>
-              <a:rPr lang="pt-BR" sz="2400" b="1" dirty="0">
-                <a:latin typeface="Times New Roman" panose="02020603050405020304" pitchFamily="18" charset="0"/>
-                <a:cs typeface="Times New Roman" panose="02020603050405020304" pitchFamily="18" charset="0"/>
-              </a:rPr>
-              <a:t>Resultado esperado</a:t>
-            </a:r>
-          </a:p>
-          <a:p>
-            <a:pPr marL="0" indent="0" algn="just">
-              <a:buNone/>
-            </a:pPr>
-            <a:endParaRPr lang="pt-BR" sz="2400" dirty="0">
-              <a:latin typeface="Times New Roman" panose="02020603050405020304" pitchFamily="18" charset="0"/>
-              <a:cs typeface="Times New Roman" panose="02020603050405020304" pitchFamily="18" charset="0"/>
-            </a:endParaRPr>
-          </a:p>
-          <a:p>
-            <a:pPr algn="just"/>
-            <a:r>
-              <a:rPr lang="pt-BR" sz="2400" b="1" dirty="0">
-                <a:solidFill>
-                  <a:srgbClr val="FF0000"/>
-                </a:solidFill>
-                <a:latin typeface="Times New Roman" panose="02020603050405020304" pitchFamily="18" charset="0"/>
-                <a:cs typeface="Times New Roman" panose="02020603050405020304" pitchFamily="18" charset="0"/>
-              </a:rPr>
-              <a:t>Rede </a:t>
-            </a:r>
-            <a:r>
-              <a:rPr lang="pt-BR" sz="2400" b="1" dirty="0" err="1">
-                <a:solidFill>
-                  <a:srgbClr val="FF0000"/>
-                </a:solidFill>
-                <a:latin typeface="Times New Roman" panose="02020603050405020304" pitchFamily="18" charset="0"/>
-                <a:cs typeface="Times New Roman" panose="02020603050405020304" pitchFamily="18" charset="0"/>
-              </a:rPr>
-              <a:t>Profibus</a:t>
-            </a:r>
-            <a:r>
-              <a:rPr lang="pt-BR" sz="2400" b="1" dirty="0">
-                <a:solidFill>
-                  <a:srgbClr val="FF0000"/>
-                </a:solidFill>
-                <a:latin typeface="Times New Roman" panose="02020603050405020304" pitchFamily="18" charset="0"/>
-                <a:cs typeface="Times New Roman" panose="02020603050405020304" pitchFamily="18" charset="0"/>
-              </a:rPr>
-              <a:t> </a:t>
-            </a:r>
-            <a:r>
-              <a:rPr lang="pt-BR" sz="2400" dirty="0">
-                <a:latin typeface="Times New Roman" panose="02020603050405020304" pitchFamily="18" charset="0"/>
-                <a:cs typeface="Times New Roman" panose="02020603050405020304" pitchFamily="18" charset="0"/>
-              </a:rPr>
-              <a:t>criada com o </a:t>
-            </a:r>
-            <a:r>
-              <a:rPr lang="pt-BR" sz="2400" b="1" dirty="0">
-                <a:latin typeface="Times New Roman" panose="02020603050405020304" pitchFamily="18" charset="0"/>
-                <a:cs typeface="Times New Roman" panose="02020603050405020304" pitchFamily="18" charset="0"/>
-              </a:rPr>
-              <a:t>mestre</a:t>
-            </a:r>
-            <a:r>
-              <a:rPr lang="pt-BR" sz="2400" dirty="0">
-                <a:latin typeface="Times New Roman" panose="02020603050405020304" pitchFamily="18" charset="0"/>
-                <a:cs typeface="Times New Roman" panose="02020603050405020304" pitchFamily="18" charset="0"/>
-              </a:rPr>
-              <a:t> e </a:t>
-            </a:r>
-            <a:r>
-              <a:rPr lang="pt-BR" sz="2400" b="1" dirty="0">
-                <a:latin typeface="Times New Roman" panose="02020603050405020304" pitchFamily="18" charset="0"/>
-                <a:cs typeface="Times New Roman" panose="02020603050405020304" pitchFamily="18" charset="0"/>
-              </a:rPr>
-              <a:t>dois escravos</a:t>
-            </a:r>
-            <a:r>
-              <a:rPr lang="pt-BR" sz="2400" dirty="0">
-                <a:latin typeface="Times New Roman" panose="02020603050405020304" pitchFamily="18" charset="0"/>
-                <a:cs typeface="Times New Roman" panose="02020603050405020304" pitchFamily="18" charset="0"/>
-              </a:rPr>
-              <a:t>.</a:t>
-            </a:r>
-          </a:p>
-          <a:p>
-            <a:pPr marL="0" indent="0" algn="just">
-              <a:buNone/>
-            </a:pPr>
-            <a:endParaRPr lang="pt-BR" sz="2400" dirty="0">
-              <a:latin typeface="Times New Roman" panose="02020603050405020304" pitchFamily="18" charset="0"/>
-              <a:cs typeface="Times New Roman" panose="02020603050405020304" pitchFamily="18" charset="0"/>
-            </a:endParaRPr>
-          </a:p>
-          <a:p>
-            <a:pPr algn="just"/>
-            <a:r>
-              <a:rPr lang="pt-BR" sz="2400" b="1" dirty="0">
-                <a:solidFill>
-                  <a:srgbClr val="FF0000"/>
-                </a:solidFill>
-                <a:latin typeface="Times New Roman" panose="02020603050405020304" pitchFamily="18" charset="0"/>
-                <a:cs typeface="Times New Roman" panose="02020603050405020304" pitchFamily="18" charset="0"/>
-              </a:rPr>
-              <a:t>Dispositivos</a:t>
-            </a:r>
-            <a:r>
-              <a:rPr lang="pt-BR" sz="2400" dirty="0">
-                <a:latin typeface="Times New Roman" panose="02020603050405020304" pitchFamily="18" charset="0"/>
-                <a:cs typeface="Times New Roman" panose="02020603050405020304" pitchFamily="18" charset="0"/>
-              </a:rPr>
-              <a:t> com </a:t>
-            </a:r>
-            <a:r>
-              <a:rPr lang="pt-BR" sz="2400" b="1" dirty="0">
-                <a:latin typeface="Times New Roman" panose="02020603050405020304" pitchFamily="18" charset="0"/>
-                <a:cs typeface="Times New Roman" panose="02020603050405020304" pitchFamily="18" charset="0"/>
-              </a:rPr>
-              <a:t>endereços distintos </a:t>
-            </a:r>
-            <a:r>
-              <a:rPr lang="pt-BR" sz="2400" dirty="0">
-                <a:latin typeface="Times New Roman" panose="02020603050405020304" pitchFamily="18" charset="0"/>
-                <a:cs typeface="Times New Roman" panose="02020603050405020304" pitchFamily="18" charset="0"/>
-              </a:rPr>
-              <a:t>e </a:t>
-            </a:r>
-            <a:r>
-              <a:rPr lang="pt-BR" sz="2400" b="1" dirty="0">
-                <a:latin typeface="Times New Roman" panose="02020603050405020304" pitchFamily="18" charset="0"/>
-                <a:cs typeface="Times New Roman" panose="02020603050405020304" pitchFamily="18" charset="0"/>
-              </a:rPr>
-              <a:t>conectados</a:t>
-            </a:r>
-            <a:r>
-              <a:rPr lang="pt-BR" sz="2400" dirty="0">
-                <a:latin typeface="Times New Roman" panose="02020603050405020304" pitchFamily="18" charset="0"/>
-                <a:cs typeface="Times New Roman" panose="02020603050405020304" pitchFamily="18" charset="0"/>
-              </a:rPr>
-              <a:t> na mesma rede.</a:t>
-            </a:r>
-          </a:p>
-          <a:p>
-            <a:pPr marL="0" indent="0" algn="just">
-              <a:buNone/>
-            </a:pPr>
-            <a:endParaRPr lang="pt-BR" sz="2400" dirty="0">
-              <a:latin typeface="Times New Roman" panose="02020603050405020304" pitchFamily="18" charset="0"/>
-              <a:cs typeface="Times New Roman" panose="02020603050405020304" pitchFamily="18" charset="0"/>
-            </a:endParaRPr>
-          </a:p>
-          <a:p>
-            <a:pPr algn="just"/>
-            <a:r>
-              <a:rPr lang="pt-BR" sz="2400" b="1" dirty="0">
-                <a:solidFill>
-                  <a:srgbClr val="FF0000"/>
-                </a:solidFill>
-                <a:latin typeface="Times New Roman" panose="02020603050405020304" pitchFamily="18" charset="0"/>
-                <a:cs typeface="Times New Roman" panose="02020603050405020304" pitchFamily="18" charset="0"/>
-              </a:rPr>
-              <a:t>Ciclo de rede </a:t>
-            </a:r>
-            <a:r>
-              <a:rPr lang="pt-BR" sz="2400" dirty="0">
-                <a:latin typeface="Times New Roman" panose="02020603050405020304" pitchFamily="18" charset="0"/>
-                <a:cs typeface="Times New Roman" panose="02020603050405020304" pitchFamily="18" charset="0"/>
-              </a:rPr>
-              <a:t>otimizado conforme a </a:t>
-            </a:r>
-            <a:r>
-              <a:rPr lang="pt-BR" sz="2400" b="1" dirty="0">
-                <a:latin typeface="Times New Roman" panose="02020603050405020304" pitchFamily="18" charset="0"/>
-                <a:cs typeface="Times New Roman" panose="02020603050405020304" pitchFamily="18" charset="0"/>
-              </a:rPr>
-              <a:t>carga</a:t>
-            </a:r>
-            <a:r>
-              <a:rPr lang="pt-BR" sz="2400" dirty="0">
-                <a:latin typeface="Times New Roman" panose="02020603050405020304" pitchFamily="18" charset="0"/>
-                <a:cs typeface="Times New Roman" panose="02020603050405020304" pitchFamily="18" charset="0"/>
-              </a:rPr>
-              <a:t> (média de 10–20 </a:t>
-            </a:r>
-            <a:r>
-              <a:rPr lang="pt-BR" sz="2400" dirty="0" err="1">
-                <a:latin typeface="Times New Roman" panose="02020603050405020304" pitchFamily="18" charset="0"/>
-                <a:cs typeface="Times New Roman" panose="02020603050405020304" pitchFamily="18" charset="0"/>
-              </a:rPr>
-              <a:t>ms</a:t>
-            </a:r>
-            <a:r>
-              <a:rPr lang="pt-BR" sz="2400" dirty="0">
-                <a:latin typeface="Times New Roman" panose="02020603050405020304" pitchFamily="18" charset="0"/>
-                <a:cs typeface="Times New Roman" panose="02020603050405020304" pitchFamily="18" charset="0"/>
-              </a:rPr>
-              <a:t>).</a:t>
-            </a:r>
-          </a:p>
-          <a:p>
-            <a:pPr marL="0" indent="0" algn="just">
-              <a:buNone/>
-            </a:pPr>
-            <a:endParaRPr lang="pt-BR" sz="2400" dirty="0">
-              <a:latin typeface="Times New Roman" panose="02020603050405020304" pitchFamily="18" charset="0"/>
-              <a:cs typeface="Times New Roman" panose="02020603050405020304" pitchFamily="18" charset="0"/>
-            </a:endParaRPr>
-          </a:p>
-          <a:p>
-            <a:pPr marL="0" indent="0" algn="just">
-              <a:buNone/>
-            </a:pPr>
-            <a:endParaRPr lang="pt-BR" sz="2400" dirty="0">
-              <a:latin typeface="Times New Roman" panose="02020603050405020304" pitchFamily="18" charset="0"/>
-              <a:cs typeface="Times New Roman" panose="02020603050405020304" pitchFamily="18" charset="0"/>
-            </a:endParaRPr>
-          </a:p>
-        </p:txBody>
-      </p:sp>
-    </p:spTree>
-    <p:extLst>
-      <p:ext uri="{BB962C8B-B14F-4D97-AF65-F5344CB8AC3E}">
-        <p14:creationId xmlns:p14="http://schemas.microsoft.com/office/powerpoint/2010/main" val="3591029890"/>
-      </p:ext>
-    </p:extLst>
-  </p:cSld>
-  <p:clrMapOvr>
-    <a:masterClrMapping/>
-  </p:clrMapOvr>
-  <p:transition spd="med"/>
-</p:sld>
-</file>
-
-<file path=ppt/slides/slide19.xml><?xml version="1.0" encoding="utf-8"?>
-<p:sld xmlns:a="http://schemas.openxmlformats.org/drawingml/2006/main" xmlns:r="http://schemas.openxmlformats.org/officeDocument/2006/relationships" xmlns:p="http://schemas.openxmlformats.org/presentationml/2006/main">
-  <p:cSld>
-    <p:spTree>
-      <p:nvGrpSpPr>
-        <p:cNvPr id="1" name="">
-          <a:extLst>
-            <a:ext uri="{FF2B5EF4-FFF2-40B4-BE49-F238E27FC236}">
-              <a16:creationId xmlns:a16="http://schemas.microsoft.com/office/drawing/2014/main" id="{E9FCBB39-98CE-9DF8-5E16-E6AFA73F2FD5}"/>
-            </a:ext>
-          </a:extLst>
-        </p:cNvPr>
-        <p:cNvGrpSpPr/>
-        <p:nvPr/>
-      </p:nvGrpSpPr>
-      <p:grpSpPr>
-        <a:xfrm>
-          <a:off x="0" y="0"/>
-          <a:ext cx="0" cy="0"/>
-          <a:chOff x="0" y="0"/>
-          <a:chExt cx="0" cy="0"/>
-        </a:xfrm>
-      </p:grpSpPr>
-      <p:sp>
-        <p:nvSpPr>
-          <p:cNvPr id="6" name="Title 1">
-            <a:extLst>
-              <a:ext uri="{FF2B5EF4-FFF2-40B4-BE49-F238E27FC236}">
-                <a16:creationId xmlns:a16="http://schemas.microsoft.com/office/drawing/2014/main" id="{71266F2B-D586-8146-7320-0F8A86E5BDA4}"/>
-              </a:ext>
-            </a:extLst>
-          </p:cNvPr>
-          <p:cNvSpPr>
-            <a:spLocks noGrp="1"/>
-          </p:cNvSpPr>
-          <p:nvPr>
-            <p:ph type="title"/>
-          </p:nvPr>
-        </p:nvSpPr>
-        <p:spPr>
-          <a:xfrm>
-            <a:off x="457200" y="205980"/>
-            <a:ext cx="8229600" cy="857251"/>
-          </a:xfrm>
-        </p:spPr>
-        <p:txBody>
-          <a:bodyPr>
-            <a:normAutofit/>
-          </a:bodyPr>
-          <a:lstStyle/>
-          <a:p>
-            <a:r>
-              <a:rPr lang="en-US" b="1" dirty="0">
-                <a:solidFill>
-                  <a:srgbClr val="0070C0"/>
-                </a:solidFill>
-              </a:rPr>
-              <a:t>CLP – </a:t>
-            </a:r>
-            <a:r>
-              <a:rPr lang="en-US" b="1" dirty="0" err="1">
-                <a:solidFill>
-                  <a:srgbClr val="0070C0"/>
-                </a:solidFill>
-              </a:rPr>
-              <a:t>Exemplo</a:t>
-            </a:r>
-            <a:r>
-              <a:rPr lang="en-US" b="1" dirty="0">
-                <a:solidFill>
-                  <a:srgbClr val="0070C0"/>
-                </a:solidFill>
-              </a:rPr>
-              <a:t> Rede Profibus</a:t>
-            </a:r>
-          </a:p>
-        </p:txBody>
-      </p:sp>
-      <p:sp>
-        <p:nvSpPr>
-          <p:cNvPr id="8" name="Text Placeholder 2">
-            <a:extLst>
-              <a:ext uri="{FF2B5EF4-FFF2-40B4-BE49-F238E27FC236}">
-                <a16:creationId xmlns:a16="http://schemas.microsoft.com/office/drawing/2014/main" id="{7BE0BEC1-1D7F-64F1-6AA8-251BD5FF026D}"/>
-              </a:ext>
-            </a:extLst>
-          </p:cNvPr>
-          <p:cNvSpPr>
-            <a:spLocks noGrp="1"/>
-          </p:cNvSpPr>
-          <p:nvPr>
-            <p:ph type="body" sz="half" idx="1"/>
-          </p:nvPr>
-        </p:nvSpPr>
-        <p:spPr>
-          <a:xfrm>
-            <a:off x="142865" y="1035050"/>
-            <a:ext cx="8865056" cy="3994150"/>
-          </a:xfrm>
-        </p:spPr>
-        <p:txBody>
-          <a:bodyPr>
-            <a:noAutofit/>
-          </a:bodyPr>
-          <a:lstStyle/>
-          <a:p>
-            <a:pPr marL="0" indent="0" algn="just">
-              <a:buNone/>
-            </a:pPr>
-            <a:endParaRPr lang="pt-BR" sz="2200" b="1" dirty="0">
-              <a:latin typeface="Times New Roman" panose="02020603050405020304" pitchFamily="18" charset="0"/>
-              <a:cs typeface="Times New Roman" panose="02020603050405020304" pitchFamily="18" charset="0"/>
-            </a:endParaRPr>
-          </a:p>
-          <a:p>
-            <a:pPr marL="0" indent="0" algn="just">
-              <a:buNone/>
-            </a:pPr>
-            <a:endParaRPr lang="pt-BR" sz="2200" dirty="0">
-              <a:latin typeface="Times New Roman" panose="02020603050405020304" pitchFamily="18" charset="0"/>
-              <a:cs typeface="Times New Roman" panose="02020603050405020304" pitchFamily="18" charset="0"/>
-            </a:endParaRPr>
-          </a:p>
-        </p:txBody>
-      </p:sp>
-      <p:pic>
-        <p:nvPicPr>
-          <p:cNvPr id="4" name="Imagem 3" descr="Interface gráfica do usuário&#10;&#10;O conteúdo gerado por IA pode estar incorreto.">
-            <a:extLst>
-              <a:ext uri="{FF2B5EF4-FFF2-40B4-BE49-F238E27FC236}">
-                <a16:creationId xmlns:a16="http://schemas.microsoft.com/office/drawing/2014/main" id="{06B1594F-71C3-5E47-5C4E-1E955FF7414F}"/>
-              </a:ext>
-            </a:extLst>
-          </p:cNvPr>
-          <p:cNvPicPr>
-            <a:picLocks noChangeAspect="1"/>
-          </p:cNvPicPr>
-          <p:nvPr/>
-        </p:nvPicPr>
-        <p:blipFill>
-          <a:blip r:embed="rId3" cstate="print">
-            <a:extLst>
-              <a:ext uri="{28A0092B-C50C-407E-A947-70E740481C1C}">
-                <a14:useLocalDpi xmlns:a14="http://schemas.microsoft.com/office/drawing/2010/main" val="0"/>
-              </a:ext>
-            </a:extLst>
-          </a:blip>
-          <a:stretch>
-            <a:fillRect/>
-          </a:stretch>
-        </p:blipFill>
-        <p:spPr>
-          <a:xfrm>
-            <a:off x="1001869" y="943370"/>
-            <a:ext cx="5991225" cy="3994150"/>
-          </a:xfrm>
-          <a:prstGeom prst="rect">
-            <a:avLst/>
-          </a:prstGeom>
-        </p:spPr>
-      </p:pic>
-    </p:spTree>
-    <p:extLst>
-      <p:ext uri="{BB962C8B-B14F-4D97-AF65-F5344CB8AC3E}">
-        <p14:creationId xmlns:p14="http://schemas.microsoft.com/office/powerpoint/2010/main" val="1823689352"/>
       </p:ext>
     </p:extLst>
   </p:cSld>
@@ -8761,7 +8951,7 @@
                   <a:schemeClr val="bg1"/>
                 </a:solidFill>
               </a:rPr>
-              <a:t>	CLP – Redes Industriais PROFIBUS: Comunicação Industrial</a:t>
+              <a:t>	CLP – Redes Industriais PROFIBUS/PROFINET: Comunicação Industrial</a:t>
             </a:r>
           </a:p>
         </p:txBody>
@@ -9118,7 +9308,13 @@
   <p:cSld>
     <p:spTree>
       <p:nvGrpSpPr>
-        <p:cNvPr id="1" name=""/>
+        <p:cNvPr id="1" name="">
+          <a:extLst>
+            <a:ext uri="{FF2B5EF4-FFF2-40B4-BE49-F238E27FC236}">
+              <a16:creationId xmlns:a16="http://schemas.microsoft.com/office/drawing/2014/main" id="{D0C5D0D6-8442-F8DA-33BD-B95ABC7E2AED}"/>
+            </a:ext>
+          </a:extLst>
+        </p:cNvPr>
         <p:cNvGrpSpPr/>
         <p:nvPr/>
       </p:nvGrpSpPr>
@@ -9132,7 +9328,13 @@
       </p:grpSpPr>
       <p:sp>
         <p:nvSpPr>
-          <p:cNvPr id="6" name="Title 1"/>
+          <p:cNvPr id="6" name="Title 1">
+            <a:extLst>
+              <a:ext uri="{FF2B5EF4-FFF2-40B4-BE49-F238E27FC236}">
+                <a16:creationId xmlns:a16="http://schemas.microsoft.com/office/drawing/2014/main" id="{DC54187B-705C-D62B-2443-AED97DF41F89}"/>
+              </a:ext>
+            </a:extLst>
+          </p:cNvPr>
           <p:cNvSpPr>
             <a:spLocks noGrp="1"/>
           </p:cNvSpPr>
@@ -9153,12 +9355,20 @@
           <a:lstStyle/>
           <a:p>
             <a:r>
+              <a:rPr lang="en-US" b="1" dirty="0">
+                <a:solidFill>
+                  <a:srgbClr val="0070C0"/>
+                </a:solidFill>
+              </a:rPr>
+              <a:t>CLP – </a:t>
+            </a:r>
+            <a:r>
               <a:rPr lang="en-US" b="1" dirty="0" err="1">
                 <a:solidFill>
                   <a:srgbClr val="0070C0"/>
                 </a:solidFill>
               </a:rPr>
-              <a:t>Leitura</a:t>
+              <a:t>Exemplo</a:t>
             </a:r>
             <a:r>
               <a:rPr lang="en-US" b="1" dirty="0">
@@ -9166,27 +9376,20 @@
                   <a:srgbClr val="0070C0"/>
                 </a:solidFill>
               </a:rPr>
-              <a:t> </a:t>
-            </a:r>
-            <a:r>
-              <a:rPr lang="en-US" b="1" dirty="0" err="1">
-                <a:solidFill>
-                  <a:srgbClr val="0070C0"/>
-                </a:solidFill>
-              </a:rPr>
-              <a:t>Específica</a:t>
-            </a:r>
-            <a:endParaRPr lang="en-US" b="1" dirty="0">
-              <a:solidFill>
-                <a:srgbClr val="0070C0"/>
-              </a:solidFill>
-            </a:endParaRPr>
+              <a:t> Rede Profibus</a:t>
+            </a:r>
           </a:p>
         </p:txBody>
       </p:sp>
       <p:sp>
         <p:nvSpPr>
-          <p:cNvPr id="8" name="Text Placeholder 2"/>
+          <p:cNvPr id="8" name="Text Placeholder 2">
+            <a:extLst>
+              <a:ext uri="{FF2B5EF4-FFF2-40B4-BE49-F238E27FC236}">
+                <a16:creationId xmlns:a16="http://schemas.microsoft.com/office/drawing/2014/main" id="{473EBE3F-B808-2960-73B1-1E6DCC8286CF}"/>
+              </a:ext>
+            </a:extLst>
+          </p:cNvPr>
           <p:cNvSpPr>
             <a:spLocks noGrp="1"/>
           </p:cNvSpPr>
@@ -9196,8 +9399,8 @@
         </p:nvSpPr>
         <p:spPr>
           <a:xfrm>
-            <a:off x="142865" y="1200150"/>
-            <a:ext cx="8865056" cy="3737369"/>
+            <a:off x="142865" y="1035050"/>
+            <a:ext cx="8865056" cy="3994150"/>
           </a:xfrm>
         </p:spPr>
         <p:txBody>
@@ -9210,101 +9413,209 @@
               <a:buNone/>
             </a:pPr>
             <a:r>
-              <a:rPr lang="pt-BR" sz="2200" dirty="0">
-                <a:latin typeface="Times New Roman" panose="02020603050405020304" pitchFamily="18" charset="0"/>
-                <a:cs typeface="Times New Roman" panose="02020603050405020304" pitchFamily="18" charset="0"/>
-              </a:rPr>
-              <a:t>[1] </a:t>
-            </a:r>
-            <a:r>
-              <a:rPr lang="pt-BR" sz="2200" b="1" dirty="0">
-                <a:latin typeface="Times New Roman" panose="02020603050405020304" pitchFamily="18" charset="0"/>
-                <a:cs typeface="Times New Roman" panose="02020603050405020304" pitchFamily="18" charset="0"/>
-              </a:rPr>
-              <a:t>Configuração </a:t>
-            </a:r>
-            <a:r>
-              <a:rPr lang="pt-BR" sz="2200" b="1" dirty="0" err="1">
-                <a:latin typeface="Times New Roman" panose="02020603050405020304" pitchFamily="18" charset="0"/>
-                <a:cs typeface="Times New Roman" panose="02020603050405020304" pitchFamily="18" charset="0"/>
-              </a:rPr>
-              <a:t>DigiGate</a:t>
-            </a:r>
-            <a:r>
-              <a:rPr lang="pt-BR" sz="2200" b="1" dirty="0">
-                <a:latin typeface="Times New Roman" panose="02020603050405020304" pitchFamily="18" charset="0"/>
-                <a:cs typeface="Times New Roman" panose="02020603050405020304" pitchFamily="18" charset="0"/>
-              </a:rPr>
-              <a:t> </a:t>
-            </a:r>
-            <a:r>
-              <a:rPr lang="pt-BR" sz="2200" b="1" dirty="0" err="1">
-                <a:latin typeface="Times New Roman" panose="02020603050405020304" pitchFamily="18" charset="0"/>
-                <a:cs typeface="Times New Roman" panose="02020603050405020304" pitchFamily="18" charset="0"/>
-              </a:rPr>
-              <a:t>Profibus</a:t>
-            </a:r>
-            <a:r>
-              <a:rPr lang="pt-BR" sz="2200" b="1" dirty="0">
-                <a:latin typeface="Times New Roman" panose="02020603050405020304" pitchFamily="18" charset="0"/>
-                <a:cs typeface="Times New Roman" panose="02020603050405020304" pitchFamily="18" charset="0"/>
-              </a:rPr>
-              <a:t>-DP + CLP Siemens S7-300</a:t>
-            </a:r>
-            <a:endParaRPr lang="pt-BR" sz="2200" dirty="0">
+              <a:rPr lang="pt-BR" sz="2400" b="1" dirty="0">
+                <a:latin typeface="Times New Roman" panose="02020603050405020304" pitchFamily="18" charset="0"/>
+                <a:cs typeface="Times New Roman" panose="02020603050405020304" pitchFamily="18" charset="0"/>
+              </a:rPr>
+              <a:t>Resultado esperado</a:t>
+            </a:r>
+          </a:p>
+          <a:p>
+            <a:pPr marL="0" indent="0" algn="just">
+              <a:buNone/>
+            </a:pPr>
+            <a:endParaRPr lang="pt-BR" sz="2400" dirty="0">
               <a:latin typeface="Times New Roman" panose="02020603050405020304" pitchFamily="18" charset="0"/>
               <a:cs typeface="Times New Roman" panose="02020603050405020304" pitchFamily="18" charset="0"/>
             </a:endParaRPr>
           </a:p>
           <a:p>
+            <a:pPr algn="just"/>
+            <a:r>
+              <a:rPr lang="pt-BR" sz="2400" b="1" dirty="0">
+                <a:solidFill>
+                  <a:srgbClr val="FF0000"/>
+                </a:solidFill>
+                <a:latin typeface="Times New Roman" panose="02020603050405020304" pitchFamily="18" charset="0"/>
+                <a:cs typeface="Times New Roman" panose="02020603050405020304" pitchFamily="18" charset="0"/>
+              </a:rPr>
+              <a:t>Rede </a:t>
+            </a:r>
+            <a:r>
+              <a:rPr lang="pt-BR" sz="2400" b="1" dirty="0" err="1">
+                <a:solidFill>
+                  <a:srgbClr val="FF0000"/>
+                </a:solidFill>
+                <a:latin typeface="Times New Roman" panose="02020603050405020304" pitchFamily="18" charset="0"/>
+                <a:cs typeface="Times New Roman" panose="02020603050405020304" pitchFamily="18" charset="0"/>
+              </a:rPr>
+              <a:t>Profibus</a:t>
+            </a:r>
+            <a:r>
+              <a:rPr lang="pt-BR" sz="2400" b="1" dirty="0">
+                <a:solidFill>
+                  <a:srgbClr val="FF0000"/>
+                </a:solidFill>
+                <a:latin typeface="Times New Roman" panose="02020603050405020304" pitchFamily="18" charset="0"/>
+                <a:cs typeface="Times New Roman" panose="02020603050405020304" pitchFamily="18" charset="0"/>
+              </a:rPr>
+              <a:t> </a:t>
+            </a:r>
+            <a:r>
+              <a:rPr lang="pt-BR" sz="2400" dirty="0">
+                <a:latin typeface="Times New Roman" panose="02020603050405020304" pitchFamily="18" charset="0"/>
+                <a:cs typeface="Times New Roman" panose="02020603050405020304" pitchFamily="18" charset="0"/>
+              </a:rPr>
+              <a:t>criada com o </a:t>
+            </a:r>
+            <a:r>
+              <a:rPr lang="pt-BR" sz="2400" b="1" dirty="0">
+                <a:latin typeface="Times New Roman" panose="02020603050405020304" pitchFamily="18" charset="0"/>
+                <a:cs typeface="Times New Roman" panose="02020603050405020304" pitchFamily="18" charset="0"/>
+              </a:rPr>
+              <a:t>mestre</a:t>
+            </a:r>
+            <a:r>
+              <a:rPr lang="pt-BR" sz="2400" dirty="0">
+                <a:latin typeface="Times New Roman" panose="02020603050405020304" pitchFamily="18" charset="0"/>
+                <a:cs typeface="Times New Roman" panose="02020603050405020304" pitchFamily="18" charset="0"/>
+              </a:rPr>
+              <a:t> e </a:t>
+            </a:r>
+            <a:r>
+              <a:rPr lang="pt-BR" sz="2400" b="1" dirty="0">
+                <a:latin typeface="Times New Roman" panose="02020603050405020304" pitchFamily="18" charset="0"/>
+                <a:cs typeface="Times New Roman" panose="02020603050405020304" pitchFamily="18" charset="0"/>
+              </a:rPr>
+              <a:t>dois escravos</a:t>
+            </a:r>
+            <a:r>
+              <a:rPr lang="pt-BR" sz="2400" dirty="0">
+                <a:latin typeface="Times New Roman" panose="02020603050405020304" pitchFamily="18" charset="0"/>
+                <a:cs typeface="Times New Roman" panose="02020603050405020304" pitchFamily="18" charset="0"/>
+              </a:rPr>
+              <a:t>.</a:t>
+            </a:r>
+          </a:p>
+          <a:p>
             <a:pPr marL="0" indent="0" algn="just">
               <a:buNone/>
             </a:pPr>
-            <a:r>
-              <a:rPr lang="pt-BR" sz="2200" b="1" dirty="0">
+            <a:endParaRPr lang="pt-BR" sz="2400" dirty="0">
+              <a:latin typeface="Times New Roman" panose="02020603050405020304" pitchFamily="18" charset="0"/>
+              <a:cs typeface="Times New Roman" panose="02020603050405020304" pitchFamily="18" charset="0"/>
+            </a:endParaRPr>
+          </a:p>
+          <a:p>
+            <a:pPr algn="just"/>
+            <a:r>
+              <a:rPr lang="pt-BR" sz="2400" b="1" dirty="0">
                 <a:solidFill>
                   <a:srgbClr val="FF0000"/>
                 </a:solidFill>
                 <a:latin typeface="Times New Roman" panose="02020603050405020304" pitchFamily="18" charset="0"/>
                 <a:cs typeface="Times New Roman" panose="02020603050405020304" pitchFamily="18" charset="0"/>
               </a:rPr>
-              <a:t>Disponível em:</a:t>
+              <a:t>Dispositivos</a:t>
+            </a:r>
+            <a:r>
+              <a:rPr lang="pt-BR" sz="2400" dirty="0">
+                <a:latin typeface="Times New Roman" panose="02020603050405020304" pitchFamily="18" charset="0"/>
+                <a:cs typeface="Times New Roman" panose="02020603050405020304" pitchFamily="18" charset="0"/>
+              </a:rPr>
+              <a:t> com </a:t>
+            </a:r>
+            <a:r>
+              <a:rPr lang="pt-BR" sz="2400" b="1" dirty="0">
+                <a:latin typeface="Times New Roman" panose="02020603050405020304" pitchFamily="18" charset="0"/>
+                <a:cs typeface="Times New Roman" panose="02020603050405020304" pitchFamily="18" charset="0"/>
+              </a:rPr>
+              <a:t>endereços distintos </a:t>
+            </a:r>
+            <a:r>
+              <a:rPr lang="pt-BR" sz="2400" dirty="0">
+                <a:latin typeface="Times New Roman" panose="02020603050405020304" pitchFamily="18" charset="0"/>
+                <a:cs typeface="Times New Roman" panose="02020603050405020304" pitchFamily="18" charset="0"/>
+              </a:rPr>
+              <a:t>e </a:t>
+            </a:r>
+            <a:r>
+              <a:rPr lang="pt-BR" sz="2400" b="1" dirty="0">
+                <a:latin typeface="Times New Roman" panose="02020603050405020304" pitchFamily="18" charset="0"/>
+                <a:cs typeface="Times New Roman" panose="02020603050405020304" pitchFamily="18" charset="0"/>
+              </a:rPr>
+              <a:t>conectados</a:t>
+            </a:r>
+            <a:r>
+              <a:rPr lang="pt-BR" sz="2400" dirty="0">
+                <a:latin typeface="Times New Roman" panose="02020603050405020304" pitchFamily="18" charset="0"/>
+                <a:cs typeface="Times New Roman" panose="02020603050405020304" pitchFamily="18" charset="0"/>
+              </a:rPr>
+              <a:t> na mesma rede.</a:t>
             </a:r>
           </a:p>
           <a:p>
             <a:pPr marL="0" indent="0" algn="just">
               <a:buNone/>
             </a:pPr>
-            <a:r>
-              <a:rPr lang="pt-BR" sz="2200" dirty="0">
+            <a:endParaRPr lang="pt-BR" sz="2400" dirty="0">
+              <a:latin typeface="Times New Roman" panose="02020603050405020304" pitchFamily="18" charset="0"/>
+              <a:cs typeface="Times New Roman" panose="02020603050405020304" pitchFamily="18" charset="0"/>
+            </a:endParaRPr>
+          </a:p>
+          <a:p>
+            <a:pPr algn="just"/>
+            <a:r>
+              <a:rPr lang="pt-BR" sz="2400" b="1" dirty="0">
                 <a:solidFill>
                   <a:srgbClr val="FF0000"/>
                 </a:solidFill>
                 <a:latin typeface="Times New Roman" panose="02020603050405020304" pitchFamily="18" charset="0"/>
                 <a:cs typeface="Times New Roman" panose="02020603050405020304" pitchFamily="18" charset="0"/>
-                <a:hlinkClick r:id="rId3"/>
-              </a:rPr>
-              <a:t>https://cdn.novusautomation.com/downloads/tutorial%20usando%20digigate%20novus%20com%20clp%20siemens.pdf</a:t>
-            </a:r>
-            <a:r>
-              <a:rPr lang="pt-BR" sz="2200" dirty="0">
-                <a:solidFill>
-                  <a:srgbClr val="FF0000"/>
-                </a:solidFill>
-                <a:latin typeface="Times New Roman" panose="02020603050405020304" pitchFamily="18" charset="0"/>
-                <a:cs typeface="Times New Roman" panose="02020603050405020304" pitchFamily="18" charset="0"/>
-              </a:rPr>
-              <a:t> </a:t>
+              </a:rPr>
+              <a:t>Ciclo de rede </a:t>
+            </a:r>
+            <a:r>
+              <a:rPr lang="pt-BR" sz="2400" dirty="0">
+                <a:latin typeface="Times New Roman" panose="02020603050405020304" pitchFamily="18" charset="0"/>
+                <a:cs typeface="Times New Roman" panose="02020603050405020304" pitchFamily="18" charset="0"/>
+              </a:rPr>
+              <a:t>otimizado conforme a </a:t>
+            </a:r>
+            <a:r>
+              <a:rPr lang="pt-BR" sz="2400" b="1" dirty="0">
+                <a:latin typeface="Times New Roman" panose="02020603050405020304" pitchFamily="18" charset="0"/>
+                <a:cs typeface="Times New Roman" panose="02020603050405020304" pitchFamily="18" charset="0"/>
+              </a:rPr>
+              <a:t>carga</a:t>
+            </a:r>
+            <a:r>
+              <a:rPr lang="pt-BR" sz="2400" dirty="0">
+                <a:latin typeface="Times New Roman" panose="02020603050405020304" pitchFamily="18" charset="0"/>
+                <a:cs typeface="Times New Roman" panose="02020603050405020304" pitchFamily="18" charset="0"/>
+              </a:rPr>
+              <a:t> (média de 10–20 </a:t>
+            </a:r>
+            <a:r>
+              <a:rPr lang="pt-BR" sz="2400" dirty="0" err="1">
+                <a:latin typeface="Times New Roman" panose="02020603050405020304" pitchFamily="18" charset="0"/>
+                <a:cs typeface="Times New Roman" panose="02020603050405020304" pitchFamily="18" charset="0"/>
+              </a:rPr>
+              <a:t>ms</a:t>
+            </a:r>
+            <a:r>
+              <a:rPr lang="pt-BR" sz="2400" dirty="0">
+                <a:latin typeface="Times New Roman" panose="02020603050405020304" pitchFamily="18" charset="0"/>
+                <a:cs typeface="Times New Roman" panose="02020603050405020304" pitchFamily="18" charset="0"/>
+              </a:rPr>
+              <a:t>).</a:t>
             </a:r>
           </a:p>
           <a:p>
             <a:pPr marL="0" indent="0" algn="just">
               <a:buNone/>
             </a:pPr>
-            <a:endParaRPr lang="pt-BR" sz="2200" dirty="0">
-              <a:solidFill>
-                <a:srgbClr val="FF0000"/>
-              </a:solidFill>
+            <a:endParaRPr lang="pt-BR" sz="2400" dirty="0">
               <a:latin typeface="Times New Roman" panose="02020603050405020304" pitchFamily="18" charset="0"/>
               <a:cs typeface="Times New Roman" panose="02020603050405020304" pitchFamily="18" charset="0"/>
             </a:endParaRPr>
@@ -9313,70 +9624,9 @@
             <a:pPr marL="0" indent="0" algn="just">
               <a:buNone/>
             </a:pPr>
-            <a:endParaRPr lang="pt-BR" sz="2200" b="1" dirty="0">
-              <a:solidFill>
-                <a:srgbClr val="FF0000"/>
-              </a:solidFill>
+            <a:endParaRPr lang="pt-BR" sz="2400" dirty="0">
               <a:latin typeface="Times New Roman" panose="02020603050405020304" pitchFamily="18" charset="0"/>
               <a:cs typeface="Times New Roman" panose="02020603050405020304" pitchFamily="18" charset="0"/>
-            </a:endParaRPr>
-          </a:p>
-          <a:p>
-            <a:pPr marL="0" indent="0" algn="just">
-              <a:buNone/>
-            </a:pPr>
-            <a:r>
-              <a:rPr lang="pt-BR" sz="2200" dirty="0">
-                <a:latin typeface="Times New Roman" panose="02020603050405020304" pitchFamily="18" charset="0"/>
-                <a:cs typeface="Times New Roman" panose="02020603050405020304" pitchFamily="18" charset="0"/>
-              </a:rPr>
-              <a:t>[2] </a:t>
-            </a:r>
-            <a:r>
-              <a:rPr lang="pt-BR" sz="2200" b="1" dirty="0">
-                <a:latin typeface="Times New Roman" panose="02020603050405020304" pitchFamily="18" charset="0"/>
-                <a:cs typeface="Times New Roman" panose="02020603050405020304" pitchFamily="18" charset="0"/>
-              </a:rPr>
-              <a:t>Profibus.org – Site Oficial da Tecnologia PROFIBUS e PROFINET</a:t>
-            </a:r>
-          </a:p>
-          <a:p>
-            <a:pPr marL="0" indent="0" algn="just">
-              <a:buNone/>
-            </a:pPr>
-            <a:r>
-              <a:rPr lang="pt-BR" sz="2200" b="1" dirty="0">
-                <a:solidFill>
-                  <a:srgbClr val="FF0000"/>
-                </a:solidFill>
-                <a:latin typeface="Times New Roman" panose="02020603050405020304" pitchFamily="18" charset="0"/>
-                <a:cs typeface="Times New Roman" panose="02020603050405020304" pitchFamily="18" charset="0"/>
-              </a:rPr>
-              <a:t>Disponível em: </a:t>
-            </a:r>
-            <a:r>
-              <a:rPr lang="pt-BR" sz="2200" dirty="0">
-                <a:solidFill>
-                  <a:srgbClr val="FF0000"/>
-                </a:solidFill>
-                <a:latin typeface="Times New Roman" panose="02020603050405020304" pitchFamily="18" charset="0"/>
-                <a:cs typeface="Times New Roman" panose="02020603050405020304" pitchFamily="18" charset="0"/>
-                <a:hlinkClick r:id="rId4"/>
-              </a:rPr>
-              <a:t>https://www.profibus.com/</a:t>
-            </a:r>
-            <a:r>
-              <a:rPr lang="pt-BR" sz="2200" dirty="0">
-                <a:solidFill>
-                  <a:srgbClr val="FF0000"/>
-                </a:solidFill>
-                <a:latin typeface="Times New Roman" panose="02020603050405020304" pitchFamily="18" charset="0"/>
-                <a:cs typeface="Times New Roman" panose="02020603050405020304" pitchFamily="18" charset="0"/>
-              </a:rPr>
-              <a:t> </a:t>
-            </a:r>
-            <a:endParaRPr lang="pt-BR" sz="2200" dirty="0">
-              <a:latin typeface="Calibri" panose="020F0502020204030204" pitchFamily="34" charset="0"/>
             </a:endParaRPr>
           </a:p>
         </p:txBody>
@@ -9384,7 +9634,7 @@
     </p:spTree>
     <p:extLst>
       <p:ext uri="{BB962C8B-B14F-4D97-AF65-F5344CB8AC3E}">
-        <p14:creationId xmlns:p14="http://schemas.microsoft.com/office/powerpoint/2010/main" val="3680270425"/>
+        <p14:creationId xmlns:p14="http://schemas.microsoft.com/office/powerpoint/2010/main" val="3591029890"/>
       </p:ext>
     </p:extLst>
   </p:cSld>
@@ -9396,6 +9646,181 @@
 </file>
 
 <file path=ppt/slides/slide21.xml><?xml version="1.0" encoding="utf-8"?>
+<p:sld xmlns:a="http://schemas.openxmlformats.org/drawingml/2006/main" xmlns:r="http://schemas.openxmlformats.org/officeDocument/2006/relationships" xmlns:p="http://schemas.openxmlformats.org/presentationml/2006/main">
+  <p:cSld>
+    <p:spTree>
+      <p:nvGrpSpPr>
+        <p:cNvPr id="1" name="">
+          <a:extLst>
+            <a:ext uri="{FF2B5EF4-FFF2-40B4-BE49-F238E27FC236}">
+              <a16:creationId xmlns:a16="http://schemas.microsoft.com/office/drawing/2014/main" id="{E9FCBB39-98CE-9DF8-5E16-E6AFA73F2FD5}"/>
+            </a:ext>
+          </a:extLst>
+        </p:cNvPr>
+        <p:cNvGrpSpPr/>
+        <p:nvPr/>
+      </p:nvGrpSpPr>
+      <p:grpSpPr>
+        <a:xfrm>
+          <a:off x="0" y="0"/>
+          <a:ext cx="0" cy="0"/>
+          <a:chOff x="0" y="0"/>
+          <a:chExt cx="0" cy="0"/>
+        </a:xfrm>
+      </p:grpSpPr>
+      <p:sp>
+        <p:nvSpPr>
+          <p:cNvPr id="6" name="Title 1">
+            <a:extLst>
+              <a:ext uri="{FF2B5EF4-FFF2-40B4-BE49-F238E27FC236}">
+                <a16:creationId xmlns:a16="http://schemas.microsoft.com/office/drawing/2014/main" id="{71266F2B-D586-8146-7320-0F8A86E5BDA4}"/>
+              </a:ext>
+            </a:extLst>
+          </p:cNvPr>
+          <p:cNvSpPr>
+            <a:spLocks noGrp="1"/>
+          </p:cNvSpPr>
+          <p:nvPr>
+            <p:ph type="title"/>
+          </p:nvPr>
+        </p:nvSpPr>
+        <p:spPr>
+          <a:xfrm>
+            <a:off x="457200" y="205980"/>
+            <a:ext cx="8229600" cy="857251"/>
+          </a:xfrm>
+        </p:spPr>
+        <p:txBody>
+          <a:bodyPr>
+            <a:normAutofit/>
+          </a:bodyPr>
+          <a:lstStyle/>
+          <a:p>
+            <a:r>
+              <a:rPr lang="en-US" b="1" dirty="0">
+                <a:solidFill>
+                  <a:srgbClr val="0070C0"/>
+                </a:solidFill>
+              </a:rPr>
+              <a:t>CLP – </a:t>
+            </a:r>
+            <a:r>
+              <a:rPr lang="en-US" b="1" dirty="0" err="1">
+                <a:solidFill>
+                  <a:srgbClr val="0070C0"/>
+                </a:solidFill>
+              </a:rPr>
+              <a:t>Exemplo</a:t>
+            </a:r>
+            <a:r>
+              <a:rPr lang="en-US" b="1" dirty="0">
+                <a:solidFill>
+                  <a:srgbClr val="0070C0"/>
+                </a:solidFill>
+              </a:rPr>
+              <a:t> Rede Profibus</a:t>
+            </a:r>
+          </a:p>
+        </p:txBody>
+      </p:sp>
+      <p:sp>
+        <p:nvSpPr>
+          <p:cNvPr id="8" name="Text Placeholder 2">
+            <a:extLst>
+              <a:ext uri="{FF2B5EF4-FFF2-40B4-BE49-F238E27FC236}">
+                <a16:creationId xmlns:a16="http://schemas.microsoft.com/office/drawing/2014/main" id="{7BE0BEC1-1D7F-64F1-6AA8-251BD5FF026D}"/>
+              </a:ext>
+            </a:extLst>
+          </p:cNvPr>
+          <p:cNvSpPr>
+            <a:spLocks noGrp="1"/>
+          </p:cNvSpPr>
+          <p:nvPr>
+            <p:ph type="body" sz="half" idx="1"/>
+          </p:nvPr>
+        </p:nvSpPr>
+        <p:spPr>
+          <a:xfrm>
+            <a:off x="142865" y="1035050"/>
+            <a:ext cx="8865056" cy="3994150"/>
+          </a:xfrm>
+        </p:spPr>
+        <p:txBody>
+          <a:bodyPr>
+            <a:noAutofit/>
+          </a:bodyPr>
+          <a:lstStyle/>
+          <a:p>
+            <a:pPr marL="0" indent="0" algn="just">
+              <a:buNone/>
+            </a:pPr>
+            <a:endParaRPr lang="pt-BR" sz="2200" b="1" dirty="0">
+              <a:latin typeface="Times New Roman" panose="02020603050405020304" pitchFamily="18" charset="0"/>
+              <a:cs typeface="Times New Roman" panose="02020603050405020304" pitchFamily="18" charset="0"/>
+            </a:endParaRPr>
+          </a:p>
+          <a:p>
+            <a:pPr marL="0" indent="0" algn="just">
+              <a:buNone/>
+            </a:pPr>
+            <a:endParaRPr lang="pt-BR" sz="2200" dirty="0">
+              <a:latin typeface="Times New Roman" panose="02020603050405020304" pitchFamily="18" charset="0"/>
+              <a:cs typeface="Times New Roman" panose="02020603050405020304" pitchFamily="18" charset="0"/>
+            </a:endParaRPr>
+          </a:p>
+        </p:txBody>
+      </p:sp>
+      <p:pic>
+        <p:nvPicPr>
+          <p:cNvPr id="4" name="Imagem 3" descr="Interface gráfica do usuário&#10;&#10;O conteúdo gerado por IA pode estar incorreto.">
+            <a:extLst>
+              <a:ext uri="{FF2B5EF4-FFF2-40B4-BE49-F238E27FC236}">
+                <a16:creationId xmlns:a16="http://schemas.microsoft.com/office/drawing/2014/main" id="{06B1594F-71C3-5E47-5C4E-1E955FF7414F}"/>
+              </a:ext>
+            </a:extLst>
+          </p:cNvPr>
+          <p:cNvPicPr>
+            <a:picLocks noChangeAspect="1"/>
+          </p:cNvPicPr>
+          <p:nvPr/>
+        </p:nvPicPr>
+        <p:blipFill>
+          <a:blip r:embed="rId3" cstate="print">
+            <a:extLst>
+              <a:ext uri="{28A0092B-C50C-407E-A947-70E740481C1C}">
+                <a14:useLocalDpi xmlns:a14="http://schemas.microsoft.com/office/drawing/2010/main" val="0"/>
+              </a:ext>
+            </a:extLst>
+          </a:blip>
+          <a:stretch>
+            <a:fillRect/>
+          </a:stretch>
+        </p:blipFill>
+        <p:spPr>
+          <a:xfrm>
+            <a:off x="1001869" y="943370"/>
+            <a:ext cx="5991225" cy="3994150"/>
+          </a:xfrm>
+          <a:prstGeom prst="rect">
+            <a:avLst/>
+          </a:prstGeom>
+        </p:spPr>
+      </p:pic>
+    </p:spTree>
+    <p:extLst>
+      <p:ext uri="{BB962C8B-B14F-4D97-AF65-F5344CB8AC3E}">
+        <p14:creationId xmlns:p14="http://schemas.microsoft.com/office/powerpoint/2010/main" val="1823689352"/>
+      </p:ext>
+    </p:extLst>
+  </p:cSld>
+  <p:clrMapOvr>
+    <a:masterClrMapping/>
+  </p:clrMapOvr>
+  <p:transition spd="med"/>
+</p:sld>
+</file>
+
+<file path=ppt/slides/slide22.xml><?xml version="1.0" encoding="utf-8"?>
 <p:sld xmlns:a="http://schemas.openxmlformats.org/drawingml/2006/main" xmlns:r="http://schemas.openxmlformats.org/officeDocument/2006/relationships" xmlns:p="http://schemas.openxmlformats.org/presentationml/2006/main">
   <p:cSld>
     <p:spTree>
@@ -9440,6 +9865,288 @@
                   <a:srgbClr val="0070C0"/>
                 </a:solidFill>
               </a:rPr>
+              <a:t>Leitura</a:t>
+            </a:r>
+            <a:r>
+              <a:rPr lang="en-US" b="1" dirty="0">
+                <a:solidFill>
+                  <a:srgbClr val="0070C0"/>
+                </a:solidFill>
+              </a:rPr>
+              <a:t> </a:t>
+            </a:r>
+            <a:r>
+              <a:rPr lang="en-US" b="1" dirty="0" err="1">
+                <a:solidFill>
+                  <a:srgbClr val="0070C0"/>
+                </a:solidFill>
+              </a:rPr>
+              <a:t>Específica</a:t>
+            </a:r>
+            <a:endParaRPr lang="en-US" b="1" dirty="0">
+              <a:solidFill>
+                <a:srgbClr val="0070C0"/>
+              </a:solidFill>
+            </a:endParaRPr>
+          </a:p>
+        </p:txBody>
+      </p:sp>
+      <p:sp>
+        <p:nvSpPr>
+          <p:cNvPr id="8" name="Text Placeholder 2"/>
+          <p:cNvSpPr>
+            <a:spLocks noGrp="1"/>
+          </p:cNvSpPr>
+          <p:nvPr>
+            <p:ph type="body" sz="half" idx="1"/>
+          </p:nvPr>
+        </p:nvSpPr>
+        <p:spPr>
+          <a:xfrm>
+            <a:off x="142865" y="1200150"/>
+            <a:ext cx="8865056" cy="3737369"/>
+          </a:xfrm>
+        </p:spPr>
+        <p:txBody>
+          <a:bodyPr>
+            <a:noAutofit/>
+          </a:bodyPr>
+          <a:lstStyle/>
+          <a:p>
+            <a:pPr marL="0" indent="0" algn="just">
+              <a:buNone/>
+            </a:pPr>
+            <a:r>
+              <a:rPr lang="pt-BR" sz="2200" dirty="0">
+                <a:latin typeface="Times New Roman" panose="02020603050405020304" pitchFamily="18" charset="0"/>
+                <a:cs typeface="Times New Roman" panose="02020603050405020304" pitchFamily="18" charset="0"/>
+              </a:rPr>
+              <a:t>[1] </a:t>
+            </a:r>
+            <a:r>
+              <a:rPr lang="pt-BR" sz="2200" b="1" dirty="0">
+                <a:latin typeface="Times New Roman" panose="02020603050405020304" pitchFamily="18" charset="0"/>
+                <a:cs typeface="Times New Roman" panose="02020603050405020304" pitchFamily="18" charset="0"/>
+              </a:rPr>
+              <a:t>Configuração </a:t>
+            </a:r>
+            <a:r>
+              <a:rPr lang="pt-BR" sz="2200" b="1" dirty="0" err="1">
+                <a:latin typeface="Times New Roman" panose="02020603050405020304" pitchFamily="18" charset="0"/>
+                <a:cs typeface="Times New Roman" panose="02020603050405020304" pitchFamily="18" charset="0"/>
+              </a:rPr>
+              <a:t>DigiGate</a:t>
+            </a:r>
+            <a:r>
+              <a:rPr lang="pt-BR" sz="2200" b="1" dirty="0">
+                <a:latin typeface="Times New Roman" panose="02020603050405020304" pitchFamily="18" charset="0"/>
+                <a:cs typeface="Times New Roman" panose="02020603050405020304" pitchFamily="18" charset="0"/>
+              </a:rPr>
+              <a:t> </a:t>
+            </a:r>
+            <a:r>
+              <a:rPr lang="pt-BR" sz="2200" b="1" dirty="0" err="1">
+                <a:latin typeface="Times New Roman" panose="02020603050405020304" pitchFamily="18" charset="0"/>
+                <a:cs typeface="Times New Roman" panose="02020603050405020304" pitchFamily="18" charset="0"/>
+              </a:rPr>
+              <a:t>Profibus</a:t>
+            </a:r>
+            <a:r>
+              <a:rPr lang="pt-BR" sz="2200" b="1" dirty="0">
+                <a:latin typeface="Times New Roman" panose="02020603050405020304" pitchFamily="18" charset="0"/>
+                <a:cs typeface="Times New Roman" panose="02020603050405020304" pitchFamily="18" charset="0"/>
+              </a:rPr>
+              <a:t>-DP + CLP Siemens S7-300</a:t>
+            </a:r>
+            <a:endParaRPr lang="pt-BR" sz="2200" dirty="0">
+              <a:latin typeface="Times New Roman" panose="02020603050405020304" pitchFamily="18" charset="0"/>
+              <a:cs typeface="Times New Roman" panose="02020603050405020304" pitchFamily="18" charset="0"/>
+            </a:endParaRPr>
+          </a:p>
+          <a:p>
+            <a:pPr marL="0" indent="0" algn="just">
+              <a:buNone/>
+            </a:pPr>
+            <a:r>
+              <a:rPr lang="pt-BR" sz="2200" b="1" dirty="0">
+                <a:solidFill>
+                  <a:srgbClr val="FF0000"/>
+                </a:solidFill>
+                <a:latin typeface="Times New Roman" panose="02020603050405020304" pitchFamily="18" charset="0"/>
+                <a:cs typeface="Times New Roman" panose="02020603050405020304" pitchFamily="18" charset="0"/>
+              </a:rPr>
+              <a:t>Disponível em:</a:t>
+            </a:r>
+          </a:p>
+          <a:p>
+            <a:pPr marL="0" indent="0" algn="just">
+              <a:buNone/>
+            </a:pPr>
+            <a:r>
+              <a:rPr lang="pt-BR" sz="2200" dirty="0">
+                <a:solidFill>
+                  <a:srgbClr val="FF0000"/>
+                </a:solidFill>
+                <a:latin typeface="Times New Roman" panose="02020603050405020304" pitchFamily="18" charset="0"/>
+                <a:cs typeface="Times New Roman" panose="02020603050405020304" pitchFamily="18" charset="0"/>
+                <a:hlinkClick r:id="rId3"/>
+              </a:rPr>
+              <a:t>https://cdn.novusautomation.com/downloads/tutorial%20usando%20digigate%20novus%20com%20clp%20siemens.pdf</a:t>
+            </a:r>
+            <a:r>
+              <a:rPr lang="pt-BR" sz="2200" dirty="0">
+                <a:solidFill>
+                  <a:srgbClr val="FF0000"/>
+                </a:solidFill>
+                <a:latin typeface="Times New Roman" panose="02020603050405020304" pitchFamily="18" charset="0"/>
+                <a:cs typeface="Times New Roman" panose="02020603050405020304" pitchFamily="18" charset="0"/>
+              </a:rPr>
+              <a:t> </a:t>
+            </a:r>
+          </a:p>
+          <a:p>
+            <a:pPr marL="0" indent="0" algn="just">
+              <a:buNone/>
+            </a:pPr>
+            <a:endParaRPr lang="pt-BR" sz="2200" dirty="0">
+              <a:solidFill>
+                <a:srgbClr val="FF0000"/>
+              </a:solidFill>
+              <a:latin typeface="Times New Roman" panose="02020603050405020304" pitchFamily="18" charset="0"/>
+              <a:cs typeface="Times New Roman" panose="02020603050405020304" pitchFamily="18" charset="0"/>
+            </a:endParaRPr>
+          </a:p>
+          <a:p>
+            <a:pPr marL="0" indent="0" algn="just">
+              <a:buNone/>
+            </a:pPr>
+            <a:endParaRPr lang="pt-BR" sz="2200" b="1" dirty="0">
+              <a:solidFill>
+                <a:srgbClr val="FF0000"/>
+              </a:solidFill>
+              <a:latin typeface="Times New Roman" panose="02020603050405020304" pitchFamily="18" charset="0"/>
+              <a:cs typeface="Times New Roman" panose="02020603050405020304" pitchFamily="18" charset="0"/>
+            </a:endParaRPr>
+          </a:p>
+          <a:p>
+            <a:pPr marL="0" indent="0" algn="just">
+              <a:buNone/>
+            </a:pPr>
+            <a:r>
+              <a:rPr lang="pt-BR" sz="2200" dirty="0">
+                <a:latin typeface="Times New Roman" panose="02020603050405020304" pitchFamily="18" charset="0"/>
+                <a:cs typeface="Times New Roman" panose="02020603050405020304" pitchFamily="18" charset="0"/>
+              </a:rPr>
+              <a:t>[2] </a:t>
+            </a:r>
+            <a:r>
+              <a:rPr lang="pt-BR" sz="2200" b="1" dirty="0">
+                <a:latin typeface="Times New Roman" panose="02020603050405020304" pitchFamily="18" charset="0"/>
+                <a:cs typeface="Times New Roman" panose="02020603050405020304" pitchFamily="18" charset="0"/>
+              </a:rPr>
+              <a:t>Profibus.org – Site Oficial da Tecnologia PROFIBUS e PROFINET</a:t>
+            </a:r>
+          </a:p>
+          <a:p>
+            <a:pPr marL="0" indent="0" algn="just">
+              <a:buNone/>
+            </a:pPr>
+            <a:r>
+              <a:rPr lang="pt-BR" sz="2200" b="1" dirty="0">
+                <a:solidFill>
+                  <a:srgbClr val="FF0000"/>
+                </a:solidFill>
+                <a:latin typeface="Times New Roman" panose="02020603050405020304" pitchFamily="18" charset="0"/>
+                <a:cs typeface="Times New Roman" panose="02020603050405020304" pitchFamily="18" charset="0"/>
+              </a:rPr>
+              <a:t>Disponível em: </a:t>
+            </a:r>
+            <a:r>
+              <a:rPr lang="pt-BR" sz="2200" dirty="0">
+                <a:solidFill>
+                  <a:srgbClr val="FF0000"/>
+                </a:solidFill>
+                <a:latin typeface="Times New Roman" panose="02020603050405020304" pitchFamily="18" charset="0"/>
+                <a:cs typeface="Times New Roman" panose="02020603050405020304" pitchFamily="18" charset="0"/>
+                <a:hlinkClick r:id="rId4"/>
+              </a:rPr>
+              <a:t>https://www.profibus.com/</a:t>
+            </a:r>
+            <a:r>
+              <a:rPr lang="pt-BR" sz="2200" dirty="0">
+                <a:solidFill>
+                  <a:srgbClr val="FF0000"/>
+                </a:solidFill>
+                <a:latin typeface="Times New Roman" panose="02020603050405020304" pitchFamily="18" charset="0"/>
+                <a:cs typeface="Times New Roman" panose="02020603050405020304" pitchFamily="18" charset="0"/>
+              </a:rPr>
+              <a:t> </a:t>
+            </a:r>
+            <a:endParaRPr lang="pt-BR" sz="2200" dirty="0">
+              <a:latin typeface="Calibri" panose="020F0502020204030204" pitchFamily="34" charset="0"/>
+            </a:endParaRPr>
+          </a:p>
+        </p:txBody>
+      </p:sp>
+    </p:spTree>
+    <p:extLst>
+      <p:ext uri="{BB962C8B-B14F-4D97-AF65-F5344CB8AC3E}">
+        <p14:creationId xmlns:p14="http://schemas.microsoft.com/office/powerpoint/2010/main" val="3680270425"/>
+      </p:ext>
+    </p:extLst>
+  </p:cSld>
+  <p:clrMapOvr>
+    <a:masterClrMapping/>
+  </p:clrMapOvr>
+  <p:transition spd="med"/>
+</p:sld>
+</file>
+
+<file path=ppt/slides/slide23.xml><?xml version="1.0" encoding="utf-8"?>
+<p:sld xmlns:a="http://schemas.openxmlformats.org/drawingml/2006/main" xmlns:r="http://schemas.openxmlformats.org/officeDocument/2006/relationships" xmlns:p="http://schemas.openxmlformats.org/presentationml/2006/main">
+  <p:cSld>
+    <p:spTree>
+      <p:nvGrpSpPr>
+        <p:cNvPr id="1" name=""/>
+        <p:cNvGrpSpPr/>
+        <p:nvPr/>
+      </p:nvGrpSpPr>
+      <p:grpSpPr>
+        <a:xfrm>
+          <a:off x="0" y="0"/>
+          <a:ext cx="0" cy="0"/>
+          <a:chOff x="0" y="0"/>
+          <a:chExt cx="0" cy="0"/>
+        </a:xfrm>
+      </p:grpSpPr>
+      <p:sp>
+        <p:nvSpPr>
+          <p:cNvPr id="6" name="Title 1"/>
+          <p:cNvSpPr>
+            <a:spLocks noGrp="1"/>
+          </p:cNvSpPr>
+          <p:nvPr>
+            <p:ph type="title"/>
+          </p:nvPr>
+        </p:nvSpPr>
+        <p:spPr>
+          <a:xfrm>
+            <a:off x="457200" y="205980"/>
+            <a:ext cx="8229600" cy="857251"/>
+          </a:xfrm>
+        </p:spPr>
+        <p:txBody>
+          <a:bodyPr>
+            <a:normAutofit/>
+          </a:bodyPr>
+          <a:lstStyle/>
+          <a:p>
+            <a:r>
+              <a:rPr lang="en-US" b="1" dirty="0" err="1">
+                <a:solidFill>
+                  <a:srgbClr val="0070C0"/>
+                </a:solidFill>
+              </a:rPr>
               <a:t>Aprenda</a:t>
             </a:r>
             <a:r>
@@ -9614,7 +10321,7 @@
 </p:sld>
 </file>
 
-<file path=ppt/slides/slide22.xml><?xml version="1.0" encoding="utf-8"?>
+<file path=ppt/slides/slide24.xml><?xml version="1.0" encoding="utf-8"?>
 <p:sld xmlns:a="http://schemas.openxmlformats.org/drawingml/2006/main" xmlns:r="http://schemas.openxmlformats.org/officeDocument/2006/relationships" xmlns:p="http://schemas.openxmlformats.org/presentationml/2006/main">
   <p:cSld>
     <p:spTree>
@@ -9827,7 +10534,7 @@
 </p:sld>
 </file>
 
-<file path=ppt/slides/slide23.xml><?xml version="1.0" encoding="utf-8"?>
+<file path=ppt/slides/slide25.xml><?xml version="1.0" encoding="utf-8"?>
 <p:sld xmlns:a="http://schemas.openxmlformats.org/drawingml/2006/main" xmlns:r="http://schemas.openxmlformats.org/officeDocument/2006/relationships" xmlns:p="http://schemas.openxmlformats.org/presentationml/2006/main">
   <p:cSld>
     <p:spTree>
@@ -10052,7 +10759,7 @@
 </p:sld>
 </file>
 
-<file path=ppt/slides/slide24.xml><?xml version="1.0" encoding="utf-8"?>
+<file path=ppt/slides/slide26.xml><?xml version="1.0" encoding="utf-8"?>
 <p:sld xmlns:a="http://schemas.openxmlformats.org/drawingml/2006/main" xmlns:r="http://schemas.openxmlformats.org/officeDocument/2006/relationships" xmlns:p="http://schemas.openxmlformats.org/presentationml/2006/main">
   <p:cSld>
     <p:spTree>
@@ -10359,7 +11066,7 @@
 </p:sld>
 </file>
 
-<file path=ppt/slides/slide25.xml><?xml version="1.0" encoding="utf-8"?>
+<file path=ppt/slides/slide27.xml><?xml version="1.0" encoding="utf-8"?>
 <p:sld xmlns:a="http://schemas.openxmlformats.org/drawingml/2006/main" xmlns:r="http://schemas.openxmlformats.org/officeDocument/2006/relationships" xmlns:p="http://schemas.openxmlformats.org/presentationml/2006/main">
   <p:cSld>
     <p:spTree>
@@ -10572,7 +11279,7 @@
 </p:sld>
 </file>
 
-<file path=ppt/slides/slide26.xml><?xml version="1.0" encoding="utf-8"?>
+<file path=ppt/slides/slide28.xml><?xml version="1.0" encoding="utf-8"?>
 <p:sld xmlns:a="http://schemas.openxmlformats.org/drawingml/2006/main" xmlns:r="http://schemas.openxmlformats.org/officeDocument/2006/relationships" xmlns:p="http://schemas.openxmlformats.org/presentationml/2006/main">
   <p:cSld>
     <p:spTree>
@@ -10785,7 +11492,7 @@
 </p:sld>
 </file>
 
-<file path=ppt/slides/slide27.xml><?xml version="1.0" encoding="utf-8"?>
+<file path=ppt/slides/slide29.xml><?xml version="1.0" encoding="utf-8"?>
 <p:sld xmlns:a="http://schemas.openxmlformats.org/drawingml/2006/main" xmlns:r="http://schemas.openxmlformats.org/officeDocument/2006/relationships" xmlns:p="http://schemas.openxmlformats.org/presentationml/2006/main">
   <p:cSld>
     <p:spTree>
@@ -11103,7 +11810,435 @@
 </p:sld>
 </file>
 
-<file path=ppt/slides/slide28.xml><?xml version="1.0" encoding="utf-8"?>
+<file path=ppt/slides/slide3.xml><?xml version="1.0" encoding="utf-8"?>
+<p:sld xmlns:a="http://schemas.openxmlformats.org/drawingml/2006/main" xmlns:r="http://schemas.openxmlformats.org/officeDocument/2006/relationships" xmlns:p="http://schemas.openxmlformats.org/presentationml/2006/main">
+  <p:cSld>
+    <p:spTree>
+      <p:nvGrpSpPr>
+        <p:cNvPr id="1" name="">
+          <a:extLst>
+            <a:ext uri="{FF2B5EF4-FFF2-40B4-BE49-F238E27FC236}">
+              <a16:creationId xmlns:a16="http://schemas.microsoft.com/office/drawing/2014/main" id="{AFFC8B2D-7443-68FB-D448-E738142EB99F}"/>
+            </a:ext>
+          </a:extLst>
+        </p:cNvPr>
+        <p:cNvGrpSpPr/>
+        <p:nvPr/>
+      </p:nvGrpSpPr>
+      <p:grpSpPr>
+        <a:xfrm>
+          <a:off x="0" y="0"/>
+          <a:ext cx="0" cy="0"/>
+          <a:chOff x="0" y="0"/>
+          <a:chExt cx="0" cy="0"/>
+        </a:xfrm>
+      </p:grpSpPr>
+      <p:sp>
+        <p:nvSpPr>
+          <p:cNvPr id="6" name="Title 1">
+            <a:extLst>
+              <a:ext uri="{FF2B5EF4-FFF2-40B4-BE49-F238E27FC236}">
+                <a16:creationId xmlns:a16="http://schemas.microsoft.com/office/drawing/2014/main" id="{0A36332F-AF5C-5EE7-4FDB-2DE89732CE38}"/>
+              </a:ext>
+            </a:extLst>
+          </p:cNvPr>
+          <p:cNvSpPr>
+            <a:spLocks noGrp="1"/>
+          </p:cNvSpPr>
+          <p:nvPr>
+            <p:ph type="title"/>
+          </p:nvPr>
+        </p:nvSpPr>
+        <p:spPr>
+          <a:xfrm>
+            <a:off x="457200" y="205980"/>
+            <a:ext cx="8229600" cy="857251"/>
+          </a:xfrm>
+        </p:spPr>
+        <p:txBody>
+          <a:bodyPr>
+            <a:normAutofit fontScale="90000"/>
+          </a:bodyPr>
+          <a:lstStyle/>
+          <a:p>
+            <a:r>
+              <a:rPr lang="en-US" b="1" dirty="0">
+                <a:solidFill>
+                  <a:srgbClr val="0070C0"/>
+                </a:solidFill>
+              </a:rPr>
+              <a:t>CLP – </a:t>
+            </a:r>
+            <a:r>
+              <a:rPr lang="en-US" b="1" dirty="0" err="1">
+                <a:solidFill>
+                  <a:srgbClr val="0070C0"/>
+                </a:solidFill>
+              </a:rPr>
+              <a:t>Introdução</a:t>
+            </a:r>
+            <a:r>
+              <a:rPr lang="en-US" b="1" dirty="0">
+                <a:solidFill>
+                  <a:srgbClr val="0070C0"/>
+                </a:solidFill>
+              </a:rPr>
+              <a:t> </a:t>
+            </a:r>
+            <a:r>
+              <a:rPr lang="en-US" b="1" dirty="0" err="1">
+                <a:solidFill>
+                  <a:srgbClr val="0070C0"/>
+                </a:solidFill>
+              </a:rPr>
+              <a:t>ás</a:t>
+            </a:r>
+            <a:r>
+              <a:rPr lang="en-US" b="1" dirty="0">
+                <a:solidFill>
+                  <a:srgbClr val="0070C0"/>
+                </a:solidFill>
+              </a:rPr>
+              <a:t> Redes </a:t>
+            </a:r>
+            <a:r>
+              <a:rPr lang="en-US" b="1" dirty="0" err="1">
+                <a:solidFill>
+                  <a:srgbClr val="0070C0"/>
+                </a:solidFill>
+              </a:rPr>
+              <a:t>Industriais</a:t>
+            </a:r>
+            <a:endParaRPr lang="en-US" b="1" dirty="0">
+              <a:solidFill>
+                <a:srgbClr val="0070C0"/>
+              </a:solidFill>
+            </a:endParaRPr>
+          </a:p>
+        </p:txBody>
+      </p:sp>
+      <p:sp>
+        <p:nvSpPr>
+          <p:cNvPr id="8" name="Text Placeholder 2">
+            <a:extLst>
+              <a:ext uri="{FF2B5EF4-FFF2-40B4-BE49-F238E27FC236}">
+                <a16:creationId xmlns:a16="http://schemas.microsoft.com/office/drawing/2014/main" id="{B1B1D734-DA2C-3DA6-0191-27F88C8EB709}"/>
+              </a:ext>
+            </a:extLst>
+          </p:cNvPr>
+          <p:cNvSpPr>
+            <a:spLocks noGrp="1"/>
+          </p:cNvSpPr>
+          <p:nvPr>
+            <p:ph type="body" sz="half" idx="1"/>
+          </p:nvPr>
+        </p:nvSpPr>
+        <p:spPr>
+          <a:xfrm>
+            <a:off x="142865" y="1035050"/>
+            <a:ext cx="8865056" cy="3994150"/>
+          </a:xfrm>
+        </p:spPr>
+        <p:txBody>
+          <a:bodyPr>
+            <a:noAutofit/>
+          </a:bodyPr>
+          <a:lstStyle/>
+          <a:p>
+            <a:pPr marL="0" indent="0" algn="just">
+              <a:buNone/>
+            </a:pPr>
+            <a:r>
+              <a:rPr lang="pt-BR" sz="2400" dirty="0">
+                <a:latin typeface="Times New Roman" panose="02020603050405020304" pitchFamily="18" charset="0"/>
+                <a:cs typeface="Times New Roman" panose="02020603050405020304" pitchFamily="18" charset="0"/>
+              </a:rPr>
+              <a:t>	</a:t>
+            </a:r>
+            <a:r>
+              <a:rPr lang="pt-BR" sz="2400" b="1" dirty="0">
+                <a:latin typeface="Times New Roman" panose="02020603050405020304" pitchFamily="18" charset="0"/>
+                <a:cs typeface="Times New Roman" panose="02020603050405020304" pitchFamily="18" charset="0"/>
+              </a:rPr>
+              <a:t>PLC</a:t>
+            </a:r>
+            <a:r>
+              <a:rPr lang="pt-BR" sz="2400" dirty="0">
+                <a:latin typeface="Times New Roman" panose="02020603050405020304" pitchFamily="18" charset="0"/>
+                <a:cs typeface="Times New Roman" panose="02020603050405020304" pitchFamily="18" charset="0"/>
+              </a:rPr>
+              <a:t> - </a:t>
+            </a:r>
+            <a:r>
+              <a:rPr lang="pt-BR" sz="2400" b="1" dirty="0">
+                <a:solidFill>
+                  <a:srgbClr val="002060"/>
+                </a:solidFill>
+                <a:latin typeface="Times New Roman" panose="02020603050405020304" pitchFamily="18" charset="0"/>
+                <a:cs typeface="Times New Roman" panose="02020603050405020304" pitchFamily="18" charset="0"/>
+              </a:rPr>
+              <a:t>Computador</a:t>
+            </a:r>
+            <a:r>
+              <a:rPr lang="pt-BR" sz="2400" dirty="0">
+                <a:latin typeface="Times New Roman" panose="02020603050405020304" pitchFamily="18" charset="0"/>
+                <a:cs typeface="Times New Roman" panose="02020603050405020304" pitchFamily="18" charset="0"/>
+              </a:rPr>
+              <a:t> que </a:t>
+            </a:r>
+            <a:r>
+              <a:rPr lang="pt-BR" sz="2400" b="1" dirty="0">
+                <a:solidFill>
+                  <a:srgbClr val="FF0000"/>
+                </a:solidFill>
+                <a:latin typeface="Times New Roman" panose="02020603050405020304" pitchFamily="18" charset="0"/>
+                <a:cs typeface="Times New Roman" panose="02020603050405020304" pitchFamily="18" charset="0"/>
+              </a:rPr>
+              <a:t>monitora e controla dispositivos de I/O</a:t>
+            </a:r>
+            <a:r>
+              <a:rPr lang="pt-BR" sz="2400" dirty="0">
+                <a:latin typeface="Times New Roman" panose="02020603050405020304" pitchFamily="18" charset="0"/>
+                <a:cs typeface="Times New Roman" panose="02020603050405020304" pitchFamily="18" charset="0"/>
+              </a:rPr>
+              <a:t>. </a:t>
+            </a:r>
+            <a:r>
+              <a:rPr lang="pt-BR" sz="2400" b="1" dirty="0">
+                <a:latin typeface="Times New Roman" panose="02020603050405020304" pitchFamily="18" charset="0"/>
+                <a:cs typeface="Times New Roman" panose="02020603050405020304" pitchFamily="18" charset="0"/>
+              </a:rPr>
+              <a:t>Recebem informações de sensores</a:t>
+            </a:r>
+            <a:r>
+              <a:rPr lang="pt-BR" sz="2400" dirty="0">
+                <a:latin typeface="Times New Roman" panose="02020603050405020304" pitchFamily="18" charset="0"/>
+                <a:cs typeface="Times New Roman" panose="02020603050405020304" pitchFamily="18" charset="0"/>
+              </a:rPr>
+              <a:t>, </a:t>
+            </a:r>
+            <a:r>
+              <a:rPr lang="pt-BR" sz="2400" b="1" dirty="0">
+                <a:solidFill>
+                  <a:srgbClr val="FF0000"/>
+                </a:solidFill>
+                <a:latin typeface="Times New Roman" panose="02020603050405020304" pitchFamily="18" charset="0"/>
+                <a:cs typeface="Times New Roman" panose="02020603050405020304" pitchFamily="18" charset="0"/>
+              </a:rPr>
+              <a:t>processam dados </a:t>
+            </a:r>
+            <a:r>
+              <a:rPr lang="pt-BR" sz="2400" dirty="0">
+                <a:latin typeface="Times New Roman" panose="02020603050405020304" pitchFamily="18" charset="0"/>
+                <a:cs typeface="Times New Roman" panose="02020603050405020304" pitchFamily="18" charset="0"/>
+              </a:rPr>
+              <a:t>e </a:t>
+            </a:r>
+            <a:r>
+              <a:rPr lang="pt-BR" sz="2400" b="1" dirty="0">
+                <a:latin typeface="Times New Roman" panose="02020603050405020304" pitchFamily="18" charset="0"/>
+                <a:cs typeface="Times New Roman" panose="02020603050405020304" pitchFamily="18" charset="0"/>
+              </a:rPr>
+              <a:t>enviam comandos para atuadores</a:t>
+            </a:r>
+            <a:r>
+              <a:rPr lang="pt-BR" sz="2400" dirty="0">
+                <a:latin typeface="Times New Roman" panose="02020603050405020304" pitchFamily="18" charset="0"/>
+                <a:cs typeface="Times New Roman" panose="02020603050405020304" pitchFamily="18" charset="0"/>
+              </a:rPr>
+              <a:t>, </a:t>
+            </a:r>
+            <a:r>
+              <a:rPr lang="pt-BR" sz="2400" b="1" dirty="0">
+                <a:solidFill>
+                  <a:schemeClr val="accent6">
+                    <a:lumMod val="50000"/>
+                  </a:schemeClr>
+                </a:solidFill>
+                <a:latin typeface="Times New Roman" panose="02020603050405020304" pitchFamily="18" charset="0"/>
+                <a:cs typeface="Times New Roman" panose="02020603050405020304" pitchFamily="18" charset="0"/>
+              </a:rPr>
+              <a:t>controla máquinas e/ou processos industriais</a:t>
+            </a:r>
+            <a:r>
+              <a:rPr lang="pt-BR" sz="2400" dirty="0">
+                <a:latin typeface="Times New Roman" panose="02020603050405020304" pitchFamily="18" charset="0"/>
+                <a:cs typeface="Times New Roman" panose="02020603050405020304" pitchFamily="18" charset="0"/>
+              </a:rPr>
+              <a:t>.</a:t>
+            </a:r>
+          </a:p>
+          <a:p>
+            <a:pPr marL="0" indent="0" algn="just">
+              <a:buNone/>
+            </a:pPr>
+            <a:endParaRPr lang="pt-BR" sz="2400" dirty="0">
+              <a:latin typeface="Times New Roman" panose="02020603050405020304" pitchFamily="18" charset="0"/>
+              <a:cs typeface="Times New Roman" panose="02020603050405020304" pitchFamily="18" charset="0"/>
+            </a:endParaRPr>
+          </a:p>
+          <a:p>
+            <a:pPr algn="just"/>
+            <a:r>
+              <a:rPr lang="pt-BR" sz="2400" b="1" dirty="0">
+                <a:latin typeface="Times New Roman" panose="02020603050405020304" pitchFamily="18" charset="0"/>
+                <a:cs typeface="Times New Roman" panose="02020603050405020304" pitchFamily="18" charset="0"/>
+              </a:rPr>
+              <a:t>Conectam dispositivos </a:t>
+            </a:r>
+            <a:r>
+              <a:rPr lang="pt-BR" sz="2400" dirty="0">
+                <a:latin typeface="Times New Roman" panose="02020603050405020304" pitchFamily="18" charset="0"/>
+                <a:cs typeface="Times New Roman" panose="02020603050405020304" pitchFamily="18" charset="0"/>
+              </a:rPr>
+              <a:t>em </a:t>
+            </a:r>
+            <a:r>
+              <a:rPr lang="pt-BR" sz="2400" b="1" dirty="0">
+                <a:solidFill>
+                  <a:srgbClr val="FF0000"/>
+                </a:solidFill>
+                <a:latin typeface="Times New Roman" panose="02020603050405020304" pitchFamily="18" charset="0"/>
+                <a:cs typeface="Times New Roman" panose="02020603050405020304" pitchFamily="18" charset="0"/>
+              </a:rPr>
+              <a:t>ambientes industriais</a:t>
+            </a:r>
+            <a:r>
+              <a:rPr lang="pt-BR" sz="2400" dirty="0">
+                <a:latin typeface="Times New Roman" panose="02020603050405020304" pitchFamily="18" charset="0"/>
+                <a:cs typeface="Times New Roman" panose="02020603050405020304" pitchFamily="18" charset="0"/>
+              </a:rPr>
+              <a:t>;</a:t>
+            </a:r>
+          </a:p>
+          <a:p>
+            <a:pPr algn="just"/>
+            <a:r>
+              <a:rPr lang="pt-BR" sz="2400" b="1" dirty="0">
+                <a:latin typeface="Times New Roman" panose="02020603050405020304" pitchFamily="18" charset="0"/>
+                <a:cs typeface="Times New Roman" panose="02020603050405020304" pitchFamily="18" charset="0"/>
+              </a:rPr>
+              <a:t>Permitem</a:t>
+            </a:r>
+            <a:r>
+              <a:rPr lang="pt-BR" sz="2400" dirty="0">
+                <a:latin typeface="Times New Roman" panose="02020603050405020304" pitchFamily="18" charset="0"/>
+                <a:cs typeface="Times New Roman" panose="02020603050405020304" pitchFamily="18" charset="0"/>
+              </a:rPr>
+              <a:t> </a:t>
+            </a:r>
+            <a:r>
+              <a:rPr lang="pt-BR" sz="2400" b="1" dirty="0">
+                <a:solidFill>
+                  <a:srgbClr val="FF0000"/>
+                </a:solidFill>
+                <a:latin typeface="Times New Roman" panose="02020603050405020304" pitchFamily="18" charset="0"/>
+                <a:cs typeface="Times New Roman" panose="02020603050405020304" pitchFamily="18" charset="0"/>
+              </a:rPr>
+              <a:t>comunicação entre </a:t>
+            </a:r>
+            <a:r>
+              <a:rPr lang="pt-BR" sz="2400" b="1" dirty="0" err="1">
+                <a:solidFill>
+                  <a:srgbClr val="FF0000"/>
+                </a:solidFill>
+                <a:latin typeface="Times New Roman" panose="02020603050405020304" pitchFamily="18" charset="0"/>
+                <a:cs typeface="Times New Roman" panose="02020603050405020304" pitchFamily="18" charset="0"/>
+              </a:rPr>
+              <a:t>CLPs</a:t>
+            </a:r>
+            <a:r>
+              <a:rPr lang="pt-BR" sz="2400" b="1" dirty="0">
+                <a:solidFill>
+                  <a:srgbClr val="FF0000"/>
+                </a:solidFill>
+                <a:latin typeface="Times New Roman" panose="02020603050405020304" pitchFamily="18" charset="0"/>
+                <a:cs typeface="Times New Roman" panose="02020603050405020304" pitchFamily="18" charset="0"/>
+              </a:rPr>
+              <a:t>, sensores e atuadores</a:t>
+            </a:r>
+            <a:r>
+              <a:rPr lang="pt-BR" sz="2400" dirty="0">
+                <a:latin typeface="Times New Roman" panose="02020603050405020304" pitchFamily="18" charset="0"/>
+                <a:cs typeface="Times New Roman" panose="02020603050405020304" pitchFamily="18" charset="0"/>
+              </a:rPr>
+              <a:t>;</a:t>
+            </a:r>
+          </a:p>
+          <a:p>
+            <a:pPr algn="just"/>
+            <a:r>
+              <a:rPr lang="pt-BR" sz="2400" b="1" dirty="0">
+                <a:latin typeface="Times New Roman" panose="02020603050405020304" pitchFamily="18" charset="0"/>
+                <a:cs typeface="Times New Roman" panose="02020603050405020304" pitchFamily="18" charset="0"/>
+              </a:rPr>
+              <a:t>Aumentam</a:t>
+            </a:r>
+            <a:r>
+              <a:rPr lang="pt-BR" sz="2400" dirty="0">
+                <a:latin typeface="Times New Roman" panose="02020603050405020304" pitchFamily="18" charset="0"/>
+                <a:cs typeface="Times New Roman" panose="02020603050405020304" pitchFamily="18" charset="0"/>
+              </a:rPr>
+              <a:t> </a:t>
+            </a:r>
+            <a:r>
+              <a:rPr lang="pt-BR" sz="2400" b="1" dirty="0">
+                <a:latin typeface="Times New Roman" panose="02020603050405020304" pitchFamily="18" charset="0"/>
+                <a:cs typeface="Times New Roman" panose="02020603050405020304" pitchFamily="18" charset="0"/>
+              </a:rPr>
+              <a:t>eficiência</a:t>
+            </a:r>
+            <a:r>
+              <a:rPr lang="pt-BR" sz="2400" dirty="0">
+                <a:latin typeface="Times New Roman" panose="02020603050405020304" pitchFamily="18" charset="0"/>
+                <a:cs typeface="Times New Roman" panose="02020603050405020304" pitchFamily="18" charset="0"/>
+              </a:rPr>
+              <a:t>, </a:t>
+            </a:r>
+            <a:r>
+              <a:rPr lang="pt-BR" sz="2400" b="1" dirty="0">
+                <a:solidFill>
+                  <a:srgbClr val="FF0000"/>
+                </a:solidFill>
+                <a:latin typeface="Times New Roman" panose="02020603050405020304" pitchFamily="18" charset="0"/>
+                <a:cs typeface="Times New Roman" panose="02020603050405020304" pitchFamily="18" charset="0"/>
+              </a:rPr>
+              <a:t>segurança e controle dos processos</a:t>
+            </a:r>
+            <a:r>
+              <a:rPr lang="pt-BR" sz="2400" dirty="0">
+                <a:latin typeface="Times New Roman" panose="02020603050405020304" pitchFamily="18" charset="0"/>
+                <a:cs typeface="Times New Roman" panose="02020603050405020304" pitchFamily="18" charset="0"/>
+              </a:rPr>
+              <a:t>.</a:t>
+            </a:r>
+          </a:p>
+          <a:p>
+            <a:pPr marL="0" indent="0" algn="just">
+              <a:buNone/>
+            </a:pPr>
+            <a:endParaRPr lang="pt-BR" sz="2400" dirty="0">
+              <a:latin typeface="Times New Roman" panose="02020603050405020304" pitchFamily="18" charset="0"/>
+              <a:cs typeface="Times New Roman" panose="02020603050405020304" pitchFamily="18" charset="0"/>
+            </a:endParaRPr>
+          </a:p>
+        </p:txBody>
+      </p:sp>
+    </p:spTree>
+    <p:extLst>
+      <p:ext uri="{BB962C8B-B14F-4D97-AF65-F5344CB8AC3E}">
+        <p14:creationId xmlns:p14="http://schemas.microsoft.com/office/powerpoint/2010/main" val="298294241"/>
+      </p:ext>
+    </p:extLst>
+  </p:cSld>
+  <p:clrMapOvr>
+    <a:masterClrMapping/>
+  </p:clrMapOvr>
+  <p:transition spd="med"/>
+</p:sld>
+</file>
+
+<file path=ppt/slides/slide30.xml><?xml version="1.0" encoding="utf-8"?>
 <p:sld xmlns:a="http://schemas.openxmlformats.org/drawingml/2006/main" xmlns:r="http://schemas.openxmlformats.org/officeDocument/2006/relationships" xmlns:p="http://schemas.openxmlformats.org/presentationml/2006/main">
   <p:cSld>
     <p:spTree>
@@ -11383,7 +12518,7 @@
 </p:sld>
 </file>
 
-<file path=ppt/slides/slide29.xml><?xml version="1.0" encoding="utf-8"?>
+<file path=ppt/slides/slide31.xml><?xml version="1.0" encoding="utf-8"?>
 <p:sld xmlns:a="http://schemas.openxmlformats.org/drawingml/2006/main" xmlns:r="http://schemas.openxmlformats.org/officeDocument/2006/relationships" xmlns:p="http://schemas.openxmlformats.org/presentationml/2006/main">
   <p:cSld>
     <p:spTree>
@@ -11838,248 +12973,6 @@
 </p:sld>
 </file>
 
-<file path=ppt/slides/slide3.xml><?xml version="1.0" encoding="utf-8"?>
-<p:sld xmlns:a="http://schemas.openxmlformats.org/drawingml/2006/main" xmlns:r="http://schemas.openxmlformats.org/officeDocument/2006/relationships" xmlns:p="http://schemas.openxmlformats.org/presentationml/2006/main">
-  <p:cSld>
-    <p:spTree>
-      <p:nvGrpSpPr>
-        <p:cNvPr id="1" name="">
-          <a:extLst>
-            <a:ext uri="{FF2B5EF4-FFF2-40B4-BE49-F238E27FC236}">
-              <a16:creationId xmlns:a16="http://schemas.microsoft.com/office/drawing/2014/main" id="{AFFC8B2D-7443-68FB-D448-E738142EB99F}"/>
-            </a:ext>
-          </a:extLst>
-        </p:cNvPr>
-        <p:cNvGrpSpPr/>
-        <p:nvPr/>
-      </p:nvGrpSpPr>
-      <p:grpSpPr>
-        <a:xfrm>
-          <a:off x="0" y="0"/>
-          <a:ext cx="0" cy="0"/>
-          <a:chOff x="0" y="0"/>
-          <a:chExt cx="0" cy="0"/>
-        </a:xfrm>
-      </p:grpSpPr>
-      <p:sp>
-        <p:nvSpPr>
-          <p:cNvPr id="6" name="Title 1">
-            <a:extLst>
-              <a:ext uri="{FF2B5EF4-FFF2-40B4-BE49-F238E27FC236}">
-                <a16:creationId xmlns:a16="http://schemas.microsoft.com/office/drawing/2014/main" id="{0A36332F-AF5C-5EE7-4FDB-2DE89732CE38}"/>
-              </a:ext>
-            </a:extLst>
-          </p:cNvPr>
-          <p:cNvSpPr>
-            <a:spLocks noGrp="1"/>
-          </p:cNvSpPr>
-          <p:nvPr>
-            <p:ph type="title"/>
-          </p:nvPr>
-        </p:nvSpPr>
-        <p:spPr>
-          <a:xfrm>
-            <a:off x="457200" y="205980"/>
-            <a:ext cx="8229600" cy="857251"/>
-          </a:xfrm>
-        </p:spPr>
-        <p:txBody>
-          <a:bodyPr>
-            <a:normAutofit fontScale="90000"/>
-          </a:bodyPr>
-          <a:lstStyle/>
-          <a:p>
-            <a:r>
-              <a:rPr lang="en-US" b="1" dirty="0">
-                <a:solidFill>
-                  <a:srgbClr val="0070C0"/>
-                </a:solidFill>
-              </a:rPr>
-              <a:t>CLP – </a:t>
-            </a:r>
-            <a:r>
-              <a:rPr lang="en-US" b="1" dirty="0" err="1">
-                <a:solidFill>
-                  <a:srgbClr val="0070C0"/>
-                </a:solidFill>
-              </a:rPr>
-              <a:t>Introdução</a:t>
-            </a:r>
-            <a:r>
-              <a:rPr lang="en-US" b="1" dirty="0">
-                <a:solidFill>
-                  <a:srgbClr val="0070C0"/>
-                </a:solidFill>
-              </a:rPr>
-              <a:t> </a:t>
-            </a:r>
-            <a:r>
-              <a:rPr lang="en-US" b="1" dirty="0" err="1">
-                <a:solidFill>
-                  <a:srgbClr val="0070C0"/>
-                </a:solidFill>
-              </a:rPr>
-              <a:t>ás</a:t>
-            </a:r>
-            <a:r>
-              <a:rPr lang="en-US" b="1" dirty="0">
-                <a:solidFill>
-                  <a:srgbClr val="0070C0"/>
-                </a:solidFill>
-              </a:rPr>
-              <a:t> Redes </a:t>
-            </a:r>
-            <a:r>
-              <a:rPr lang="en-US" b="1" dirty="0" err="1">
-                <a:solidFill>
-                  <a:srgbClr val="0070C0"/>
-                </a:solidFill>
-              </a:rPr>
-              <a:t>Industriais</a:t>
-            </a:r>
-            <a:endParaRPr lang="en-US" b="1" dirty="0">
-              <a:solidFill>
-                <a:srgbClr val="0070C0"/>
-              </a:solidFill>
-            </a:endParaRPr>
-          </a:p>
-        </p:txBody>
-      </p:sp>
-      <p:sp>
-        <p:nvSpPr>
-          <p:cNvPr id="8" name="Text Placeholder 2">
-            <a:extLst>
-              <a:ext uri="{FF2B5EF4-FFF2-40B4-BE49-F238E27FC236}">
-                <a16:creationId xmlns:a16="http://schemas.microsoft.com/office/drawing/2014/main" id="{B1B1D734-DA2C-3DA6-0191-27F88C8EB709}"/>
-              </a:ext>
-            </a:extLst>
-          </p:cNvPr>
-          <p:cNvSpPr>
-            <a:spLocks noGrp="1"/>
-          </p:cNvSpPr>
-          <p:nvPr>
-            <p:ph type="body" sz="half" idx="1"/>
-          </p:nvPr>
-        </p:nvSpPr>
-        <p:spPr>
-          <a:xfrm>
-            <a:off x="142865" y="1035050"/>
-            <a:ext cx="8865056" cy="3994150"/>
-          </a:xfrm>
-        </p:spPr>
-        <p:txBody>
-          <a:bodyPr>
-            <a:noAutofit/>
-          </a:bodyPr>
-          <a:lstStyle/>
-          <a:p>
-            <a:pPr marL="0" indent="0" algn="just">
-              <a:buNone/>
-            </a:pPr>
-            <a:r>
-              <a:rPr lang="pt-BR" sz="2400" dirty="0">
-                <a:latin typeface="Times New Roman" panose="02020603050405020304" pitchFamily="18" charset="0"/>
-                <a:cs typeface="Times New Roman" panose="02020603050405020304" pitchFamily="18" charset="0"/>
-              </a:rPr>
-              <a:t>	CLP - sistema de computador que monitora e controla dispositivos de I/O. Recebem informações de sensores, processam dados e enviam comandos para atuadores, controla máquinas e/ou processos industriais.</a:t>
-            </a:r>
-          </a:p>
-          <a:p>
-            <a:pPr marL="0" indent="0" algn="just">
-              <a:buNone/>
-            </a:pPr>
-            <a:endParaRPr lang="pt-BR" sz="2400" dirty="0">
-              <a:latin typeface="Times New Roman" panose="02020603050405020304" pitchFamily="18" charset="0"/>
-              <a:cs typeface="Times New Roman" panose="02020603050405020304" pitchFamily="18" charset="0"/>
-            </a:endParaRPr>
-          </a:p>
-          <a:p>
-            <a:pPr algn="just"/>
-            <a:r>
-              <a:rPr lang="pt-BR" sz="2400" dirty="0">
-                <a:latin typeface="Times New Roman" panose="02020603050405020304" pitchFamily="18" charset="0"/>
-                <a:cs typeface="Times New Roman" panose="02020603050405020304" pitchFamily="18" charset="0"/>
-              </a:rPr>
-              <a:t>Conectam dispositivos em ambientes industriais;</a:t>
-            </a:r>
-          </a:p>
-          <a:p>
-            <a:pPr marL="0" indent="0" algn="just">
-              <a:buNone/>
-            </a:pPr>
-            <a:endParaRPr lang="pt-BR" sz="2400" dirty="0">
-              <a:latin typeface="Times New Roman" panose="02020603050405020304" pitchFamily="18" charset="0"/>
-              <a:cs typeface="Times New Roman" panose="02020603050405020304" pitchFamily="18" charset="0"/>
-            </a:endParaRPr>
-          </a:p>
-          <a:p>
-            <a:pPr algn="just"/>
-            <a:r>
-              <a:rPr lang="pt-BR" sz="2400" dirty="0">
-                <a:latin typeface="Times New Roman" panose="02020603050405020304" pitchFamily="18" charset="0"/>
-                <a:cs typeface="Times New Roman" panose="02020603050405020304" pitchFamily="18" charset="0"/>
-              </a:rPr>
-              <a:t>Permitem comunicação entre </a:t>
-            </a:r>
-            <a:r>
-              <a:rPr lang="pt-BR" sz="2400" dirty="0" err="1">
-                <a:latin typeface="Times New Roman" panose="02020603050405020304" pitchFamily="18" charset="0"/>
-                <a:cs typeface="Times New Roman" panose="02020603050405020304" pitchFamily="18" charset="0"/>
-              </a:rPr>
-              <a:t>CLPs</a:t>
-            </a:r>
-            <a:r>
-              <a:rPr lang="pt-BR" sz="2400" dirty="0">
-                <a:latin typeface="Times New Roman" panose="02020603050405020304" pitchFamily="18" charset="0"/>
-                <a:cs typeface="Times New Roman" panose="02020603050405020304" pitchFamily="18" charset="0"/>
-              </a:rPr>
-              <a:t>, sensores e atuadores;</a:t>
-            </a:r>
-          </a:p>
-          <a:p>
-            <a:pPr marL="0" indent="0" algn="just">
-              <a:buNone/>
-            </a:pPr>
-            <a:endParaRPr lang="pt-BR" sz="2400" dirty="0">
-              <a:latin typeface="Times New Roman" panose="02020603050405020304" pitchFamily="18" charset="0"/>
-              <a:cs typeface="Times New Roman" panose="02020603050405020304" pitchFamily="18" charset="0"/>
-            </a:endParaRPr>
-          </a:p>
-          <a:p>
-            <a:pPr algn="just"/>
-            <a:r>
-              <a:rPr lang="pt-BR" sz="2400" dirty="0">
-                <a:latin typeface="Times New Roman" panose="02020603050405020304" pitchFamily="18" charset="0"/>
-                <a:cs typeface="Times New Roman" panose="02020603050405020304" pitchFamily="18" charset="0"/>
-              </a:rPr>
-              <a:t>Aumentam eficiência, segurança e controle dos processos.</a:t>
-            </a:r>
-          </a:p>
-          <a:p>
-            <a:pPr marL="0" indent="0" algn="just">
-              <a:buNone/>
-            </a:pPr>
-            <a:endParaRPr lang="pt-BR" sz="2400" dirty="0">
-              <a:latin typeface="Times New Roman" panose="02020603050405020304" pitchFamily="18" charset="0"/>
-              <a:cs typeface="Times New Roman" panose="02020603050405020304" pitchFamily="18" charset="0"/>
-            </a:endParaRPr>
-          </a:p>
-        </p:txBody>
-      </p:sp>
-    </p:spTree>
-    <p:extLst>
-      <p:ext uri="{BB962C8B-B14F-4D97-AF65-F5344CB8AC3E}">
-        <p14:creationId xmlns:p14="http://schemas.microsoft.com/office/powerpoint/2010/main" val="298294241"/>
-      </p:ext>
-    </p:extLst>
-  </p:cSld>
-  <p:clrMapOvr>
-    <a:masterClrMapping/>
-  </p:clrMapOvr>
-  <p:transition spd="med"/>
-</p:sld>
-</file>
-
 <file path=ppt/slides/slide4.xml><?xml version="1.0" encoding="utf-8"?>
 <p:sld xmlns:a="http://schemas.openxmlformats.org/drawingml/2006/main" xmlns:r="http://schemas.openxmlformats.org/officeDocument/2006/relationships" xmlns:p="http://schemas.openxmlformats.org/presentationml/2006/main">
   <p:cSld>
@@ -12192,14 +13085,31 @@
                 <a:latin typeface="Times New Roman" panose="02020603050405020304" pitchFamily="18" charset="0"/>
                 <a:cs typeface="Times New Roman" panose="02020603050405020304" pitchFamily="18" charset="0"/>
               </a:rPr>
-              <a:t>utilizado na automação industrial para interligar dispositivos como: </a:t>
+              <a:t>utilizado na automação industrial para </a:t>
+            </a:r>
+            <a:r>
+              <a:rPr lang="pt-BR" sz="2400" b="1" dirty="0">
+                <a:solidFill>
+                  <a:srgbClr val="FF0000"/>
+                </a:solidFill>
+                <a:latin typeface="Times New Roman" panose="02020603050405020304" pitchFamily="18" charset="0"/>
+                <a:cs typeface="Times New Roman" panose="02020603050405020304" pitchFamily="18" charset="0"/>
+              </a:rPr>
+              <a:t>interligar dispositivos </a:t>
+            </a:r>
+            <a:r>
+              <a:rPr lang="pt-BR" sz="2400" dirty="0">
+                <a:latin typeface="Times New Roman" panose="02020603050405020304" pitchFamily="18" charset="0"/>
+                <a:cs typeface="Times New Roman" panose="02020603050405020304" pitchFamily="18" charset="0"/>
+              </a:rPr>
+              <a:t>como: </a:t>
             </a:r>
             <a:r>
               <a:rPr lang="pt-BR" sz="2400" dirty="0" err="1">
                 <a:latin typeface="Times New Roman" panose="02020603050405020304" pitchFamily="18" charset="0"/>
                 <a:cs typeface="Times New Roman" panose="02020603050405020304" pitchFamily="18" charset="0"/>
               </a:rPr>
-              <a:t>CLPs</a:t>
+              <a:t>PLCs</a:t>
             </a:r>
             <a:r>
               <a:rPr lang="pt-BR" sz="2400" dirty="0">
@@ -12334,10 +13244,27 @@
                 <a:latin typeface="Times New Roman" panose="02020603050405020304" pitchFamily="18" charset="0"/>
                 <a:cs typeface="Times New Roman" panose="02020603050405020304" pitchFamily="18" charset="0"/>
               </a:rPr>
-              <a:t> (Dispositivos Descentralizados) e </a:t>
+              <a:t> (</a:t>
             </a:r>
             <a:r>
               <a:rPr lang="pt-BR" sz="2400" b="1" dirty="0">
+                <a:solidFill>
+                  <a:srgbClr val="FF0000"/>
+                </a:solidFill>
+                <a:latin typeface="Times New Roman" panose="02020603050405020304" pitchFamily="18" charset="0"/>
+                <a:cs typeface="Times New Roman" panose="02020603050405020304" pitchFamily="18" charset="0"/>
+              </a:rPr>
+              <a:t>Dispositivos Descentralizados</a:t>
+            </a:r>
+            <a:r>
+              <a:rPr lang="pt-BR" sz="2400" dirty="0">
+                <a:latin typeface="Times New Roman" panose="02020603050405020304" pitchFamily="18" charset="0"/>
+                <a:cs typeface="Times New Roman" panose="02020603050405020304" pitchFamily="18" charset="0"/>
+              </a:rPr>
+              <a:t>) e </a:t>
+            </a:r>
+            <a:r>
+              <a:rPr lang="pt-BR" sz="2400" b="1" dirty="0">
                 <a:latin typeface="Times New Roman" panose="02020603050405020304" pitchFamily="18" charset="0"/>
                 <a:cs typeface="Times New Roman" panose="02020603050405020304" pitchFamily="18" charset="0"/>
               </a:rPr>
@@ -12348,7 +13275,24 @@
                 <a:latin typeface="Times New Roman" panose="02020603050405020304" pitchFamily="18" charset="0"/>
                 <a:cs typeface="Times New Roman" panose="02020603050405020304" pitchFamily="18" charset="0"/>
               </a:rPr>
-              <a:t> (Automação de Processo).</a:t>
+              <a:t> (</a:t>
+            </a:r>
+            <a:r>
+              <a:rPr lang="pt-BR" sz="2400" b="1" dirty="0">
+                <a:solidFill>
+                  <a:srgbClr val="FF0000"/>
+                </a:solidFill>
+                <a:latin typeface="Times New Roman" panose="02020603050405020304" pitchFamily="18" charset="0"/>
+                <a:cs typeface="Times New Roman" panose="02020603050405020304" pitchFamily="18" charset="0"/>
+              </a:rPr>
+              <a:t>Automação de Processo</a:t>
+            </a:r>
+            <a:r>
+              <a:rPr lang="pt-BR" sz="2400" dirty="0">
+                <a:latin typeface="Times New Roman" panose="02020603050405020304" pitchFamily="18" charset="0"/>
+                <a:cs typeface="Times New Roman" panose="02020603050405020304" pitchFamily="18" charset="0"/>
+              </a:rPr>
+              <a:t>).</a:t>
             </a:r>
           </a:p>
           <a:p>
@@ -12488,8 +13432,8 @@
         </p:nvSpPr>
         <p:spPr>
           <a:xfrm>
-            <a:off x="142865" y="1035050"/>
-            <a:ext cx="8865056" cy="3994150"/>
+            <a:off x="139472" y="1347155"/>
+            <a:ext cx="8865056" cy="3590365"/>
           </a:xfrm>
         </p:spPr>
         <p:txBody>
@@ -12498,24 +13442,18 @@
           </a:bodyPr>
           <a:lstStyle/>
           <a:p>
-            <a:pPr marL="0" indent="0" algn="just">
+            <a:r>
+              <a:rPr lang="pt-BR" sz="2400" b="1" dirty="0">
+                <a:latin typeface="Times New Roman" panose="02020603050405020304" pitchFamily="18" charset="0"/>
+                <a:cs typeface="Times New Roman" panose="02020603050405020304" pitchFamily="18" charset="0"/>
+              </a:rPr>
+              <a:t>Mestre x Escravo;</a:t>
+            </a:r>
+          </a:p>
+          <a:p>
+            <a:pPr marL="0" indent="0">
               <a:buNone/>
             </a:pPr>
-            <a:endParaRPr lang="pt-BR" sz="2400" dirty="0">
-              <a:latin typeface="Times New Roman" panose="02020603050405020304" pitchFamily="18" charset="0"/>
-              <a:cs typeface="Times New Roman" panose="02020603050405020304" pitchFamily="18" charset="0"/>
-            </a:endParaRPr>
-          </a:p>
-          <a:p>
-            <a:r>
-              <a:rPr lang="pt-BR" sz="2400" b="1" dirty="0">
-                <a:latin typeface="Times New Roman" panose="02020603050405020304" pitchFamily="18" charset="0"/>
-                <a:cs typeface="Times New Roman" panose="02020603050405020304" pitchFamily="18" charset="0"/>
-              </a:rPr>
-              <a:t>Mestre x Escravo;</a:t>
-            </a:r>
-          </a:p>
-          <a:p>
             <a:endParaRPr lang="pt-BR" sz="2400" b="1" dirty="0">
               <a:latin typeface="Times New Roman" panose="02020603050405020304" pitchFamily="18" charset="0"/>
               <a:cs typeface="Times New Roman" panose="02020603050405020304" pitchFamily="18" charset="0"/>
@@ -12555,6 +13493,9 @@
             </a:r>
           </a:p>
           <a:p>
+            <a:pPr marL="0" indent="0">
+              <a:buNone/>
+            </a:pPr>
             <a:endParaRPr lang="pt-BR" sz="2400" b="1" dirty="0">
               <a:latin typeface="Times New Roman" panose="02020603050405020304" pitchFamily="18" charset="0"/>
               <a:cs typeface="Times New Roman" panose="02020603050405020304" pitchFamily="18" charset="0"/>
@@ -12577,6 +13518,9 @@
             </a:r>
           </a:p>
           <a:p>
+            <a:pPr marL="0" indent="0">
+              <a:buNone/>
+            </a:pPr>
             <a:endParaRPr lang="pt-BR" sz="2400" b="1" dirty="0">
               <a:latin typeface="Times New Roman" panose="02020603050405020304" pitchFamily="18" charset="0"/>
               <a:cs typeface="Times New Roman" panose="02020603050405020304" pitchFamily="18" charset="0"/>
@@ -12595,8 +13539,11 @@
                 <a:latin typeface="Times New Roman" panose="02020603050405020304" pitchFamily="18" charset="0"/>
                 <a:cs typeface="Times New Roman" panose="02020603050405020304" pitchFamily="18" charset="0"/>
               </a:rPr>
-              <a:t>: RS-485, fibra óptica. </a:t>
-            </a:r>
+              <a:t>: RS-485, RS-232, RS-422, fibra óptica. </a:t>
+            </a:r>
+          </a:p>
+          <a:p>
+            <a:pPr lvl="1"/>
             <a:r>
               <a:rPr lang="pt-BR" sz="2400" dirty="0">
                 <a:latin typeface="Times New Roman" panose="02020603050405020304" pitchFamily="18" charset="0"/>
@@ -12610,22 +13557,10 @@
                 <a:latin typeface="Times New Roman" panose="02020603050405020304" pitchFamily="18" charset="0"/>
                 <a:cs typeface="Times New Roman" panose="02020603050405020304" pitchFamily="18" charset="0"/>
               </a:rPr>
-              <a:t> </a:t>
-            </a:r>
-          </a:p>
-          <a:p>
-            <a:pPr marL="0" indent="0">
-              <a:buNone/>
-            </a:pPr>
-            <a:r>
-              <a:rPr lang="pt-BR" sz="2400">
-                <a:latin typeface="Times New Roman" panose="02020603050405020304" pitchFamily="18" charset="0"/>
-                <a:cs typeface="Times New Roman" panose="02020603050405020304" pitchFamily="18" charset="0"/>
-              </a:rPr>
-              <a:t>    </a:t>
-            </a:r>
-            <a:r>
-              <a:rPr lang="pt-BR" sz="2400" b="1">
+              <a:t> - </a:t>
+            </a:r>
+            <a:r>
+              <a:rPr lang="pt-BR" sz="2400" b="1" dirty="0">
                 <a:solidFill>
                   <a:srgbClr val="FF0000"/>
                 </a:solidFill>
@@ -12634,13 +13569,6 @@
               </a:rPr>
               <a:t>9min</a:t>
             </a:r>
-            <a:endParaRPr lang="pt-BR" sz="2400" b="1" dirty="0">
-              <a:solidFill>
-                <a:srgbClr val="FF0000"/>
-              </a:solidFill>
-              <a:latin typeface="Times New Roman" panose="02020603050405020304" pitchFamily="18" charset="0"/>
-              <a:cs typeface="Times New Roman" panose="02020603050405020304" pitchFamily="18" charset="0"/>
-            </a:endParaRPr>
           </a:p>
         </p:txBody>
       </p:sp>
@@ -12659,6 +13587,752 @@
 </file>
 
 <file path=ppt/slides/slide6.xml><?xml version="1.0" encoding="utf-8"?>
+<p:sld xmlns:a="http://schemas.openxmlformats.org/drawingml/2006/main" xmlns:r="http://schemas.openxmlformats.org/officeDocument/2006/relationships" xmlns:p="http://schemas.openxmlformats.org/presentationml/2006/main">
+  <p:cSld>
+    <p:spTree>
+      <p:nvGrpSpPr>
+        <p:cNvPr id="1" name="">
+          <a:extLst>
+            <a:ext uri="{FF2B5EF4-FFF2-40B4-BE49-F238E27FC236}">
+              <a16:creationId xmlns:a16="http://schemas.microsoft.com/office/drawing/2014/main" id="{9F23F83D-6007-1191-7F3F-491E26650CBB}"/>
+            </a:ext>
+          </a:extLst>
+        </p:cNvPr>
+        <p:cNvGrpSpPr/>
+        <p:nvPr/>
+      </p:nvGrpSpPr>
+      <p:grpSpPr>
+        <a:xfrm>
+          <a:off x="0" y="0"/>
+          <a:ext cx="0" cy="0"/>
+          <a:chOff x="0" y="0"/>
+          <a:chExt cx="0" cy="0"/>
+        </a:xfrm>
+      </p:grpSpPr>
+      <p:sp>
+        <p:nvSpPr>
+          <p:cNvPr id="6" name="Title 1">
+            <a:extLst>
+              <a:ext uri="{FF2B5EF4-FFF2-40B4-BE49-F238E27FC236}">
+                <a16:creationId xmlns:a16="http://schemas.microsoft.com/office/drawing/2014/main" id="{F446989F-D011-307A-0FFC-E89F73CF53EA}"/>
+              </a:ext>
+            </a:extLst>
+          </p:cNvPr>
+          <p:cNvSpPr>
+            <a:spLocks noGrp="1"/>
+          </p:cNvSpPr>
+          <p:nvPr>
+            <p:ph type="title"/>
+          </p:nvPr>
+        </p:nvSpPr>
+        <p:spPr>
+          <a:xfrm>
+            <a:off x="457200" y="205980"/>
+            <a:ext cx="8229600" cy="857251"/>
+          </a:xfrm>
+        </p:spPr>
+        <p:txBody>
+          <a:bodyPr>
+            <a:normAutofit fontScale="90000"/>
+          </a:bodyPr>
+          <a:lstStyle/>
+          <a:p>
+            <a:r>
+              <a:rPr lang="en-US" b="1" dirty="0">
+                <a:solidFill>
+                  <a:srgbClr val="0070C0"/>
+                </a:solidFill>
+              </a:rPr>
+              <a:t>CLP – </a:t>
+            </a:r>
+            <a:r>
+              <a:rPr lang="en-US" b="1" dirty="0" err="1">
+                <a:solidFill>
+                  <a:srgbClr val="0070C0"/>
+                </a:solidFill>
+              </a:rPr>
+              <a:t>Arquitetura</a:t>
+            </a:r>
+            <a:r>
+              <a:rPr lang="en-US" b="1" dirty="0">
+                <a:solidFill>
+                  <a:srgbClr val="0070C0"/>
+                </a:solidFill>
+              </a:rPr>
+              <a:t> e </a:t>
+            </a:r>
+            <a:r>
+              <a:rPr lang="en-US" b="1" dirty="0" err="1">
+                <a:solidFill>
+                  <a:srgbClr val="0070C0"/>
+                </a:solidFill>
+              </a:rPr>
+              <a:t>Topologia</a:t>
+            </a:r>
+            <a:r>
+              <a:rPr lang="en-US" b="1" dirty="0">
+                <a:solidFill>
+                  <a:srgbClr val="0070C0"/>
+                </a:solidFill>
+              </a:rPr>
+              <a:t> PROFIBUS</a:t>
+            </a:r>
+          </a:p>
+        </p:txBody>
+      </p:sp>
+      <p:sp>
+        <p:nvSpPr>
+          <p:cNvPr id="8" name="Text Placeholder 2">
+            <a:extLst>
+              <a:ext uri="{FF2B5EF4-FFF2-40B4-BE49-F238E27FC236}">
+                <a16:creationId xmlns:a16="http://schemas.microsoft.com/office/drawing/2014/main" id="{BF2B3664-C9BF-F71C-0EB2-87A90C331BE3}"/>
+              </a:ext>
+            </a:extLst>
+          </p:cNvPr>
+          <p:cNvSpPr>
+            <a:spLocks noGrp="1"/>
+          </p:cNvSpPr>
+          <p:nvPr>
+            <p:ph type="body" sz="half" idx="1"/>
+          </p:nvPr>
+        </p:nvSpPr>
+        <p:spPr>
+          <a:xfrm>
+            <a:off x="142865" y="1331258"/>
+            <a:ext cx="8865056" cy="3697941"/>
+          </a:xfrm>
+        </p:spPr>
+        <p:txBody>
+          <a:bodyPr>
+            <a:noAutofit/>
+          </a:bodyPr>
+          <a:lstStyle/>
+          <a:p>
+            <a:pPr marL="0" indent="0" algn="just">
+              <a:buNone/>
+            </a:pPr>
+            <a:r>
+              <a:rPr lang="pt-BR" sz="2400" dirty="0">
+                <a:latin typeface="Times New Roman" panose="02020603050405020304" pitchFamily="18" charset="0"/>
+                <a:cs typeface="Times New Roman" panose="02020603050405020304" pitchFamily="18" charset="0"/>
+              </a:rPr>
+              <a:t>O </a:t>
+            </a:r>
+            <a:r>
+              <a:rPr lang="pt-BR" sz="2400" b="1" dirty="0">
+                <a:latin typeface="Times New Roman" panose="02020603050405020304" pitchFamily="18" charset="0"/>
+                <a:cs typeface="Times New Roman" panose="02020603050405020304" pitchFamily="18" charset="0"/>
+              </a:rPr>
+              <a:t>padrão EIA-485 (RS-485) </a:t>
+            </a:r>
+            <a:r>
+              <a:rPr lang="pt-BR" sz="2400" dirty="0">
+                <a:latin typeface="Times New Roman" panose="02020603050405020304" pitchFamily="18" charset="0"/>
+                <a:cs typeface="Times New Roman" panose="02020603050405020304" pitchFamily="18" charset="0"/>
+              </a:rPr>
+              <a:t>permite a </a:t>
+            </a:r>
+            <a:r>
+              <a:rPr lang="pt-BR" sz="2400" b="1" dirty="0">
+                <a:solidFill>
+                  <a:srgbClr val="FF0000"/>
+                </a:solidFill>
+                <a:latin typeface="Times New Roman" panose="02020603050405020304" pitchFamily="18" charset="0"/>
+                <a:cs typeface="Times New Roman" panose="02020603050405020304" pitchFamily="18" charset="0"/>
+              </a:rPr>
+              <a:t>conexão de até 32 dispositivos </a:t>
+            </a:r>
+            <a:r>
+              <a:rPr lang="pt-BR" sz="2400" dirty="0">
+                <a:latin typeface="Times New Roman" panose="02020603050405020304" pitchFamily="18" charset="0"/>
+                <a:cs typeface="Times New Roman" panose="02020603050405020304" pitchFamily="18" charset="0"/>
+              </a:rPr>
+              <a:t>em um barramento de comunicação. </a:t>
+            </a:r>
+          </a:p>
+          <a:p>
+            <a:pPr marL="0" indent="0" algn="just">
+              <a:buNone/>
+            </a:pPr>
+            <a:endParaRPr lang="pt-BR" sz="2400" dirty="0">
+              <a:latin typeface="Times New Roman" panose="02020603050405020304" pitchFamily="18" charset="0"/>
+              <a:cs typeface="Times New Roman" panose="02020603050405020304" pitchFamily="18" charset="0"/>
+            </a:endParaRPr>
+          </a:p>
+          <a:p>
+            <a:pPr marL="0" indent="0" algn="just">
+              <a:buNone/>
+            </a:pPr>
+            <a:r>
+              <a:rPr lang="pt-BR" sz="2400" dirty="0">
+                <a:latin typeface="Times New Roman" panose="02020603050405020304" pitchFamily="18" charset="0"/>
+                <a:cs typeface="Times New Roman" panose="02020603050405020304" pitchFamily="18" charset="0"/>
+              </a:rPr>
+              <a:t>No entanto, com o </a:t>
+            </a:r>
+            <a:r>
+              <a:rPr lang="pt-BR" sz="2400" b="1" dirty="0">
+                <a:latin typeface="Times New Roman" panose="02020603050405020304" pitchFamily="18" charset="0"/>
+                <a:cs typeface="Times New Roman" panose="02020603050405020304" pitchFamily="18" charset="0"/>
+              </a:rPr>
+              <a:t>uso de </a:t>
+            </a:r>
+            <a:r>
+              <a:rPr lang="pt-BR" sz="2400" b="1" dirty="0" err="1">
+                <a:latin typeface="Times New Roman" panose="02020603050405020304" pitchFamily="18" charset="0"/>
+                <a:cs typeface="Times New Roman" panose="02020603050405020304" pitchFamily="18" charset="0"/>
+              </a:rPr>
+              <a:t>transceivers</a:t>
+            </a:r>
+            <a:r>
+              <a:rPr lang="pt-BR" sz="2400" b="1" dirty="0">
+                <a:latin typeface="Times New Roman" panose="02020603050405020304" pitchFamily="18" charset="0"/>
+                <a:cs typeface="Times New Roman" panose="02020603050405020304" pitchFamily="18" charset="0"/>
+              </a:rPr>
+              <a:t> especiais</a:t>
+            </a:r>
+            <a:r>
+              <a:rPr lang="pt-BR" sz="2400" dirty="0">
+                <a:latin typeface="Times New Roman" panose="02020603050405020304" pitchFamily="18" charset="0"/>
+                <a:cs typeface="Times New Roman" panose="02020603050405020304" pitchFamily="18" charset="0"/>
+              </a:rPr>
+              <a:t>, este número pode ser </a:t>
+            </a:r>
+            <a:r>
+              <a:rPr lang="pt-BR" sz="2400" b="1" dirty="0">
+                <a:solidFill>
+                  <a:srgbClr val="FF0000"/>
+                </a:solidFill>
+                <a:latin typeface="Times New Roman" panose="02020603050405020304" pitchFamily="18" charset="0"/>
+                <a:cs typeface="Times New Roman" panose="02020603050405020304" pitchFamily="18" charset="0"/>
+              </a:rPr>
+              <a:t>ampliado para até 256 dispositivos</a:t>
+            </a:r>
+            <a:r>
+              <a:rPr lang="pt-BR" sz="2400" dirty="0">
+                <a:latin typeface="Times New Roman" panose="02020603050405020304" pitchFamily="18" charset="0"/>
+                <a:cs typeface="Times New Roman" panose="02020603050405020304" pitchFamily="18" charset="0"/>
+              </a:rPr>
+              <a:t>. </a:t>
+            </a:r>
+          </a:p>
+          <a:p>
+            <a:pPr marL="0" indent="0" algn="just">
+              <a:buNone/>
+            </a:pPr>
+            <a:endParaRPr lang="pt-BR" sz="2400" dirty="0">
+              <a:latin typeface="Times New Roman" panose="02020603050405020304" pitchFamily="18" charset="0"/>
+              <a:cs typeface="Times New Roman" panose="02020603050405020304" pitchFamily="18" charset="0"/>
+            </a:endParaRPr>
+          </a:p>
+          <a:p>
+            <a:pPr marL="0" indent="0" algn="just">
+              <a:buNone/>
+            </a:pPr>
+            <a:r>
+              <a:rPr lang="pt-BR" sz="2400" dirty="0">
+                <a:latin typeface="Times New Roman" panose="02020603050405020304" pitchFamily="18" charset="0"/>
+                <a:cs typeface="Times New Roman" panose="02020603050405020304" pitchFamily="18" charset="0"/>
+              </a:rPr>
+              <a:t>A </a:t>
+            </a:r>
+            <a:r>
+              <a:rPr lang="pt-BR" sz="2400" b="1" dirty="0">
+                <a:latin typeface="Times New Roman" panose="02020603050405020304" pitchFamily="18" charset="0"/>
+                <a:cs typeface="Times New Roman" panose="02020603050405020304" pitchFamily="18" charset="0"/>
+              </a:rPr>
+              <a:t>topologia</a:t>
+            </a:r>
+            <a:r>
+              <a:rPr lang="pt-BR" sz="2400" dirty="0">
+                <a:latin typeface="Times New Roman" panose="02020603050405020304" pitchFamily="18" charset="0"/>
+                <a:cs typeface="Times New Roman" panose="02020603050405020304" pitchFamily="18" charset="0"/>
+              </a:rPr>
+              <a:t> </a:t>
+            </a:r>
+            <a:r>
+              <a:rPr lang="pt-BR" sz="2400" b="1" dirty="0">
+                <a:latin typeface="Times New Roman" panose="02020603050405020304" pitchFamily="18" charset="0"/>
+                <a:cs typeface="Times New Roman" panose="02020603050405020304" pitchFamily="18" charset="0"/>
+              </a:rPr>
+              <a:t>de barramento </a:t>
+            </a:r>
+            <a:r>
+              <a:rPr lang="pt-BR" sz="2400" dirty="0">
+                <a:latin typeface="Times New Roman" panose="02020603050405020304" pitchFamily="18" charset="0"/>
+                <a:cs typeface="Times New Roman" panose="02020603050405020304" pitchFamily="18" charset="0"/>
+              </a:rPr>
+              <a:t>(</a:t>
+            </a:r>
+            <a:r>
+              <a:rPr lang="pt-BR" sz="2400" b="1" dirty="0">
+                <a:solidFill>
+                  <a:srgbClr val="FF0000"/>
+                </a:solidFill>
+                <a:latin typeface="Times New Roman" panose="02020603050405020304" pitchFamily="18" charset="0"/>
+                <a:cs typeface="Times New Roman" panose="02020603050405020304" pitchFamily="18" charset="0"/>
+              </a:rPr>
+              <a:t>multiponto</a:t>
+            </a:r>
+            <a:r>
+              <a:rPr lang="pt-BR" sz="2400" dirty="0">
+                <a:latin typeface="Times New Roman" panose="02020603050405020304" pitchFamily="18" charset="0"/>
+                <a:cs typeface="Times New Roman" panose="02020603050405020304" pitchFamily="18" charset="0"/>
+              </a:rPr>
+              <a:t>) é ideal para sistemas que requerem </a:t>
+            </a:r>
+            <a:r>
+              <a:rPr lang="pt-BR" sz="2400" b="1" dirty="0">
+                <a:latin typeface="Times New Roman" panose="02020603050405020304" pitchFamily="18" charset="0"/>
+                <a:cs typeface="Times New Roman" panose="02020603050405020304" pitchFamily="18" charset="0"/>
+              </a:rPr>
+              <a:t>comunicação</a:t>
+            </a:r>
+            <a:r>
+              <a:rPr lang="pt-BR" sz="2400" dirty="0">
+                <a:latin typeface="Times New Roman" panose="02020603050405020304" pitchFamily="18" charset="0"/>
+                <a:cs typeface="Times New Roman" panose="02020603050405020304" pitchFamily="18" charset="0"/>
+              </a:rPr>
+              <a:t> entre </a:t>
+            </a:r>
+            <a:r>
+              <a:rPr lang="pt-BR" sz="2400" b="1" dirty="0">
+                <a:solidFill>
+                  <a:srgbClr val="FF0000"/>
+                </a:solidFill>
+                <a:latin typeface="Times New Roman" panose="02020603050405020304" pitchFamily="18" charset="0"/>
+                <a:cs typeface="Times New Roman" panose="02020603050405020304" pitchFamily="18" charset="0"/>
+              </a:rPr>
+              <a:t>múltiplos equipamentos</a:t>
+            </a:r>
+            <a:r>
+              <a:rPr lang="pt-BR" sz="2400" dirty="0">
+                <a:latin typeface="Times New Roman" panose="02020603050405020304" pitchFamily="18" charset="0"/>
+                <a:cs typeface="Times New Roman" panose="02020603050405020304" pitchFamily="18" charset="0"/>
+              </a:rPr>
+              <a:t>. </a:t>
+            </a:r>
+            <a:endParaRPr lang="pt-BR" sz="2400" dirty="0">
+              <a:solidFill>
+                <a:srgbClr val="FF0000"/>
+              </a:solidFill>
+              <a:latin typeface="Times New Roman" panose="02020603050405020304" pitchFamily="18" charset="0"/>
+              <a:cs typeface="Times New Roman" panose="02020603050405020304" pitchFamily="18" charset="0"/>
+            </a:endParaRPr>
+          </a:p>
+        </p:txBody>
+      </p:sp>
+    </p:spTree>
+    <p:extLst>
+      <p:ext uri="{BB962C8B-B14F-4D97-AF65-F5344CB8AC3E}">
+        <p14:creationId xmlns:p14="http://schemas.microsoft.com/office/powerpoint/2010/main" val="3402209169"/>
+      </p:ext>
+    </p:extLst>
+  </p:cSld>
+  <p:clrMapOvr>
+    <a:masterClrMapping/>
+  </p:clrMapOvr>
+  <p:transition spd="med"/>
+</p:sld>
+</file>
+
+<file path=ppt/slides/slide7.xml><?xml version="1.0" encoding="utf-8"?>
+<p:sld xmlns:a="http://schemas.openxmlformats.org/drawingml/2006/main" xmlns:r="http://schemas.openxmlformats.org/officeDocument/2006/relationships" xmlns:p="http://schemas.openxmlformats.org/presentationml/2006/main">
+  <p:cSld>
+    <p:spTree>
+      <p:nvGrpSpPr>
+        <p:cNvPr id="1" name="">
+          <a:extLst>
+            <a:ext uri="{FF2B5EF4-FFF2-40B4-BE49-F238E27FC236}">
+              <a16:creationId xmlns:a16="http://schemas.microsoft.com/office/drawing/2014/main" id="{8A5A7BE3-21FB-5527-E311-19C798029288}"/>
+            </a:ext>
+          </a:extLst>
+        </p:cNvPr>
+        <p:cNvGrpSpPr/>
+        <p:nvPr/>
+      </p:nvGrpSpPr>
+      <p:grpSpPr>
+        <a:xfrm>
+          <a:off x="0" y="0"/>
+          <a:ext cx="0" cy="0"/>
+          <a:chOff x="0" y="0"/>
+          <a:chExt cx="0" cy="0"/>
+        </a:xfrm>
+      </p:grpSpPr>
+      <p:sp>
+        <p:nvSpPr>
+          <p:cNvPr id="6" name="Title 1">
+            <a:extLst>
+              <a:ext uri="{FF2B5EF4-FFF2-40B4-BE49-F238E27FC236}">
+                <a16:creationId xmlns:a16="http://schemas.microsoft.com/office/drawing/2014/main" id="{F51F7BB6-E2CA-F96A-D0E3-64EA840F2036}"/>
+              </a:ext>
+            </a:extLst>
+          </p:cNvPr>
+          <p:cNvSpPr>
+            <a:spLocks noGrp="1"/>
+          </p:cNvSpPr>
+          <p:nvPr>
+            <p:ph type="title"/>
+          </p:nvPr>
+        </p:nvSpPr>
+        <p:spPr>
+          <a:xfrm>
+            <a:off x="457200" y="205980"/>
+            <a:ext cx="8229600" cy="857251"/>
+          </a:xfrm>
+        </p:spPr>
+        <p:txBody>
+          <a:bodyPr>
+            <a:normAutofit fontScale="90000"/>
+          </a:bodyPr>
+          <a:lstStyle/>
+          <a:p>
+            <a:r>
+              <a:rPr lang="en-US" b="1" dirty="0">
+                <a:solidFill>
+                  <a:srgbClr val="0070C0"/>
+                </a:solidFill>
+              </a:rPr>
+              <a:t>CLP – </a:t>
+            </a:r>
+            <a:r>
+              <a:rPr lang="en-US" b="1" dirty="0" err="1">
+                <a:solidFill>
+                  <a:srgbClr val="0070C0"/>
+                </a:solidFill>
+              </a:rPr>
+              <a:t>Arquitetura</a:t>
+            </a:r>
+            <a:r>
+              <a:rPr lang="en-US" b="1" dirty="0">
+                <a:solidFill>
+                  <a:srgbClr val="0070C0"/>
+                </a:solidFill>
+              </a:rPr>
+              <a:t> e </a:t>
+            </a:r>
+            <a:r>
+              <a:rPr lang="en-US" b="1" dirty="0" err="1">
+                <a:solidFill>
+                  <a:srgbClr val="0070C0"/>
+                </a:solidFill>
+              </a:rPr>
+              <a:t>Topologia</a:t>
+            </a:r>
+            <a:r>
+              <a:rPr lang="en-US" b="1" dirty="0">
+                <a:solidFill>
+                  <a:srgbClr val="0070C0"/>
+                </a:solidFill>
+              </a:rPr>
+              <a:t> PROFIBUS/PROFINET</a:t>
+            </a:r>
+          </a:p>
+        </p:txBody>
+      </p:sp>
+      <p:sp>
+        <p:nvSpPr>
+          <p:cNvPr id="8" name="Text Placeholder 2">
+            <a:extLst>
+              <a:ext uri="{FF2B5EF4-FFF2-40B4-BE49-F238E27FC236}">
+                <a16:creationId xmlns:a16="http://schemas.microsoft.com/office/drawing/2014/main" id="{D2076475-4E56-34B2-1603-0BCB670DD1E1}"/>
+              </a:ext>
+            </a:extLst>
+          </p:cNvPr>
+          <p:cNvSpPr>
+            <a:spLocks noGrp="1"/>
+          </p:cNvSpPr>
+          <p:nvPr>
+            <p:ph type="body" sz="half" idx="1"/>
+          </p:nvPr>
+        </p:nvSpPr>
+        <p:spPr>
+          <a:xfrm>
+            <a:off x="142865" y="1411940"/>
+            <a:ext cx="8865056" cy="3617259"/>
+          </a:xfrm>
+        </p:spPr>
+        <p:txBody>
+          <a:bodyPr>
+            <a:noAutofit/>
+          </a:bodyPr>
+          <a:lstStyle/>
+          <a:p>
+            <a:pPr marL="0" indent="0" algn="just">
+              <a:buNone/>
+            </a:pPr>
+            <a:endParaRPr lang="pt-BR" sz="2400" dirty="0">
+              <a:latin typeface="Times New Roman" panose="02020603050405020304" pitchFamily="18" charset="0"/>
+              <a:cs typeface="Times New Roman" panose="02020603050405020304" pitchFamily="18" charset="0"/>
+            </a:endParaRPr>
+          </a:p>
+          <a:p>
+            <a:pPr marL="0" indent="0" algn="just">
+              <a:buNone/>
+            </a:pPr>
+            <a:r>
+              <a:rPr lang="pt-BR" sz="2400" b="1" dirty="0">
+                <a:latin typeface="Times New Roman" panose="02020603050405020304" pitchFamily="18" charset="0"/>
+                <a:cs typeface="Times New Roman" panose="02020603050405020304" pitchFamily="18" charset="0"/>
+              </a:rPr>
+              <a:t>PROFIBUS</a:t>
+            </a:r>
+            <a:r>
+              <a:rPr lang="pt-BR" sz="2400" dirty="0">
+                <a:latin typeface="Times New Roman" panose="02020603050405020304" pitchFamily="18" charset="0"/>
+                <a:cs typeface="Times New Roman" panose="02020603050405020304" pitchFamily="18" charset="0"/>
+              </a:rPr>
+              <a:t> e </a:t>
+            </a:r>
+            <a:r>
+              <a:rPr lang="pt-BR" sz="2400" b="1" dirty="0">
+                <a:solidFill>
+                  <a:srgbClr val="FF0000"/>
+                </a:solidFill>
+                <a:latin typeface="Times New Roman" panose="02020603050405020304" pitchFamily="18" charset="0"/>
+                <a:cs typeface="Times New Roman" panose="02020603050405020304" pitchFamily="18" charset="0"/>
+              </a:rPr>
+              <a:t>PROFINET</a:t>
+            </a:r>
+            <a:r>
+              <a:rPr lang="pt-BR" sz="2400" dirty="0">
+                <a:latin typeface="Times New Roman" panose="02020603050405020304" pitchFamily="18" charset="0"/>
+                <a:cs typeface="Times New Roman" panose="02020603050405020304" pitchFamily="18" charset="0"/>
+              </a:rPr>
+              <a:t> são dois </a:t>
+            </a:r>
+            <a:r>
+              <a:rPr lang="pt-BR" sz="2400" b="1" dirty="0">
+                <a:latin typeface="Times New Roman" panose="02020603050405020304" pitchFamily="18" charset="0"/>
+                <a:cs typeface="Times New Roman" panose="02020603050405020304" pitchFamily="18" charset="0"/>
+              </a:rPr>
+              <a:t>protocolos de comunicação</a:t>
+            </a:r>
+            <a:r>
+              <a:rPr lang="pt-BR" sz="2400" dirty="0">
+                <a:latin typeface="Times New Roman" panose="02020603050405020304" pitchFamily="18" charset="0"/>
+                <a:cs typeface="Times New Roman" panose="02020603050405020304" pitchFamily="18" charset="0"/>
+              </a:rPr>
+              <a:t> de dados usados em sistemas de </a:t>
+            </a:r>
+            <a:r>
+              <a:rPr lang="pt-BR" sz="2400" b="1" dirty="0">
+                <a:latin typeface="Times New Roman" panose="02020603050405020304" pitchFamily="18" charset="0"/>
+                <a:cs typeface="Times New Roman" panose="02020603050405020304" pitchFamily="18" charset="0"/>
+              </a:rPr>
+              <a:t>automação industrial</a:t>
+            </a:r>
+            <a:r>
+              <a:rPr lang="pt-BR" sz="2400" dirty="0">
+                <a:latin typeface="Times New Roman" panose="02020603050405020304" pitchFamily="18" charset="0"/>
+                <a:cs typeface="Times New Roman" panose="02020603050405020304" pitchFamily="18" charset="0"/>
+              </a:rPr>
+              <a:t>. </a:t>
+            </a:r>
+          </a:p>
+          <a:p>
+            <a:pPr marL="0" indent="0" algn="just">
+              <a:buNone/>
+            </a:pPr>
+            <a:endParaRPr lang="pt-BR" sz="2400" dirty="0">
+              <a:latin typeface="Times New Roman" panose="02020603050405020304" pitchFamily="18" charset="0"/>
+              <a:cs typeface="Times New Roman" panose="02020603050405020304" pitchFamily="18" charset="0"/>
+            </a:endParaRPr>
+          </a:p>
+          <a:p>
+            <a:pPr marL="0" indent="0" algn="just">
+              <a:buNone/>
+            </a:pPr>
+            <a:r>
+              <a:rPr lang="pt-BR" sz="2400" dirty="0">
+                <a:latin typeface="Times New Roman" panose="02020603050405020304" pitchFamily="18" charset="0"/>
+                <a:cs typeface="Times New Roman" panose="02020603050405020304" pitchFamily="18" charset="0"/>
+              </a:rPr>
+              <a:t>O </a:t>
+            </a:r>
+            <a:r>
+              <a:rPr lang="pt-BR" sz="2400" b="1" dirty="0">
+                <a:latin typeface="Times New Roman" panose="02020603050405020304" pitchFamily="18" charset="0"/>
+                <a:cs typeface="Times New Roman" panose="02020603050405020304" pitchFamily="18" charset="0"/>
+              </a:rPr>
+              <a:t>PROFIBUS</a:t>
+            </a:r>
+            <a:r>
+              <a:rPr lang="pt-BR" sz="2400" dirty="0">
+                <a:latin typeface="Times New Roman" panose="02020603050405020304" pitchFamily="18" charset="0"/>
+                <a:cs typeface="Times New Roman" panose="02020603050405020304" pitchFamily="18" charset="0"/>
+              </a:rPr>
+              <a:t> é um protocolo mais antigo, baseado em </a:t>
+            </a:r>
+            <a:r>
+              <a:rPr lang="pt-BR" sz="2400" b="1" dirty="0">
+                <a:latin typeface="Times New Roman" panose="02020603050405020304" pitchFamily="18" charset="0"/>
+                <a:cs typeface="Times New Roman" panose="02020603050405020304" pitchFamily="18" charset="0"/>
+              </a:rPr>
+              <a:t>comunicação serial</a:t>
+            </a:r>
+            <a:r>
+              <a:rPr lang="pt-BR" sz="2400" dirty="0">
+                <a:latin typeface="Times New Roman" panose="02020603050405020304" pitchFamily="18" charset="0"/>
+                <a:cs typeface="Times New Roman" panose="02020603050405020304" pitchFamily="18" charset="0"/>
+              </a:rPr>
+              <a:t>, com </a:t>
+            </a:r>
+            <a:r>
+              <a:rPr lang="pt-BR" sz="2400" b="1" dirty="0">
+                <a:latin typeface="Times New Roman" panose="02020603050405020304" pitchFamily="18" charset="0"/>
+                <a:cs typeface="Times New Roman" panose="02020603050405020304" pitchFamily="18" charset="0"/>
+              </a:rPr>
+              <a:t>velocidade</a:t>
+            </a:r>
+            <a:r>
+              <a:rPr lang="pt-BR" sz="2400" dirty="0">
+                <a:latin typeface="Times New Roman" panose="02020603050405020304" pitchFamily="18" charset="0"/>
+                <a:cs typeface="Times New Roman" panose="02020603050405020304" pitchFamily="18" charset="0"/>
+              </a:rPr>
+              <a:t> de </a:t>
+            </a:r>
+            <a:r>
+              <a:rPr lang="pt-BR" sz="2400" b="1" dirty="0">
+                <a:latin typeface="Times New Roman" panose="02020603050405020304" pitchFamily="18" charset="0"/>
+                <a:cs typeface="Times New Roman" panose="02020603050405020304" pitchFamily="18" charset="0"/>
+              </a:rPr>
+              <a:t>12Mpbs</a:t>
+            </a:r>
+            <a:r>
+              <a:rPr lang="pt-BR" sz="2400" dirty="0">
+                <a:latin typeface="Times New Roman" panose="02020603050405020304" pitchFamily="18" charset="0"/>
+                <a:cs typeface="Times New Roman" panose="02020603050405020304" pitchFamily="18" charset="0"/>
+              </a:rPr>
+              <a:t>, enquanto o </a:t>
+            </a:r>
+            <a:r>
+              <a:rPr lang="pt-BR" sz="2400" b="1" dirty="0">
+                <a:solidFill>
+                  <a:srgbClr val="FF0000"/>
+                </a:solidFill>
+                <a:latin typeface="Times New Roman" panose="02020603050405020304" pitchFamily="18" charset="0"/>
+                <a:cs typeface="Times New Roman" panose="02020603050405020304" pitchFamily="18" charset="0"/>
+              </a:rPr>
+              <a:t>PROFINET</a:t>
+            </a:r>
+            <a:r>
+              <a:rPr lang="pt-BR" sz="2400" dirty="0">
+                <a:latin typeface="Times New Roman" panose="02020603050405020304" pitchFamily="18" charset="0"/>
+                <a:cs typeface="Times New Roman" panose="02020603050405020304" pitchFamily="18" charset="0"/>
+              </a:rPr>
+              <a:t> é um protocolo mais moderno baseado em </a:t>
+            </a:r>
+            <a:r>
+              <a:rPr lang="pt-BR" sz="2400" b="1" dirty="0">
+                <a:solidFill>
+                  <a:srgbClr val="FF0000"/>
+                </a:solidFill>
+                <a:latin typeface="Times New Roman" panose="02020603050405020304" pitchFamily="18" charset="0"/>
+                <a:cs typeface="Times New Roman" panose="02020603050405020304" pitchFamily="18" charset="0"/>
+              </a:rPr>
+              <a:t>comunicação</a:t>
+            </a:r>
+            <a:r>
+              <a:rPr lang="pt-BR" sz="2400" dirty="0">
+                <a:latin typeface="Times New Roman" panose="02020603050405020304" pitchFamily="18" charset="0"/>
+                <a:cs typeface="Times New Roman" panose="02020603050405020304" pitchFamily="18" charset="0"/>
+              </a:rPr>
+              <a:t> </a:t>
+            </a:r>
+            <a:r>
+              <a:rPr lang="pt-BR" sz="2400" b="1" dirty="0">
+                <a:solidFill>
+                  <a:srgbClr val="FF0000"/>
+                </a:solidFill>
+                <a:latin typeface="Times New Roman" panose="02020603050405020304" pitchFamily="18" charset="0"/>
+                <a:cs typeface="Times New Roman" panose="02020603050405020304" pitchFamily="18" charset="0"/>
+              </a:rPr>
+              <a:t>Ethernet Industria</a:t>
+            </a:r>
+            <a:r>
+              <a:rPr lang="pt-BR" sz="2400" dirty="0">
+                <a:latin typeface="Times New Roman" panose="02020603050405020304" pitchFamily="18" charset="0"/>
+                <a:cs typeface="Times New Roman" panose="02020603050405020304" pitchFamily="18" charset="0"/>
+              </a:rPr>
+              <a:t>, </a:t>
+            </a:r>
+            <a:r>
+              <a:rPr lang="pt-BR" sz="2400" b="1" dirty="0">
+                <a:solidFill>
+                  <a:srgbClr val="FF0000"/>
+                </a:solidFill>
+                <a:latin typeface="Times New Roman" panose="02020603050405020304" pitchFamily="18" charset="0"/>
+                <a:cs typeface="Times New Roman" panose="02020603050405020304" pitchFamily="18" charset="0"/>
+              </a:rPr>
+              <a:t>velocidade</a:t>
+            </a:r>
+            <a:r>
+              <a:rPr lang="pt-BR" sz="2400" dirty="0">
+                <a:latin typeface="Times New Roman" panose="02020603050405020304" pitchFamily="18" charset="0"/>
+                <a:cs typeface="Times New Roman" panose="02020603050405020304" pitchFamily="18" charset="0"/>
+              </a:rPr>
+              <a:t> de </a:t>
+            </a:r>
+            <a:r>
+              <a:rPr lang="pt-BR" sz="2400" b="1" dirty="0">
+                <a:solidFill>
+                  <a:srgbClr val="FF0000"/>
+                </a:solidFill>
+                <a:latin typeface="Times New Roman" panose="02020603050405020304" pitchFamily="18" charset="0"/>
+                <a:cs typeface="Times New Roman" panose="02020603050405020304" pitchFamily="18" charset="0"/>
+              </a:rPr>
+              <a:t>100Mpbs</a:t>
+            </a:r>
+            <a:r>
+              <a:rPr lang="pt-BR" sz="2400" dirty="0">
+                <a:latin typeface="Times New Roman" panose="02020603050405020304" pitchFamily="18" charset="0"/>
+                <a:cs typeface="Times New Roman" panose="02020603050405020304" pitchFamily="18" charset="0"/>
+              </a:rPr>
+              <a:t>, </a:t>
+            </a:r>
+            <a:r>
+              <a:rPr lang="pt-BR" sz="2400" b="1" dirty="0">
+                <a:solidFill>
+                  <a:srgbClr val="FF0000"/>
+                </a:solidFill>
+                <a:latin typeface="Times New Roman" panose="02020603050405020304" pitchFamily="18" charset="0"/>
+                <a:cs typeface="Times New Roman" panose="02020603050405020304" pitchFamily="18" charset="0"/>
+              </a:rPr>
+              <a:t>segurança</a:t>
+            </a:r>
+            <a:r>
+              <a:rPr lang="pt-BR" sz="2400" dirty="0">
+                <a:latin typeface="Times New Roman" panose="02020603050405020304" pitchFamily="18" charset="0"/>
+                <a:cs typeface="Times New Roman" panose="02020603050405020304" pitchFamily="18" charset="0"/>
+              </a:rPr>
+              <a:t>.</a:t>
+            </a:r>
+            <a:endParaRPr lang="pt-BR" sz="2400" dirty="0">
+              <a:solidFill>
+                <a:srgbClr val="FF0000"/>
+              </a:solidFill>
+              <a:latin typeface="Times New Roman" panose="02020603050405020304" pitchFamily="18" charset="0"/>
+              <a:cs typeface="Times New Roman" panose="02020603050405020304" pitchFamily="18" charset="0"/>
+            </a:endParaRPr>
+          </a:p>
+        </p:txBody>
+      </p:sp>
+    </p:spTree>
+    <p:extLst>
+      <p:ext uri="{BB962C8B-B14F-4D97-AF65-F5344CB8AC3E}">
+        <p14:creationId xmlns:p14="http://schemas.microsoft.com/office/powerpoint/2010/main" val="289560802"/>
+      </p:ext>
+    </p:extLst>
+  </p:cSld>
+  <p:clrMapOvr>
+    <a:masterClrMapping/>
+  </p:clrMapOvr>
+  <p:transition spd="med"/>
+</p:sld>
+</file>
+
+<file path=ppt/slides/slide8.xml><?xml version="1.0" encoding="utf-8"?>
 <p:sld xmlns:a="http://schemas.openxmlformats.org/drawingml/2006/main" xmlns:r="http://schemas.openxmlformats.org/officeDocument/2006/relationships" xmlns:p="http://schemas.openxmlformats.org/presentationml/2006/main">
   <p:cSld>
     <p:spTree>
@@ -12788,11 +14462,35 @@
           <a:p>
             <a:pPr algn="just"/>
             <a:r>
+              <a:rPr lang="pt-BR" sz="2400" b="1" dirty="0">
+                <a:latin typeface="Times New Roman" panose="02020603050405020304" pitchFamily="18" charset="0"/>
+                <a:cs typeface="Times New Roman" panose="02020603050405020304" pitchFamily="18" charset="0"/>
+              </a:rPr>
+              <a:t>Planejamento de endereço </a:t>
+            </a:r>
+            <a:r>
               <a:rPr lang="pt-BR" sz="2400" dirty="0">
                 <a:latin typeface="Times New Roman" panose="02020603050405020304" pitchFamily="18" charset="0"/>
                 <a:cs typeface="Times New Roman" panose="02020603050405020304" pitchFamily="18" charset="0"/>
               </a:rPr>
-              <a:t>Planejamento de endereço e tempo de ciclo;</a:t>
+              <a:t>e tempo de ciclo da tarefa (</a:t>
+            </a:r>
+            <a:r>
+              <a:rPr lang="pt-BR" sz="2400" b="1" dirty="0">
+                <a:solidFill>
+                  <a:srgbClr val="FF0000"/>
+                </a:solidFill>
+                <a:latin typeface="Times New Roman" panose="02020603050405020304" pitchFamily="18" charset="0"/>
+                <a:cs typeface="Times New Roman" panose="02020603050405020304" pitchFamily="18" charset="0"/>
+              </a:rPr>
+              <a:t>eficiência</a:t>
+            </a:r>
+            <a:r>
+              <a:rPr lang="pt-BR" sz="2400" dirty="0">
+                <a:latin typeface="Times New Roman" panose="02020603050405020304" pitchFamily="18" charset="0"/>
+                <a:cs typeface="Times New Roman" panose="02020603050405020304" pitchFamily="18" charset="0"/>
+              </a:rPr>
+              <a:t>);</a:t>
             </a:r>
           </a:p>
           <a:p>
@@ -12825,7 +14523,24 @@
                 <a:latin typeface="Times New Roman" panose="02020603050405020304" pitchFamily="18" charset="0"/>
                 <a:cs typeface="Times New Roman" panose="02020603050405020304" pitchFamily="18" charset="0"/>
               </a:rPr>
-              <a:t>: TIA Portal, Step 7);</a:t>
+              <a:t>: </a:t>
+            </a:r>
+            <a:r>
+              <a:rPr lang="pt-BR" sz="2400" b="1" dirty="0">
+                <a:solidFill>
+                  <a:srgbClr val="FF0000"/>
+                </a:solidFill>
+                <a:latin typeface="Times New Roman" panose="02020603050405020304" pitchFamily="18" charset="0"/>
+                <a:cs typeface="Times New Roman" panose="02020603050405020304" pitchFamily="18" charset="0"/>
+              </a:rPr>
+              <a:t>TIA Portal</a:t>
+            </a:r>
+            <a:r>
+              <a:rPr lang="pt-BR" sz="2400" dirty="0">
+                <a:latin typeface="Times New Roman" panose="02020603050405020304" pitchFamily="18" charset="0"/>
+                <a:cs typeface="Times New Roman" panose="02020603050405020304" pitchFamily="18" charset="0"/>
+              </a:rPr>
+              <a:t>, Step 7);</a:t>
             </a:r>
           </a:p>
           <a:p>
@@ -12844,7 +14559,21 @@
                 <a:latin typeface="Times New Roman" panose="02020603050405020304" pitchFamily="18" charset="0"/>
                 <a:cs typeface="Times New Roman" panose="02020603050405020304" pitchFamily="18" charset="0"/>
               </a:rPr>
-              <a:t>Configuração de dispositivos e diagnóstico de rede.</a:t>
+              <a:t>Configuração de dispositivos e </a:t>
+            </a:r>
+            <a:r>
+              <a:rPr lang="pt-BR" sz="2400" b="1" dirty="0">
+                <a:latin typeface="Times New Roman" panose="02020603050405020304" pitchFamily="18" charset="0"/>
+                <a:cs typeface="Times New Roman" panose="02020603050405020304" pitchFamily="18" charset="0"/>
+              </a:rPr>
+              <a:t>diagnóstico de rede</a:t>
+            </a:r>
+            <a:r>
+              <a:rPr lang="pt-BR" sz="2400" dirty="0">
+                <a:latin typeface="Times New Roman" panose="02020603050405020304" pitchFamily="18" charset="0"/>
+                <a:cs typeface="Times New Roman" panose="02020603050405020304" pitchFamily="18" charset="0"/>
+              </a:rPr>
+              <a:t>.</a:t>
             </a:r>
           </a:p>
         </p:txBody>
@@ -12863,7 +14592,7 @@
 </p:sld>
 </file>
 
-<file path=ppt/slides/slide7.xml><?xml version="1.0" encoding="utf-8"?>
+<file path=ppt/slides/slide9.xml><?xml version="1.0" encoding="utf-8"?>
 <p:sld xmlns:a="http://schemas.openxmlformats.org/drawingml/2006/main" xmlns:r="http://schemas.openxmlformats.org/officeDocument/2006/relationships" xmlns:p="http://schemas.openxmlformats.org/presentationml/2006/main">
   <p:cSld>
     <p:spTree>
@@ -13143,510 +14872,6 @@
     <p:extLst>
       <p:ext uri="{BB962C8B-B14F-4D97-AF65-F5344CB8AC3E}">
         <p14:creationId xmlns:p14="http://schemas.microsoft.com/office/powerpoint/2010/main" val="2776425011"/>
-      </p:ext>
-    </p:extLst>
-  </p:cSld>
-  <p:clrMapOvr>
-    <a:masterClrMapping/>
-  </p:clrMapOvr>
-  <p:transition spd="med"/>
-</p:sld>
-</file>
-
-<file path=ppt/slides/slide8.xml><?xml version="1.0" encoding="utf-8"?>
-<p:sld xmlns:a="http://schemas.openxmlformats.org/drawingml/2006/main" xmlns:r="http://schemas.openxmlformats.org/officeDocument/2006/relationships" xmlns:p="http://schemas.openxmlformats.org/presentationml/2006/main">
-  <p:cSld>
-    <p:spTree>
-      <p:nvGrpSpPr>
-        <p:cNvPr id="1" name="">
-          <a:extLst>
-            <a:ext uri="{FF2B5EF4-FFF2-40B4-BE49-F238E27FC236}">
-              <a16:creationId xmlns:a16="http://schemas.microsoft.com/office/drawing/2014/main" id="{A83D4940-F4BF-F6B0-7BE8-DD9320462C31}"/>
-            </a:ext>
-          </a:extLst>
-        </p:cNvPr>
-        <p:cNvGrpSpPr/>
-        <p:nvPr/>
-      </p:nvGrpSpPr>
-      <p:grpSpPr>
-        <a:xfrm>
-          <a:off x="0" y="0"/>
-          <a:ext cx="0" cy="0"/>
-          <a:chOff x="0" y="0"/>
-          <a:chExt cx="0" cy="0"/>
-        </a:xfrm>
-      </p:grpSpPr>
-      <p:sp>
-        <p:nvSpPr>
-          <p:cNvPr id="6" name="Title 1">
-            <a:extLst>
-              <a:ext uri="{FF2B5EF4-FFF2-40B4-BE49-F238E27FC236}">
-                <a16:creationId xmlns:a16="http://schemas.microsoft.com/office/drawing/2014/main" id="{A21DE5A3-9FDE-E285-E029-77A9C1E495A3}"/>
-              </a:ext>
-            </a:extLst>
-          </p:cNvPr>
-          <p:cNvSpPr>
-            <a:spLocks noGrp="1"/>
-          </p:cNvSpPr>
-          <p:nvPr>
-            <p:ph type="title"/>
-          </p:nvPr>
-        </p:nvSpPr>
-        <p:spPr>
-          <a:xfrm>
-            <a:off x="457200" y="205980"/>
-            <a:ext cx="8229600" cy="857251"/>
-          </a:xfrm>
-        </p:spPr>
-        <p:txBody>
-          <a:bodyPr>
-            <a:normAutofit fontScale="90000"/>
-          </a:bodyPr>
-          <a:lstStyle/>
-          <a:p>
-            <a:r>
-              <a:rPr lang="en-US" b="1" dirty="0">
-                <a:solidFill>
-                  <a:srgbClr val="0070C0"/>
-                </a:solidFill>
-              </a:rPr>
-              <a:t>CLP – 1. </a:t>
-            </a:r>
-            <a:r>
-              <a:rPr lang="en-US" b="1" dirty="0" err="1">
-                <a:solidFill>
-                  <a:srgbClr val="0070C0"/>
-                </a:solidFill>
-              </a:rPr>
-              <a:t>Planej</a:t>
-            </a:r>
-            <a:r>
-              <a:rPr lang="en-US" b="1" dirty="0">
-                <a:solidFill>
-                  <a:srgbClr val="0070C0"/>
-                </a:solidFill>
-              </a:rPr>
-              <a:t>. </a:t>
-            </a:r>
-            <a:r>
-              <a:rPr lang="en-US" b="1" dirty="0" err="1">
-                <a:solidFill>
-                  <a:srgbClr val="0070C0"/>
-                </a:solidFill>
-              </a:rPr>
-              <a:t>Endereço</a:t>
-            </a:r>
-            <a:r>
-              <a:rPr lang="en-US" b="1" dirty="0">
-                <a:solidFill>
-                  <a:srgbClr val="0070C0"/>
-                </a:solidFill>
-              </a:rPr>
-              <a:t> / Time Cycle </a:t>
-            </a:r>
-          </a:p>
-        </p:txBody>
-      </p:sp>
-      <p:sp>
-        <p:nvSpPr>
-          <p:cNvPr id="8" name="Text Placeholder 2">
-            <a:extLst>
-              <a:ext uri="{FF2B5EF4-FFF2-40B4-BE49-F238E27FC236}">
-                <a16:creationId xmlns:a16="http://schemas.microsoft.com/office/drawing/2014/main" id="{4BA0436A-BD32-74C0-B8B6-45D003A9DD45}"/>
-              </a:ext>
-            </a:extLst>
-          </p:cNvPr>
-          <p:cNvSpPr>
-            <a:spLocks noGrp="1"/>
-          </p:cNvSpPr>
-          <p:nvPr>
-            <p:ph type="body" sz="half" idx="1"/>
-          </p:nvPr>
-        </p:nvSpPr>
-        <p:spPr>
-          <a:xfrm>
-            <a:off x="142865" y="1035050"/>
-            <a:ext cx="8865056" cy="3994150"/>
-          </a:xfrm>
-        </p:spPr>
-        <p:txBody>
-          <a:bodyPr>
-            <a:noAutofit/>
-          </a:bodyPr>
-          <a:lstStyle/>
-          <a:p>
-            <a:pPr marL="0" indent="0" algn="just">
-              <a:buNone/>
-            </a:pPr>
-            <a:r>
-              <a:rPr lang="pt-BR" sz="2200" b="1" dirty="0">
-                <a:solidFill>
-                  <a:srgbClr val="FF0000"/>
-                </a:solidFill>
-                <a:latin typeface="Times New Roman" panose="02020603050405020304" pitchFamily="18" charset="0"/>
-                <a:cs typeface="Times New Roman" panose="02020603050405020304" pitchFamily="18" charset="0"/>
-              </a:rPr>
-              <a:t>Tempo de ciclo (</a:t>
-            </a:r>
-            <a:r>
-              <a:rPr lang="pt-BR" sz="2200" b="1" dirty="0" err="1">
-                <a:solidFill>
-                  <a:srgbClr val="FF0000"/>
-                </a:solidFill>
-                <a:latin typeface="Times New Roman" panose="02020603050405020304" pitchFamily="18" charset="0"/>
-                <a:cs typeface="Times New Roman" panose="02020603050405020304" pitchFamily="18" charset="0"/>
-              </a:rPr>
-              <a:t>Cycle</a:t>
-            </a:r>
-            <a:r>
-              <a:rPr lang="pt-BR" sz="2200" b="1" dirty="0">
-                <a:solidFill>
-                  <a:srgbClr val="FF0000"/>
-                </a:solidFill>
-                <a:latin typeface="Times New Roman" panose="02020603050405020304" pitchFamily="18" charset="0"/>
-                <a:cs typeface="Times New Roman" panose="02020603050405020304" pitchFamily="18" charset="0"/>
-              </a:rPr>
-              <a:t> Time)</a:t>
-            </a:r>
-          </a:p>
-          <a:p>
-            <a:pPr algn="just"/>
-            <a:r>
-              <a:rPr lang="pt-BR" sz="2000" dirty="0">
-                <a:latin typeface="Times New Roman" panose="02020603050405020304" pitchFamily="18" charset="0"/>
-                <a:cs typeface="Times New Roman" panose="02020603050405020304" pitchFamily="18" charset="0"/>
-              </a:rPr>
-              <a:t>Depende da velocidade de transmissão (9.6 </a:t>
-            </a:r>
-            <a:r>
-              <a:rPr lang="pt-BR" sz="2000" dirty="0" err="1">
-                <a:latin typeface="Times New Roman" panose="02020603050405020304" pitchFamily="18" charset="0"/>
-                <a:cs typeface="Times New Roman" panose="02020603050405020304" pitchFamily="18" charset="0"/>
-              </a:rPr>
-              <a:t>kbps</a:t>
-            </a:r>
-            <a:r>
-              <a:rPr lang="pt-BR" sz="2000" dirty="0">
-                <a:latin typeface="Times New Roman" panose="02020603050405020304" pitchFamily="18" charset="0"/>
-                <a:cs typeface="Times New Roman" panose="02020603050405020304" pitchFamily="18" charset="0"/>
-              </a:rPr>
-              <a:t> até 12 Mbps), número de dispositivos, e quantidade de dados trocados;</a:t>
-            </a:r>
-          </a:p>
-          <a:p>
-            <a:pPr marL="0" indent="0" algn="just">
-              <a:buNone/>
-            </a:pPr>
-            <a:endParaRPr lang="pt-BR" sz="2000" dirty="0">
-              <a:latin typeface="Times New Roman" panose="02020603050405020304" pitchFamily="18" charset="0"/>
-              <a:cs typeface="Times New Roman" panose="02020603050405020304" pitchFamily="18" charset="0"/>
-            </a:endParaRPr>
-          </a:p>
-          <a:p>
-            <a:pPr algn="just"/>
-            <a:r>
-              <a:rPr lang="pt-BR" sz="2000" dirty="0">
-                <a:latin typeface="Times New Roman" panose="02020603050405020304" pitchFamily="18" charset="0"/>
-                <a:cs typeface="Times New Roman" panose="02020603050405020304" pitchFamily="18" charset="0"/>
-              </a:rPr>
-              <a:t>Exemplo: Em uma rede de 20 dispositivos a 1.5 Mbps, com baixa troca de dados, o tempo de ciclo pode ser em torno de 10–20 </a:t>
-            </a:r>
-            <a:r>
-              <a:rPr lang="pt-BR" sz="2000" dirty="0" err="1">
-                <a:latin typeface="Times New Roman" panose="02020603050405020304" pitchFamily="18" charset="0"/>
-                <a:cs typeface="Times New Roman" panose="02020603050405020304" pitchFamily="18" charset="0"/>
-              </a:rPr>
-              <a:t>ms</a:t>
-            </a:r>
-            <a:r>
-              <a:rPr lang="pt-BR" sz="2000" dirty="0">
-                <a:latin typeface="Times New Roman" panose="02020603050405020304" pitchFamily="18" charset="0"/>
-                <a:cs typeface="Times New Roman" panose="02020603050405020304" pitchFamily="18" charset="0"/>
-              </a:rPr>
-              <a:t>;</a:t>
-            </a:r>
-          </a:p>
-          <a:p>
-            <a:pPr marL="0" indent="0" algn="just">
-              <a:buNone/>
-            </a:pPr>
-            <a:endParaRPr lang="pt-BR" sz="2000" dirty="0">
-              <a:latin typeface="Times New Roman" panose="02020603050405020304" pitchFamily="18" charset="0"/>
-              <a:cs typeface="Times New Roman" panose="02020603050405020304" pitchFamily="18" charset="0"/>
-            </a:endParaRPr>
-          </a:p>
-          <a:p>
-            <a:pPr algn="just"/>
-            <a:r>
-              <a:rPr lang="pt-BR" sz="2000" dirty="0">
-                <a:latin typeface="Times New Roman" panose="02020603050405020304" pitchFamily="18" charset="0"/>
-                <a:cs typeface="Times New Roman" panose="02020603050405020304" pitchFamily="18" charset="0"/>
-              </a:rPr>
-              <a:t>Um ciclo mais curto → resposta mais rápida, mas exige mais do controlador;</a:t>
-            </a:r>
-          </a:p>
-          <a:p>
-            <a:pPr marL="0" indent="0" algn="just">
-              <a:buNone/>
-            </a:pPr>
-            <a:endParaRPr lang="pt-BR" sz="2000" dirty="0">
-              <a:latin typeface="Times New Roman" panose="02020603050405020304" pitchFamily="18" charset="0"/>
-              <a:cs typeface="Times New Roman" panose="02020603050405020304" pitchFamily="18" charset="0"/>
-            </a:endParaRPr>
-          </a:p>
-          <a:p>
-            <a:pPr algn="just"/>
-            <a:r>
-              <a:rPr lang="pt-BR" sz="2000" dirty="0">
-                <a:latin typeface="Times New Roman" panose="02020603050405020304" pitchFamily="18" charset="0"/>
-                <a:cs typeface="Times New Roman" panose="02020603050405020304" pitchFamily="18" charset="0"/>
-              </a:rPr>
-              <a:t>O tempo de ciclo precisa ser balanceado com as exigências do processo e a capacidade do CLP.</a:t>
-            </a:r>
-          </a:p>
-          <a:p>
-            <a:pPr marL="0" indent="0" algn="just">
-              <a:buNone/>
-            </a:pPr>
-            <a:endParaRPr lang="pt-BR" sz="2400" dirty="0">
-              <a:latin typeface="Times New Roman" panose="02020603050405020304" pitchFamily="18" charset="0"/>
-              <a:cs typeface="Times New Roman" panose="02020603050405020304" pitchFamily="18" charset="0"/>
-            </a:endParaRPr>
-          </a:p>
-        </p:txBody>
-      </p:sp>
-    </p:spTree>
-    <p:extLst>
-      <p:ext uri="{BB962C8B-B14F-4D97-AF65-F5344CB8AC3E}">
-        <p14:creationId xmlns:p14="http://schemas.microsoft.com/office/powerpoint/2010/main" val="726100212"/>
-      </p:ext>
-    </p:extLst>
-  </p:cSld>
-  <p:clrMapOvr>
-    <a:masterClrMapping/>
-  </p:clrMapOvr>
-  <p:transition spd="med"/>
-</p:sld>
-</file>
-
-<file path=ppt/slides/slide9.xml><?xml version="1.0" encoding="utf-8"?>
-<p:sld xmlns:a="http://schemas.openxmlformats.org/drawingml/2006/main" xmlns:r="http://schemas.openxmlformats.org/officeDocument/2006/relationships" xmlns:p="http://schemas.openxmlformats.org/presentationml/2006/main">
-  <p:cSld>
-    <p:spTree>
-      <p:nvGrpSpPr>
-        <p:cNvPr id="1" name="">
-          <a:extLst>
-            <a:ext uri="{FF2B5EF4-FFF2-40B4-BE49-F238E27FC236}">
-              <a16:creationId xmlns:a16="http://schemas.microsoft.com/office/drawing/2014/main" id="{FAA310DE-56C8-BBF1-AB1D-4315831700BE}"/>
-            </a:ext>
-          </a:extLst>
-        </p:cNvPr>
-        <p:cNvGrpSpPr/>
-        <p:nvPr/>
-      </p:nvGrpSpPr>
-      <p:grpSpPr>
-        <a:xfrm>
-          <a:off x="0" y="0"/>
-          <a:ext cx="0" cy="0"/>
-          <a:chOff x="0" y="0"/>
-          <a:chExt cx="0" cy="0"/>
-        </a:xfrm>
-      </p:grpSpPr>
-      <p:sp>
-        <p:nvSpPr>
-          <p:cNvPr id="6" name="Title 1">
-            <a:extLst>
-              <a:ext uri="{FF2B5EF4-FFF2-40B4-BE49-F238E27FC236}">
-                <a16:creationId xmlns:a16="http://schemas.microsoft.com/office/drawing/2014/main" id="{EF1F3E2F-EA44-5A4E-6E0E-6C9FDB1ABCE7}"/>
-              </a:ext>
-            </a:extLst>
-          </p:cNvPr>
-          <p:cNvSpPr>
-            <a:spLocks noGrp="1"/>
-          </p:cNvSpPr>
-          <p:nvPr>
-            <p:ph type="title"/>
-          </p:nvPr>
-        </p:nvSpPr>
-        <p:spPr>
-          <a:xfrm>
-            <a:off x="457200" y="205980"/>
-            <a:ext cx="8229600" cy="857251"/>
-          </a:xfrm>
-        </p:spPr>
-        <p:txBody>
-          <a:bodyPr>
-            <a:normAutofit/>
-          </a:bodyPr>
-          <a:lstStyle/>
-          <a:p>
-            <a:r>
-              <a:rPr lang="en-US" b="1" dirty="0">
-                <a:solidFill>
-                  <a:srgbClr val="0070C0"/>
-                </a:solidFill>
-              </a:rPr>
-              <a:t>CLP – 2. Uso do TIA Portal, Step 7</a:t>
-            </a:r>
-          </a:p>
-        </p:txBody>
-      </p:sp>
-      <p:sp>
-        <p:nvSpPr>
-          <p:cNvPr id="8" name="Text Placeholder 2">
-            <a:extLst>
-              <a:ext uri="{FF2B5EF4-FFF2-40B4-BE49-F238E27FC236}">
-                <a16:creationId xmlns:a16="http://schemas.microsoft.com/office/drawing/2014/main" id="{10098C88-BB14-676A-73B2-4911E065431E}"/>
-              </a:ext>
-            </a:extLst>
-          </p:cNvPr>
-          <p:cNvSpPr>
-            <a:spLocks noGrp="1"/>
-          </p:cNvSpPr>
-          <p:nvPr>
-            <p:ph type="body" sz="half" idx="1"/>
-          </p:nvPr>
-        </p:nvSpPr>
-        <p:spPr>
-          <a:xfrm>
-            <a:off x="142865" y="1035050"/>
-            <a:ext cx="8865056" cy="3994150"/>
-          </a:xfrm>
-        </p:spPr>
-        <p:txBody>
-          <a:bodyPr>
-            <a:noAutofit/>
-          </a:bodyPr>
-          <a:lstStyle/>
-          <a:p>
-            <a:pPr marL="0" indent="0" algn="just">
-              <a:buNone/>
-            </a:pPr>
-            <a:r>
-              <a:rPr lang="pt-BR" sz="2000" dirty="0">
-                <a:latin typeface="Times New Roman" panose="02020603050405020304" pitchFamily="18" charset="0"/>
-                <a:cs typeface="Times New Roman" panose="02020603050405020304" pitchFamily="18" charset="0"/>
-              </a:rPr>
-              <a:t>Software da Siemens para programação e configuração de dispositivos Siemens.</a:t>
-            </a:r>
-          </a:p>
-          <a:p>
-            <a:pPr marL="0" indent="0" algn="just">
-              <a:buNone/>
-            </a:pPr>
-            <a:endParaRPr lang="pt-BR" sz="2000" dirty="0">
-              <a:latin typeface="Times New Roman" panose="02020603050405020304" pitchFamily="18" charset="0"/>
-              <a:cs typeface="Times New Roman" panose="02020603050405020304" pitchFamily="18" charset="0"/>
-            </a:endParaRPr>
-          </a:p>
-          <a:p>
-            <a:pPr marL="0" indent="0" algn="just">
-              <a:buNone/>
-            </a:pPr>
-            <a:r>
-              <a:rPr lang="pt-BR" sz="2200" b="1" dirty="0">
-                <a:solidFill>
-                  <a:srgbClr val="FF0000"/>
-                </a:solidFill>
-                <a:latin typeface="Times New Roman" panose="02020603050405020304" pitchFamily="18" charset="0"/>
-                <a:cs typeface="Times New Roman" panose="02020603050405020304" pitchFamily="18" charset="0"/>
-              </a:rPr>
-              <a:t>Permite</a:t>
-            </a:r>
-          </a:p>
-          <a:p>
-            <a:pPr marL="0" indent="0" algn="just">
-              <a:buNone/>
-            </a:pPr>
-            <a:endParaRPr lang="pt-BR" sz="2200" dirty="0">
-              <a:latin typeface="Times New Roman" panose="02020603050405020304" pitchFamily="18" charset="0"/>
-              <a:cs typeface="Times New Roman" panose="02020603050405020304" pitchFamily="18" charset="0"/>
-            </a:endParaRPr>
-          </a:p>
-          <a:p>
-            <a:pPr algn="just"/>
-            <a:r>
-              <a:rPr lang="pt-BR" sz="2200" dirty="0">
-                <a:latin typeface="Times New Roman" panose="02020603050405020304" pitchFamily="18" charset="0"/>
-                <a:cs typeface="Times New Roman" panose="02020603050405020304" pitchFamily="18" charset="0"/>
-              </a:rPr>
-              <a:t>Configuração da rede </a:t>
-            </a:r>
-            <a:r>
-              <a:rPr lang="pt-BR" sz="2200" dirty="0" err="1">
-                <a:latin typeface="Times New Roman" panose="02020603050405020304" pitchFamily="18" charset="0"/>
-                <a:cs typeface="Times New Roman" panose="02020603050405020304" pitchFamily="18" charset="0"/>
-              </a:rPr>
-              <a:t>Profibus</a:t>
-            </a:r>
-            <a:r>
-              <a:rPr lang="pt-BR" sz="2200" dirty="0">
-                <a:latin typeface="Times New Roman" panose="02020603050405020304" pitchFamily="18" charset="0"/>
-                <a:cs typeface="Times New Roman" panose="02020603050405020304" pitchFamily="18" charset="0"/>
-              </a:rPr>
-              <a:t>.</a:t>
-            </a:r>
-          </a:p>
-          <a:p>
-            <a:pPr algn="just"/>
-            <a:r>
-              <a:rPr lang="pt-BR" sz="2200" dirty="0">
-                <a:latin typeface="Times New Roman" panose="02020603050405020304" pitchFamily="18" charset="0"/>
-                <a:cs typeface="Times New Roman" panose="02020603050405020304" pitchFamily="18" charset="0"/>
-              </a:rPr>
-              <a:t>Endereçamento de dispositivos.</a:t>
-            </a:r>
-          </a:p>
-          <a:p>
-            <a:pPr algn="just"/>
-            <a:r>
-              <a:rPr lang="pt-BR" sz="2200" dirty="0">
-                <a:latin typeface="Times New Roman" panose="02020603050405020304" pitchFamily="18" charset="0"/>
-                <a:cs typeface="Times New Roman" panose="02020603050405020304" pitchFamily="18" charset="0"/>
-              </a:rPr>
-              <a:t>Atribuição de </a:t>
-            </a:r>
-            <a:r>
-              <a:rPr lang="pt-BR" sz="2200" dirty="0" err="1">
-                <a:latin typeface="Times New Roman" panose="02020603050405020304" pitchFamily="18" charset="0"/>
-                <a:cs typeface="Times New Roman" panose="02020603050405020304" pitchFamily="18" charset="0"/>
-              </a:rPr>
-              <a:t>GSDs</a:t>
-            </a:r>
-            <a:r>
-              <a:rPr lang="pt-BR" sz="2200" dirty="0">
-                <a:latin typeface="Times New Roman" panose="02020603050405020304" pitchFamily="18" charset="0"/>
-                <a:cs typeface="Times New Roman" panose="02020603050405020304" pitchFamily="18" charset="0"/>
-              </a:rPr>
-              <a:t> (arquivos de descrição dos dispositivos).</a:t>
-            </a:r>
-          </a:p>
-          <a:p>
-            <a:pPr algn="just"/>
-            <a:r>
-              <a:rPr lang="pt-BR" sz="2200" dirty="0">
-                <a:latin typeface="Times New Roman" panose="02020603050405020304" pitchFamily="18" charset="0"/>
-                <a:cs typeface="Times New Roman" panose="02020603050405020304" pitchFamily="18" charset="0"/>
-              </a:rPr>
-              <a:t>Diagnóstico e simulação da rede.</a:t>
-            </a:r>
-          </a:p>
-          <a:p>
-            <a:pPr algn="just"/>
-            <a:r>
-              <a:rPr lang="pt-BR" sz="2200" dirty="0">
-                <a:latin typeface="Times New Roman" panose="02020603050405020304" pitchFamily="18" charset="0"/>
-                <a:cs typeface="Times New Roman" panose="02020603050405020304" pitchFamily="18" charset="0"/>
-              </a:rPr>
-              <a:t>Integração com o PLC programado (por exemplo, S7-1200/1500).</a:t>
-            </a:r>
-          </a:p>
-        </p:txBody>
-      </p:sp>
-    </p:spTree>
-    <p:extLst>
-      <p:ext uri="{BB962C8B-B14F-4D97-AF65-F5344CB8AC3E}">
-        <p14:creationId xmlns:p14="http://schemas.microsoft.com/office/powerpoint/2010/main" val="1507498114"/>
       </p:ext>
     </p:extLst>
   </p:cSld>
